--- a/paper/相关图.pptx
+++ b/paper/相关图.pptx
@@ -1,11 +1,18 @@
 
 <file path=ppt/presentation.xml><?xml version="1.0" encoding="utf-8"?>
-<p:presentation xmlns:a="http://schemas.openxmlformats.org/drawingml/2006/main" xmlns:r="http://schemas.openxmlformats.org/officeDocument/2006/relationships" xmlns:p="http://schemas.openxmlformats.org/presentationml/2006/main" saveSubsetFonts="1">
+<p:presentation xmlns:a="http://schemas.openxmlformats.org/drawingml/2006/main" xmlns:r="http://schemas.openxmlformats.org/officeDocument/2006/relationships" xmlns:p="http://schemas.openxmlformats.org/presentationml/2006/main">
   <p:sldMasterIdLst>
     <p:sldMasterId id="2147483648" r:id="rId1"/>
   </p:sldMasterIdLst>
-  <p:sldSz cx="12192000" cy="6858000"/>
+  <p:sldIdLst>
+    <p:sldId id="256" r:id="rId3"/>
+    <p:sldId id="257" r:id="rId4"/>
+  </p:sldIdLst>
+  <p:sldSz cx="17999710" cy="6858000"/>
   <p:notesSz cx="6858000" cy="9144000"/>
+  <p:custDataLst>
+    <p:tags r:id="rId8"/>
+  </p:custDataLst>
   <p:defaultTextStyle>
     <a:defPPr>
       <a:defRPr lang="zh-CN"/>
@@ -133,8 +140,8 @@
         </p:nvSpPr>
         <p:spPr>
           <a:xfrm>
-            <a:off x="1524000" y="1122363"/>
-            <a:ext cx="9144000" cy="2387600"/>
+            <a:off x="2250000" y="1122363"/>
+            <a:ext cx="13500000" cy="2387600"/>
           </a:xfrm>
         </p:spPr>
         <p:txBody>
@@ -165,8 +172,8 @@
         </p:nvSpPr>
         <p:spPr>
           <a:xfrm>
-            <a:off x="1524000" y="3602038"/>
-            <a:ext cx="9144000" cy="1655762"/>
+            <a:off x="2250000" y="3602038"/>
+            <a:ext cx="13500000" cy="1655762"/>
           </a:xfrm>
         </p:spPr>
         <p:txBody>
@@ -235,7 +242,6 @@
           <a:p>
             <a:fld id="{D997B5FA-0921-464F-AAE1-844C04324D75}" type="datetimeFigureOut">
               <a:rPr lang="zh-CN" altLang="en-US" smtClean="0"/>
-              <a:t>2015/5/5</a:t>
             </a:fld>
             <a:endParaRPr lang="zh-CN" altLang="en-US"/>
           </a:p>
@@ -277,18 +283,12 @@
           <a:p>
             <a:fld id="{565CE74E-AB26-4998-AD42-012C4C1AD076}" type="slidenum">
               <a:rPr lang="zh-CN" altLang="en-US" smtClean="0"/>
-              <a:t>‹#›</a:t>
             </a:fld>
             <a:endParaRPr lang="zh-CN" altLang="en-US"/>
           </a:p>
         </p:txBody>
       </p:sp>
     </p:spTree>
-    <p:extLst>
-      <p:ext uri="{BB962C8B-B14F-4D97-AF65-F5344CB8AC3E}">
-        <p14:creationId xmlns:p14="http://schemas.microsoft.com/office/powerpoint/2010/main" val="3051827620"/>
-      </p:ext>
-    </p:extLst>
   </p:cSld>
   <p:clrMapOvr>
     <a:masterClrMapping/>
@@ -356,6 +356,7 @@
               <a:rPr lang="zh-CN" altLang="en-US" smtClean="0"/>
               <a:t>单击此处编辑母版文本样式</a:t>
             </a:r>
+            <a:endParaRPr lang="zh-CN" altLang="en-US" smtClean="0"/>
           </a:p>
           <a:p>
             <a:pPr lvl="1"/>
@@ -363,6 +364,7 @@
               <a:rPr lang="zh-CN" altLang="en-US" smtClean="0"/>
               <a:t>第二级</a:t>
             </a:r>
+            <a:endParaRPr lang="zh-CN" altLang="en-US" smtClean="0"/>
           </a:p>
           <a:p>
             <a:pPr lvl="2"/>
@@ -370,6 +372,7 @@
               <a:rPr lang="zh-CN" altLang="en-US" smtClean="0"/>
               <a:t>第三级</a:t>
             </a:r>
+            <a:endParaRPr lang="zh-CN" altLang="en-US" smtClean="0"/>
           </a:p>
           <a:p>
             <a:pPr lvl="3"/>
@@ -377,6 +380,7 @@
               <a:rPr lang="zh-CN" altLang="en-US" smtClean="0"/>
               <a:t>第四级</a:t>
             </a:r>
+            <a:endParaRPr lang="zh-CN" altLang="en-US" smtClean="0"/>
           </a:p>
           <a:p>
             <a:pPr lvl="4"/>
@@ -405,7 +409,6 @@
           <a:p>
             <a:fld id="{D997B5FA-0921-464F-AAE1-844C04324D75}" type="datetimeFigureOut">
               <a:rPr lang="zh-CN" altLang="en-US" smtClean="0"/>
-              <a:t>2015/5/5</a:t>
             </a:fld>
             <a:endParaRPr lang="zh-CN" altLang="en-US"/>
           </a:p>
@@ -447,18 +450,12 @@
           <a:p>
             <a:fld id="{565CE74E-AB26-4998-AD42-012C4C1AD076}" type="slidenum">
               <a:rPr lang="zh-CN" altLang="en-US" smtClean="0"/>
-              <a:t>‹#›</a:t>
             </a:fld>
             <a:endParaRPr lang="zh-CN" altLang="en-US"/>
           </a:p>
         </p:txBody>
       </p:sp>
     </p:spTree>
-    <p:extLst>
-      <p:ext uri="{BB962C8B-B14F-4D97-AF65-F5344CB8AC3E}">
-        <p14:creationId xmlns:p14="http://schemas.microsoft.com/office/powerpoint/2010/main" val="3188717747"/>
-      </p:ext>
-    </p:extLst>
   </p:cSld>
   <p:clrMapOvr>
     <a:masterClrMapping/>
@@ -495,8 +492,8 @@
         </p:nvSpPr>
         <p:spPr>
           <a:xfrm>
-            <a:off x="8724900" y="365125"/>
-            <a:ext cx="2628900" cy="5811838"/>
+            <a:off x="12881250" y="365125"/>
+            <a:ext cx="3881250" cy="5811838"/>
           </a:xfrm>
         </p:spPr>
         <p:txBody>
@@ -523,8 +520,8 @@
         </p:nvSpPr>
         <p:spPr>
           <a:xfrm>
-            <a:off x="838200" y="365125"/>
-            <a:ext cx="7734300" cy="5811838"/>
+            <a:off x="1237500" y="365125"/>
+            <a:ext cx="11418750" cy="5811838"/>
           </a:xfrm>
         </p:spPr>
         <p:txBody>
@@ -536,6 +533,7 @@
               <a:rPr lang="zh-CN" altLang="en-US" smtClean="0"/>
               <a:t>单击此处编辑母版文本样式</a:t>
             </a:r>
+            <a:endParaRPr lang="zh-CN" altLang="en-US" smtClean="0"/>
           </a:p>
           <a:p>
             <a:pPr lvl="1"/>
@@ -543,6 +541,7 @@
               <a:rPr lang="zh-CN" altLang="en-US" smtClean="0"/>
               <a:t>第二级</a:t>
             </a:r>
+            <a:endParaRPr lang="zh-CN" altLang="en-US" smtClean="0"/>
           </a:p>
           <a:p>
             <a:pPr lvl="2"/>
@@ -550,6 +549,7 @@
               <a:rPr lang="zh-CN" altLang="en-US" smtClean="0"/>
               <a:t>第三级</a:t>
             </a:r>
+            <a:endParaRPr lang="zh-CN" altLang="en-US" smtClean="0"/>
           </a:p>
           <a:p>
             <a:pPr lvl="3"/>
@@ -557,6 +557,7 @@
               <a:rPr lang="zh-CN" altLang="en-US" smtClean="0"/>
               <a:t>第四级</a:t>
             </a:r>
+            <a:endParaRPr lang="zh-CN" altLang="en-US" smtClean="0"/>
           </a:p>
           <a:p>
             <a:pPr lvl="4"/>
@@ -585,7 +586,6 @@
           <a:p>
             <a:fld id="{D997B5FA-0921-464F-AAE1-844C04324D75}" type="datetimeFigureOut">
               <a:rPr lang="zh-CN" altLang="en-US" smtClean="0"/>
-              <a:t>2015/5/5</a:t>
             </a:fld>
             <a:endParaRPr lang="zh-CN" altLang="en-US"/>
           </a:p>
@@ -627,18 +627,12 @@
           <a:p>
             <a:fld id="{565CE74E-AB26-4998-AD42-012C4C1AD076}" type="slidenum">
               <a:rPr lang="zh-CN" altLang="en-US" smtClean="0"/>
-              <a:t>‹#›</a:t>
             </a:fld>
             <a:endParaRPr lang="zh-CN" altLang="en-US"/>
           </a:p>
         </p:txBody>
       </p:sp>
     </p:spTree>
-    <p:extLst>
-      <p:ext uri="{BB962C8B-B14F-4D97-AF65-F5344CB8AC3E}">
-        <p14:creationId xmlns:p14="http://schemas.microsoft.com/office/powerpoint/2010/main" val="4025501431"/>
-      </p:ext>
-    </p:extLst>
   </p:cSld>
   <p:clrMapOvr>
     <a:masterClrMapping/>
@@ -706,6 +700,7 @@
               <a:rPr lang="zh-CN" altLang="en-US" smtClean="0"/>
               <a:t>单击此处编辑母版文本样式</a:t>
             </a:r>
+            <a:endParaRPr lang="zh-CN" altLang="en-US" smtClean="0"/>
           </a:p>
           <a:p>
             <a:pPr lvl="1"/>
@@ -713,6 +708,7 @@
               <a:rPr lang="zh-CN" altLang="en-US" smtClean="0"/>
               <a:t>第二级</a:t>
             </a:r>
+            <a:endParaRPr lang="zh-CN" altLang="en-US" smtClean="0"/>
           </a:p>
           <a:p>
             <a:pPr lvl="2"/>
@@ -720,6 +716,7 @@
               <a:rPr lang="zh-CN" altLang="en-US" smtClean="0"/>
               <a:t>第三级</a:t>
             </a:r>
+            <a:endParaRPr lang="zh-CN" altLang="en-US" smtClean="0"/>
           </a:p>
           <a:p>
             <a:pPr lvl="3"/>
@@ -727,6 +724,7 @@
               <a:rPr lang="zh-CN" altLang="en-US" smtClean="0"/>
               <a:t>第四级</a:t>
             </a:r>
+            <a:endParaRPr lang="zh-CN" altLang="en-US" smtClean="0"/>
           </a:p>
           <a:p>
             <a:pPr lvl="4"/>
@@ -755,7 +753,6 @@
           <a:p>
             <a:fld id="{D997B5FA-0921-464F-AAE1-844C04324D75}" type="datetimeFigureOut">
               <a:rPr lang="zh-CN" altLang="en-US" smtClean="0"/>
-              <a:t>2015/5/5</a:t>
             </a:fld>
             <a:endParaRPr lang="zh-CN" altLang="en-US"/>
           </a:p>
@@ -797,18 +794,12 @@
           <a:p>
             <a:fld id="{565CE74E-AB26-4998-AD42-012C4C1AD076}" type="slidenum">
               <a:rPr lang="zh-CN" altLang="en-US" smtClean="0"/>
-              <a:t>‹#›</a:t>
             </a:fld>
             <a:endParaRPr lang="zh-CN" altLang="en-US"/>
           </a:p>
         </p:txBody>
       </p:sp>
     </p:spTree>
-    <p:extLst>
-      <p:ext uri="{BB962C8B-B14F-4D97-AF65-F5344CB8AC3E}">
-        <p14:creationId xmlns:p14="http://schemas.microsoft.com/office/powerpoint/2010/main" val="598653943"/>
-      </p:ext>
-    </p:extLst>
   </p:cSld>
   <p:clrMapOvr>
     <a:masterClrMapping/>
@@ -845,8 +836,8 @@
         </p:nvSpPr>
         <p:spPr>
           <a:xfrm>
-            <a:off x="831850" y="1709738"/>
-            <a:ext cx="10515600" cy="2852737"/>
+            <a:off x="1228125" y="1709738"/>
+            <a:ext cx="15525000" cy="2852737"/>
           </a:xfrm>
         </p:spPr>
         <p:txBody>
@@ -877,8 +868,8 @@
         </p:nvSpPr>
         <p:spPr>
           <a:xfrm>
-            <a:off x="831850" y="4589463"/>
-            <a:ext cx="10515600" cy="1500187"/>
+            <a:off x="1228125" y="4589463"/>
+            <a:ext cx="15525000" cy="1500187"/>
           </a:xfrm>
         </p:spPr>
         <p:txBody>
@@ -981,6 +972,7 @@
               <a:rPr lang="zh-CN" altLang="en-US" smtClean="0"/>
               <a:t>单击此处编辑母版文本样式</a:t>
             </a:r>
+            <a:endParaRPr lang="zh-CN" altLang="en-US" smtClean="0"/>
           </a:p>
         </p:txBody>
       </p:sp>
@@ -1001,7 +993,6 @@
           <a:p>
             <a:fld id="{D997B5FA-0921-464F-AAE1-844C04324D75}" type="datetimeFigureOut">
               <a:rPr lang="zh-CN" altLang="en-US" smtClean="0"/>
-              <a:t>2015/5/5</a:t>
             </a:fld>
             <a:endParaRPr lang="zh-CN" altLang="en-US"/>
           </a:p>
@@ -1043,18 +1034,12 @@
           <a:p>
             <a:fld id="{565CE74E-AB26-4998-AD42-012C4C1AD076}" type="slidenum">
               <a:rPr lang="zh-CN" altLang="en-US" smtClean="0"/>
-              <a:t>‹#›</a:t>
             </a:fld>
             <a:endParaRPr lang="zh-CN" altLang="en-US"/>
           </a:p>
         </p:txBody>
       </p:sp>
     </p:spTree>
-    <p:extLst>
-      <p:ext uri="{BB962C8B-B14F-4D97-AF65-F5344CB8AC3E}">
-        <p14:creationId xmlns:p14="http://schemas.microsoft.com/office/powerpoint/2010/main" val="1612184157"/>
-      </p:ext>
-    </p:extLst>
   </p:cSld>
   <p:clrMapOvr>
     <a:masterClrMapping/>
@@ -1114,8 +1099,8 @@
         </p:nvSpPr>
         <p:spPr>
           <a:xfrm>
-            <a:off x="838200" y="1825625"/>
-            <a:ext cx="5181600" cy="4351338"/>
+            <a:off x="1237500" y="1825625"/>
+            <a:ext cx="7650000" cy="4351338"/>
           </a:xfrm>
         </p:spPr>
         <p:txBody>
@@ -1127,6 +1112,7 @@
               <a:rPr lang="zh-CN" altLang="en-US" smtClean="0"/>
               <a:t>单击此处编辑母版文本样式</a:t>
             </a:r>
+            <a:endParaRPr lang="zh-CN" altLang="en-US" smtClean="0"/>
           </a:p>
           <a:p>
             <a:pPr lvl="1"/>
@@ -1134,6 +1120,7 @@
               <a:rPr lang="zh-CN" altLang="en-US" smtClean="0"/>
               <a:t>第二级</a:t>
             </a:r>
+            <a:endParaRPr lang="zh-CN" altLang="en-US" smtClean="0"/>
           </a:p>
           <a:p>
             <a:pPr lvl="2"/>
@@ -1141,6 +1128,7 @@
               <a:rPr lang="zh-CN" altLang="en-US" smtClean="0"/>
               <a:t>第三级</a:t>
             </a:r>
+            <a:endParaRPr lang="zh-CN" altLang="en-US" smtClean="0"/>
           </a:p>
           <a:p>
             <a:pPr lvl="3"/>
@@ -1148,6 +1136,7 @@
               <a:rPr lang="zh-CN" altLang="en-US" smtClean="0"/>
               <a:t>第四级</a:t>
             </a:r>
+            <a:endParaRPr lang="zh-CN" altLang="en-US" smtClean="0"/>
           </a:p>
           <a:p>
             <a:pPr lvl="4"/>
@@ -1171,8 +1160,8 @@
         </p:nvSpPr>
         <p:spPr>
           <a:xfrm>
-            <a:off x="6172200" y="1825625"/>
-            <a:ext cx="5181600" cy="4351338"/>
+            <a:off x="9112500" y="1825625"/>
+            <a:ext cx="7650000" cy="4351338"/>
           </a:xfrm>
         </p:spPr>
         <p:txBody>
@@ -1184,6 +1173,7 @@
               <a:rPr lang="zh-CN" altLang="en-US" smtClean="0"/>
               <a:t>单击此处编辑母版文本样式</a:t>
             </a:r>
+            <a:endParaRPr lang="zh-CN" altLang="en-US" smtClean="0"/>
           </a:p>
           <a:p>
             <a:pPr lvl="1"/>
@@ -1191,6 +1181,7 @@
               <a:rPr lang="zh-CN" altLang="en-US" smtClean="0"/>
               <a:t>第二级</a:t>
             </a:r>
+            <a:endParaRPr lang="zh-CN" altLang="en-US" smtClean="0"/>
           </a:p>
           <a:p>
             <a:pPr lvl="2"/>
@@ -1198,6 +1189,7 @@
               <a:rPr lang="zh-CN" altLang="en-US" smtClean="0"/>
               <a:t>第三级</a:t>
             </a:r>
+            <a:endParaRPr lang="zh-CN" altLang="en-US" smtClean="0"/>
           </a:p>
           <a:p>
             <a:pPr lvl="3"/>
@@ -1205,6 +1197,7 @@
               <a:rPr lang="zh-CN" altLang="en-US" smtClean="0"/>
               <a:t>第四级</a:t>
             </a:r>
+            <a:endParaRPr lang="zh-CN" altLang="en-US" smtClean="0"/>
           </a:p>
           <a:p>
             <a:pPr lvl="4"/>
@@ -1233,7 +1226,6 @@
           <a:p>
             <a:fld id="{D997B5FA-0921-464F-AAE1-844C04324D75}" type="datetimeFigureOut">
               <a:rPr lang="zh-CN" altLang="en-US" smtClean="0"/>
-              <a:t>2015/5/5</a:t>
             </a:fld>
             <a:endParaRPr lang="zh-CN" altLang="en-US"/>
           </a:p>
@@ -1275,18 +1267,12 @@
           <a:p>
             <a:fld id="{565CE74E-AB26-4998-AD42-012C4C1AD076}" type="slidenum">
               <a:rPr lang="zh-CN" altLang="en-US" smtClean="0"/>
-              <a:t>‹#›</a:t>
             </a:fld>
             <a:endParaRPr lang="zh-CN" altLang="en-US"/>
           </a:p>
         </p:txBody>
       </p:sp>
     </p:spTree>
-    <p:extLst>
-      <p:ext uri="{BB962C8B-B14F-4D97-AF65-F5344CB8AC3E}">
-        <p14:creationId xmlns:p14="http://schemas.microsoft.com/office/powerpoint/2010/main" val="2905825717"/>
-      </p:ext>
-    </p:extLst>
   </p:cSld>
   <p:clrMapOvr>
     <a:masterClrMapping/>
@@ -1323,8 +1309,8 @@
         </p:nvSpPr>
         <p:spPr>
           <a:xfrm>
-            <a:off x="839788" y="365125"/>
-            <a:ext cx="10515600" cy="1325563"/>
+            <a:off x="1239845" y="365125"/>
+            <a:ext cx="15525000" cy="1325563"/>
           </a:xfrm>
         </p:spPr>
         <p:txBody>
@@ -1351,8 +1337,8 @@
         </p:nvSpPr>
         <p:spPr>
           <a:xfrm>
-            <a:off x="839788" y="1681163"/>
-            <a:ext cx="5157787" cy="823912"/>
+            <a:off x="1239845" y="1681163"/>
+            <a:ext cx="7614843" cy="823912"/>
           </a:xfrm>
         </p:spPr>
         <p:txBody>
@@ -1401,6 +1387,7 @@
               <a:rPr lang="zh-CN" altLang="en-US" smtClean="0"/>
               <a:t>单击此处编辑母版文本样式</a:t>
             </a:r>
+            <a:endParaRPr lang="zh-CN" altLang="en-US" smtClean="0"/>
           </a:p>
         </p:txBody>
       </p:sp>
@@ -1416,8 +1403,8 @@
         </p:nvSpPr>
         <p:spPr>
           <a:xfrm>
-            <a:off x="839788" y="2505075"/>
-            <a:ext cx="5157787" cy="3684588"/>
+            <a:off x="1239845" y="2505075"/>
+            <a:ext cx="7614843" cy="3684588"/>
           </a:xfrm>
         </p:spPr>
         <p:txBody>
@@ -1429,6 +1416,7 @@
               <a:rPr lang="zh-CN" altLang="en-US" smtClean="0"/>
               <a:t>单击此处编辑母版文本样式</a:t>
             </a:r>
+            <a:endParaRPr lang="zh-CN" altLang="en-US" smtClean="0"/>
           </a:p>
           <a:p>
             <a:pPr lvl="1"/>
@@ -1436,6 +1424,7 @@
               <a:rPr lang="zh-CN" altLang="en-US" smtClean="0"/>
               <a:t>第二级</a:t>
             </a:r>
+            <a:endParaRPr lang="zh-CN" altLang="en-US" smtClean="0"/>
           </a:p>
           <a:p>
             <a:pPr lvl="2"/>
@@ -1443,6 +1432,7 @@
               <a:rPr lang="zh-CN" altLang="en-US" smtClean="0"/>
               <a:t>第三级</a:t>
             </a:r>
+            <a:endParaRPr lang="zh-CN" altLang="en-US" smtClean="0"/>
           </a:p>
           <a:p>
             <a:pPr lvl="3"/>
@@ -1450,6 +1440,7 @@
               <a:rPr lang="zh-CN" altLang="en-US" smtClean="0"/>
               <a:t>第四级</a:t>
             </a:r>
+            <a:endParaRPr lang="zh-CN" altLang="en-US" smtClean="0"/>
           </a:p>
           <a:p>
             <a:pPr lvl="4"/>
@@ -1473,8 +1464,8 @@
         </p:nvSpPr>
         <p:spPr>
           <a:xfrm>
-            <a:off x="6172200" y="1681163"/>
-            <a:ext cx="5183188" cy="823912"/>
+            <a:off x="9112500" y="1681163"/>
+            <a:ext cx="7652345" cy="823912"/>
           </a:xfrm>
         </p:spPr>
         <p:txBody>
@@ -1523,6 +1514,7 @@
               <a:rPr lang="zh-CN" altLang="en-US" smtClean="0"/>
               <a:t>单击此处编辑母版文本样式</a:t>
             </a:r>
+            <a:endParaRPr lang="zh-CN" altLang="en-US" smtClean="0"/>
           </a:p>
         </p:txBody>
       </p:sp>
@@ -1538,8 +1530,8 @@
         </p:nvSpPr>
         <p:spPr>
           <a:xfrm>
-            <a:off x="6172200" y="2505075"/>
-            <a:ext cx="5183188" cy="3684588"/>
+            <a:off x="9112500" y="2505075"/>
+            <a:ext cx="7652345" cy="3684588"/>
           </a:xfrm>
         </p:spPr>
         <p:txBody>
@@ -1551,6 +1543,7 @@
               <a:rPr lang="zh-CN" altLang="en-US" smtClean="0"/>
               <a:t>单击此处编辑母版文本样式</a:t>
             </a:r>
+            <a:endParaRPr lang="zh-CN" altLang="en-US" smtClean="0"/>
           </a:p>
           <a:p>
             <a:pPr lvl="1"/>
@@ -1558,6 +1551,7 @@
               <a:rPr lang="zh-CN" altLang="en-US" smtClean="0"/>
               <a:t>第二级</a:t>
             </a:r>
+            <a:endParaRPr lang="zh-CN" altLang="en-US" smtClean="0"/>
           </a:p>
           <a:p>
             <a:pPr lvl="2"/>
@@ -1565,6 +1559,7 @@
               <a:rPr lang="zh-CN" altLang="en-US" smtClean="0"/>
               <a:t>第三级</a:t>
             </a:r>
+            <a:endParaRPr lang="zh-CN" altLang="en-US" smtClean="0"/>
           </a:p>
           <a:p>
             <a:pPr lvl="3"/>
@@ -1572,6 +1567,7 @@
               <a:rPr lang="zh-CN" altLang="en-US" smtClean="0"/>
               <a:t>第四级</a:t>
             </a:r>
+            <a:endParaRPr lang="zh-CN" altLang="en-US" smtClean="0"/>
           </a:p>
           <a:p>
             <a:pPr lvl="4"/>
@@ -1600,7 +1596,6 @@
           <a:p>
             <a:fld id="{D997B5FA-0921-464F-AAE1-844C04324D75}" type="datetimeFigureOut">
               <a:rPr lang="zh-CN" altLang="en-US" smtClean="0"/>
-              <a:t>2015/5/5</a:t>
             </a:fld>
             <a:endParaRPr lang="zh-CN" altLang="en-US"/>
           </a:p>
@@ -1642,18 +1637,12 @@
           <a:p>
             <a:fld id="{565CE74E-AB26-4998-AD42-012C4C1AD076}" type="slidenum">
               <a:rPr lang="zh-CN" altLang="en-US" smtClean="0"/>
-              <a:t>‹#›</a:t>
             </a:fld>
             <a:endParaRPr lang="zh-CN" altLang="en-US"/>
           </a:p>
         </p:txBody>
       </p:sp>
     </p:spTree>
-    <p:extLst>
-      <p:ext uri="{BB962C8B-B14F-4D97-AF65-F5344CB8AC3E}">
-        <p14:creationId xmlns:p14="http://schemas.microsoft.com/office/powerpoint/2010/main" val="168117047"/>
-      </p:ext>
-    </p:extLst>
   </p:cSld>
   <p:clrMapOvr>
     <a:masterClrMapping/>
@@ -1718,7 +1707,6 @@
           <a:p>
             <a:fld id="{D997B5FA-0921-464F-AAE1-844C04324D75}" type="datetimeFigureOut">
               <a:rPr lang="zh-CN" altLang="en-US" smtClean="0"/>
-              <a:t>2015/5/5</a:t>
             </a:fld>
             <a:endParaRPr lang="zh-CN" altLang="en-US"/>
           </a:p>
@@ -1760,18 +1748,12 @@
           <a:p>
             <a:fld id="{565CE74E-AB26-4998-AD42-012C4C1AD076}" type="slidenum">
               <a:rPr lang="zh-CN" altLang="en-US" smtClean="0"/>
-              <a:t>‹#›</a:t>
             </a:fld>
             <a:endParaRPr lang="zh-CN" altLang="en-US"/>
           </a:p>
         </p:txBody>
       </p:sp>
     </p:spTree>
-    <p:extLst>
-      <p:ext uri="{BB962C8B-B14F-4D97-AF65-F5344CB8AC3E}">
-        <p14:creationId xmlns:p14="http://schemas.microsoft.com/office/powerpoint/2010/main" val="2764406021"/>
-      </p:ext>
-    </p:extLst>
   </p:cSld>
   <p:clrMapOvr>
     <a:masterClrMapping/>
@@ -1813,7 +1795,6 @@
           <a:p>
             <a:fld id="{D997B5FA-0921-464F-AAE1-844C04324D75}" type="datetimeFigureOut">
               <a:rPr lang="zh-CN" altLang="en-US" smtClean="0"/>
-              <a:t>2015/5/5</a:t>
             </a:fld>
             <a:endParaRPr lang="zh-CN" altLang="en-US"/>
           </a:p>
@@ -1855,18 +1836,12 @@
           <a:p>
             <a:fld id="{565CE74E-AB26-4998-AD42-012C4C1AD076}" type="slidenum">
               <a:rPr lang="zh-CN" altLang="en-US" smtClean="0"/>
-              <a:t>‹#›</a:t>
             </a:fld>
             <a:endParaRPr lang="zh-CN" altLang="en-US"/>
           </a:p>
         </p:txBody>
       </p:sp>
     </p:spTree>
-    <p:extLst>
-      <p:ext uri="{BB962C8B-B14F-4D97-AF65-F5344CB8AC3E}">
-        <p14:creationId xmlns:p14="http://schemas.microsoft.com/office/powerpoint/2010/main" val="276523006"/>
-      </p:ext>
-    </p:extLst>
   </p:cSld>
   <p:clrMapOvr>
     <a:masterClrMapping/>
@@ -1903,8 +1878,8 @@
         </p:nvSpPr>
         <p:spPr>
           <a:xfrm>
-            <a:off x="839788" y="457200"/>
-            <a:ext cx="3932237" cy="1600200"/>
+            <a:off x="1239845" y="457200"/>
+            <a:ext cx="5805468" cy="1600200"/>
           </a:xfrm>
         </p:spPr>
         <p:txBody>
@@ -1935,8 +1910,8 @@
         </p:nvSpPr>
         <p:spPr>
           <a:xfrm>
-            <a:off x="5183188" y="987425"/>
-            <a:ext cx="6172200" cy="4873625"/>
+            <a:off x="7652345" y="987425"/>
+            <a:ext cx="9112500" cy="4873625"/>
           </a:xfrm>
         </p:spPr>
         <p:txBody>
@@ -1976,6 +1951,7 @@
               <a:rPr lang="zh-CN" altLang="en-US" smtClean="0"/>
               <a:t>单击此处编辑母版文本样式</a:t>
             </a:r>
+            <a:endParaRPr lang="zh-CN" altLang="en-US" smtClean="0"/>
           </a:p>
           <a:p>
             <a:pPr lvl="1"/>
@@ -1983,6 +1959,7 @@
               <a:rPr lang="zh-CN" altLang="en-US" smtClean="0"/>
               <a:t>第二级</a:t>
             </a:r>
+            <a:endParaRPr lang="zh-CN" altLang="en-US" smtClean="0"/>
           </a:p>
           <a:p>
             <a:pPr lvl="2"/>
@@ -1990,6 +1967,7 @@
               <a:rPr lang="zh-CN" altLang="en-US" smtClean="0"/>
               <a:t>第三级</a:t>
             </a:r>
+            <a:endParaRPr lang="zh-CN" altLang="en-US" smtClean="0"/>
           </a:p>
           <a:p>
             <a:pPr lvl="3"/>
@@ -1997,6 +1975,7 @@
               <a:rPr lang="zh-CN" altLang="en-US" smtClean="0"/>
               <a:t>第四级</a:t>
             </a:r>
+            <a:endParaRPr lang="zh-CN" altLang="en-US" smtClean="0"/>
           </a:p>
           <a:p>
             <a:pPr lvl="4"/>
@@ -2020,8 +1999,8 @@
         </p:nvSpPr>
         <p:spPr>
           <a:xfrm>
-            <a:off x="839788" y="2057400"/>
-            <a:ext cx="3932237" cy="3811588"/>
+            <a:off x="1239845" y="2057400"/>
+            <a:ext cx="5805468" cy="3811588"/>
           </a:xfrm>
         </p:spPr>
         <p:txBody>
@@ -2070,6 +2049,7 @@
               <a:rPr lang="zh-CN" altLang="en-US" smtClean="0"/>
               <a:t>单击此处编辑母版文本样式</a:t>
             </a:r>
+            <a:endParaRPr lang="zh-CN" altLang="en-US" smtClean="0"/>
           </a:p>
         </p:txBody>
       </p:sp>
@@ -2090,7 +2070,6 @@
           <a:p>
             <a:fld id="{D997B5FA-0921-464F-AAE1-844C04324D75}" type="datetimeFigureOut">
               <a:rPr lang="zh-CN" altLang="en-US" smtClean="0"/>
-              <a:t>2015/5/5</a:t>
             </a:fld>
             <a:endParaRPr lang="zh-CN" altLang="en-US"/>
           </a:p>
@@ -2132,18 +2111,12 @@
           <a:p>
             <a:fld id="{565CE74E-AB26-4998-AD42-012C4C1AD076}" type="slidenum">
               <a:rPr lang="zh-CN" altLang="en-US" smtClean="0"/>
-              <a:t>‹#›</a:t>
             </a:fld>
             <a:endParaRPr lang="zh-CN" altLang="en-US"/>
           </a:p>
         </p:txBody>
       </p:sp>
     </p:spTree>
-    <p:extLst>
-      <p:ext uri="{BB962C8B-B14F-4D97-AF65-F5344CB8AC3E}">
-        <p14:creationId xmlns:p14="http://schemas.microsoft.com/office/powerpoint/2010/main" val="694758376"/>
-      </p:ext>
-    </p:extLst>
   </p:cSld>
   <p:clrMapOvr>
     <a:masterClrMapping/>
@@ -2180,8 +2153,8 @@
         </p:nvSpPr>
         <p:spPr>
           <a:xfrm>
-            <a:off x="839788" y="457200"/>
-            <a:ext cx="3932237" cy="1600200"/>
+            <a:off x="1239845" y="457200"/>
+            <a:ext cx="5805468" cy="1600200"/>
           </a:xfrm>
         </p:spPr>
         <p:txBody>
@@ -2212,8 +2185,8 @@
         </p:nvSpPr>
         <p:spPr>
           <a:xfrm>
-            <a:off x="5183188" y="987425"/>
-            <a:ext cx="6172200" cy="4873625"/>
+            <a:off x="7652345" y="987425"/>
+            <a:ext cx="9112500" cy="4873625"/>
           </a:xfrm>
         </p:spPr>
         <p:txBody>
@@ -2273,8 +2246,8 @@
         </p:nvSpPr>
         <p:spPr>
           <a:xfrm>
-            <a:off x="839788" y="2057400"/>
-            <a:ext cx="3932237" cy="3811588"/>
+            <a:off x="1239845" y="2057400"/>
+            <a:ext cx="5805468" cy="3811588"/>
           </a:xfrm>
         </p:spPr>
         <p:txBody>
@@ -2323,6 +2296,7 @@
               <a:rPr lang="zh-CN" altLang="en-US" smtClean="0"/>
               <a:t>单击此处编辑母版文本样式</a:t>
             </a:r>
+            <a:endParaRPr lang="zh-CN" altLang="en-US" smtClean="0"/>
           </a:p>
         </p:txBody>
       </p:sp>
@@ -2343,7 +2317,6 @@
           <a:p>
             <a:fld id="{D997B5FA-0921-464F-AAE1-844C04324D75}" type="datetimeFigureOut">
               <a:rPr lang="zh-CN" altLang="en-US" smtClean="0"/>
-              <a:t>2015/5/5</a:t>
             </a:fld>
             <a:endParaRPr lang="zh-CN" altLang="en-US"/>
           </a:p>
@@ -2385,18 +2358,12 @@
           <a:p>
             <a:fld id="{565CE74E-AB26-4998-AD42-012C4C1AD076}" type="slidenum">
               <a:rPr lang="zh-CN" altLang="en-US" smtClean="0"/>
-              <a:t>‹#›</a:t>
             </a:fld>
             <a:endParaRPr lang="zh-CN" altLang="en-US"/>
           </a:p>
         </p:txBody>
       </p:sp>
     </p:spTree>
-    <p:extLst>
-      <p:ext uri="{BB962C8B-B14F-4D97-AF65-F5344CB8AC3E}">
-        <p14:creationId xmlns:p14="http://schemas.microsoft.com/office/powerpoint/2010/main" val="477805659"/>
-      </p:ext>
-    </p:extLst>
   </p:cSld>
   <p:clrMapOvr>
     <a:masterClrMapping/>
@@ -2438,8 +2405,8 @@
         </p:nvSpPr>
         <p:spPr>
           <a:xfrm>
-            <a:off x="838200" y="365125"/>
-            <a:ext cx="10515600" cy="1325563"/>
+            <a:off x="1237500" y="365125"/>
+            <a:ext cx="15525000" cy="1325563"/>
           </a:xfrm>
           <a:prstGeom prst="rect">
             <a:avLst/>
@@ -2471,8 +2438,8 @@
         </p:nvSpPr>
         <p:spPr>
           <a:xfrm>
-            <a:off x="838200" y="1825625"/>
-            <a:ext cx="10515600" cy="4351338"/>
+            <a:off x="1237500" y="1825625"/>
+            <a:ext cx="15525000" cy="4351338"/>
           </a:xfrm>
           <a:prstGeom prst="rect">
             <a:avLst/>
@@ -2489,6 +2456,7 @@
               <a:rPr lang="zh-CN" altLang="en-US" smtClean="0"/>
               <a:t>单击此处编辑母版文本样式</a:t>
             </a:r>
+            <a:endParaRPr lang="zh-CN" altLang="en-US" smtClean="0"/>
           </a:p>
           <a:p>
             <a:pPr lvl="1"/>
@@ -2496,6 +2464,7 @@
               <a:rPr lang="zh-CN" altLang="en-US" smtClean="0"/>
               <a:t>第二级</a:t>
             </a:r>
+            <a:endParaRPr lang="zh-CN" altLang="en-US" smtClean="0"/>
           </a:p>
           <a:p>
             <a:pPr lvl="2"/>
@@ -2503,6 +2472,7 @@
               <a:rPr lang="zh-CN" altLang="en-US" smtClean="0"/>
               <a:t>第三级</a:t>
             </a:r>
+            <a:endParaRPr lang="zh-CN" altLang="en-US" smtClean="0"/>
           </a:p>
           <a:p>
             <a:pPr lvl="3"/>
@@ -2510,6 +2480,7 @@
               <a:rPr lang="zh-CN" altLang="en-US" smtClean="0"/>
               <a:t>第四级</a:t>
             </a:r>
+            <a:endParaRPr lang="zh-CN" altLang="en-US" smtClean="0"/>
           </a:p>
           <a:p>
             <a:pPr lvl="4"/>
@@ -2533,8 +2504,8 @@
         </p:nvSpPr>
         <p:spPr>
           <a:xfrm>
-            <a:off x="838200" y="6356350"/>
-            <a:ext cx="2743200" cy="365125"/>
+            <a:off x="1237500" y="6356350"/>
+            <a:ext cx="4050000" cy="365125"/>
           </a:xfrm>
           <a:prstGeom prst="rect">
             <a:avLst/>
@@ -2556,7 +2527,6 @@
           <a:p>
             <a:fld id="{D997B5FA-0921-464F-AAE1-844C04324D75}" type="datetimeFigureOut">
               <a:rPr lang="zh-CN" altLang="en-US" smtClean="0"/>
-              <a:t>2015/5/5</a:t>
             </a:fld>
             <a:endParaRPr lang="zh-CN" altLang="en-US"/>
           </a:p>
@@ -2574,8 +2544,8 @@
         </p:nvSpPr>
         <p:spPr>
           <a:xfrm>
-            <a:off x="4038600" y="6356350"/>
-            <a:ext cx="4114800" cy="365125"/>
+            <a:off x="5962500" y="6356350"/>
+            <a:ext cx="6075000" cy="365125"/>
           </a:xfrm>
           <a:prstGeom prst="rect">
             <a:avLst/>
@@ -2611,8 +2581,8 @@
         </p:nvSpPr>
         <p:spPr>
           <a:xfrm>
-            <a:off x="8610600" y="6356350"/>
-            <a:ext cx="2743200" cy="365125"/>
+            <a:off x="12712500" y="6356350"/>
+            <a:ext cx="4050000" cy="365125"/>
           </a:xfrm>
           <a:prstGeom prst="rect">
             <a:avLst/>
@@ -2634,18 +2604,12 @@
           <a:p>
             <a:fld id="{565CE74E-AB26-4998-AD42-012C4C1AD076}" type="slidenum">
               <a:rPr lang="zh-CN" altLang="en-US" smtClean="0"/>
-              <a:t>‹#›</a:t>
             </a:fld>
             <a:endParaRPr lang="zh-CN" altLang="en-US"/>
           </a:p>
         </p:txBody>
       </p:sp>
     </p:spTree>
-    <p:extLst>
-      <p:ext uri="{BB962C8B-B14F-4D97-AF65-F5344CB8AC3E}">
-        <p14:creationId xmlns:p14="http://schemas.microsoft.com/office/powerpoint/2010/main" val="2003094035"/>
-      </p:ext>
-    </p:extLst>
   </p:cSld>
   <p:clrMap bg1="lt1" tx1="dk1" bg2="lt2" tx2="dk2" accent1="accent1" accent2="accent2" accent3="accent3" accent4="accent4" accent5="accent5" accent6="accent6" hlink="hlink" folHlink="folHlink"/>
   <p:sldLayoutIdLst>
@@ -2944,6 +2908,7453 @@
 </p:sldMaster>
 </file>
 
+<file path=ppt/slides/slide1.xml><?xml version="1.0" encoding="utf-8"?>
+<p:sld xmlns:a="http://schemas.openxmlformats.org/drawingml/2006/main" xmlns:r="http://schemas.openxmlformats.org/officeDocument/2006/relationships" xmlns:p="http://schemas.openxmlformats.org/presentationml/2006/main">
+  <p:cSld>
+    <p:spTree>
+      <p:nvGrpSpPr>
+        <p:cNvPr id="1" name=""/>
+        <p:cNvGrpSpPr/>
+        <p:nvPr/>
+      </p:nvGrpSpPr>
+      <p:grpSpPr/>
+      <p:sp>
+        <p:nvSpPr>
+          <p:cNvPr id="5" name="文本框 4"/>
+          <p:cNvSpPr txBox="1"/>
+          <p:nvPr/>
+        </p:nvSpPr>
+        <p:spPr>
+          <a:xfrm>
+            <a:off x="264160" y="155575"/>
+            <a:ext cx="4091305" cy="368300"/>
+          </a:xfrm>
+          <a:prstGeom prst="rect">
+            <a:avLst/>
+          </a:prstGeom>
+          <a:noFill/>
+        </p:spPr>
+        <p:txBody>
+          <a:bodyPr wrap="square" rtlCol="0">
+            <a:spAutoFit/>
+          </a:bodyPr>
+          <a:p>
+            <a:r>
+              <a:rPr lang="zh-CN" altLang="en-US"/>
+              <a:t>概率图模型</a:t>
+            </a:r>
+            <a:endParaRPr lang="zh-CN" altLang="en-US"/>
+          </a:p>
+        </p:txBody>
+      </p:sp>
+      <p:grpSp>
+        <p:nvGrpSpPr>
+          <p:cNvPr id="131" name="组合 130"/>
+          <p:cNvGrpSpPr/>
+          <p:nvPr/>
+        </p:nvGrpSpPr>
+        <p:grpSpPr>
+          <a:xfrm>
+            <a:off x="470535" y="2818765"/>
+            <a:ext cx="13711555" cy="3562985"/>
+            <a:chOff x="4885" y="4823"/>
+            <a:chExt cx="21593" cy="5611"/>
+          </a:xfrm>
+        </p:grpSpPr>
+        <p:sp>
+          <p:nvSpPr>
+            <p:cNvPr id="6" name="矩形 5"/>
+            <p:cNvSpPr/>
+            <p:nvPr/>
+          </p:nvSpPr>
+          <p:spPr>
+            <a:xfrm>
+              <a:off x="4955" y="7178"/>
+              <a:ext cx="5084" cy="1186"/>
+            </a:xfrm>
+            <a:prstGeom prst="rect">
+              <a:avLst/>
+            </a:prstGeom>
+            <a:noFill/>
+            <a:ln w="12700" cmpd="sng">
+              <a:solidFill>
+                <a:schemeClr val="tx1"/>
+              </a:solidFill>
+              <a:prstDash val="solid"/>
+            </a:ln>
+          </p:spPr>
+          <p:style>
+            <a:lnRef idx="2">
+              <a:schemeClr val="accent1">
+                <a:shade val="50000"/>
+              </a:schemeClr>
+            </a:lnRef>
+            <a:fillRef idx="1">
+              <a:schemeClr val="accent1"/>
+            </a:fillRef>
+            <a:effectRef idx="0">
+              <a:schemeClr val="accent1"/>
+            </a:effectRef>
+            <a:fontRef idx="minor">
+              <a:schemeClr val="lt1"/>
+            </a:fontRef>
+          </p:style>
+          <p:txBody>
+            <a:bodyPr rtlCol="0" anchor="ctr"/>
+            <a:p>
+              <a:pPr algn="ctr"/>
+              <a:endParaRPr lang="zh-CN" altLang="en-US"/>
+            </a:p>
+          </p:txBody>
+        </p:sp>
+        <p:sp>
+          <p:nvSpPr>
+            <p:cNvPr id="8" name="椭圆 7"/>
+            <p:cNvSpPr/>
+            <p:nvPr/>
+          </p:nvSpPr>
+          <p:spPr>
+            <a:xfrm>
+              <a:off x="5384" y="7359"/>
+              <a:ext cx="824" cy="824"/>
+            </a:xfrm>
+            <a:prstGeom prst="ellipse">
+              <a:avLst/>
+            </a:prstGeom>
+            <a:noFill/>
+            <a:ln>
+              <a:solidFill>
+                <a:schemeClr val="tx1"/>
+              </a:solidFill>
+            </a:ln>
+          </p:spPr>
+          <p:style>
+            <a:lnRef idx="2">
+              <a:schemeClr val="accent1">
+                <a:shade val="50000"/>
+              </a:schemeClr>
+            </a:lnRef>
+            <a:fillRef idx="1">
+              <a:schemeClr val="accent1"/>
+            </a:fillRef>
+            <a:effectRef idx="0">
+              <a:schemeClr val="accent1"/>
+            </a:effectRef>
+            <a:fontRef idx="minor">
+              <a:schemeClr val="lt1"/>
+            </a:fontRef>
+          </p:style>
+          <p:txBody>
+            <a:bodyPr rtlCol="0" anchor="ctr"/>
+            <a:p>
+              <a:pPr algn="ctr"/>
+              <a:endParaRPr lang="zh-CN" altLang="en-US"/>
+            </a:p>
+          </p:txBody>
+        </p:sp>
+        <p:sp>
+          <p:nvSpPr>
+            <p:cNvPr id="9" name="椭圆 8"/>
+            <p:cNvSpPr/>
+            <p:nvPr/>
+          </p:nvSpPr>
+          <p:spPr>
+            <a:xfrm>
+              <a:off x="7156" y="7359"/>
+              <a:ext cx="824" cy="824"/>
+            </a:xfrm>
+            <a:prstGeom prst="ellipse">
+              <a:avLst/>
+            </a:prstGeom>
+            <a:noFill/>
+            <a:ln>
+              <a:solidFill>
+                <a:schemeClr val="tx1"/>
+              </a:solidFill>
+            </a:ln>
+          </p:spPr>
+          <p:style>
+            <a:lnRef idx="2">
+              <a:schemeClr val="accent1">
+                <a:shade val="50000"/>
+              </a:schemeClr>
+            </a:lnRef>
+            <a:fillRef idx="1">
+              <a:schemeClr val="accent1"/>
+            </a:fillRef>
+            <a:effectRef idx="0">
+              <a:schemeClr val="accent1"/>
+            </a:effectRef>
+            <a:fontRef idx="minor">
+              <a:schemeClr val="lt1"/>
+            </a:fontRef>
+          </p:style>
+          <p:txBody>
+            <a:bodyPr rtlCol="0" anchor="ctr"/>
+            <a:p>
+              <a:pPr algn="ctr"/>
+              <a:endParaRPr lang="zh-CN" altLang="en-US"/>
+            </a:p>
+          </p:txBody>
+        </p:sp>
+        <p:sp>
+          <p:nvSpPr>
+            <p:cNvPr id="10" name="椭圆 9"/>
+            <p:cNvSpPr/>
+            <p:nvPr/>
+          </p:nvSpPr>
+          <p:spPr>
+            <a:xfrm>
+              <a:off x="8884" y="7359"/>
+              <a:ext cx="824" cy="824"/>
+            </a:xfrm>
+            <a:prstGeom prst="ellipse">
+              <a:avLst/>
+            </a:prstGeom>
+            <a:noFill/>
+            <a:ln>
+              <a:solidFill>
+                <a:schemeClr val="tx1"/>
+              </a:solidFill>
+            </a:ln>
+          </p:spPr>
+          <p:style>
+            <a:lnRef idx="2">
+              <a:schemeClr val="accent1">
+                <a:shade val="50000"/>
+              </a:schemeClr>
+            </a:lnRef>
+            <a:fillRef idx="1">
+              <a:schemeClr val="accent1"/>
+            </a:fillRef>
+            <a:effectRef idx="0">
+              <a:schemeClr val="accent1"/>
+            </a:effectRef>
+            <a:fontRef idx="minor">
+              <a:schemeClr val="lt1"/>
+            </a:fontRef>
+          </p:style>
+          <p:txBody>
+            <a:bodyPr rtlCol="0" anchor="ctr"/>
+            <a:p>
+              <a:pPr algn="ctr"/>
+              <a:endParaRPr lang="zh-CN" altLang="en-US"/>
+            </a:p>
+          </p:txBody>
+        </p:sp>
+        <p:sp>
+          <p:nvSpPr>
+            <p:cNvPr id="11" name="椭圆 10"/>
+            <p:cNvSpPr/>
+            <p:nvPr/>
+          </p:nvSpPr>
+          <p:spPr>
+            <a:xfrm>
+              <a:off x="4955" y="4834"/>
+              <a:ext cx="824" cy="824"/>
+            </a:xfrm>
+            <a:prstGeom prst="ellipse">
+              <a:avLst/>
+            </a:prstGeom>
+            <a:solidFill>
+              <a:schemeClr val="accent5">
+                <a:lumMod val="20000"/>
+                <a:lumOff val="80000"/>
+              </a:schemeClr>
+            </a:solidFill>
+            <a:ln>
+              <a:solidFill>
+                <a:schemeClr val="tx1"/>
+              </a:solidFill>
+            </a:ln>
+          </p:spPr>
+          <p:style>
+            <a:lnRef idx="2">
+              <a:schemeClr val="accent1">
+                <a:shade val="50000"/>
+              </a:schemeClr>
+            </a:lnRef>
+            <a:fillRef idx="1">
+              <a:schemeClr val="accent1"/>
+            </a:fillRef>
+            <a:effectRef idx="0">
+              <a:schemeClr val="accent1"/>
+            </a:effectRef>
+            <a:fontRef idx="minor">
+              <a:schemeClr val="lt1"/>
+            </a:fontRef>
+          </p:style>
+          <p:txBody>
+            <a:bodyPr rtlCol="0" anchor="ctr"/>
+            <a:p>
+              <a:pPr algn="ctr"/>
+              <a:endParaRPr lang="zh-CN" altLang="en-US"/>
+            </a:p>
+          </p:txBody>
+        </p:sp>
+        <p:sp>
+          <p:nvSpPr>
+            <p:cNvPr id="12" name="椭圆 11"/>
+            <p:cNvSpPr/>
+            <p:nvPr/>
+          </p:nvSpPr>
+          <p:spPr>
+            <a:xfrm>
+              <a:off x="6020" y="4834"/>
+              <a:ext cx="824" cy="824"/>
+            </a:xfrm>
+            <a:prstGeom prst="ellipse">
+              <a:avLst/>
+            </a:prstGeom>
+            <a:solidFill>
+              <a:schemeClr val="accent5">
+                <a:lumMod val="20000"/>
+                <a:lumOff val="80000"/>
+              </a:schemeClr>
+            </a:solidFill>
+            <a:ln>
+              <a:solidFill>
+                <a:schemeClr val="tx1"/>
+              </a:solidFill>
+            </a:ln>
+          </p:spPr>
+          <p:style>
+            <a:lnRef idx="2">
+              <a:schemeClr val="accent1">
+                <a:shade val="50000"/>
+              </a:schemeClr>
+            </a:lnRef>
+            <a:fillRef idx="1">
+              <a:schemeClr val="accent1"/>
+            </a:fillRef>
+            <a:effectRef idx="0">
+              <a:schemeClr val="accent1"/>
+            </a:effectRef>
+            <a:fontRef idx="minor">
+              <a:schemeClr val="lt1"/>
+            </a:fontRef>
+          </p:style>
+          <p:txBody>
+            <a:bodyPr rtlCol="0" anchor="ctr"/>
+            <a:p>
+              <a:pPr algn="ctr"/>
+              <a:endParaRPr lang="zh-CN" altLang="en-US"/>
+            </a:p>
+          </p:txBody>
+        </p:sp>
+        <p:sp>
+          <p:nvSpPr>
+            <p:cNvPr id="13" name="椭圆 12"/>
+            <p:cNvSpPr/>
+            <p:nvPr/>
+          </p:nvSpPr>
+          <p:spPr>
+            <a:xfrm>
+              <a:off x="7980" y="9610"/>
+              <a:ext cx="824" cy="824"/>
+            </a:xfrm>
+            <a:prstGeom prst="ellipse">
+              <a:avLst/>
+            </a:prstGeom>
+            <a:solidFill>
+              <a:schemeClr val="accent5">
+                <a:lumMod val="60000"/>
+                <a:lumOff val="40000"/>
+              </a:schemeClr>
+            </a:solidFill>
+            <a:ln>
+              <a:solidFill>
+                <a:schemeClr val="tx1"/>
+              </a:solidFill>
+            </a:ln>
+          </p:spPr>
+          <p:style>
+            <a:lnRef idx="2">
+              <a:schemeClr val="accent1">
+                <a:shade val="50000"/>
+              </a:schemeClr>
+            </a:lnRef>
+            <a:fillRef idx="1">
+              <a:schemeClr val="accent1"/>
+            </a:fillRef>
+            <a:effectRef idx="0">
+              <a:schemeClr val="accent1"/>
+            </a:effectRef>
+            <a:fontRef idx="minor">
+              <a:schemeClr val="lt1"/>
+            </a:fontRef>
+          </p:style>
+          <p:txBody>
+            <a:bodyPr rtlCol="0" anchor="ctr"/>
+            <a:p>
+              <a:pPr algn="ctr"/>
+              <a:endParaRPr lang="zh-CN" altLang="en-US"/>
+            </a:p>
+          </p:txBody>
+        </p:sp>
+        <p:sp>
+          <p:nvSpPr>
+            <p:cNvPr id="14" name="椭圆 13"/>
+            <p:cNvSpPr/>
+            <p:nvPr/>
+          </p:nvSpPr>
+          <p:spPr>
+            <a:xfrm>
+              <a:off x="8150" y="4834"/>
+              <a:ext cx="824" cy="824"/>
+            </a:xfrm>
+            <a:prstGeom prst="ellipse">
+              <a:avLst/>
+            </a:prstGeom>
+            <a:solidFill>
+              <a:schemeClr val="accent5">
+                <a:lumMod val="20000"/>
+                <a:lumOff val="80000"/>
+              </a:schemeClr>
+            </a:solidFill>
+            <a:ln>
+              <a:solidFill>
+                <a:schemeClr val="tx1"/>
+              </a:solidFill>
+            </a:ln>
+          </p:spPr>
+          <p:style>
+            <a:lnRef idx="2">
+              <a:schemeClr val="accent1">
+                <a:shade val="50000"/>
+              </a:schemeClr>
+            </a:lnRef>
+            <a:fillRef idx="1">
+              <a:schemeClr val="accent1"/>
+            </a:fillRef>
+            <a:effectRef idx="0">
+              <a:schemeClr val="accent1"/>
+            </a:effectRef>
+            <a:fontRef idx="minor">
+              <a:schemeClr val="lt1"/>
+            </a:fontRef>
+          </p:style>
+          <p:txBody>
+            <a:bodyPr rtlCol="0" anchor="ctr"/>
+            <a:p>
+              <a:pPr algn="ctr"/>
+              <a:endParaRPr lang="zh-CN" altLang="en-US"/>
+            </a:p>
+          </p:txBody>
+        </p:sp>
+        <p:sp>
+          <p:nvSpPr>
+            <p:cNvPr id="17" name="椭圆 16"/>
+            <p:cNvSpPr/>
+            <p:nvPr/>
+          </p:nvSpPr>
+          <p:spPr>
+            <a:xfrm>
+              <a:off x="9215" y="4834"/>
+              <a:ext cx="824" cy="824"/>
+            </a:xfrm>
+            <a:prstGeom prst="ellipse">
+              <a:avLst/>
+            </a:prstGeom>
+            <a:solidFill>
+              <a:schemeClr val="accent5">
+                <a:lumMod val="20000"/>
+                <a:lumOff val="80000"/>
+              </a:schemeClr>
+            </a:solidFill>
+            <a:ln>
+              <a:solidFill>
+                <a:schemeClr val="tx1"/>
+              </a:solidFill>
+            </a:ln>
+          </p:spPr>
+          <p:style>
+            <a:lnRef idx="2">
+              <a:schemeClr val="accent1">
+                <a:shade val="50000"/>
+              </a:schemeClr>
+            </a:lnRef>
+            <a:fillRef idx="1">
+              <a:schemeClr val="accent1"/>
+            </a:fillRef>
+            <a:effectRef idx="0">
+              <a:schemeClr val="accent1"/>
+            </a:effectRef>
+            <a:fontRef idx="minor">
+              <a:schemeClr val="lt1"/>
+            </a:fontRef>
+          </p:style>
+          <p:txBody>
+            <a:bodyPr rtlCol="0" anchor="ctr"/>
+            <a:p>
+              <a:pPr algn="ctr"/>
+              <a:endParaRPr lang="zh-CN" altLang="en-US"/>
+            </a:p>
+          </p:txBody>
+        </p:sp>
+        <mc:AlternateContent xmlns:mc="http://schemas.openxmlformats.org/markup-compatibility/2006">
+          <mc:Choice xmlns:a14="http://schemas.microsoft.com/office/drawing/2010/main" Requires="a14">
+            <p:sp>
+              <p:nvSpPr>
+                <p:cNvPr id="21" name="文本框 20"/>
+                <p:cNvSpPr txBox="1"/>
+                <p:nvPr/>
+              </p:nvSpPr>
+              <p:spPr>
+                <a:xfrm>
+                  <a:off x="5313" y="7491"/>
+                  <a:ext cx="912" cy="580"/>
+                </a:xfrm>
+                <a:prstGeom prst="rect">
+                  <a:avLst/>
+                </a:prstGeom>
+                <a:noFill/>
+              </p:spPr>
+              <p:txBody>
+                <a:bodyPr wrap="square" rtlCol="0">
+                  <a:spAutoFit/>
+                </a:bodyPr>
+                <a:p>
+                  <a14:m>
+                    <m:oMathPara xmlns:m="http://schemas.openxmlformats.org/officeDocument/2006/math">
+                      <m:oMathParaPr>
+                        <m:jc m:val="centerGroup"/>
+                      </m:oMathParaPr>
+                      <m:oMath xmlns:m="http://schemas.openxmlformats.org/officeDocument/2006/math">
+                        <m:sSub>
+                          <m:sSubPr>
+                            <m:ctrlPr>
+                              <a:rPr lang="en-US" altLang="zh-CN" i="1">
+                                <a:latin typeface="Cambria Math" panose="02040503050406030204" charset="0"/>
+                                <a:cs typeface="Cambria Math" panose="02040503050406030204" charset="0"/>
+                              </a:rPr>
+                            </m:ctrlPr>
+                          </m:sSubPr>
+                          <m:e>
+                            <m:r>
+                              <a:rPr lang="en-US" altLang="zh-CN" i="1">
+                                <a:latin typeface="Cambria Math" panose="02040503050406030204" charset="0"/>
+                                <a:cs typeface="Cambria Math" panose="02040503050406030204" charset="0"/>
+                              </a:rPr>
+                              <m:t>𝑠</m:t>
+                            </m:r>
+                          </m:e>
+                          <m:sub>
+                            <m:r>
+                              <a:rPr lang="en-US" altLang="zh-CN" i="1">
+                                <a:latin typeface="Cambria Math" panose="02040503050406030204" charset="0"/>
+                                <a:cs typeface="Cambria Math" panose="02040503050406030204" charset="0"/>
+                              </a:rPr>
+                              <m:t>𝑖</m:t>
+                            </m:r>
+                          </m:sub>
+                        </m:sSub>
+                      </m:oMath>
+                    </m:oMathPara>
+                  </a14:m>
+                  <a:endParaRPr lang="zh-CN" altLang="en-US"/>
+                </a:p>
+              </p:txBody>
+            </p:sp>
+          </mc:Choice>
+          <mc:Fallback>
+            <p:sp>
+              <p:nvSpPr>
+                <p:cNvPr id="21" name="文本框 20"/>
+                <p:cNvSpPr txBox="1">
+                  <a:spLocks noRot="1" noChangeAspect="1" noMove="1" noResize="1" noEditPoints="1" noAdjustHandles="1" noChangeArrowheads="1" noChangeShapeType="1" noTextEdit="1"/>
+                </p:cNvSpPr>
+                <p:nvPr/>
+              </p:nvSpPr>
+              <p:spPr>
+                <a:xfrm>
+                  <a:off x="5313" y="7491"/>
+                  <a:ext cx="912" cy="580"/>
+                </a:xfrm>
+                <a:prstGeom prst="rect">
+                  <a:avLst/>
+                </a:prstGeom>
+                <a:blipFill rotWithShape="1">
+                  <a:blip r:embed="rId1"/>
+                </a:blipFill>
+              </p:spPr>
+              <p:txBody>
+                <a:bodyPr/>
+                <a:lstStyle/>
+                <a:p>
+                  <a:r>
+                    <a:rPr lang="zh-CN" altLang="en-US">
+                      <a:noFill/>
+                    </a:rPr>
+                    <a:t> </a:t>
+                  </a:r>
+                </a:p>
+              </p:txBody>
+            </p:sp>
+          </mc:Fallback>
+        </mc:AlternateContent>
+        <mc:AlternateContent xmlns:mc="http://schemas.openxmlformats.org/markup-compatibility/2006">
+          <mc:Choice xmlns:a14="http://schemas.microsoft.com/office/drawing/2010/main" Requires="a14">
+            <p:sp>
+              <p:nvSpPr>
+                <p:cNvPr id="22" name="文本框 21"/>
+                <p:cNvSpPr txBox="1"/>
+                <p:nvPr/>
+              </p:nvSpPr>
+              <p:spPr>
+                <a:xfrm>
+                  <a:off x="7085" y="7491"/>
+                  <a:ext cx="912" cy="580"/>
+                </a:xfrm>
+                <a:prstGeom prst="rect">
+                  <a:avLst/>
+                </a:prstGeom>
+                <a:noFill/>
+              </p:spPr>
+              <p:txBody>
+                <a:bodyPr wrap="square" rtlCol="0">
+                  <a:spAutoFit/>
+                </a:bodyPr>
+                <a:p>
+                  <a14:m>
+                    <m:oMathPara xmlns:m="http://schemas.openxmlformats.org/officeDocument/2006/math">
+                      <m:oMathParaPr>
+                        <m:jc m:val="centerGroup"/>
+                      </m:oMathParaPr>
+                      <m:oMath xmlns:m="http://schemas.openxmlformats.org/officeDocument/2006/math">
+                        <m:sSub>
+                          <m:sSubPr>
+                            <m:ctrlPr>
+                              <a:rPr lang="en-US" altLang="zh-CN" i="1">
+                                <a:latin typeface="Cambria Math" panose="02040503050406030204" charset="0"/>
+                                <a:cs typeface="Cambria Math" panose="02040503050406030204" charset="0"/>
+                              </a:rPr>
+                            </m:ctrlPr>
+                          </m:sSubPr>
+                          <m:e>
+                            <m:r>
+                              <a:rPr lang="en-US" altLang="zh-CN" i="1">
+                                <a:latin typeface="Cambria Math" panose="02040503050406030204" charset="0"/>
+                                <a:cs typeface="Cambria Math" panose="02040503050406030204" charset="0"/>
+                              </a:rPr>
+                              <m:t>𝜏</m:t>
+                            </m:r>
+                          </m:e>
+                          <m:sub>
+                            <m:r>
+                              <a:rPr lang="en-US" altLang="zh-CN" i="1">
+                                <a:latin typeface="Cambria Math" panose="02040503050406030204" charset="0"/>
+                                <a:cs typeface="Cambria Math" panose="02040503050406030204" charset="0"/>
+                              </a:rPr>
+                              <m:t>𝑖</m:t>
+                            </m:r>
+                          </m:sub>
+                        </m:sSub>
+                      </m:oMath>
+                    </m:oMathPara>
+                  </a14:m>
+                  <a:endParaRPr lang="zh-CN" altLang="en-US"/>
+                </a:p>
+              </p:txBody>
+            </p:sp>
+          </mc:Choice>
+          <mc:Fallback>
+            <p:sp>
+              <p:nvSpPr>
+                <p:cNvPr id="22" name="文本框 21"/>
+                <p:cNvSpPr txBox="1">
+                  <a:spLocks noRot="1" noChangeAspect="1" noMove="1" noResize="1" noEditPoints="1" noAdjustHandles="1" noChangeArrowheads="1" noChangeShapeType="1" noTextEdit="1"/>
+                </p:cNvSpPr>
+                <p:nvPr/>
+              </p:nvSpPr>
+              <p:spPr>
+                <a:xfrm>
+                  <a:off x="7085" y="7491"/>
+                  <a:ext cx="912" cy="580"/>
+                </a:xfrm>
+                <a:prstGeom prst="rect">
+                  <a:avLst/>
+                </a:prstGeom>
+                <a:blipFill rotWithShape="1">
+                  <a:blip r:embed="rId2"/>
+                </a:blipFill>
+              </p:spPr>
+              <p:txBody>
+                <a:bodyPr/>
+                <a:lstStyle/>
+                <a:p>
+                  <a:r>
+                    <a:rPr lang="zh-CN" altLang="en-US">
+                      <a:noFill/>
+                    </a:rPr>
+                    <a:t> </a:t>
+                  </a:r>
+                </a:p>
+              </p:txBody>
+            </p:sp>
+          </mc:Fallback>
+        </mc:AlternateContent>
+        <mc:AlternateContent xmlns:mc="http://schemas.openxmlformats.org/markup-compatibility/2006">
+          <mc:Choice xmlns:a14="http://schemas.microsoft.com/office/drawing/2010/main" Requires="a14">
+            <p:sp>
+              <p:nvSpPr>
+                <p:cNvPr id="23" name="文本框 22"/>
+                <p:cNvSpPr txBox="1"/>
+                <p:nvPr/>
+              </p:nvSpPr>
+              <p:spPr>
+                <a:xfrm>
+                  <a:off x="8857" y="7491"/>
+                  <a:ext cx="912" cy="580"/>
+                </a:xfrm>
+                <a:prstGeom prst="rect">
+                  <a:avLst/>
+                </a:prstGeom>
+                <a:noFill/>
+              </p:spPr>
+              <p:txBody>
+                <a:bodyPr wrap="square" rtlCol="0">
+                  <a:spAutoFit/>
+                </a:bodyPr>
+                <a:p>
+                  <a14:m>
+                    <m:oMathPara xmlns:m="http://schemas.openxmlformats.org/officeDocument/2006/math">
+                      <m:oMathParaPr>
+                        <m:jc m:val="centerGroup"/>
+                      </m:oMathParaPr>
+                      <m:oMath xmlns:m="http://schemas.openxmlformats.org/officeDocument/2006/math">
+                        <m:sSub>
+                          <m:sSubPr>
+                            <m:ctrlPr>
+                              <a:rPr lang="en-US" altLang="zh-CN" i="1">
+                                <a:latin typeface="Cambria Math" panose="02040503050406030204" charset="0"/>
+                                <a:cs typeface="Cambria Math" panose="02040503050406030204" charset="0"/>
+                              </a:rPr>
+                            </m:ctrlPr>
+                          </m:sSubPr>
+                          <m:e>
+                            <m:r>
+                              <a:rPr lang="en-US" altLang="zh-CN" i="1">
+                                <a:latin typeface="Cambria Math" panose="02040503050406030204" charset="0"/>
+                                <a:cs typeface="Cambria Math" panose="02040503050406030204" charset="0"/>
+                              </a:rPr>
+                              <m:t>𝑏</m:t>
+                            </m:r>
+                          </m:e>
+                          <m:sub>
+                            <m:r>
+                              <a:rPr lang="en-US" altLang="zh-CN" i="1">
+                                <a:latin typeface="Cambria Math" panose="02040503050406030204" charset="0"/>
+                                <a:cs typeface="Cambria Math" panose="02040503050406030204" charset="0"/>
+                              </a:rPr>
+                              <m:t>𝑖</m:t>
+                            </m:r>
+                          </m:sub>
+                        </m:sSub>
+                      </m:oMath>
+                    </m:oMathPara>
+                  </a14:m>
+                  <a:endParaRPr lang="zh-CN" altLang="en-US"/>
+                </a:p>
+              </p:txBody>
+            </p:sp>
+          </mc:Choice>
+          <mc:Fallback>
+            <p:sp>
+              <p:nvSpPr>
+                <p:cNvPr id="23" name="文本框 22"/>
+                <p:cNvSpPr txBox="1">
+                  <a:spLocks noRot="1" noChangeAspect="1" noMove="1" noResize="1" noEditPoints="1" noAdjustHandles="1" noChangeArrowheads="1" noChangeShapeType="1" noTextEdit="1"/>
+                </p:cNvSpPr>
+                <p:nvPr/>
+              </p:nvSpPr>
+              <p:spPr>
+                <a:xfrm>
+                  <a:off x="8857" y="7491"/>
+                  <a:ext cx="912" cy="580"/>
+                </a:xfrm>
+                <a:prstGeom prst="rect">
+                  <a:avLst/>
+                </a:prstGeom>
+                <a:blipFill rotWithShape="1">
+                  <a:blip r:embed="rId3"/>
+                </a:blipFill>
+              </p:spPr>
+              <p:txBody>
+                <a:bodyPr/>
+                <a:lstStyle/>
+                <a:p>
+                  <a:r>
+                    <a:rPr lang="zh-CN" altLang="en-US">
+                      <a:noFill/>
+                    </a:rPr>
+                    <a:t> </a:t>
+                  </a:r>
+                </a:p>
+              </p:txBody>
+            </p:sp>
+          </mc:Fallback>
+        </mc:AlternateContent>
+        <p:cxnSp>
+          <p:nvCxnSpPr>
+            <p:cNvPr id="24" name="直接箭头连接符 23"/>
+            <p:cNvCxnSpPr/>
+            <p:nvPr/>
+          </p:nvCxnSpPr>
+          <p:spPr>
+            <a:xfrm>
+              <a:off x="5367" y="5658"/>
+              <a:ext cx="429" cy="1701"/>
+            </a:xfrm>
+            <a:prstGeom prst="straightConnector1">
+              <a:avLst/>
+            </a:prstGeom>
+            <a:ln>
+              <a:solidFill>
+                <a:schemeClr val="tx1"/>
+              </a:solidFill>
+              <a:tailEnd type="triangle"/>
+            </a:ln>
+          </p:spPr>
+          <p:style>
+            <a:lnRef idx="1">
+              <a:schemeClr val="accent1"/>
+            </a:lnRef>
+            <a:fillRef idx="0">
+              <a:schemeClr val="accent1"/>
+            </a:fillRef>
+            <a:effectRef idx="0">
+              <a:schemeClr val="accent1"/>
+            </a:effectRef>
+            <a:fontRef idx="minor">
+              <a:schemeClr val="tx1"/>
+            </a:fontRef>
+          </p:style>
+        </p:cxnSp>
+        <p:cxnSp>
+          <p:nvCxnSpPr>
+            <p:cNvPr id="25" name="直接箭头连接符 24"/>
+            <p:cNvCxnSpPr/>
+            <p:nvPr/>
+          </p:nvCxnSpPr>
+          <p:spPr>
+            <a:xfrm flipH="1">
+              <a:off x="5796" y="5658"/>
+              <a:ext cx="636" cy="1701"/>
+            </a:xfrm>
+            <a:prstGeom prst="straightConnector1">
+              <a:avLst/>
+            </a:prstGeom>
+            <a:ln>
+              <a:solidFill>
+                <a:schemeClr val="tx1"/>
+              </a:solidFill>
+              <a:tailEnd type="triangle"/>
+            </a:ln>
+          </p:spPr>
+          <p:style>
+            <a:lnRef idx="1">
+              <a:schemeClr val="accent1"/>
+            </a:lnRef>
+            <a:fillRef idx="0">
+              <a:schemeClr val="accent1"/>
+            </a:fillRef>
+            <a:effectRef idx="0">
+              <a:schemeClr val="accent1"/>
+            </a:effectRef>
+            <a:fontRef idx="minor">
+              <a:schemeClr val="tx1"/>
+            </a:fontRef>
+          </p:style>
+        </p:cxnSp>
+        <mc:AlternateContent xmlns:mc="http://schemas.openxmlformats.org/markup-compatibility/2006">
+          <mc:Choice xmlns:a14="http://schemas.microsoft.com/office/drawing/2010/main" Requires="a14">
+            <p:sp>
+              <p:nvSpPr>
+                <p:cNvPr id="26" name="文本框 25"/>
+                <p:cNvSpPr txBox="1"/>
+                <p:nvPr/>
+              </p:nvSpPr>
+              <p:spPr>
+                <a:xfrm>
+                  <a:off x="4885" y="4966"/>
+                  <a:ext cx="912" cy="580"/>
+                </a:xfrm>
+                <a:prstGeom prst="rect">
+                  <a:avLst/>
+                </a:prstGeom>
+                <a:noFill/>
+              </p:spPr>
+              <p:txBody>
+                <a:bodyPr wrap="square" rtlCol="0">
+                  <a:spAutoFit/>
+                </a:bodyPr>
+                <a:p>
+                  <a14:m>
+                    <m:oMathPara xmlns:m="http://schemas.openxmlformats.org/officeDocument/2006/math">
+                      <m:oMathParaPr>
+                        <m:jc m:val="centerGroup"/>
+                      </m:oMathParaPr>
+                      <m:oMath xmlns:m="http://schemas.openxmlformats.org/officeDocument/2006/math">
+                        <m:r>
+                          <a:rPr lang="en-US" altLang="zh-CN" i="1">
+                            <a:latin typeface="Cambria Math" panose="02040503050406030204" charset="0"/>
+                            <a:cs typeface="Cambria Math" panose="02040503050406030204" charset="0"/>
+                          </a:rPr>
+                          <m:t>𝛼</m:t>
+                        </m:r>
+                      </m:oMath>
+                    </m:oMathPara>
+                  </a14:m>
+                  <a:endParaRPr lang="zh-CN" altLang="en-US"/>
+                </a:p>
+              </p:txBody>
+            </p:sp>
+          </mc:Choice>
+          <mc:Fallback>
+            <p:sp>
+              <p:nvSpPr>
+                <p:cNvPr id="26" name="文本框 25"/>
+                <p:cNvSpPr txBox="1">
+                  <a:spLocks noRot="1" noChangeAspect="1" noMove="1" noResize="1" noEditPoints="1" noAdjustHandles="1" noChangeArrowheads="1" noChangeShapeType="1" noTextEdit="1"/>
+                </p:cNvSpPr>
+                <p:nvPr/>
+              </p:nvSpPr>
+              <p:spPr>
+                <a:xfrm>
+                  <a:off x="4885" y="4966"/>
+                  <a:ext cx="912" cy="580"/>
+                </a:xfrm>
+                <a:prstGeom prst="rect">
+                  <a:avLst/>
+                </a:prstGeom>
+                <a:blipFill rotWithShape="1">
+                  <a:blip r:embed="rId4"/>
+                </a:blipFill>
+              </p:spPr>
+              <p:txBody>
+                <a:bodyPr/>
+                <a:lstStyle/>
+                <a:p>
+                  <a:r>
+                    <a:rPr lang="zh-CN" altLang="en-US">
+                      <a:noFill/>
+                    </a:rPr>
+                    <a:t> </a:t>
+                  </a:r>
+                </a:p>
+              </p:txBody>
+            </p:sp>
+          </mc:Fallback>
+        </mc:AlternateContent>
+        <mc:AlternateContent xmlns:mc="http://schemas.openxmlformats.org/markup-compatibility/2006">
+          <mc:Choice xmlns:a14="http://schemas.microsoft.com/office/drawing/2010/main" Requires="a14">
+            <p:sp>
+              <p:nvSpPr>
+                <p:cNvPr id="27" name="文本框 26"/>
+                <p:cNvSpPr txBox="1"/>
+                <p:nvPr/>
+              </p:nvSpPr>
+              <p:spPr>
+                <a:xfrm>
+                  <a:off x="5949" y="4966"/>
+                  <a:ext cx="912" cy="580"/>
+                </a:xfrm>
+                <a:prstGeom prst="rect">
+                  <a:avLst/>
+                </a:prstGeom>
+                <a:noFill/>
+              </p:spPr>
+              <p:txBody>
+                <a:bodyPr wrap="square" rtlCol="0">
+                  <a:spAutoFit/>
+                </a:bodyPr>
+                <a:p>
+                  <a14:m>
+                    <m:oMathPara xmlns:m="http://schemas.openxmlformats.org/officeDocument/2006/math">
+                      <m:oMathParaPr>
+                        <m:jc m:val="centerGroup"/>
+                      </m:oMathParaPr>
+                      <m:oMath xmlns:m="http://schemas.openxmlformats.org/officeDocument/2006/math">
+                        <m:r>
+                          <a:rPr lang="en-US" altLang="zh-CN" i="1">
+                            <a:latin typeface="Cambria Math" panose="02040503050406030204" charset="0"/>
+                            <a:cs typeface="Cambria Math" panose="02040503050406030204" charset="0"/>
+                          </a:rPr>
+                          <m:t>𝛾</m:t>
+                        </m:r>
+                      </m:oMath>
+                    </m:oMathPara>
+                  </a14:m>
+                  <a:endParaRPr lang="zh-CN" altLang="en-US"/>
+                </a:p>
+              </p:txBody>
+            </p:sp>
+          </mc:Choice>
+          <mc:Fallback>
+            <p:sp>
+              <p:nvSpPr>
+                <p:cNvPr id="27" name="文本框 26"/>
+                <p:cNvSpPr txBox="1">
+                  <a:spLocks noRot="1" noChangeAspect="1" noMove="1" noResize="1" noEditPoints="1" noAdjustHandles="1" noChangeArrowheads="1" noChangeShapeType="1" noTextEdit="1"/>
+                </p:cNvSpPr>
+                <p:nvPr/>
+              </p:nvSpPr>
+              <p:spPr>
+                <a:xfrm>
+                  <a:off x="5949" y="4966"/>
+                  <a:ext cx="912" cy="580"/>
+                </a:xfrm>
+                <a:prstGeom prst="rect">
+                  <a:avLst/>
+                </a:prstGeom>
+                <a:blipFill rotWithShape="1">
+                  <a:blip r:embed="rId5"/>
+                </a:blipFill>
+              </p:spPr>
+              <p:txBody>
+                <a:bodyPr/>
+                <a:lstStyle/>
+                <a:p>
+                  <a:r>
+                    <a:rPr lang="zh-CN" altLang="en-US">
+                      <a:noFill/>
+                    </a:rPr>
+                    <a:t> </a:t>
+                  </a:r>
+                </a:p>
+              </p:txBody>
+            </p:sp>
+          </mc:Fallback>
+        </mc:AlternateContent>
+        <p:cxnSp>
+          <p:nvCxnSpPr>
+            <p:cNvPr id="28" name="直接箭头连接符 27"/>
+            <p:cNvCxnSpPr>
+              <a:stCxn id="115" idx="4"/>
+            </p:cNvCxnSpPr>
+            <p:nvPr/>
+          </p:nvCxnSpPr>
+          <p:spPr>
+            <a:xfrm>
+              <a:off x="7497" y="5647"/>
+              <a:ext cx="71" cy="1712"/>
+            </a:xfrm>
+            <a:prstGeom prst="straightConnector1">
+              <a:avLst/>
+            </a:prstGeom>
+            <a:ln>
+              <a:solidFill>
+                <a:schemeClr val="tx1"/>
+              </a:solidFill>
+              <a:tailEnd type="triangle"/>
+            </a:ln>
+          </p:spPr>
+          <p:style>
+            <a:lnRef idx="1">
+              <a:schemeClr val="accent1"/>
+            </a:lnRef>
+            <a:fillRef idx="0">
+              <a:schemeClr val="accent1"/>
+            </a:fillRef>
+            <a:effectRef idx="0">
+              <a:schemeClr val="accent1"/>
+            </a:effectRef>
+            <a:fontRef idx="minor">
+              <a:schemeClr val="tx1"/>
+            </a:fontRef>
+          </p:style>
+        </p:cxnSp>
+        <p:cxnSp>
+          <p:nvCxnSpPr>
+            <p:cNvPr id="29" name="直接箭头连接符 28"/>
+            <p:cNvCxnSpPr/>
+            <p:nvPr/>
+          </p:nvCxnSpPr>
+          <p:spPr>
+            <a:xfrm flipH="1">
+              <a:off x="7568" y="5658"/>
+              <a:ext cx="994" cy="1701"/>
+            </a:xfrm>
+            <a:prstGeom prst="straightConnector1">
+              <a:avLst/>
+            </a:prstGeom>
+            <a:ln>
+              <a:solidFill>
+                <a:schemeClr val="tx1"/>
+              </a:solidFill>
+              <a:tailEnd type="triangle"/>
+            </a:ln>
+          </p:spPr>
+          <p:style>
+            <a:lnRef idx="1">
+              <a:schemeClr val="accent1"/>
+            </a:lnRef>
+            <a:fillRef idx="0">
+              <a:schemeClr val="accent1"/>
+            </a:fillRef>
+            <a:effectRef idx="0">
+              <a:schemeClr val="accent1"/>
+            </a:effectRef>
+            <a:fontRef idx="minor">
+              <a:schemeClr val="tx1"/>
+            </a:fontRef>
+          </p:style>
+        </p:cxnSp>
+        <p:cxnSp>
+          <p:nvCxnSpPr>
+            <p:cNvPr id="30" name="直接箭头连接符 29"/>
+            <p:cNvCxnSpPr>
+              <a:stCxn id="17" idx="4"/>
+              <a:endCxn id="10" idx="0"/>
+            </p:cNvCxnSpPr>
+            <p:nvPr/>
+          </p:nvCxnSpPr>
+          <p:spPr>
+            <a:xfrm flipH="1">
+              <a:off x="9296" y="5658"/>
+              <a:ext cx="331" cy="1701"/>
+            </a:xfrm>
+            <a:prstGeom prst="straightConnector1">
+              <a:avLst/>
+            </a:prstGeom>
+            <a:ln>
+              <a:solidFill>
+                <a:schemeClr val="tx1"/>
+              </a:solidFill>
+              <a:tailEnd type="triangle"/>
+            </a:ln>
+          </p:spPr>
+          <p:style>
+            <a:lnRef idx="1">
+              <a:schemeClr val="accent1"/>
+            </a:lnRef>
+            <a:fillRef idx="0">
+              <a:schemeClr val="accent1"/>
+            </a:fillRef>
+            <a:effectRef idx="0">
+              <a:schemeClr val="accent1"/>
+            </a:effectRef>
+            <a:fontRef idx="minor">
+              <a:schemeClr val="tx1"/>
+            </a:fontRef>
+          </p:style>
+        </p:cxnSp>
+        <mc:AlternateContent xmlns:mc="http://schemas.openxmlformats.org/markup-compatibility/2006">
+          <mc:Choice xmlns:a14="http://schemas.microsoft.com/office/drawing/2010/main" Requires="a14">
+            <p:sp>
+              <p:nvSpPr>
+                <p:cNvPr id="31" name="文本框 30"/>
+                <p:cNvSpPr txBox="1"/>
+                <p:nvPr/>
+              </p:nvSpPr>
+              <p:spPr>
+                <a:xfrm>
+                  <a:off x="9143" y="4966"/>
+                  <a:ext cx="912" cy="580"/>
+                </a:xfrm>
+                <a:prstGeom prst="rect">
+                  <a:avLst/>
+                </a:prstGeom>
+                <a:noFill/>
+              </p:spPr>
+              <p:txBody>
+                <a:bodyPr wrap="square" rtlCol="0">
+                  <a:spAutoFit/>
+                </a:bodyPr>
+                <a:p>
+                  <a14:m>
+                    <m:oMathPara xmlns:m="http://schemas.openxmlformats.org/officeDocument/2006/math">
+                      <m:oMathParaPr>
+                        <m:jc m:val="centerGroup"/>
+                      </m:oMathParaPr>
+                      <m:oMath xmlns:m="http://schemas.openxmlformats.org/officeDocument/2006/math">
+                        <m:r>
+                          <a:rPr lang="en-US" altLang="zh-CN" i="1">
+                            <a:latin typeface="Cambria Math" panose="02040503050406030204" charset="0"/>
+                            <a:cs typeface="Cambria Math" panose="02040503050406030204" charset="0"/>
+                          </a:rPr>
+                          <m:t>𝜂</m:t>
+                        </m:r>
+                      </m:oMath>
+                    </m:oMathPara>
+                  </a14:m>
+                  <a:endParaRPr lang="zh-CN" altLang="en-US"/>
+                </a:p>
+              </p:txBody>
+            </p:sp>
+          </mc:Choice>
+          <mc:Fallback>
+            <p:sp>
+              <p:nvSpPr>
+                <p:cNvPr id="31" name="文本框 30"/>
+                <p:cNvSpPr txBox="1">
+                  <a:spLocks noRot="1" noChangeAspect="1" noMove="1" noResize="1" noEditPoints="1" noAdjustHandles="1" noChangeArrowheads="1" noChangeShapeType="1" noTextEdit="1"/>
+                </p:cNvSpPr>
+                <p:nvPr/>
+              </p:nvSpPr>
+              <p:spPr>
+                <a:xfrm>
+                  <a:off x="9143" y="4966"/>
+                  <a:ext cx="912" cy="580"/>
+                </a:xfrm>
+                <a:prstGeom prst="rect">
+                  <a:avLst/>
+                </a:prstGeom>
+                <a:blipFill rotWithShape="1">
+                  <a:blip r:embed="rId6"/>
+                </a:blipFill>
+              </p:spPr>
+              <p:txBody>
+                <a:bodyPr/>
+                <a:lstStyle/>
+                <a:p>
+                  <a:r>
+                    <a:rPr lang="zh-CN" altLang="en-US">
+                      <a:noFill/>
+                    </a:rPr>
+                    <a:t> </a:t>
+                  </a:r>
+                </a:p>
+              </p:txBody>
+            </p:sp>
+          </mc:Fallback>
+        </mc:AlternateContent>
+        <mc:AlternateContent xmlns:mc="http://schemas.openxmlformats.org/markup-compatibility/2006">
+          <mc:Choice xmlns:a14="http://schemas.microsoft.com/office/drawing/2010/main" Requires="a14">
+            <p:sp>
+              <p:nvSpPr>
+                <p:cNvPr id="32" name="文本框 31"/>
+                <p:cNvSpPr txBox="1"/>
+                <p:nvPr/>
+              </p:nvSpPr>
+              <p:spPr>
+                <a:xfrm>
+                  <a:off x="8057" y="4966"/>
+                  <a:ext cx="912" cy="580"/>
+                </a:xfrm>
+                <a:prstGeom prst="rect">
+                  <a:avLst/>
+                </a:prstGeom>
+                <a:noFill/>
+              </p:spPr>
+              <p:txBody>
+                <a:bodyPr wrap="square" rtlCol="0">
+                  <a:spAutoFit/>
+                </a:bodyPr>
+                <a:p>
+                  <a14:m>
+                    <m:oMathPara xmlns:m="http://schemas.openxmlformats.org/officeDocument/2006/math">
+                      <m:oMathParaPr>
+                        <m:jc m:val="centerGroup"/>
+                      </m:oMathParaPr>
+                      <m:oMath xmlns:m="http://schemas.openxmlformats.org/officeDocument/2006/math">
+                        <m:r>
+                          <a:rPr lang="en-US" altLang="zh-CN" i="1">
+                            <a:latin typeface="Cambria Math" panose="02040503050406030204" charset="0"/>
+                            <a:cs typeface="Cambria Math" panose="02040503050406030204" charset="0"/>
+                          </a:rPr>
+                          <m:t>𝛽</m:t>
+                        </m:r>
+                      </m:oMath>
+                    </m:oMathPara>
+                  </a14:m>
+                  <a:endParaRPr lang="zh-CN" altLang="en-US"/>
+                </a:p>
+              </p:txBody>
+            </p:sp>
+          </mc:Choice>
+          <mc:Fallback>
+            <p:sp>
+              <p:nvSpPr>
+                <p:cNvPr id="32" name="文本框 31"/>
+                <p:cNvSpPr txBox="1">
+                  <a:spLocks noRot="1" noChangeAspect="1" noMove="1" noResize="1" noEditPoints="1" noAdjustHandles="1" noChangeArrowheads="1" noChangeShapeType="1" noTextEdit="1"/>
+                </p:cNvSpPr>
+                <p:nvPr/>
+              </p:nvSpPr>
+              <p:spPr>
+                <a:xfrm>
+                  <a:off x="8057" y="4966"/>
+                  <a:ext cx="912" cy="580"/>
+                </a:xfrm>
+                <a:prstGeom prst="rect">
+                  <a:avLst/>
+                </a:prstGeom>
+                <a:blipFill rotWithShape="1">
+                  <a:blip r:embed="rId7"/>
+                </a:blipFill>
+              </p:spPr>
+              <p:txBody>
+                <a:bodyPr/>
+                <a:lstStyle/>
+                <a:p>
+                  <a:r>
+                    <a:rPr lang="zh-CN" altLang="en-US">
+                      <a:noFill/>
+                    </a:rPr>
+                    <a:t> </a:t>
+                  </a:r>
+                </a:p>
+              </p:txBody>
+            </p:sp>
+          </mc:Fallback>
+        </mc:AlternateContent>
+        <mc:AlternateContent xmlns:mc="http://schemas.openxmlformats.org/markup-compatibility/2006">
+          <mc:Choice xmlns:a14="http://schemas.microsoft.com/office/drawing/2010/main" Requires="a14">
+            <p:sp>
+              <p:nvSpPr>
+                <p:cNvPr id="33" name="文本框 32"/>
+                <p:cNvSpPr txBox="1"/>
+                <p:nvPr/>
+              </p:nvSpPr>
+              <p:spPr>
+                <a:xfrm>
+                  <a:off x="7909" y="9742"/>
+                  <a:ext cx="912" cy="560"/>
+                </a:xfrm>
+                <a:prstGeom prst="rect">
+                  <a:avLst/>
+                </a:prstGeom>
+                <a:noFill/>
+              </p:spPr>
+              <p:txBody>
+                <a:bodyPr wrap="square" rtlCol="0">
+                  <a:spAutoFit/>
+                </a:bodyPr>
+                <a:p>
+                  <a14:m>
+                    <m:oMathPara xmlns:m="http://schemas.openxmlformats.org/officeDocument/2006/math">
+                      <m:oMathParaPr>
+                        <m:jc m:val="centerGroup"/>
+                      </m:oMathParaPr>
+                      <m:oMath xmlns:m="http://schemas.openxmlformats.org/officeDocument/2006/math">
+                        <m:sSubSup>
+                          <m:sSubSupPr>
+                            <m:ctrlPr>
+                              <a:rPr lang="en-US" altLang="zh-CN" i="1">
+                                <a:latin typeface="Cambria Math" panose="02040503050406030204" charset="0"/>
+                                <a:cs typeface="Cambria Math" panose="02040503050406030204" charset="0"/>
+                              </a:rPr>
+                            </m:ctrlPr>
+                          </m:sSubSupPr>
+                          <m:e>
+                            <m:r>
+                              <a:rPr lang="en-US" altLang="zh-CN" i="1">
+                                <a:latin typeface="Cambria Math" panose="02040503050406030204" charset="0"/>
+                                <a:cs typeface="Cambria Math" panose="02040503050406030204" charset="0"/>
+                              </a:rPr>
+                              <m:t>𝑧</m:t>
+                            </m:r>
+                          </m:e>
+                          <m:sub>
+                            <m:r>
+                              <a:rPr lang="en-US" altLang="zh-CN" i="1">
+                                <a:latin typeface="Cambria Math" panose="02040503050406030204" charset="0"/>
+                                <a:cs typeface="Cambria Math" panose="02040503050406030204" charset="0"/>
+                              </a:rPr>
+                              <m:t>𝑖</m:t>
+                            </m:r>
+                          </m:sub>
+                          <m:sup>
+                            <m:r>
+                              <a:rPr lang="en-US" altLang="zh-CN" i="1">
+                                <a:latin typeface="Cambria Math" panose="02040503050406030204" charset="0"/>
+                                <a:cs typeface="Cambria Math" panose="02040503050406030204" charset="0"/>
+                              </a:rPr>
+                              <m:t>𝑣</m:t>
+                            </m:r>
+                          </m:sup>
+                        </m:sSubSup>
+                      </m:oMath>
+                    </m:oMathPara>
+                  </a14:m>
+                  <a:endParaRPr lang="zh-CN" altLang="en-US"/>
+                </a:p>
+              </p:txBody>
+            </p:sp>
+          </mc:Choice>
+          <mc:Fallback>
+            <p:sp>
+              <p:nvSpPr>
+                <p:cNvPr id="33" name="文本框 32"/>
+                <p:cNvSpPr txBox="1">
+                  <a:spLocks noRot="1" noChangeAspect="1" noMove="1" noResize="1" noEditPoints="1" noAdjustHandles="1" noChangeArrowheads="1" noChangeShapeType="1" noTextEdit="1"/>
+                </p:cNvSpPr>
+                <p:nvPr/>
+              </p:nvSpPr>
+              <p:spPr>
+                <a:xfrm>
+                  <a:off x="7909" y="9742"/>
+                  <a:ext cx="912" cy="560"/>
+                </a:xfrm>
+                <a:prstGeom prst="rect">
+                  <a:avLst/>
+                </a:prstGeom>
+                <a:blipFill rotWithShape="1">
+                  <a:blip r:embed="rId8"/>
+                </a:blipFill>
+              </p:spPr>
+              <p:txBody>
+                <a:bodyPr/>
+                <a:lstStyle/>
+                <a:p>
+                  <a:r>
+                    <a:rPr lang="zh-CN" altLang="en-US">
+                      <a:noFill/>
+                    </a:rPr>
+                    <a:t> </a:t>
+                  </a:r>
+                </a:p>
+              </p:txBody>
+            </p:sp>
+          </mc:Fallback>
+        </mc:AlternateContent>
+        <p:sp>
+          <p:nvSpPr>
+            <p:cNvPr id="56" name="矩形 55"/>
+            <p:cNvSpPr/>
+            <p:nvPr/>
+          </p:nvSpPr>
+          <p:spPr>
+            <a:xfrm>
+              <a:off x="10828" y="7167"/>
+              <a:ext cx="5084" cy="1186"/>
+            </a:xfrm>
+            <a:prstGeom prst="rect">
+              <a:avLst/>
+            </a:prstGeom>
+            <a:noFill/>
+            <a:ln w="12700" cmpd="sng">
+              <a:solidFill>
+                <a:schemeClr val="tx1"/>
+              </a:solidFill>
+              <a:prstDash val="solid"/>
+            </a:ln>
+          </p:spPr>
+          <p:style>
+            <a:lnRef idx="2">
+              <a:schemeClr val="accent1">
+                <a:shade val="50000"/>
+              </a:schemeClr>
+            </a:lnRef>
+            <a:fillRef idx="1">
+              <a:schemeClr val="accent1"/>
+            </a:fillRef>
+            <a:effectRef idx="0">
+              <a:schemeClr val="accent1"/>
+            </a:effectRef>
+            <a:fontRef idx="minor">
+              <a:schemeClr val="lt1"/>
+            </a:fontRef>
+          </p:style>
+          <p:txBody>
+            <a:bodyPr rtlCol="0" anchor="ctr"/>
+            <a:p>
+              <a:pPr algn="ctr"/>
+              <a:endParaRPr lang="zh-CN" altLang="en-US"/>
+            </a:p>
+          </p:txBody>
+        </p:sp>
+        <p:sp>
+          <p:nvSpPr>
+            <p:cNvPr id="57" name="椭圆 56"/>
+            <p:cNvSpPr/>
+            <p:nvPr/>
+          </p:nvSpPr>
+          <p:spPr>
+            <a:xfrm>
+              <a:off x="11257" y="7348"/>
+              <a:ext cx="824" cy="824"/>
+            </a:xfrm>
+            <a:prstGeom prst="ellipse">
+              <a:avLst/>
+            </a:prstGeom>
+            <a:noFill/>
+            <a:ln>
+              <a:solidFill>
+                <a:schemeClr val="tx1"/>
+              </a:solidFill>
+            </a:ln>
+          </p:spPr>
+          <p:style>
+            <a:lnRef idx="2">
+              <a:schemeClr val="accent1">
+                <a:shade val="50000"/>
+              </a:schemeClr>
+            </a:lnRef>
+            <a:fillRef idx="1">
+              <a:schemeClr val="accent1"/>
+            </a:fillRef>
+            <a:effectRef idx="0">
+              <a:schemeClr val="accent1"/>
+            </a:effectRef>
+            <a:fontRef idx="minor">
+              <a:schemeClr val="lt1"/>
+            </a:fontRef>
+          </p:style>
+          <p:txBody>
+            <a:bodyPr rtlCol="0" anchor="ctr"/>
+            <a:p>
+              <a:pPr algn="ctr"/>
+              <a:endParaRPr lang="zh-CN" altLang="en-US"/>
+            </a:p>
+          </p:txBody>
+        </p:sp>
+        <p:sp>
+          <p:nvSpPr>
+            <p:cNvPr id="58" name="椭圆 57"/>
+            <p:cNvSpPr/>
+            <p:nvPr/>
+          </p:nvSpPr>
+          <p:spPr>
+            <a:xfrm>
+              <a:off x="13029" y="7348"/>
+              <a:ext cx="824" cy="824"/>
+            </a:xfrm>
+            <a:prstGeom prst="ellipse">
+              <a:avLst/>
+            </a:prstGeom>
+            <a:noFill/>
+            <a:ln>
+              <a:solidFill>
+                <a:schemeClr val="tx1"/>
+              </a:solidFill>
+            </a:ln>
+          </p:spPr>
+          <p:style>
+            <a:lnRef idx="2">
+              <a:schemeClr val="accent1">
+                <a:shade val="50000"/>
+              </a:schemeClr>
+            </a:lnRef>
+            <a:fillRef idx="1">
+              <a:schemeClr val="accent1"/>
+            </a:fillRef>
+            <a:effectRef idx="0">
+              <a:schemeClr val="accent1"/>
+            </a:effectRef>
+            <a:fontRef idx="minor">
+              <a:schemeClr val="lt1"/>
+            </a:fontRef>
+          </p:style>
+          <p:txBody>
+            <a:bodyPr rtlCol="0" anchor="ctr"/>
+            <a:p>
+              <a:pPr algn="ctr"/>
+              <a:endParaRPr lang="zh-CN" altLang="en-US"/>
+            </a:p>
+          </p:txBody>
+        </p:sp>
+        <p:sp>
+          <p:nvSpPr>
+            <p:cNvPr id="59" name="椭圆 58"/>
+            <p:cNvSpPr/>
+            <p:nvPr/>
+          </p:nvSpPr>
+          <p:spPr>
+            <a:xfrm>
+              <a:off x="14757" y="7348"/>
+              <a:ext cx="824" cy="824"/>
+            </a:xfrm>
+            <a:prstGeom prst="ellipse">
+              <a:avLst/>
+            </a:prstGeom>
+            <a:noFill/>
+            <a:ln>
+              <a:solidFill>
+                <a:schemeClr val="tx1"/>
+              </a:solidFill>
+            </a:ln>
+          </p:spPr>
+          <p:style>
+            <a:lnRef idx="2">
+              <a:schemeClr val="accent1">
+                <a:shade val="50000"/>
+              </a:schemeClr>
+            </a:lnRef>
+            <a:fillRef idx="1">
+              <a:schemeClr val="accent1"/>
+            </a:fillRef>
+            <a:effectRef idx="0">
+              <a:schemeClr val="accent1"/>
+            </a:effectRef>
+            <a:fontRef idx="minor">
+              <a:schemeClr val="lt1"/>
+            </a:fontRef>
+          </p:style>
+          <p:txBody>
+            <a:bodyPr rtlCol="0" anchor="ctr"/>
+            <a:p>
+              <a:pPr algn="ctr"/>
+              <a:endParaRPr lang="zh-CN" altLang="en-US"/>
+            </a:p>
+          </p:txBody>
+        </p:sp>
+        <p:sp>
+          <p:nvSpPr>
+            <p:cNvPr id="60" name="椭圆 59"/>
+            <p:cNvSpPr/>
+            <p:nvPr/>
+          </p:nvSpPr>
+          <p:spPr>
+            <a:xfrm>
+              <a:off x="10828" y="4823"/>
+              <a:ext cx="824" cy="824"/>
+            </a:xfrm>
+            <a:prstGeom prst="ellipse">
+              <a:avLst/>
+            </a:prstGeom>
+            <a:solidFill>
+              <a:schemeClr val="accent5">
+                <a:lumMod val="20000"/>
+                <a:lumOff val="80000"/>
+              </a:schemeClr>
+            </a:solidFill>
+            <a:ln>
+              <a:solidFill>
+                <a:schemeClr val="tx1"/>
+              </a:solidFill>
+            </a:ln>
+          </p:spPr>
+          <p:style>
+            <a:lnRef idx="2">
+              <a:schemeClr val="accent1">
+                <a:shade val="50000"/>
+              </a:schemeClr>
+            </a:lnRef>
+            <a:fillRef idx="1">
+              <a:schemeClr val="accent1"/>
+            </a:fillRef>
+            <a:effectRef idx="0">
+              <a:schemeClr val="accent1"/>
+            </a:effectRef>
+            <a:fontRef idx="minor">
+              <a:schemeClr val="lt1"/>
+            </a:fontRef>
+          </p:style>
+          <p:txBody>
+            <a:bodyPr rtlCol="0" anchor="ctr"/>
+            <a:p>
+              <a:pPr algn="ctr"/>
+              <a:endParaRPr lang="zh-CN" altLang="en-US"/>
+            </a:p>
+          </p:txBody>
+        </p:sp>
+        <p:sp>
+          <p:nvSpPr>
+            <p:cNvPr id="61" name="椭圆 60"/>
+            <p:cNvSpPr/>
+            <p:nvPr/>
+          </p:nvSpPr>
+          <p:spPr>
+            <a:xfrm>
+              <a:off x="11893" y="4823"/>
+              <a:ext cx="824" cy="824"/>
+            </a:xfrm>
+            <a:prstGeom prst="ellipse">
+              <a:avLst/>
+            </a:prstGeom>
+            <a:solidFill>
+              <a:schemeClr val="accent5">
+                <a:lumMod val="20000"/>
+                <a:lumOff val="80000"/>
+              </a:schemeClr>
+            </a:solidFill>
+            <a:ln>
+              <a:solidFill>
+                <a:schemeClr val="tx1"/>
+              </a:solidFill>
+            </a:ln>
+          </p:spPr>
+          <p:style>
+            <a:lnRef idx="2">
+              <a:schemeClr val="accent1">
+                <a:shade val="50000"/>
+              </a:schemeClr>
+            </a:lnRef>
+            <a:fillRef idx="1">
+              <a:schemeClr val="accent1"/>
+            </a:fillRef>
+            <a:effectRef idx="0">
+              <a:schemeClr val="accent1"/>
+            </a:effectRef>
+            <a:fontRef idx="minor">
+              <a:schemeClr val="lt1"/>
+            </a:fontRef>
+          </p:style>
+          <p:txBody>
+            <a:bodyPr rtlCol="0" anchor="ctr"/>
+            <a:p>
+              <a:pPr algn="ctr"/>
+              <a:endParaRPr lang="zh-CN" altLang="en-US"/>
+            </a:p>
+          </p:txBody>
+        </p:sp>
+        <p:sp>
+          <p:nvSpPr>
+            <p:cNvPr id="62" name="椭圆 61"/>
+            <p:cNvSpPr/>
+            <p:nvPr/>
+          </p:nvSpPr>
+          <p:spPr>
+            <a:xfrm>
+              <a:off x="12958" y="4823"/>
+              <a:ext cx="824" cy="824"/>
+            </a:xfrm>
+            <a:prstGeom prst="ellipse">
+              <a:avLst/>
+            </a:prstGeom>
+            <a:solidFill>
+              <a:schemeClr val="accent5">
+                <a:lumMod val="60000"/>
+                <a:lumOff val="40000"/>
+              </a:schemeClr>
+            </a:solidFill>
+            <a:ln>
+              <a:solidFill>
+                <a:schemeClr val="tx1"/>
+              </a:solidFill>
+            </a:ln>
+          </p:spPr>
+          <p:style>
+            <a:lnRef idx="2">
+              <a:schemeClr val="accent1">
+                <a:shade val="50000"/>
+              </a:schemeClr>
+            </a:lnRef>
+            <a:fillRef idx="1">
+              <a:schemeClr val="accent1"/>
+            </a:fillRef>
+            <a:effectRef idx="0">
+              <a:schemeClr val="accent1"/>
+            </a:effectRef>
+            <a:fontRef idx="minor">
+              <a:schemeClr val="lt1"/>
+            </a:fontRef>
+          </p:style>
+          <p:txBody>
+            <a:bodyPr rtlCol="0" anchor="ctr"/>
+            <a:p>
+              <a:pPr algn="ctr"/>
+              <a:endParaRPr lang="zh-CN" altLang="en-US"/>
+            </a:p>
+          </p:txBody>
+        </p:sp>
+        <p:sp>
+          <p:nvSpPr>
+            <p:cNvPr id="63" name="椭圆 62"/>
+            <p:cNvSpPr/>
+            <p:nvPr/>
+          </p:nvSpPr>
+          <p:spPr>
+            <a:xfrm>
+              <a:off x="14023" y="4823"/>
+              <a:ext cx="824" cy="824"/>
+            </a:xfrm>
+            <a:prstGeom prst="ellipse">
+              <a:avLst/>
+            </a:prstGeom>
+            <a:solidFill>
+              <a:schemeClr val="accent5">
+                <a:lumMod val="20000"/>
+                <a:lumOff val="80000"/>
+              </a:schemeClr>
+            </a:solidFill>
+            <a:ln>
+              <a:solidFill>
+                <a:schemeClr val="tx1"/>
+              </a:solidFill>
+            </a:ln>
+          </p:spPr>
+          <p:style>
+            <a:lnRef idx="2">
+              <a:schemeClr val="accent1">
+                <a:shade val="50000"/>
+              </a:schemeClr>
+            </a:lnRef>
+            <a:fillRef idx="1">
+              <a:schemeClr val="accent1"/>
+            </a:fillRef>
+            <a:effectRef idx="0">
+              <a:schemeClr val="accent1"/>
+            </a:effectRef>
+            <a:fontRef idx="minor">
+              <a:schemeClr val="lt1"/>
+            </a:fontRef>
+          </p:style>
+          <p:txBody>
+            <a:bodyPr rtlCol="0" anchor="ctr"/>
+            <a:p>
+              <a:pPr algn="ctr"/>
+              <a:endParaRPr lang="zh-CN" altLang="en-US"/>
+            </a:p>
+          </p:txBody>
+        </p:sp>
+        <p:sp>
+          <p:nvSpPr>
+            <p:cNvPr id="64" name="椭圆 63"/>
+            <p:cNvSpPr/>
+            <p:nvPr/>
+          </p:nvSpPr>
+          <p:spPr>
+            <a:xfrm>
+              <a:off x="15088" y="4823"/>
+              <a:ext cx="824" cy="824"/>
+            </a:xfrm>
+            <a:prstGeom prst="ellipse">
+              <a:avLst/>
+            </a:prstGeom>
+            <a:solidFill>
+              <a:schemeClr val="accent5">
+                <a:lumMod val="20000"/>
+                <a:lumOff val="80000"/>
+              </a:schemeClr>
+            </a:solidFill>
+            <a:ln>
+              <a:solidFill>
+                <a:schemeClr val="tx1"/>
+              </a:solidFill>
+            </a:ln>
+          </p:spPr>
+          <p:style>
+            <a:lnRef idx="2">
+              <a:schemeClr val="accent1">
+                <a:shade val="50000"/>
+              </a:schemeClr>
+            </a:lnRef>
+            <a:fillRef idx="1">
+              <a:schemeClr val="accent1"/>
+            </a:fillRef>
+            <a:effectRef idx="0">
+              <a:schemeClr val="accent1"/>
+            </a:effectRef>
+            <a:fontRef idx="minor">
+              <a:schemeClr val="lt1"/>
+            </a:fontRef>
+          </p:style>
+          <p:txBody>
+            <a:bodyPr rtlCol="0" anchor="ctr"/>
+            <a:p>
+              <a:pPr algn="ctr"/>
+              <a:endParaRPr lang="zh-CN" altLang="en-US"/>
+            </a:p>
+          </p:txBody>
+        </p:sp>
+        <mc:AlternateContent xmlns:mc="http://schemas.openxmlformats.org/markup-compatibility/2006">
+          <mc:Choice xmlns:a14="http://schemas.microsoft.com/office/drawing/2010/main" Requires="a14">
+            <p:sp>
+              <p:nvSpPr>
+                <p:cNvPr id="65" name="文本框 64"/>
+                <p:cNvSpPr txBox="1"/>
+                <p:nvPr/>
+              </p:nvSpPr>
+              <p:spPr>
+                <a:xfrm>
+                  <a:off x="11186" y="7480"/>
+                  <a:ext cx="912" cy="580"/>
+                </a:xfrm>
+                <a:prstGeom prst="rect">
+                  <a:avLst/>
+                </a:prstGeom>
+                <a:noFill/>
+              </p:spPr>
+              <p:txBody>
+                <a:bodyPr wrap="square" rtlCol="0">
+                  <a:spAutoFit/>
+                </a:bodyPr>
+                <a:p>
+                  <a14:m>
+                    <m:oMathPara xmlns:m="http://schemas.openxmlformats.org/officeDocument/2006/math">
+                      <m:oMathParaPr>
+                        <m:jc m:val="centerGroup"/>
+                      </m:oMathParaPr>
+                      <m:oMath xmlns:m="http://schemas.openxmlformats.org/officeDocument/2006/math">
+                        <m:sSub>
+                          <m:sSubPr>
+                            <m:ctrlPr>
+                              <a:rPr lang="en-US" altLang="zh-CN" i="1">
+                                <a:latin typeface="Cambria Math" panose="02040503050406030204" charset="0"/>
+                                <a:cs typeface="Cambria Math" panose="02040503050406030204" charset="0"/>
+                              </a:rPr>
+                            </m:ctrlPr>
+                          </m:sSubPr>
+                          <m:e>
+                            <m:r>
+                              <a:rPr lang="en-US" altLang="zh-CN" i="1">
+                                <a:latin typeface="Cambria Math" panose="02040503050406030204" charset="0"/>
+                                <a:cs typeface="Cambria Math" panose="02040503050406030204" charset="0"/>
+                              </a:rPr>
+                              <m:t>𝑠</m:t>
+                            </m:r>
+                          </m:e>
+                          <m:sub>
+                            <m:r>
+                              <a:rPr lang="en-US" altLang="zh-CN" i="1">
+                                <a:latin typeface="Cambria Math" panose="02040503050406030204" charset="0"/>
+                                <a:cs typeface="Cambria Math" panose="02040503050406030204" charset="0"/>
+                              </a:rPr>
+                              <m:t>𝑣</m:t>
+                            </m:r>
+                          </m:sub>
+                        </m:sSub>
+                      </m:oMath>
+                    </m:oMathPara>
+                  </a14:m>
+                  <a:endParaRPr lang="zh-CN" altLang="en-US"/>
+                </a:p>
+              </p:txBody>
+            </p:sp>
+          </mc:Choice>
+          <mc:Fallback>
+            <p:sp>
+              <p:nvSpPr>
+                <p:cNvPr id="65" name="文本框 64"/>
+                <p:cNvSpPr txBox="1">
+                  <a:spLocks noRot="1" noChangeAspect="1" noMove="1" noResize="1" noEditPoints="1" noAdjustHandles="1" noChangeArrowheads="1" noChangeShapeType="1" noTextEdit="1"/>
+                </p:cNvSpPr>
+                <p:nvPr/>
+              </p:nvSpPr>
+              <p:spPr>
+                <a:xfrm>
+                  <a:off x="11186" y="7480"/>
+                  <a:ext cx="912" cy="580"/>
+                </a:xfrm>
+                <a:prstGeom prst="rect">
+                  <a:avLst/>
+                </a:prstGeom>
+                <a:blipFill rotWithShape="1">
+                  <a:blip r:embed="rId9"/>
+                </a:blipFill>
+              </p:spPr>
+              <p:txBody>
+                <a:bodyPr/>
+                <a:lstStyle/>
+                <a:p>
+                  <a:r>
+                    <a:rPr lang="zh-CN" altLang="en-US">
+                      <a:noFill/>
+                    </a:rPr>
+                    <a:t> </a:t>
+                  </a:r>
+                </a:p>
+              </p:txBody>
+            </p:sp>
+          </mc:Fallback>
+        </mc:AlternateContent>
+        <mc:AlternateContent xmlns:mc="http://schemas.openxmlformats.org/markup-compatibility/2006">
+          <mc:Choice xmlns:a14="http://schemas.microsoft.com/office/drawing/2010/main" Requires="a14">
+            <p:sp>
+              <p:nvSpPr>
+                <p:cNvPr id="66" name="文本框 65"/>
+                <p:cNvSpPr txBox="1"/>
+                <p:nvPr/>
+              </p:nvSpPr>
+              <p:spPr>
+                <a:xfrm>
+                  <a:off x="12958" y="7480"/>
+                  <a:ext cx="912" cy="580"/>
+                </a:xfrm>
+                <a:prstGeom prst="rect">
+                  <a:avLst/>
+                </a:prstGeom>
+                <a:noFill/>
+              </p:spPr>
+              <p:txBody>
+                <a:bodyPr wrap="square" rtlCol="0">
+                  <a:spAutoFit/>
+                </a:bodyPr>
+                <a:p>
+                  <a14:m>
+                    <m:oMathPara xmlns:m="http://schemas.openxmlformats.org/officeDocument/2006/math">
+                      <m:oMathParaPr>
+                        <m:jc m:val="centerGroup"/>
+                      </m:oMathParaPr>
+                      <m:oMath xmlns:m="http://schemas.openxmlformats.org/officeDocument/2006/math">
+                        <m:sSub>
+                          <m:sSubPr>
+                            <m:ctrlPr>
+                              <a:rPr lang="en-US" altLang="zh-CN" i="1">
+                                <a:latin typeface="Cambria Math" panose="02040503050406030204" charset="0"/>
+                                <a:cs typeface="Cambria Math" panose="02040503050406030204" charset="0"/>
+                              </a:rPr>
+                            </m:ctrlPr>
+                          </m:sSubPr>
+                          <m:e>
+                            <m:r>
+                              <a:rPr lang="en-US" altLang="zh-CN" i="1">
+                                <a:latin typeface="Cambria Math" panose="02040503050406030204" charset="0"/>
+                                <a:cs typeface="Cambria Math" panose="02040503050406030204" charset="0"/>
+                              </a:rPr>
+                              <m:t>𝜏</m:t>
+                            </m:r>
+                          </m:e>
+                          <m:sub>
+                            <m:r>
+                              <a:rPr lang="en-US" altLang="zh-CN" i="1">
+                                <a:latin typeface="Cambria Math" panose="02040503050406030204" charset="0"/>
+                                <a:cs typeface="Cambria Math" panose="02040503050406030204" charset="0"/>
+                              </a:rPr>
+                              <m:t>𝑣</m:t>
+                            </m:r>
+                          </m:sub>
+                        </m:sSub>
+                      </m:oMath>
+                    </m:oMathPara>
+                  </a14:m>
+                  <a:endParaRPr lang="zh-CN" altLang="en-US"/>
+                </a:p>
+              </p:txBody>
+            </p:sp>
+          </mc:Choice>
+          <mc:Fallback>
+            <p:sp>
+              <p:nvSpPr>
+                <p:cNvPr id="66" name="文本框 65"/>
+                <p:cNvSpPr txBox="1">
+                  <a:spLocks noRot="1" noChangeAspect="1" noMove="1" noResize="1" noEditPoints="1" noAdjustHandles="1" noChangeArrowheads="1" noChangeShapeType="1" noTextEdit="1"/>
+                </p:cNvSpPr>
+                <p:nvPr/>
+              </p:nvSpPr>
+              <p:spPr>
+                <a:xfrm>
+                  <a:off x="12958" y="7480"/>
+                  <a:ext cx="912" cy="580"/>
+                </a:xfrm>
+                <a:prstGeom prst="rect">
+                  <a:avLst/>
+                </a:prstGeom>
+                <a:blipFill rotWithShape="1">
+                  <a:blip r:embed="rId10"/>
+                </a:blipFill>
+              </p:spPr>
+              <p:txBody>
+                <a:bodyPr/>
+                <a:lstStyle/>
+                <a:p>
+                  <a:r>
+                    <a:rPr lang="zh-CN" altLang="en-US">
+                      <a:noFill/>
+                    </a:rPr>
+                    <a:t> </a:t>
+                  </a:r>
+                </a:p>
+              </p:txBody>
+            </p:sp>
+          </mc:Fallback>
+        </mc:AlternateContent>
+        <mc:AlternateContent xmlns:mc="http://schemas.openxmlformats.org/markup-compatibility/2006">
+          <mc:Choice xmlns:a14="http://schemas.microsoft.com/office/drawing/2010/main" Requires="a14">
+            <p:sp>
+              <p:nvSpPr>
+                <p:cNvPr id="67" name="文本框 66"/>
+                <p:cNvSpPr txBox="1"/>
+                <p:nvPr/>
+              </p:nvSpPr>
+              <p:spPr>
+                <a:xfrm>
+                  <a:off x="14730" y="7480"/>
+                  <a:ext cx="912" cy="580"/>
+                </a:xfrm>
+                <a:prstGeom prst="rect">
+                  <a:avLst/>
+                </a:prstGeom>
+                <a:noFill/>
+              </p:spPr>
+              <p:txBody>
+                <a:bodyPr wrap="square" rtlCol="0">
+                  <a:spAutoFit/>
+                </a:bodyPr>
+                <a:p>
+                  <a14:m>
+                    <m:oMathPara xmlns:m="http://schemas.openxmlformats.org/officeDocument/2006/math">
+                      <m:oMathParaPr>
+                        <m:jc m:val="centerGroup"/>
+                      </m:oMathParaPr>
+                      <m:oMath xmlns:m="http://schemas.openxmlformats.org/officeDocument/2006/math">
+                        <m:sSub>
+                          <m:sSubPr>
+                            <m:ctrlPr>
+                              <a:rPr lang="en-US" altLang="zh-CN" i="1">
+                                <a:latin typeface="Cambria Math" panose="02040503050406030204" charset="0"/>
+                                <a:cs typeface="Cambria Math" panose="02040503050406030204" charset="0"/>
+                              </a:rPr>
+                            </m:ctrlPr>
+                          </m:sSubPr>
+                          <m:e>
+                            <m:r>
+                              <a:rPr lang="en-US" altLang="zh-CN" i="1">
+                                <a:latin typeface="Cambria Math" panose="02040503050406030204" charset="0"/>
+                                <a:cs typeface="Cambria Math" panose="02040503050406030204" charset="0"/>
+                              </a:rPr>
+                              <m:t>𝑏</m:t>
+                            </m:r>
+                          </m:e>
+                          <m:sub>
+                            <m:r>
+                              <a:rPr lang="en-US" altLang="zh-CN" i="1">
+                                <a:latin typeface="Cambria Math" panose="02040503050406030204" charset="0"/>
+                                <a:cs typeface="Cambria Math" panose="02040503050406030204" charset="0"/>
+                              </a:rPr>
+                              <m:t>𝑣</m:t>
+                            </m:r>
+                          </m:sub>
+                        </m:sSub>
+                      </m:oMath>
+                    </m:oMathPara>
+                  </a14:m>
+                  <a:endParaRPr lang="zh-CN" altLang="en-US"/>
+                </a:p>
+              </p:txBody>
+            </p:sp>
+          </mc:Choice>
+          <mc:Fallback>
+            <p:sp>
+              <p:nvSpPr>
+                <p:cNvPr id="67" name="文本框 66"/>
+                <p:cNvSpPr txBox="1">
+                  <a:spLocks noRot="1" noChangeAspect="1" noMove="1" noResize="1" noEditPoints="1" noAdjustHandles="1" noChangeArrowheads="1" noChangeShapeType="1" noTextEdit="1"/>
+                </p:cNvSpPr>
+                <p:nvPr/>
+              </p:nvSpPr>
+              <p:spPr>
+                <a:xfrm>
+                  <a:off x="14730" y="7480"/>
+                  <a:ext cx="912" cy="580"/>
+                </a:xfrm>
+                <a:prstGeom prst="rect">
+                  <a:avLst/>
+                </a:prstGeom>
+                <a:blipFill rotWithShape="1">
+                  <a:blip r:embed="rId11"/>
+                </a:blipFill>
+              </p:spPr>
+              <p:txBody>
+                <a:bodyPr/>
+                <a:lstStyle/>
+                <a:p>
+                  <a:r>
+                    <a:rPr lang="zh-CN" altLang="en-US">
+                      <a:noFill/>
+                    </a:rPr>
+                    <a:t> </a:t>
+                  </a:r>
+                </a:p>
+              </p:txBody>
+            </p:sp>
+          </mc:Fallback>
+        </mc:AlternateContent>
+        <p:cxnSp>
+          <p:nvCxnSpPr>
+            <p:cNvPr id="68" name="直接箭头连接符 67"/>
+            <p:cNvCxnSpPr/>
+            <p:nvPr/>
+          </p:nvCxnSpPr>
+          <p:spPr>
+            <a:xfrm>
+              <a:off x="11240" y="5647"/>
+              <a:ext cx="429" cy="1701"/>
+            </a:xfrm>
+            <a:prstGeom prst="straightConnector1">
+              <a:avLst/>
+            </a:prstGeom>
+            <a:ln>
+              <a:solidFill>
+                <a:schemeClr val="tx1"/>
+              </a:solidFill>
+              <a:tailEnd type="triangle"/>
+            </a:ln>
+          </p:spPr>
+          <p:style>
+            <a:lnRef idx="1">
+              <a:schemeClr val="accent1"/>
+            </a:lnRef>
+            <a:fillRef idx="0">
+              <a:schemeClr val="accent1"/>
+            </a:fillRef>
+            <a:effectRef idx="0">
+              <a:schemeClr val="accent1"/>
+            </a:effectRef>
+            <a:fontRef idx="minor">
+              <a:schemeClr val="tx1"/>
+            </a:fontRef>
+          </p:style>
+        </p:cxnSp>
+        <p:cxnSp>
+          <p:nvCxnSpPr>
+            <p:cNvPr id="69" name="直接箭头连接符 68"/>
+            <p:cNvCxnSpPr/>
+            <p:nvPr/>
+          </p:nvCxnSpPr>
+          <p:spPr>
+            <a:xfrm flipH="1">
+              <a:off x="11669" y="5647"/>
+              <a:ext cx="636" cy="1701"/>
+            </a:xfrm>
+            <a:prstGeom prst="straightConnector1">
+              <a:avLst/>
+            </a:prstGeom>
+            <a:ln>
+              <a:solidFill>
+                <a:schemeClr val="tx1"/>
+              </a:solidFill>
+              <a:tailEnd type="triangle"/>
+            </a:ln>
+          </p:spPr>
+          <p:style>
+            <a:lnRef idx="1">
+              <a:schemeClr val="accent1"/>
+            </a:lnRef>
+            <a:fillRef idx="0">
+              <a:schemeClr val="accent1"/>
+            </a:fillRef>
+            <a:effectRef idx="0">
+              <a:schemeClr val="accent1"/>
+            </a:effectRef>
+            <a:fontRef idx="minor">
+              <a:schemeClr val="tx1"/>
+            </a:fontRef>
+          </p:style>
+        </p:cxnSp>
+        <mc:AlternateContent xmlns:mc="http://schemas.openxmlformats.org/markup-compatibility/2006">
+          <mc:Choice xmlns:a14="http://schemas.microsoft.com/office/drawing/2010/main" Requires="a14">
+            <p:sp>
+              <p:nvSpPr>
+                <p:cNvPr id="70" name="文本框 69"/>
+                <p:cNvSpPr txBox="1"/>
+                <p:nvPr/>
+              </p:nvSpPr>
+              <p:spPr>
+                <a:xfrm>
+                  <a:off x="10758" y="4955"/>
+                  <a:ext cx="912" cy="580"/>
+                </a:xfrm>
+                <a:prstGeom prst="rect">
+                  <a:avLst/>
+                </a:prstGeom>
+                <a:noFill/>
+              </p:spPr>
+              <p:txBody>
+                <a:bodyPr wrap="square" rtlCol="0">
+                  <a:spAutoFit/>
+                </a:bodyPr>
+                <a:p>
+                  <a14:m>
+                    <m:oMathPara xmlns:m="http://schemas.openxmlformats.org/officeDocument/2006/math">
+                      <m:oMathParaPr>
+                        <m:jc m:val="centerGroup"/>
+                      </m:oMathParaPr>
+                      <m:oMath xmlns:m="http://schemas.openxmlformats.org/officeDocument/2006/math">
+                        <m:r>
+                          <a:rPr lang="en-US" altLang="zh-CN" i="1">
+                            <a:latin typeface="Cambria Math" panose="02040503050406030204" charset="0"/>
+                            <a:cs typeface="Cambria Math" panose="02040503050406030204" charset="0"/>
+                          </a:rPr>
+                          <m:t>𝛼</m:t>
+                        </m:r>
+                      </m:oMath>
+                    </m:oMathPara>
+                  </a14:m>
+                  <a:endParaRPr lang="zh-CN" altLang="en-US"/>
+                </a:p>
+              </p:txBody>
+            </p:sp>
+          </mc:Choice>
+          <mc:Fallback>
+            <p:sp>
+              <p:nvSpPr>
+                <p:cNvPr id="70" name="文本框 69"/>
+                <p:cNvSpPr txBox="1">
+                  <a:spLocks noRot="1" noChangeAspect="1" noMove="1" noResize="1" noEditPoints="1" noAdjustHandles="1" noChangeArrowheads="1" noChangeShapeType="1" noTextEdit="1"/>
+                </p:cNvSpPr>
+                <p:nvPr/>
+              </p:nvSpPr>
+              <p:spPr>
+                <a:xfrm>
+                  <a:off x="10758" y="4955"/>
+                  <a:ext cx="912" cy="580"/>
+                </a:xfrm>
+                <a:prstGeom prst="rect">
+                  <a:avLst/>
+                </a:prstGeom>
+                <a:blipFill rotWithShape="1">
+                  <a:blip r:embed="rId4"/>
+                </a:blipFill>
+              </p:spPr>
+              <p:txBody>
+                <a:bodyPr/>
+                <a:lstStyle/>
+                <a:p>
+                  <a:r>
+                    <a:rPr lang="zh-CN" altLang="en-US">
+                      <a:noFill/>
+                    </a:rPr>
+                    <a:t> </a:t>
+                  </a:r>
+                </a:p>
+              </p:txBody>
+            </p:sp>
+          </mc:Fallback>
+        </mc:AlternateContent>
+        <mc:AlternateContent xmlns:mc="http://schemas.openxmlformats.org/markup-compatibility/2006">
+          <mc:Choice xmlns:a14="http://schemas.microsoft.com/office/drawing/2010/main" Requires="a14">
+            <p:sp>
+              <p:nvSpPr>
+                <p:cNvPr id="71" name="文本框 70"/>
+                <p:cNvSpPr txBox="1"/>
+                <p:nvPr/>
+              </p:nvSpPr>
+              <p:spPr>
+                <a:xfrm>
+                  <a:off x="7276" y="4945"/>
+                  <a:ext cx="912" cy="580"/>
+                </a:xfrm>
+                <a:prstGeom prst="rect">
+                  <a:avLst/>
+                </a:prstGeom>
+                <a:noFill/>
+              </p:spPr>
+              <p:txBody>
+                <a:bodyPr wrap="square" rtlCol="0">
+                  <a:spAutoFit/>
+                </a:bodyPr>
+                <a:p>
+                  <a14:m>
+                    <m:oMathPara xmlns:m="http://schemas.openxmlformats.org/officeDocument/2006/math">
+                      <m:oMathParaPr>
+                        <m:jc m:val="centerGroup"/>
+                      </m:oMathParaPr>
+                      <m:oMath xmlns:m="http://schemas.openxmlformats.org/officeDocument/2006/math">
+                        <m:r>
+                          <a:rPr lang="en-US" altLang="zh-CN" i="1">
+                            <a:latin typeface="Cambria Math" panose="02040503050406030204" charset="0"/>
+                            <a:cs typeface="Cambria Math" panose="02040503050406030204" charset="0"/>
+                          </a:rPr>
+                          <m:t>𝛾</m:t>
+                        </m:r>
+                      </m:oMath>
+                    </m:oMathPara>
+                  </a14:m>
+                  <a:endParaRPr lang="zh-CN" altLang="en-US"/>
+                </a:p>
+              </p:txBody>
+            </p:sp>
+          </mc:Choice>
+          <mc:Fallback>
+            <p:sp>
+              <p:nvSpPr>
+                <p:cNvPr id="71" name="文本框 70"/>
+                <p:cNvSpPr txBox="1">
+                  <a:spLocks noRot="1" noChangeAspect="1" noMove="1" noResize="1" noEditPoints="1" noAdjustHandles="1" noChangeArrowheads="1" noChangeShapeType="1" noTextEdit="1"/>
+                </p:cNvSpPr>
+                <p:nvPr/>
+              </p:nvSpPr>
+              <p:spPr>
+                <a:xfrm>
+                  <a:off x="7276" y="4945"/>
+                  <a:ext cx="912" cy="580"/>
+                </a:xfrm>
+                <a:prstGeom prst="rect">
+                  <a:avLst/>
+                </a:prstGeom>
+                <a:blipFill rotWithShape="1">
+                  <a:blip r:embed="rId5"/>
+                </a:blipFill>
+              </p:spPr>
+              <p:txBody>
+                <a:bodyPr/>
+                <a:lstStyle/>
+                <a:p>
+                  <a:r>
+                    <a:rPr lang="zh-CN" altLang="en-US">
+                      <a:noFill/>
+                    </a:rPr>
+                    <a:t> </a:t>
+                  </a:r>
+                </a:p>
+              </p:txBody>
+            </p:sp>
+          </mc:Fallback>
+        </mc:AlternateContent>
+        <p:cxnSp>
+          <p:nvCxnSpPr>
+            <p:cNvPr id="72" name="直接箭头连接符 71"/>
+            <p:cNvCxnSpPr/>
+            <p:nvPr/>
+          </p:nvCxnSpPr>
+          <p:spPr>
+            <a:xfrm>
+              <a:off x="13370" y="5647"/>
+              <a:ext cx="71" cy="1701"/>
+            </a:xfrm>
+            <a:prstGeom prst="straightConnector1">
+              <a:avLst/>
+            </a:prstGeom>
+            <a:ln>
+              <a:solidFill>
+                <a:schemeClr val="tx1"/>
+              </a:solidFill>
+              <a:tailEnd type="triangle"/>
+            </a:ln>
+          </p:spPr>
+          <p:style>
+            <a:lnRef idx="1">
+              <a:schemeClr val="accent1"/>
+            </a:lnRef>
+            <a:fillRef idx="0">
+              <a:schemeClr val="accent1"/>
+            </a:fillRef>
+            <a:effectRef idx="0">
+              <a:schemeClr val="accent1"/>
+            </a:effectRef>
+            <a:fontRef idx="minor">
+              <a:schemeClr val="tx1"/>
+            </a:fontRef>
+          </p:style>
+        </p:cxnSp>
+        <p:cxnSp>
+          <p:nvCxnSpPr>
+            <p:cNvPr id="73" name="直接箭头连接符 72"/>
+            <p:cNvCxnSpPr/>
+            <p:nvPr/>
+          </p:nvCxnSpPr>
+          <p:spPr>
+            <a:xfrm flipH="1">
+              <a:off x="13441" y="5647"/>
+              <a:ext cx="994" cy="1701"/>
+            </a:xfrm>
+            <a:prstGeom prst="straightConnector1">
+              <a:avLst/>
+            </a:prstGeom>
+            <a:ln>
+              <a:solidFill>
+                <a:schemeClr val="tx1"/>
+              </a:solidFill>
+              <a:tailEnd type="triangle"/>
+            </a:ln>
+          </p:spPr>
+          <p:style>
+            <a:lnRef idx="1">
+              <a:schemeClr val="accent1"/>
+            </a:lnRef>
+            <a:fillRef idx="0">
+              <a:schemeClr val="accent1"/>
+            </a:fillRef>
+            <a:effectRef idx="0">
+              <a:schemeClr val="accent1"/>
+            </a:effectRef>
+            <a:fontRef idx="minor">
+              <a:schemeClr val="tx1"/>
+            </a:fontRef>
+          </p:style>
+        </p:cxnSp>
+        <p:cxnSp>
+          <p:nvCxnSpPr>
+            <p:cNvPr id="74" name="直接箭头连接符 73"/>
+            <p:cNvCxnSpPr/>
+            <p:nvPr/>
+          </p:nvCxnSpPr>
+          <p:spPr>
+            <a:xfrm flipH="1">
+              <a:off x="15169" y="5647"/>
+              <a:ext cx="331" cy="1701"/>
+            </a:xfrm>
+            <a:prstGeom prst="straightConnector1">
+              <a:avLst/>
+            </a:prstGeom>
+            <a:ln>
+              <a:solidFill>
+                <a:schemeClr val="tx1"/>
+              </a:solidFill>
+              <a:tailEnd type="triangle"/>
+            </a:ln>
+          </p:spPr>
+          <p:style>
+            <a:lnRef idx="1">
+              <a:schemeClr val="accent1"/>
+            </a:lnRef>
+            <a:fillRef idx="0">
+              <a:schemeClr val="accent1"/>
+            </a:fillRef>
+            <a:effectRef idx="0">
+              <a:schemeClr val="accent1"/>
+            </a:effectRef>
+            <a:fontRef idx="minor">
+              <a:schemeClr val="tx1"/>
+            </a:fontRef>
+          </p:style>
+        </p:cxnSp>
+        <mc:AlternateContent xmlns:mc="http://schemas.openxmlformats.org/markup-compatibility/2006">
+          <mc:Choice xmlns:a14="http://schemas.microsoft.com/office/drawing/2010/main" Requires="a14">
+            <p:sp>
+              <p:nvSpPr>
+                <p:cNvPr id="75" name="文本框 74"/>
+                <p:cNvSpPr txBox="1"/>
+                <p:nvPr/>
+              </p:nvSpPr>
+              <p:spPr>
+                <a:xfrm>
+                  <a:off x="15016" y="4955"/>
+                  <a:ext cx="912" cy="580"/>
+                </a:xfrm>
+                <a:prstGeom prst="rect">
+                  <a:avLst/>
+                </a:prstGeom>
+                <a:noFill/>
+              </p:spPr>
+              <p:txBody>
+                <a:bodyPr wrap="square" rtlCol="0">
+                  <a:spAutoFit/>
+                </a:bodyPr>
+                <a:p>
+                  <a14:m>
+                    <m:oMathPara xmlns:m="http://schemas.openxmlformats.org/officeDocument/2006/math">
+                      <m:oMathParaPr>
+                        <m:jc m:val="centerGroup"/>
+                      </m:oMathParaPr>
+                      <m:oMath xmlns:m="http://schemas.openxmlformats.org/officeDocument/2006/math">
+                        <m:r>
+                          <a:rPr lang="en-US" altLang="zh-CN" i="1">
+                            <a:latin typeface="Cambria Math" panose="02040503050406030204" charset="0"/>
+                            <a:cs typeface="Cambria Math" panose="02040503050406030204" charset="0"/>
+                          </a:rPr>
+                          <m:t>𝜂</m:t>
+                        </m:r>
+                      </m:oMath>
+                    </m:oMathPara>
+                  </a14:m>
+                  <a:endParaRPr lang="zh-CN" altLang="en-US"/>
+                </a:p>
+              </p:txBody>
+            </p:sp>
+          </mc:Choice>
+          <mc:Fallback>
+            <p:sp>
+              <p:nvSpPr>
+                <p:cNvPr id="75" name="文本框 74"/>
+                <p:cNvSpPr txBox="1">
+                  <a:spLocks noRot="1" noChangeAspect="1" noMove="1" noResize="1" noEditPoints="1" noAdjustHandles="1" noChangeArrowheads="1" noChangeShapeType="1" noTextEdit="1"/>
+                </p:cNvSpPr>
+                <p:nvPr/>
+              </p:nvSpPr>
+              <p:spPr>
+                <a:xfrm>
+                  <a:off x="15016" y="4955"/>
+                  <a:ext cx="912" cy="580"/>
+                </a:xfrm>
+                <a:prstGeom prst="rect">
+                  <a:avLst/>
+                </a:prstGeom>
+                <a:blipFill rotWithShape="1">
+                  <a:blip r:embed="rId6"/>
+                </a:blipFill>
+              </p:spPr>
+              <p:txBody>
+                <a:bodyPr/>
+                <a:lstStyle/>
+                <a:p>
+                  <a:r>
+                    <a:rPr lang="zh-CN" altLang="en-US">
+                      <a:noFill/>
+                    </a:rPr>
+                    <a:t> </a:t>
+                  </a:r>
+                </a:p>
+              </p:txBody>
+            </p:sp>
+          </mc:Fallback>
+        </mc:AlternateContent>
+        <mc:AlternateContent xmlns:mc="http://schemas.openxmlformats.org/markup-compatibility/2006">
+          <mc:Choice xmlns:a14="http://schemas.microsoft.com/office/drawing/2010/main" Requires="a14">
+            <p:sp>
+              <p:nvSpPr>
+                <p:cNvPr id="76" name="文本框 75"/>
+                <p:cNvSpPr txBox="1"/>
+                <p:nvPr/>
+              </p:nvSpPr>
+              <p:spPr>
+                <a:xfrm>
+                  <a:off x="13930" y="4955"/>
+                  <a:ext cx="912" cy="580"/>
+                </a:xfrm>
+                <a:prstGeom prst="rect">
+                  <a:avLst/>
+                </a:prstGeom>
+                <a:noFill/>
+              </p:spPr>
+              <p:txBody>
+                <a:bodyPr wrap="square" rtlCol="0">
+                  <a:spAutoFit/>
+                </a:bodyPr>
+                <a:p>
+                  <a14:m>
+                    <m:oMathPara xmlns:m="http://schemas.openxmlformats.org/officeDocument/2006/math">
+                      <m:oMathParaPr>
+                        <m:jc m:val="centerGroup"/>
+                      </m:oMathParaPr>
+                      <m:oMath xmlns:m="http://schemas.openxmlformats.org/officeDocument/2006/math">
+                        <m:r>
+                          <a:rPr lang="en-US" altLang="zh-CN" i="1">
+                            <a:latin typeface="Cambria Math" panose="02040503050406030204" charset="0"/>
+                            <a:cs typeface="Cambria Math" panose="02040503050406030204" charset="0"/>
+                          </a:rPr>
+                          <m:t>𝛽</m:t>
+                        </m:r>
+                      </m:oMath>
+                    </m:oMathPara>
+                  </a14:m>
+                  <a:endParaRPr lang="zh-CN" altLang="en-US"/>
+                </a:p>
+              </p:txBody>
+            </p:sp>
+          </mc:Choice>
+          <mc:Fallback>
+            <p:sp>
+              <p:nvSpPr>
+                <p:cNvPr id="76" name="文本框 75"/>
+                <p:cNvSpPr txBox="1">
+                  <a:spLocks noRot="1" noChangeAspect="1" noMove="1" noResize="1" noEditPoints="1" noAdjustHandles="1" noChangeArrowheads="1" noChangeShapeType="1" noTextEdit="1"/>
+                </p:cNvSpPr>
+                <p:nvPr/>
+              </p:nvSpPr>
+              <p:spPr>
+                <a:xfrm>
+                  <a:off x="13930" y="4955"/>
+                  <a:ext cx="912" cy="580"/>
+                </a:xfrm>
+                <a:prstGeom prst="rect">
+                  <a:avLst/>
+                </a:prstGeom>
+                <a:blipFill rotWithShape="1">
+                  <a:blip r:embed="rId7"/>
+                </a:blipFill>
+              </p:spPr>
+              <p:txBody>
+                <a:bodyPr/>
+                <a:lstStyle/>
+                <a:p>
+                  <a:r>
+                    <a:rPr lang="zh-CN" altLang="en-US">
+                      <a:noFill/>
+                    </a:rPr>
+                    <a:t> </a:t>
+                  </a:r>
+                </a:p>
+              </p:txBody>
+            </p:sp>
+          </mc:Fallback>
+        </mc:AlternateContent>
+        <mc:AlternateContent xmlns:mc="http://schemas.openxmlformats.org/markup-compatibility/2006">
+          <mc:Choice xmlns:a14="http://schemas.microsoft.com/office/drawing/2010/main" Requires="a14">
+            <p:sp>
+              <p:nvSpPr>
+                <p:cNvPr id="77" name="文本框 76"/>
+                <p:cNvSpPr txBox="1"/>
+                <p:nvPr/>
+              </p:nvSpPr>
+              <p:spPr>
+                <a:xfrm>
+                  <a:off x="12887" y="4955"/>
+                  <a:ext cx="912" cy="580"/>
+                </a:xfrm>
+                <a:prstGeom prst="rect">
+                  <a:avLst/>
+                </a:prstGeom>
+                <a:noFill/>
+              </p:spPr>
+              <p:txBody>
+                <a:bodyPr wrap="square" rtlCol="0">
+                  <a:spAutoFit/>
+                </a:bodyPr>
+                <a:p>
+                  <a14:m>
+                    <m:oMathPara xmlns:m="http://schemas.openxmlformats.org/officeDocument/2006/math">
+                      <m:oMathParaPr>
+                        <m:jc m:val="centerGroup"/>
+                      </m:oMathParaPr>
+                      <m:oMath xmlns:m="http://schemas.openxmlformats.org/officeDocument/2006/math">
+                        <m:sSub>
+                          <m:sSubPr>
+                            <m:ctrlPr>
+                              <a:rPr lang="en-US" altLang="zh-CN" i="1">
+                                <a:latin typeface="Cambria Math" panose="02040503050406030204" charset="0"/>
+                                <a:cs typeface="Cambria Math" panose="02040503050406030204" charset="0"/>
+                              </a:rPr>
+                            </m:ctrlPr>
+                          </m:sSubPr>
+                          <m:e>
+                            <m:r>
+                              <a:rPr lang="en-US" altLang="zh-CN" i="1">
+                                <a:latin typeface="Cambria Math" panose="02040503050406030204" charset="0"/>
+                                <a:cs typeface="Cambria Math" panose="02040503050406030204" charset="0"/>
+                              </a:rPr>
+                              <m:t>𝑟</m:t>
+                            </m:r>
+                          </m:e>
+                          <m:sub>
+                            <m:r>
+                              <a:rPr lang="en-US" altLang="zh-CN" i="1">
+                                <a:latin typeface="Cambria Math" panose="02040503050406030204" charset="0"/>
+                                <a:cs typeface="Cambria Math" panose="02040503050406030204" charset="0"/>
+                              </a:rPr>
+                              <m:t>𝑣</m:t>
+                            </m:r>
+                          </m:sub>
+                        </m:sSub>
+                      </m:oMath>
+                    </m:oMathPara>
+                  </a14:m>
+                  <a:endParaRPr lang="zh-CN" altLang="en-US"/>
+                </a:p>
+              </p:txBody>
+            </p:sp>
+          </mc:Choice>
+          <mc:Fallback>
+            <p:sp>
+              <p:nvSpPr>
+                <p:cNvPr id="77" name="文本框 76"/>
+                <p:cNvSpPr txBox="1">
+                  <a:spLocks noRot="1" noChangeAspect="1" noMove="1" noResize="1" noEditPoints="1" noAdjustHandles="1" noChangeArrowheads="1" noChangeShapeType="1" noTextEdit="1"/>
+                </p:cNvSpPr>
+                <p:nvPr/>
+              </p:nvSpPr>
+              <p:spPr>
+                <a:xfrm>
+                  <a:off x="12887" y="4955"/>
+                  <a:ext cx="912" cy="580"/>
+                </a:xfrm>
+                <a:prstGeom prst="rect">
+                  <a:avLst/>
+                </a:prstGeom>
+                <a:blipFill rotWithShape="1">
+                  <a:blip r:embed="rId12"/>
+                </a:blipFill>
+              </p:spPr>
+              <p:txBody>
+                <a:bodyPr/>
+                <a:lstStyle/>
+                <a:p>
+                  <a:r>
+                    <a:rPr lang="zh-CN" altLang="en-US">
+                      <a:noFill/>
+                    </a:rPr>
+                    <a:t> </a:t>
+                  </a:r>
+                </a:p>
+              </p:txBody>
+            </p:sp>
+          </mc:Fallback>
+        </mc:AlternateContent>
+        <p:sp>
+          <p:nvSpPr>
+            <p:cNvPr id="78" name="矩形 77"/>
+            <p:cNvSpPr/>
+            <p:nvPr/>
+          </p:nvSpPr>
+          <p:spPr>
+            <a:xfrm>
+              <a:off x="16493" y="7178"/>
+              <a:ext cx="5084" cy="1186"/>
+            </a:xfrm>
+            <a:prstGeom prst="rect">
+              <a:avLst/>
+            </a:prstGeom>
+            <a:noFill/>
+            <a:ln w="12700" cmpd="sng">
+              <a:solidFill>
+                <a:schemeClr val="tx1"/>
+              </a:solidFill>
+              <a:prstDash val="solid"/>
+            </a:ln>
+          </p:spPr>
+          <p:style>
+            <a:lnRef idx="2">
+              <a:schemeClr val="accent1">
+                <a:shade val="50000"/>
+              </a:schemeClr>
+            </a:lnRef>
+            <a:fillRef idx="1">
+              <a:schemeClr val="accent1"/>
+            </a:fillRef>
+            <a:effectRef idx="0">
+              <a:schemeClr val="accent1"/>
+            </a:effectRef>
+            <a:fontRef idx="minor">
+              <a:schemeClr val="lt1"/>
+            </a:fontRef>
+          </p:style>
+          <p:txBody>
+            <a:bodyPr rtlCol="0" anchor="ctr"/>
+            <a:p>
+              <a:pPr algn="ctr"/>
+              <a:endParaRPr lang="zh-CN" altLang="en-US"/>
+            </a:p>
+          </p:txBody>
+        </p:sp>
+        <p:sp>
+          <p:nvSpPr>
+            <p:cNvPr id="79" name="椭圆 78"/>
+            <p:cNvSpPr/>
+            <p:nvPr/>
+          </p:nvSpPr>
+          <p:spPr>
+            <a:xfrm>
+              <a:off x="16922" y="7359"/>
+              <a:ext cx="824" cy="824"/>
+            </a:xfrm>
+            <a:prstGeom prst="ellipse">
+              <a:avLst/>
+            </a:prstGeom>
+            <a:noFill/>
+            <a:ln>
+              <a:solidFill>
+                <a:schemeClr val="tx1"/>
+              </a:solidFill>
+            </a:ln>
+          </p:spPr>
+          <p:style>
+            <a:lnRef idx="2">
+              <a:schemeClr val="accent1">
+                <a:shade val="50000"/>
+              </a:schemeClr>
+            </a:lnRef>
+            <a:fillRef idx="1">
+              <a:schemeClr val="accent1"/>
+            </a:fillRef>
+            <a:effectRef idx="0">
+              <a:schemeClr val="accent1"/>
+            </a:effectRef>
+            <a:fontRef idx="minor">
+              <a:schemeClr val="lt1"/>
+            </a:fontRef>
+          </p:style>
+          <p:txBody>
+            <a:bodyPr rtlCol="0" anchor="ctr"/>
+            <a:p>
+              <a:pPr algn="ctr"/>
+              <a:endParaRPr lang="zh-CN" altLang="en-US"/>
+            </a:p>
+          </p:txBody>
+        </p:sp>
+        <p:sp>
+          <p:nvSpPr>
+            <p:cNvPr id="80" name="椭圆 79"/>
+            <p:cNvSpPr/>
+            <p:nvPr/>
+          </p:nvSpPr>
+          <p:spPr>
+            <a:xfrm>
+              <a:off x="18694" y="7359"/>
+              <a:ext cx="824" cy="824"/>
+            </a:xfrm>
+            <a:prstGeom prst="ellipse">
+              <a:avLst/>
+            </a:prstGeom>
+            <a:noFill/>
+            <a:ln>
+              <a:solidFill>
+                <a:schemeClr val="tx1"/>
+              </a:solidFill>
+            </a:ln>
+          </p:spPr>
+          <p:style>
+            <a:lnRef idx="2">
+              <a:schemeClr val="accent1">
+                <a:shade val="50000"/>
+              </a:schemeClr>
+            </a:lnRef>
+            <a:fillRef idx="1">
+              <a:schemeClr val="accent1"/>
+            </a:fillRef>
+            <a:effectRef idx="0">
+              <a:schemeClr val="accent1"/>
+            </a:effectRef>
+            <a:fontRef idx="minor">
+              <a:schemeClr val="lt1"/>
+            </a:fontRef>
+          </p:style>
+          <p:txBody>
+            <a:bodyPr rtlCol="0" anchor="ctr"/>
+            <a:p>
+              <a:pPr algn="ctr"/>
+              <a:endParaRPr lang="zh-CN" altLang="en-US"/>
+            </a:p>
+          </p:txBody>
+        </p:sp>
+        <p:sp>
+          <p:nvSpPr>
+            <p:cNvPr id="81" name="椭圆 80"/>
+            <p:cNvSpPr/>
+            <p:nvPr/>
+          </p:nvSpPr>
+          <p:spPr>
+            <a:xfrm>
+              <a:off x="20422" y="7359"/>
+              <a:ext cx="824" cy="824"/>
+            </a:xfrm>
+            <a:prstGeom prst="ellipse">
+              <a:avLst/>
+            </a:prstGeom>
+            <a:noFill/>
+            <a:ln>
+              <a:solidFill>
+                <a:schemeClr val="tx1"/>
+              </a:solidFill>
+            </a:ln>
+          </p:spPr>
+          <p:style>
+            <a:lnRef idx="2">
+              <a:schemeClr val="accent1">
+                <a:shade val="50000"/>
+              </a:schemeClr>
+            </a:lnRef>
+            <a:fillRef idx="1">
+              <a:schemeClr val="accent1"/>
+            </a:fillRef>
+            <a:effectRef idx="0">
+              <a:schemeClr val="accent1"/>
+            </a:effectRef>
+            <a:fontRef idx="minor">
+              <a:schemeClr val="lt1"/>
+            </a:fontRef>
+          </p:style>
+          <p:txBody>
+            <a:bodyPr rtlCol="0" anchor="ctr"/>
+            <a:p>
+              <a:pPr algn="ctr"/>
+              <a:endParaRPr lang="zh-CN" altLang="en-US"/>
+            </a:p>
+          </p:txBody>
+        </p:sp>
+        <p:sp>
+          <p:nvSpPr>
+            <p:cNvPr id="82" name="椭圆 81"/>
+            <p:cNvSpPr/>
+            <p:nvPr/>
+          </p:nvSpPr>
+          <p:spPr>
+            <a:xfrm>
+              <a:off x="16493" y="4834"/>
+              <a:ext cx="824" cy="824"/>
+            </a:xfrm>
+            <a:prstGeom prst="ellipse">
+              <a:avLst/>
+            </a:prstGeom>
+            <a:solidFill>
+              <a:schemeClr val="accent5">
+                <a:lumMod val="20000"/>
+                <a:lumOff val="80000"/>
+              </a:schemeClr>
+            </a:solidFill>
+            <a:ln>
+              <a:solidFill>
+                <a:schemeClr val="tx1"/>
+              </a:solidFill>
+            </a:ln>
+          </p:spPr>
+          <p:style>
+            <a:lnRef idx="2">
+              <a:schemeClr val="accent1">
+                <a:shade val="50000"/>
+              </a:schemeClr>
+            </a:lnRef>
+            <a:fillRef idx="1">
+              <a:schemeClr val="accent1"/>
+            </a:fillRef>
+            <a:effectRef idx="0">
+              <a:schemeClr val="accent1"/>
+            </a:effectRef>
+            <a:fontRef idx="minor">
+              <a:schemeClr val="lt1"/>
+            </a:fontRef>
+          </p:style>
+          <p:txBody>
+            <a:bodyPr rtlCol="0" anchor="ctr"/>
+            <a:p>
+              <a:pPr algn="ctr"/>
+              <a:endParaRPr lang="zh-CN" altLang="en-US"/>
+            </a:p>
+          </p:txBody>
+        </p:sp>
+        <p:sp>
+          <p:nvSpPr>
+            <p:cNvPr id="83" name="椭圆 82"/>
+            <p:cNvSpPr/>
+            <p:nvPr/>
+          </p:nvSpPr>
+          <p:spPr>
+            <a:xfrm>
+              <a:off x="17558" y="4834"/>
+              <a:ext cx="824" cy="824"/>
+            </a:xfrm>
+            <a:prstGeom prst="ellipse">
+              <a:avLst/>
+            </a:prstGeom>
+            <a:solidFill>
+              <a:schemeClr val="accent5">
+                <a:lumMod val="20000"/>
+                <a:lumOff val="80000"/>
+              </a:schemeClr>
+            </a:solidFill>
+            <a:ln>
+              <a:solidFill>
+                <a:schemeClr val="tx1"/>
+              </a:solidFill>
+            </a:ln>
+          </p:spPr>
+          <p:style>
+            <a:lnRef idx="2">
+              <a:schemeClr val="accent1">
+                <a:shade val="50000"/>
+              </a:schemeClr>
+            </a:lnRef>
+            <a:fillRef idx="1">
+              <a:schemeClr val="accent1"/>
+            </a:fillRef>
+            <a:effectRef idx="0">
+              <a:schemeClr val="accent1"/>
+            </a:effectRef>
+            <a:fontRef idx="minor">
+              <a:schemeClr val="lt1"/>
+            </a:fontRef>
+          </p:style>
+          <p:txBody>
+            <a:bodyPr rtlCol="0" anchor="ctr"/>
+            <a:p>
+              <a:pPr algn="ctr"/>
+              <a:endParaRPr lang="zh-CN" altLang="en-US"/>
+            </a:p>
+          </p:txBody>
+        </p:sp>
+        <p:sp>
+          <p:nvSpPr>
+            <p:cNvPr id="84" name="椭圆 83"/>
+            <p:cNvSpPr/>
+            <p:nvPr/>
+          </p:nvSpPr>
+          <p:spPr>
+            <a:xfrm>
+              <a:off x="18623" y="4834"/>
+              <a:ext cx="824" cy="824"/>
+            </a:xfrm>
+            <a:prstGeom prst="ellipse">
+              <a:avLst/>
+            </a:prstGeom>
+            <a:solidFill>
+              <a:schemeClr val="accent5">
+                <a:lumMod val="60000"/>
+                <a:lumOff val="40000"/>
+              </a:schemeClr>
+            </a:solidFill>
+            <a:ln>
+              <a:solidFill>
+                <a:schemeClr val="tx1"/>
+              </a:solidFill>
+            </a:ln>
+          </p:spPr>
+          <p:style>
+            <a:lnRef idx="2">
+              <a:schemeClr val="accent1">
+                <a:shade val="50000"/>
+              </a:schemeClr>
+            </a:lnRef>
+            <a:fillRef idx="1">
+              <a:schemeClr val="accent1"/>
+            </a:fillRef>
+            <a:effectRef idx="0">
+              <a:schemeClr val="accent1"/>
+            </a:effectRef>
+            <a:fontRef idx="minor">
+              <a:schemeClr val="lt1"/>
+            </a:fontRef>
+          </p:style>
+          <p:txBody>
+            <a:bodyPr rtlCol="0" anchor="ctr"/>
+            <a:p>
+              <a:pPr algn="ctr"/>
+              <a:endParaRPr lang="zh-CN" altLang="en-US"/>
+            </a:p>
+          </p:txBody>
+        </p:sp>
+        <p:sp>
+          <p:nvSpPr>
+            <p:cNvPr id="85" name="椭圆 84"/>
+            <p:cNvSpPr/>
+            <p:nvPr/>
+          </p:nvSpPr>
+          <p:spPr>
+            <a:xfrm>
+              <a:off x="19688" y="4834"/>
+              <a:ext cx="824" cy="824"/>
+            </a:xfrm>
+            <a:prstGeom prst="ellipse">
+              <a:avLst/>
+            </a:prstGeom>
+            <a:solidFill>
+              <a:schemeClr val="accent5">
+                <a:lumMod val="20000"/>
+                <a:lumOff val="80000"/>
+              </a:schemeClr>
+            </a:solidFill>
+            <a:ln>
+              <a:solidFill>
+                <a:schemeClr val="tx1"/>
+              </a:solidFill>
+            </a:ln>
+          </p:spPr>
+          <p:style>
+            <a:lnRef idx="2">
+              <a:schemeClr val="accent1">
+                <a:shade val="50000"/>
+              </a:schemeClr>
+            </a:lnRef>
+            <a:fillRef idx="1">
+              <a:schemeClr val="accent1"/>
+            </a:fillRef>
+            <a:effectRef idx="0">
+              <a:schemeClr val="accent1"/>
+            </a:effectRef>
+            <a:fontRef idx="minor">
+              <a:schemeClr val="lt1"/>
+            </a:fontRef>
+          </p:style>
+          <p:txBody>
+            <a:bodyPr rtlCol="0" anchor="ctr"/>
+            <a:p>
+              <a:pPr algn="ctr"/>
+              <a:endParaRPr lang="zh-CN" altLang="en-US"/>
+            </a:p>
+          </p:txBody>
+        </p:sp>
+        <p:sp>
+          <p:nvSpPr>
+            <p:cNvPr id="86" name="椭圆 85"/>
+            <p:cNvSpPr/>
+            <p:nvPr/>
+          </p:nvSpPr>
+          <p:spPr>
+            <a:xfrm>
+              <a:off x="20753" y="4834"/>
+              <a:ext cx="824" cy="824"/>
+            </a:xfrm>
+            <a:prstGeom prst="ellipse">
+              <a:avLst/>
+            </a:prstGeom>
+            <a:solidFill>
+              <a:schemeClr val="accent5">
+                <a:lumMod val="20000"/>
+                <a:lumOff val="80000"/>
+              </a:schemeClr>
+            </a:solidFill>
+            <a:ln>
+              <a:solidFill>
+                <a:schemeClr val="tx1"/>
+              </a:solidFill>
+            </a:ln>
+          </p:spPr>
+          <p:style>
+            <a:lnRef idx="2">
+              <a:schemeClr val="accent1">
+                <a:shade val="50000"/>
+              </a:schemeClr>
+            </a:lnRef>
+            <a:fillRef idx="1">
+              <a:schemeClr val="accent1"/>
+            </a:fillRef>
+            <a:effectRef idx="0">
+              <a:schemeClr val="accent1"/>
+            </a:effectRef>
+            <a:fontRef idx="minor">
+              <a:schemeClr val="lt1"/>
+            </a:fontRef>
+          </p:style>
+          <p:txBody>
+            <a:bodyPr rtlCol="0" anchor="ctr"/>
+            <a:p>
+              <a:pPr algn="ctr"/>
+              <a:endParaRPr lang="zh-CN" altLang="en-US"/>
+            </a:p>
+          </p:txBody>
+        </p:sp>
+        <mc:AlternateContent xmlns:mc="http://schemas.openxmlformats.org/markup-compatibility/2006">
+          <mc:Choice xmlns:a14="http://schemas.microsoft.com/office/drawing/2010/main" Requires="a14">
+            <p:sp>
+              <p:nvSpPr>
+                <p:cNvPr id="87" name="文本框 86"/>
+                <p:cNvSpPr txBox="1"/>
+                <p:nvPr/>
+              </p:nvSpPr>
+              <p:spPr>
+                <a:xfrm>
+                  <a:off x="16851" y="7491"/>
+                  <a:ext cx="912" cy="597"/>
+                </a:xfrm>
+                <a:prstGeom prst="rect">
+                  <a:avLst/>
+                </a:prstGeom>
+                <a:noFill/>
+              </p:spPr>
+              <p:txBody>
+                <a:bodyPr wrap="square" rtlCol="0">
+                  <a:spAutoFit/>
+                </a:bodyPr>
+                <a:p>
+                  <a14:m>
+                    <m:oMathPara xmlns:m="http://schemas.openxmlformats.org/officeDocument/2006/math">
+                      <m:oMathParaPr>
+                        <m:jc m:val="centerGroup"/>
+                      </m:oMathParaPr>
+                      <m:oMath xmlns:m="http://schemas.openxmlformats.org/officeDocument/2006/math">
+                        <m:sSub>
+                          <m:sSubPr>
+                            <m:ctrlPr>
+                              <a:rPr lang="en-US" altLang="zh-CN" i="1">
+                                <a:latin typeface="Cambria Math" panose="02040503050406030204" charset="0"/>
+                                <a:cs typeface="Cambria Math" panose="02040503050406030204" charset="0"/>
+                              </a:rPr>
+                            </m:ctrlPr>
+                          </m:sSubPr>
+                          <m:e>
+                            <m:r>
+                              <a:rPr lang="en-US" altLang="zh-CN" i="1">
+                                <a:latin typeface="Cambria Math" panose="02040503050406030204" charset="0"/>
+                                <a:cs typeface="Cambria Math" panose="02040503050406030204" charset="0"/>
+                              </a:rPr>
+                              <m:t>𝑠</m:t>
+                            </m:r>
+                          </m:e>
+                          <m:sub>
+                            <m:r>
+                              <a:rPr lang="en-US" altLang="zh-CN" i="1">
+                                <a:latin typeface="Cambria Math" panose="02040503050406030204" charset="0"/>
+                                <a:cs typeface="Cambria Math" panose="02040503050406030204" charset="0"/>
+                              </a:rPr>
+                              <m:t>𝑗</m:t>
+                            </m:r>
+                          </m:sub>
+                        </m:sSub>
+                      </m:oMath>
+                    </m:oMathPara>
+                  </a14:m>
+                  <a:endParaRPr lang="zh-CN" altLang="en-US"/>
+                </a:p>
+              </p:txBody>
+            </p:sp>
+          </mc:Choice>
+          <mc:Fallback>
+            <p:sp>
+              <p:nvSpPr>
+                <p:cNvPr id="87" name="文本框 86"/>
+                <p:cNvSpPr txBox="1">
+                  <a:spLocks noRot="1" noChangeAspect="1" noMove="1" noResize="1" noEditPoints="1" noAdjustHandles="1" noChangeArrowheads="1" noChangeShapeType="1" noTextEdit="1"/>
+                </p:cNvSpPr>
+                <p:nvPr/>
+              </p:nvSpPr>
+              <p:spPr>
+                <a:xfrm>
+                  <a:off x="16851" y="7491"/>
+                  <a:ext cx="912" cy="597"/>
+                </a:xfrm>
+                <a:prstGeom prst="rect">
+                  <a:avLst/>
+                </a:prstGeom>
+                <a:blipFill rotWithShape="1">
+                  <a:blip r:embed="rId13"/>
+                </a:blipFill>
+              </p:spPr>
+              <p:txBody>
+                <a:bodyPr/>
+                <a:lstStyle/>
+                <a:p>
+                  <a:r>
+                    <a:rPr lang="zh-CN" altLang="en-US">
+                      <a:noFill/>
+                    </a:rPr>
+                    <a:t> </a:t>
+                  </a:r>
+                </a:p>
+              </p:txBody>
+            </p:sp>
+          </mc:Fallback>
+        </mc:AlternateContent>
+        <mc:AlternateContent xmlns:mc="http://schemas.openxmlformats.org/markup-compatibility/2006">
+          <mc:Choice xmlns:a14="http://schemas.microsoft.com/office/drawing/2010/main" Requires="a14">
+            <p:sp>
+              <p:nvSpPr>
+                <p:cNvPr id="88" name="文本框 87"/>
+                <p:cNvSpPr txBox="1"/>
+                <p:nvPr/>
+              </p:nvSpPr>
+              <p:spPr>
+                <a:xfrm>
+                  <a:off x="18623" y="7491"/>
+                  <a:ext cx="912" cy="597"/>
+                </a:xfrm>
+                <a:prstGeom prst="rect">
+                  <a:avLst/>
+                </a:prstGeom>
+                <a:noFill/>
+              </p:spPr>
+              <p:txBody>
+                <a:bodyPr wrap="square" rtlCol="0">
+                  <a:spAutoFit/>
+                </a:bodyPr>
+                <a:p>
+                  <a14:m>
+                    <m:oMathPara xmlns:m="http://schemas.openxmlformats.org/officeDocument/2006/math">
+                      <m:oMathParaPr>
+                        <m:jc m:val="centerGroup"/>
+                      </m:oMathParaPr>
+                      <m:oMath xmlns:m="http://schemas.openxmlformats.org/officeDocument/2006/math">
+                        <m:sSub>
+                          <m:sSubPr>
+                            <m:ctrlPr>
+                              <a:rPr lang="en-US" altLang="zh-CN" i="1">
+                                <a:latin typeface="Cambria Math" panose="02040503050406030204" charset="0"/>
+                                <a:cs typeface="Cambria Math" panose="02040503050406030204" charset="0"/>
+                              </a:rPr>
+                            </m:ctrlPr>
+                          </m:sSubPr>
+                          <m:e>
+                            <m:r>
+                              <a:rPr lang="en-US" altLang="zh-CN" i="1">
+                                <a:latin typeface="Cambria Math" panose="02040503050406030204" charset="0"/>
+                                <a:cs typeface="Cambria Math" panose="02040503050406030204" charset="0"/>
+                              </a:rPr>
+                              <m:t>𝜏</m:t>
+                            </m:r>
+                          </m:e>
+                          <m:sub>
+                            <m:r>
+                              <a:rPr lang="en-US" altLang="zh-CN" i="1">
+                                <a:latin typeface="Cambria Math" panose="02040503050406030204" charset="0"/>
+                                <a:cs typeface="Cambria Math" panose="02040503050406030204" charset="0"/>
+                              </a:rPr>
+                              <m:t>𝑗</m:t>
+                            </m:r>
+                          </m:sub>
+                        </m:sSub>
+                      </m:oMath>
+                    </m:oMathPara>
+                  </a14:m>
+                  <a:endParaRPr lang="zh-CN" altLang="en-US"/>
+                </a:p>
+              </p:txBody>
+            </p:sp>
+          </mc:Choice>
+          <mc:Fallback>
+            <p:sp>
+              <p:nvSpPr>
+                <p:cNvPr id="88" name="文本框 87"/>
+                <p:cNvSpPr txBox="1">
+                  <a:spLocks noRot="1" noChangeAspect="1" noMove="1" noResize="1" noEditPoints="1" noAdjustHandles="1" noChangeArrowheads="1" noChangeShapeType="1" noTextEdit="1"/>
+                </p:cNvSpPr>
+                <p:nvPr/>
+              </p:nvSpPr>
+              <p:spPr>
+                <a:xfrm>
+                  <a:off x="18623" y="7491"/>
+                  <a:ext cx="912" cy="597"/>
+                </a:xfrm>
+                <a:prstGeom prst="rect">
+                  <a:avLst/>
+                </a:prstGeom>
+                <a:blipFill rotWithShape="1">
+                  <a:blip r:embed="rId14"/>
+                </a:blipFill>
+              </p:spPr>
+              <p:txBody>
+                <a:bodyPr/>
+                <a:lstStyle/>
+                <a:p>
+                  <a:r>
+                    <a:rPr lang="zh-CN" altLang="en-US">
+                      <a:noFill/>
+                    </a:rPr>
+                    <a:t> </a:t>
+                  </a:r>
+                </a:p>
+              </p:txBody>
+            </p:sp>
+          </mc:Fallback>
+        </mc:AlternateContent>
+        <mc:AlternateContent xmlns:mc="http://schemas.openxmlformats.org/markup-compatibility/2006">
+          <mc:Choice xmlns:a14="http://schemas.microsoft.com/office/drawing/2010/main" Requires="a14">
+            <p:sp>
+              <p:nvSpPr>
+                <p:cNvPr id="89" name="文本框 88"/>
+                <p:cNvSpPr txBox="1"/>
+                <p:nvPr/>
+              </p:nvSpPr>
+              <p:spPr>
+                <a:xfrm>
+                  <a:off x="20395" y="7491"/>
+                  <a:ext cx="912" cy="569"/>
+                </a:xfrm>
+                <a:prstGeom prst="rect">
+                  <a:avLst/>
+                </a:prstGeom>
+                <a:noFill/>
+              </p:spPr>
+              <p:txBody>
+                <a:bodyPr wrap="square" rtlCol="0">
+                  <a:spAutoFit/>
+                </a:bodyPr>
+                <a:p>
+                  <a14:m>
+                    <m:oMathPara xmlns:m="http://schemas.openxmlformats.org/officeDocument/2006/math">
+                      <m:oMathParaPr>
+                        <m:jc m:val="centerGroup"/>
+                      </m:oMathParaPr>
+                      <m:oMath xmlns:m="http://schemas.openxmlformats.org/officeDocument/2006/math">
+                        <m:sSub>
+                          <m:sSubPr>
+                            <m:ctrlPr>
+                              <a:rPr lang="en-US" altLang="zh-CN" i="1">
+                                <a:latin typeface="Cambria Math" panose="02040503050406030204" charset="0"/>
+                                <a:cs typeface="Cambria Math" panose="02040503050406030204" charset="0"/>
+                              </a:rPr>
+                            </m:ctrlPr>
+                          </m:sSubPr>
+                          <m:e>
+                            <m:r>
+                              <a:rPr lang="en-US" altLang="zh-CN" i="1">
+                                <a:latin typeface="Cambria Math" panose="02040503050406030204" charset="0"/>
+                                <a:cs typeface="Cambria Math" panose="02040503050406030204" charset="0"/>
+                              </a:rPr>
+                              <m:t>𝑏</m:t>
+                            </m:r>
+                          </m:e>
+                          <m:sub>
+                            <m:r>
+                              <a:rPr lang="en-US" altLang="zh-CN" i="1">
+                                <a:latin typeface="Cambria Math" panose="02040503050406030204" charset="0"/>
+                                <a:cs typeface="Cambria Math" panose="02040503050406030204" charset="0"/>
+                              </a:rPr>
+                              <m:t>𝑗</m:t>
+                            </m:r>
+                          </m:sub>
+                        </m:sSub>
+                      </m:oMath>
+                    </m:oMathPara>
+                  </a14:m>
+                  <a:endParaRPr lang="zh-CN" altLang="en-US"/>
+                </a:p>
+              </p:txBody>
+            </p:sp>
+          </mc:Choice>
+          <mc:Fallback>
+            <p:sp>
+              <p:nvSpPr>
+                <p:cNvPr id="89" name="文本框 88"/>
+                <p:cNvSpPr txBox="1">
+                  <a:spLocks noRot="1" noChangeAspect="1" noMove="1" noResize="1" noEditPoints="1" noAdjustHandles="1" noChangeArrowheads="1" noChangeShapeType="1" noTextEdit="1"/>
+                </p:cNvSpPr>
+                <p:nvPr/>
+              </p:nvSpPr>
+              <p:spPr>
+                <a:xfrm>
+                  <a:off x="20395" y="7491"/>
+                  <a:ext cx="912" cy="569"/>
+                </a:xfrm>
+                <a:prstGeom prst="rect">
+                  <a:avLst/>
+                </a:prstGeom>
+                <a:blipFill rotWithShape="1">
+                  <a:blip r:embed="rId15"/>
+                </a:blipFill>
+              </p:spPr>
+              <p:txBody>
+                <a:bodyPr/>
+                <a:lstStyle/>
+                <a:p>
+                  <a:r>
+                    <a:rPr lang="zh-CN" altLang="en-US">
+                      <a:noFill/>
+                    </a:rPr>
+                    <a:t> </a:t>
+                  </a:r>
+                </a:p>
+              </p:txBody>
+            </p:sp>
+          </mc:Fallback>
+        </mc:AlternateContent>
+        <p:cxnSp>
+          <p:nvCxnSpPr>
+            <p:cNvPr id="90" name="直接箭头连接符 89"/>
+            <p:cNvCxnSpPr/>
+            <p:nvPr/>
+          </p:nvCxnSpPr>
+          <p:spPr>
+            <a:xfrm>
+              <a:off x="16905" y="5658"/>
+              <a:ext cx="429" cy="1701"/>
+            </a:xfrm>
+            <a:prstGeom prst="straightConnector1">
+              <a:avLst/>
+            </a:prstGeom>
+            <a:ln>
+              <a:solidFill>
+                <a:schemeClr val="tx1"/>
+              </a:solidFill>
+              <a:tailEnd type="triangle"/>
+            </a:ln>
+          </p:spPr>
+          <p:style>
+            <a:lnRef idx="1">
+              <a:schemeClr val="accent1"/>
+            </a:lnRef>
+            <a:fillRef idx="0">
+              <a:schemeClr val="accent1"/>
+            </a:fillRef>
+            <a:effectRef idx="0">
+              <a:schemeClr val="accent1"/>
+            </a:effectRef>
+            <a:fontRef idx="minor">
+              <a:schemeClr val="tx1"/>
+            </a:fontRef>
+          </p:style>
+        </p:cxnSp>
+        <p:cxnSp>
+          <p:nvCxnSpPr>
+            <p:cNvPr id="91" name="直接箭头连接符 90"/>
+            <p:cNvCxnSpPr/>
+            <p:nvPr/>
+          </p:nvCxnSpPr>
+          <p:spPr>
+            <a:xfrm flipH="1">
+              <a:off x="17334" y="5658"/>
+              <a:ext cx="636" cy="1701"/>
+            </a:xfrm>
+            <a:prstGeom prst="straightConnector1">
+              <a:avLst/>
+            </a:prstGeom>
+            <a:ln>
+              <a:solidFill>
+                <a:schemeClr val="tx1"/>
+              </a:solidFill>
+              <a:tailEnd type="triangle"/>
+            </a:ln>
+          </p:spPr>
+          <p:style>
+            <a:lnRef idx="1">
+              <a:schemeClr val="accent1"/>
+            </a:lnRef>
+            <a:fillRef idx="0">
+              <a:schemeClr val="accent1"/>
+            </a:fillRef>
+            <a:effectRef idx="0">
+              <a:schemeClr val="accent1"/>
+            </a:effectRef>
+            <a:fontRef idx="minor">
+              <a:schemeClr val="tx1"/>
+            </a:fontRef>
+          </p:style>
+        </p:cxnSp>
+        <mc:AlternateContent xmlns:mc="http://schemas.openxmlformats.org/markup-compatibility/2006">
+          <mc:Choice xmlns:a14="http://schemas.microsoft.com/office/drawing/2010/main" Requires="a14">
+            <p:sp>
+              <p:nvSpPr>
+                <p:cNvPr id="92" name="文本框 91"/>
+                <p:cNvSpPr txBox="1"/>
+                <p:nvPr/>
+              </p:nvSpPr>
+              <p:spPr>
+                <a:xfrm>
+                  <a:off x="16423" y="4966"/>
+                  <a:ext cx="912" cy="580"/>
+                </a:xfrm>
+                <a:prstGeom prst="rect">
+                  <a:avLst/>
+                </a:prstGeom>
+                <a:noFill/>
+              </p:spPr>
+              <p:txBody>
+                <a:bodyPr wrap="square" rtlCol="0">
+                  <a:spAutoFit/>
+                </a:bodyPr>
+                <a:p>
+                  <a14:m>
+                    <m:oMathPara xmlns:m="http://schemas.openxmlformats.org/officeDocument/2006/math">
+                      <m:oMathParaPr>
+                        <m:jc m:val="centerGroup"/>
+                      </m:oMathParaPr>
+                      <m:oMath xmlns:m="http://schemas.openxmlformats.org/officeDocument/2006/math">
+                        <m:r>
+                          <a:rPr lang="en-US" altLang="zh-CN" i="1">
+                            <a:latin typeface="Cambria Math" panose="02040503050406030204" charset="0"/>
+                            <a:cs typeface="Cambria Math" panose="02040503050406030204" charset="0"/>
+                          </a:rPr>
+                          <m:t>𝛼</m:t>
+                        </m:r>
+                      </m:oMath>
+                    </m:oMathPara>
+                  </a14:m>
+                  <a:endParaRPr lang="zh-CN" altLang="en-US"/>
+                </a:p>
+              </p:txBody>
+            </p:sp>
+          </mc:Choice>
+          <mc:Fallback>
+            <p:sp>
+              <p:nvSpPr>
+                <p:cNvPr id="92" name="文本框 91"/>
+                <p:cNvSpPr txBox="1">
+                  <a:spLocks noRot="1" noChangeAspect="1" noMove="1" noResize="1" noEditPoints="1" noAdjustHandles="1" noChangeArrowheads="1" noChangeShapeType="1" noTextEdit="1"/>
+                </p:cNvSpPr>
+                <p:nvPr/>
+              </p:nvSpPr>
+              <p:spPr>
+                <a:xfrm>
+                  <a:off x="16423" y="4966"/>
+                  <a:ext cx="912" cy="580"/>
+                </a:xfrm>
+                <a:prstGeom prst="rect">
+                  <a:avLst/>
+                </a:prstGeom>
+                <a:blipFill rotWithShape="1">
+                  <a:blip r:embed="rId4"/>
+                </a:blipFill>
+              </p:spPr>
+              <p:txBody>
+                <a:bodyPr/>
+                <a:lstStyle/>
+                <a:p>
+                  <a:r>
+                    <a:rPr lang="zh-CN" altLang="en-US">
+                      <a:noFill/>
+                    </a:rPr>
+                    <a:t> </a:t>
+                  </a:r>
+                </a:p>
+              </p:txBody>
+            </p:sp>
+          </mc:Fallback>
+        </mc:AlternateContent>
+        <mc:AlternateContent xmlns:mc="http://schemas.openxmlformats.org/markup-compatibility/2006">
+          <mc:Choice xmlns:a14="http://schemas.microsoft.com/office/drawing/2010/main" Requires="a14">
+            <p:sp>
+              <p:nvSpPr>
+                <p:cNvPr id="93" name="文本框 92"/>
+                <p:cNvSpPr txBox="1"/>
+                <p:nvPr/>
+              </p:nvSpPr>
+              <p:spPr>
+                <a:xfrm>
+                  <a:off x="17487" y="4966"/>
+                  <a:ext cx="912" cy="580"/>
+                </a:xfrm>
+                <a:prstGeom prst="rect">
+                  <a:avLst/>
+                </a:prstGeom>
+                <a:noFill/>
+              </p:spPr>
+              <p:txBody>
+                <a:bodyPr wrap="square" rtlCol="0">
+                  <a:spAutoFit/>
+                </a:bodyPr>
+                <a:p>
+                  <a14:m>
+                    <m:oMathPara xmlns:m="http://schemas.openxmlformats.org/officeDocument/2006/math">
+                      <m:oMathParaPr>
+                        <m:jc m:val="centerGroup"/>
+                      </m:oMathParaPr>
+                      <m:oMath xmlns:m="http://schemas.openxmlformats.org/officeDocument/2006/math">
+                        <m:r>
+                          <a:rPr lang="en-US" altLang="zh-CN" i="1">
+                            <a:latin typeface="Cambria Math" panose="02040503050406030204" charset="0"/>
+                            <a:cs typeface="Cambria Math" panose="02040503050406030204" charset="0"/>
+                          </a:rPr>
+                          <m:t>𝛾</m:t>
+                        </m:r>
+                      </m:oMath>
+                    </m:oMathPara>
+                  </a14:m>
+                  <a:endParaRPr lang="zh-CN" altLang="en-US"/>
+                </a:p>
+              </p:txBody>
+            </p:sp>
+          </mc:Choice>
+          <mc:Fallback>
+            <p:sp>
+              <p:nvSpPr>
+                <p:cNvPr id="93" name="文本框 92"/>
+                <p:cNvSpPr txBox="1">
+                  <a:spLocks noRot="1" noChangeAspect="1" noMove="1" noResize="1" noEditPoints="1" noAdjustHandles="1" noChangeArrowheads="1" noChangeShapeType="1" noTextEdit="1"/>
+                </p:cNvSpPr>
+                <p:nvPr/>
+              </p:nvSpPr>
+              <p:spPr>
+                <a:xfrm>
+                  <a:off x="17487" y="4966"/>
+                  <a:ext cx="912" cy="580"/>
+                </a:xfrm>
+                <a:prstGeom prst="rect">
+                  <a:avLst/>
+                </a:prstGeom>
+                <a:blipFill rotWithShape="1">
+                  <a:blip r:embed="rId5"/>
+                </a:blipFill>
+              </p:spPr>
+              <p:txBody>
+                <a:bodyPr/>
+                <a:lstStyle/>
+                <a:p>
+                  <a:r>
+                    <a:rPr lang="zh-CN" altLang="en-US">
+                      <a:noFill/>
+                    </a:rPr>
+                    <a:t> </a:t>
+                  </a:r>
+                </a:p>
+              </p:txBody>
+            </p:sp>
+          </mc:Fallback>
+        </mc:AlternateContent>
+        <p:cxnSp>
+          <p:nvCxnSpPr>
+            <p:cNvPr id="94" name="直接箭头连接符 93"/>
+            <p:cNvCxnSpPr/>
+            <p:nvPr/>
+          </p:nvCxnSpPr>
+          <p:spPr>
+            <a:xfrm>
+              <a:off x="19035" y="5658"/>
+              <a:ext cx="71" cy="1701"/>
+            </a:xfrm>
+            <a:prstGeom prst="straightConnector1">
+              <a:avLst/>
+            </a:prstGeom>
+            <a:ln>
+              <a:solidFill>
+                <a:schemeClr val="tx1"/>
+              </a:solidFill>
+              <a:tailEnd type="triangle"/>
+            </a:ln>
+          </p:spPr>
+          <p:style>
+            <a:lnRef idx="1">
+              <a:schemeClr val="accent1"/>
+            </a:lnRef>
+            <a:fillRef idx="0">
+              <a:schemeClr val="accent1"/>
+            </a:fillRef>
+            <a:effectRef idx="0">
+              <a:schemeClr val="accent1"/>
+            </a:effectRef>
+            <a:fontRef idx="minor">
+              <a:schemeClr val="tx1"/>
+            </a:fontRef>
+          </p:style>
+        </p:cxnSp>
+        <p:cxnSp>
+          <p:nvCxnSpPr>
+            <p:cNvPr id="95" name="直接箭头连接符 94"/>
+            <p:cNvCxnSpPr/>
+            <p:nvPr/>
+          </p:nvCxnSpPr>
+          <p:spPr>
+            <a:xfrm flipH="1">
+              <a:off x="19106" y="5658"/>
+              <a:ext cx="994" cy="1701"/>
+            </a:xfrm>
+            <a:prstGeom prst="straightConnector1">
+              <a:avLst/>
+            </a:prstGeom>
+            <a:ln>
+              <a:solidFill>
+                <a:schemeClr val="tx1"/>
+              </a:solidFill>
+              <a:tailEnd type="triangle"/>
+            </a:ln>
+          </p:spPr>
+          <p:style>
+            <a:lnRef idx="1">
+              <a:schemeClr val="accent1"/>
+            </a:lnRef>
+            <a:fillRef idx="0">
+              <a:schemeClr val="accent1"/>
+            </a:fillRef>
+            <a:effectRef idx="0">
+              <a:schemeClr val="accent1"/>
+            </a:effectRef>
+            <a:fontRef idx="minor">
+              <a:schemeClr val="tx1"/>
+            </a:fontRef>
+          </p:style>
+        </p:cxnSp>
+        <p:cxnSp>
+          <p:nvCxnSpPr>
+            <p:cNvPr id="96" name="直接箭头连接符 95"/>
+            <p:cNvCxnSpPr>
+              <a:stCxn id="86" idx="4"/>
+              <a:endCxn id="81" idx="0"/>
+            </p:cNvCxnSpPr>
+            <p:nvPr/>
+          </p:nvCxnSpPr>
+          <p:spPr>
+            <a:xfrm flipH="1">
+              <a:off x="20834" y="5658"/>
+              <a:ext cx="331" cy="1701"/>
+            </a:xfrm>
+            <a:prstGeom prst="straightConnector1">
+              <a:avLst/>
+            </a:prstGeom>
+            <a:ln>
+              <a:solidFill>
+                <a:schemeClr val="tx1"/>
+              </a:solidFill>
+              <a:tailEnd type="triangle"/>
+            </a:ln>
+          </p:spPr>
+          <p:style>
+            <a:lnRef idx="1">
+              <a:schemeClr val="accent1"/>
+            </a:lnRef>
+            <a:fillRef idx="0">
+              <a:schemeClr val="accent1"/>
+            </a:fillRef>
+            <a:effectRef idx="0">
+              <a:schemeClr val="accent1"/>
+            </a:effectRef>
+            <a:fontRef idx="minor">
+              <a:schemeClr val="tx1"/>
+            </a:fontRef>
+          </p:style>
+        </p:cxnSp>
+        <mc:AlternateContent xmlns:mc="http://schemas.openxmlformats.org/markup-compatibility/2006">
+          <mc:Choice xmlns:a14="http://schemas.microsoft.com/office/drawing/2010/main" Requires="a14">
+            <p:sp>
+              <p:nvSpPr>
+                <p:cNvPr id="97" name="文本框 96"/>
+                <p:cNvSpPr txBox="1"/>
+                <p:nvPr/>
+              </p:nvSpPr>
+              <p:spPr>
+                <a:xfrm>
+                  <a:off x="20681" y="4966"/>
+                  <a:ext cx="912" cy="580"/>
+                </a:xfrm>
+                <a:prstGeom prst="rect">
+                  <a:avLst/>
+                </a:prstGeom>
+                <a:noFill/>
+              </p:spPr>
+              <p:txBody>
+                <a:bodyPr wrap="square" rtlCol="0">
+                  <a:spAutoFit/>
+                </a:bodyPr>
+                <a:p>
+                  <a14:m>
+                    <m:oMathPara xmlns:m="http://schemas.openxmlformats.org/officeDocument/2006/math">
+                      <m:oMathParaPr>
+                        <m:jc m:val="centerGroup"/>
+                      </m:oMathParaPr>
+                      <m:oMath xmlns:m="http://schemas.openxmlformats.org/officeDocument/2006/math">
+                        <m:r>
+                          <a:rPr lang="en-US" altLang="zh-CN" i="1">
+                            <a:latin typeface="Cambria Math" panose="02040503050406030204" charset="0"/>
+                            <a:cs typeface="Cambria Math" panose="02040503050406030204" charset="0"/>
+                          </a:rPr>
+                          <m:t>𝜂</m:t>
+                        </m:r>
+                      </m:oMath>
+                    </m:oMathPara>
+                  </a14:m>
+                  <a:endParaRPr lang="zh-CN" altLang="en-US"/>
+                </a:p>
+              </p:txBody>
+            </p:sp>
+          </mc:Choice>
+          <mc:Fallback>
+            <p:sp>
+              <p:nvSpPr>
+                <p:cNvPr id="97" name="文本框 96"/>
+                <p:cNvSpPr txBox="1">
+                  <a:spLocks noRot="1" noChangeAspect="1" noMove="1" noResize="1" noEditPoints="1" noAdjustHandles="1" noChangeArrowheads="1" noChangeShapeType="1" noTextEdit="1"/>
+                </p:cNvSpPr>
+                <p:nvPr/>
+              </p:nvSpPr>
+              <p:spPr>
+                <a:xfrm>
+                  <a:off x="20681" y="4966"/>
+                  <a:ext cx="912" cy="580"/>
+                </a:xfrm>
+                <a:prstGeom prst="rect">
+                  <a:avLst/>
+                </a:prstGeom>
+                <a:blipFill rotWithShape="1">
+                  <a:blip r:embed="rId6"/>
+                </a:blipFill>
+              </p:spPr>
+              <p:txBody>
+                <a:bodyPr/>
+                <a:lstStyle/>
+                <a:p>
+                  <a:r>
+                    <a:rPr lang="zh-CN" altLang="en-US">
+                      <a:noFill/>
+                    </a:rPr>
+                    <a:t> </a:t>
+                  </a:r>
+                </a:p>
+              </p:txBody>
+            </p:sp>
+          </mc:Fallback>
+        </mc:AlternateContent>
+        <mc:AlternateContent xmlns:mc="http://schemas.openxmlformats.org/markup-compatibility/2006">
+          <mc:Choice xmlns:a14="http://schemas.microsoft.com/office/drawing/2010/main" Requires="a14">
+            <p:sp>
+              <p:nvSpPr>
+                <p:cNvPr id="98" name="文本框 97"/>
+                <p:cNvSpPr txBox="1"/>
+                <p:nvPr/>
+              </p:nvSpPr>
+              <p:spPr>
+                <a:xfrm>
+                  <a:off x="19595" y="4966"/>
+                  <a:ext cx="912" cy="580"/>
+                </a:xfrm>
+                <a:prstGeom prst="rect">
+                  <a:avLst/>
+                </a:prstGeom>
+                <a:noFill/>
+              </p:spPr>
+              <p:txBody>
+                <a:bodyPr wrap="square" rtlCol="0">
+                  <a:spAutoFit/>
+                </a:bodyPr>
+                <a:p>
+                  <a14:m>
+                    <m:oMathPara xmlns:m="http://schemas.openxmlformats.org/officeDocument/2006/math">
+                      <m:oMathParaPr>
+                        <m:jc m:val="centerGroup"/>
+                      </m:oMathParaPr>
+                      <m:oMath xmlns:m="http://schemas.openxmlformats.org/officeDocument/2006/math">
+                        <m:r>
+                          <a:rPr lang="en-US" altLang="zh-CN" i="1">
+                            <a:latin typeface="Cambria Math" panose="02040503050406030204" charset="0"/>
+                            <a:cs typeface="Cambria Math" panose="02040503050406030204" charset="0"/>
+                          </a:rPr>
+                          <m:t>𝛽</m:t>
+                        </m:r>
+                      </m:oMath>
+                    </m:oMathPara>
+                  </a14:m>
+                  <a:endParaRPr lang="zh-CN" altLang="en-US"/>
+                </a:p>
+              </p:txBody>
+            </p:sp>
+          </mc:Choice>
+          <mc:Fallback>
+            <p:sp>
+              <p:nvSpPr>
+                <p:cNvPr id="98" name="文本框 97"/>
+                <p:cNvSpPr txBox="1">
+                  <a:spLocks noRot="1" noChangeAspect="1" noMove="1" noResize="1" noEditPoints="1" noAdjustHandles="1" noChangeArrowheads="1" noChangeShapeType="1" noTextEdit="1"/>
+                </p:cNvSpPr>
+                <p:nvPr/>
+              </p:nvSpPr>
+              <p:spPr>
+                <a:xfrm>
+                  <a:off x="19595" y="4966"/>
+                  <a:ext cx="912" cy="580"/>
+                </a:xfrm>
+                <a:prstGeom prst="rect">
+                  <a:avLst/>
+                </a:prstGeom>
+                <a:blipFill rotWithShape="1">
+                  <a:blip r:embed="rId7"/>
+                </a:blipFill>
+              </p:spPr>
+              <p:txBody>
+                <a:bodyPr/>
+                <a:lstStyle/>
+                <a:p>
+                  <a:r>
+                    <a:rPr lang="zh-CN" altLang="en-US">
+                      <a:noFill/>
+                    </a:rPr>
+                    <a:t> </a:t>
+                  </a:r>
+                </a:p>
+              </p:txBody>
+            </p:sp>
+          </mc:Fallback>
+        </mc:AlternateContent>
+        <mc:AlternateContent xmlns:mc="http://schemas.openxmlformats.org/markup-compatibility/2006">
+          <mc:Choice xmlns:a14="http://schemas.microsoft.com/office/drawing/2010/main" Requires="a14">
+            <p:sp>
+              <p:nvSpPr>
+                <p:cNvPr id="99" name="文本框 98"/>
+                <p:cNvSpPr txBox="1"/>
+                <p:nvPr/>
+              </p:nvSpPr>
+              <p:spPr>
+                <a:xfrm>
+                  <a:off x="18552" y="4966"/>
+                  <a:ext cx="912" cy="597"/>
+                </a:xfrm>
+                <a:prstGeom prst="rect">
+                  <a:avLst/>
+                </a:prstGeom>
+                <a:noFill/>
+              </p:spPr>
+              <p:txBody>
+                <a:bodyPr wrap="square" rtlCol="0">
+                  <a:spAutoFit/>
+                </a:bodyPr>
+                <a:p>
+                  <a14:m>
+                    <m:oMathPara xmlns:m="http://schemas.openxmlformats.org/officeDocument/2006/math">
+                      <m:oMathParaPr>
+                        <m:jc m:val="centerGroup"/>
+                      </m:oMathParaPr>
+                      <m:oMath xmlns:m="http://schemas.openxmlformats.org/officeDocument/2006/math">
+                        <m:sSub>
+                          <m:sSubPr>
+                            <m:ctrlPr>
+                              <a:rPr lang="en-US" altLang="zh-CN" i="1">
+                                <a:latin typeface="Cambria Math" panose="02040503050406030204" charset="0"/>
+                                <a:cs typeface="Cambria Math" panose="02040503050406030204" charset="0"/>
+                              </a:rPr>
+                            </m:ctrlPr>
+                          </m:sSubPr>
+                          <m:e>
+                            <m:r>
+                              <a:rPr lang="en-US" altLang="zh-CN" i="1">
+                                <a:latin typeface="Cambria Math" panose="02040503050406030204" charset="0"/>
+                                <a:cs typeface="Cambria Math" panose="02040503050406030204" charset="0"/>
+                              </a:rPr>
+                              <m:t>𝑟</m:t>
+                            </m:r>
+                          </m:e>
+                          <m:sub>
+                            <m:r>
+                              <a:rPr lang="en-US" altLang="zh-CN" i="1">
+                                <a:latin typeface="Cambria Math" panose="02040503050406030204" charset="0"/>
+                                <a:cs typeface="Cambria Math" panose="02040503050406030204" charset="0"/>
+                              </a:rPr>
+                              <m:t>𝑗</m:t>
+                            </m:r>
+                          </m:sub>
+                        </m:sSub>
+                      </m:oMath>
+                    </m:oMathPara>
+                  </a14:m>
+                  <a:endParaRPr lang="zh-CN" altLang="en-US"/>
+                </a:p>
+              </p:txBody>
+            </p:sp>
+          </mc:Choice>
+          <mc:Fallback>
+            <p:sp>
+              <p:nvSpPr>
+                <p:cNvPr id="99" name="文本框 98"/>
+                <p:cNvSpPr txBox="1">
+                  <a:spLocks noRot="1" noChangeAspect="1" noMove="1" noResize="1" noEditPoints="1" noAdjustHandles="1" noChangeArrowheads="1" noChangeShapeType="1" noTextEdit="1"/>
+                </p:cNvSpPr>
+                <p:nvPr/>
+              </p:nvSpPr>
+              <p:spPr>
+                <a:xfrm>
+                  <a:off x="18552" y="4966"/>
+                  <a:ext cx="912" cy="597"/>
+                </a:xfrm>
+                <a:prstGeom prst="rect">
+                  <a:avLst/>
+                </a:prstGeom>
+                <a:blipFill rotWithShape="1">
+                  <a:blip r:embed="rId16"/>
+                </a:blipFill>
+              </p:spPr>
+              <p:txBody>
+                <a:bodyPr/>
+                <a:lstStyle/>
+                <a:p>
+                  <a:r>
+                    <a:rPr lang="zh-CN" altLang="en-US">
+                      <a:noFill/>
+                    </a:rPr>
+                    <a:t> </a:t>
+                  </a:r>
+                </a:p>
+              </p:txBody>
+            </p:sp>
+          </mc:Fallback>
+        </mc:AlternateContent>
+        <p:sp>
+          <p:nvSpPr>
+            <p:cNvPr id="101" name="椭圆 100"/>
+            <p:cNvSpPr/>
+            <p:nvPr/>
+          </p:nvSpPr>
+          <p:spPr>
+            <a:xfrm>
+              <a:off x="13073" y="9610"/>
+              <a:ext cx="824" cy="824"/>
+            </a:xfrm>
+            <a:prstGeom prst="ellipse">
+              <a:avLst/>
+            </a:prstGeom>
+            <a:solidFill>
+              <a:schemeClr val="accent5">
+                <a:lumMod val="60000"/>
+                <a:lumOff val="40000"/>
+              </a:schemeClr>
+            </a:solidFill>
+            <a:ln>
+              <a:solidFill>
+                <a:schemeClr val="tx1"/>
+              </a:solidFill>
+            </a:ln>
+          </p:spPr>
+          <p:style>
+            <a:lnRef idx="2">
+              <a:schemeClr val="accent1">
+                <a:shade val="50000"/>
+              </a:schemeClr>
+            </a:lnRef>
+            <a:fillRef idx="1">
+              <a:schemeClr val="accent1"/>
+            </a:fillRef>
+            <a:effectRef idx="0">
+              <a:schemeClr val="accent1"/>
+            </a:effectRef>
+            <a:fontRef idx="minor">
+              <a:schemeClr val="lt1"/>
+            </a:fontRef>
+          </p:style>
+          <p:txBody>
+            <a:bodyPr rtlCol="0" anchor="ctr"/>
+            <a:p>
+              <a:pPr algn="ctr"/>
+              <a:endParaRPr lang="zh-CN" altLang="en-US"/>
+            </a:p>
+          </p:txBody>
+        </p:sp>
+        <mc:AlternateContent xmlns:mc="http://schemas.openxmlformats.org/markup-compatibility/2006">
+          <mc:Choice xmlns:a14="http://schemas.microsoft.com/office/drawing/2010/main" Requires="a14">
+            <p:sp>
+              <p:nvSpPr>
+                <p:cNvPr id="102" name="文本框 101"/>
+                <p:cNvSpPr txBox="1"/>
+                <p:nvPr/>
+              </p:nvSpPr>
+              <p:spPr>
+                <a:xfrm>
+                  <a:off x="13002" y="9742"/>
+                  <a:ext cx="912" cy="609"/>
+                </a:xfrm>
+                <a:prstGeom prst="rect">
+                  <a:avLst/>
+                </a:prstGeom>
+                <a:noFill/>
+              </p:spPr>
+              <p:txBody>
+                <a:bodyPr wrap="square" rtlCol="0">
+                  <a:spAutoFit/>
+                </a:bodyPr>
+                <a:p>
+                  <a14:m>
+                    <m:oMathPara xmlns:m="http://schemas.openxmlformats.org/officeDocument/2006/math">
+                      <m:oMathParaPr>
+                        <m:jc m:val="centerGroup"/>
+                      </m:oMathParaPr>
+                      <m:oMath xmlns:m="http://schemas.openxmlformats.org/officeDocument/2006/math">
+                        <m:sSubSup>
+                          <m:sSubSupPr>
+                            <m:ctrlPr>
+                              <a:rPr lang="en-US" altLang="zh-CN" i="1">
+                                <a:latin typeface="Cambria Math" panose="02040503050406030204" charset="0"/>
+                                <a:cs typeface="Cambria Math" panose="02040503050406030204" charset="0"/>
+                              </a:rPr>
+                            </m:ctrlPr>
+                          </m:sSubSupPr>
+                          <m:e>
+                            <m:r>
+                              <a:rPr lang="en-US" altLang="zh-CN" i="1">
+                                <a:latin typeface="Cambria Math" panose="02040503050406030204" charset="0"/>
+                                <a:cs typeface="Cambria Math" panose="02040503050406030204" charset="0"/>
+                              </a:rPr>
+                              <m:t>𝑑</m:t>
+                            </m:r>
+                          </m:e>
+                          <m:sub>
+                            <m:r>
+                              <a:rPr lang="en-US" altLang="zh-CN" i="1">
+                                <a:latin typeface="Cambria Math" panose="02040503050406030204" charset="0"/>
+                                <a:cs typeface="Cambria Math" panose="02040503050406030204" charset="0"/>
+                              </a:rPr>
+                              <m:t>𝑖</m:t>
+                            </m:r>
+                            <m:r>
+                              <a:rPr lang="en-US" altLang="zh-CN" i="1">
+                                <a:latin typeface="Cambria Math" panose="02040503050406030204" charset="0"/>
+                                <a:cs typeface="Cambria Math" panose="02040503050406030204" charset="0"/>
+                              </a:rPr>
+                              <m:t>𝑗</m:t>
+                            </m:r>
+                          </m:sub>
+                          <m:sup>
+                            <m:r>
+                              <a:rPr lang="en-US" altLang="zh-CN" i="1">
+                                <a:latin typeface="Cambria Math" panose="02040503050406030204" charset="0"/>
+                                <a:cs typeface="Cambria Math" panose="02040503050406030204" charset="0"/>
+                              </a:rPr>
+                              <m:t>𝑣</m:t>
+                            </m:r>
+                          </m:sup>
+                        </m:sSubSup>
+                      </m:oMath>
+                    </m:oMathPara>
+                  </a14:m>
+                  <a:endParaRPr lang="zh-CN" altLang="en-US"/>
+                </a:p>
+              </p:txBody>
+            </p:sp>
+          </mc:Choice>
+          <mc:Fallback>
+            <p:sp>
+              <p:nvSpPr>
+                <p:cNvPr id="102" name="文本框 101"/>
+                <p:cNvSpPr txBox="1">
+                  <a:spLocks noRot="1" noChangeAspect="1" noMove="1" noResize="1" noEditPoints="1" noAdjustHandles="1" noChangeArrowheads="1" noChangeShapeType="1" noTextEdit="1"/>
+                </p:cNvSpPr>
+                <p:nvPr/>
+              </p:nvSpPr>
+              <p:spPr>
+                <a:xfrm>
+                  <a:off x="13002" y="9742"/>
+                  <a:ext cx="912" cy="609"/>
+                </a:xfrm>
+                <a:prstGeom prst="rect">
+                  <a:avLst/>
+                </a:prstGeom>
+                <a:blipFill rotWithShape="1">
+                  <a:blip r:embed="rId17"/>
+                </a:blipFill>
+              </p:spPr>
+              <p:txBody>
+                <a:bodyPr/>
+                <a:lstStyle/>
+                <a:p>
+                  <a:r>
+                    <a:rPr lang="zh-CN" altLang="en-US">
+                      <a:noFill/>
+                    </a:rPr>
+                    <a:t> </a:t>
+                  </a:r>
+                </a:p>
+              </p:txBody>
+            </p:sp>
+          </mc:Fallback>
+        </mc:AlternateContent>
+        <p:sp>
+          <p:nvSpPr>
+            <p:cNvPr id="103" name="椭圆 102"/>
+            <p:cNvSpPr/>
+            <p:nvPr/>
+          </p:nvSpPr>
+          <p:spPr>
+            <a:xfrm>
+              <a:off x="18470" y="9595"/>
+              <a:ext cx="824" cy="824"/>
+            </a:xfrm>
+            <a:prstGeom prst="ellipse">
+              <a:avLst/>
+            </a:prstGeom>
+            <a:solidFill>
+              <a:schemeClr val="accent5">
+                <a:lumMod val="60000"/>
+                <a:lumOff val="40000"/>
+              </a:schemeClr>
+            </a:solidFill>
+            <a:ln>
+              <a:solidFill>
+                <a:schemeClr val="tx1"/>
+              </a:solidFill>
+            </a:ln>
+          </p:spPr>
+          <p:style>
+            <a:lnRef idx="2">
+              <a:schemeClr val="accent1">
+                <a:shade val="50000"/>
+              </a:schemeClr>
+            </a:lnRef>
+            <a:fillRef idx="1">
+              <a:schemeClr val="accent1"/>
+            </a:fillRef>
+            <a:effectRef idx="0">
+              <a:schemeClr val="accent1"/>
+            </a:effectRef>
+            <a:fontRef idx="minor">
+              <a:schemeClr val="lt1"/>
+            </a:fontRef>
+          </p:style>
+          <p:txBody>
+            <a:bodyPr rtlCol="0" anchor="ctr"/>
+            <a:p>
+              <a:pPr algn="ctr"/>
+              <a:endParaRPr lang="zh-CN" altLang="en-US"/>
+            </a:p>
+          </p:txBody>
+        </p:sp>
+        <mc:AlternateContent xmlns:mc="http://schemas.openxmlformats.org/markup-compatibility/2006">
+          <mc:Choice xmlns:a14="http://schemas.microsoft.com/office/drawing/2010/main" Requires="a14">
+            <p:sp>
+              <p:nvSpPr>
+                <p:cNvPr id="104" name="文本框 103"/>
+                <p:cNvSpPr txBox="1"/>
+                <p:nvPr/>
+              </p:nvSpPr>
+              <p:spPr>
+                <a:xfrm>
+                  <a:off x="18399" y="9727"/>
+                  <a:ext cx="912" cy="609"/>
+                </a:xfrm>
+                <a:prstGeom prst="rect">
+                  <a:avLst/>
+                </a:prstGeom>
+                <a:noFill/>
+              </p:spPr>
+              <p:txBody>
+                <a:bodyPr wrap="square" rtlCol="0">
+                  <a:spAutoFit/>
+                </a:bodyPr>
+                <a:p>
+                  <a14:m>
+                    <m:oMathPara xmlns:m="http://schemas.openxmlformats.org/officeDocument/2006/math">
+                      <m:oMathParaPr>
+                        <m:jc m:val="centerGroup"/>
+                      </m:oMathParaPr>
+                      <m:oMath xmlns:m="http://schemas.openxmlformats.org/officeDocument/2006/math">
+                        <m:sSubSup>
+                          <m:sSubSupPr>
+                            <m:ctrlPr>
+                              <a:rPr lang="en-US" altLang="zh-CN" i="1">
+                                <a:latin typeface="Cambria Math" panose="02040503050406030204" charset="0"/>
+                                <a:cs typeface="Cambria Math" panose="02040503050406030204" charset="0"/>
+                              </a:rPr>
+                            </m:ctrlPr>
+                          </m:sSubSupPr>
+                          <m:e>
+                            <m:r>
+                              <a:rPr lang="en-US" altLang="zh-CN" i="1">
+                                <a:latin typeface="Cambria Math" panose="02040503050406030204" charset="0"/>
+                                <a:cs typeface="Cambria Math" panose="02040503050406030204" charset="0"/>
+                              </a:rPr>
+                              <m:t>𝑧</m:t>
+                            </m:r>
+                          </m:e>
+                          <m:sub>
+                            <m:r>
+                              <a:rPr lang="en-US" altLang="zh-CN" i="1">
+                                <a:latin typeface="Cambria Math" panose="02040503050406030204" charset="0"/>
+                                <a:cs typeface="Cambria Math" panose="02040503050406030204" charset="0"/>
+                              </a:rPr>
+                              <m:t>𝑗</m:t>
+                            </m:r>
+                          </m:sub>
+                          <m:sup>
+                            <m:r>
+                              <a:rPr lang="en-US" altLang="zh-CN" i="1">
+                                <a:latin typeface="Cambria Math" panose="02040503050406030204" charset="0"/>
+                                <a:cs typeface="Cambria Math" panose="02040503050406030204" charset="0"/>
+                              </a:rPr>
+                              <m:t>𝑣</m:t>
+                            </m:r>
+                          </m:sup>
+                        </m:sSubSup>
+                      </m:oMath>
+                    </m:oMathPara>
+                  </a14:m>
+                  <a:endParaRPr lang="zh-CN" altLang="en-US"/>
+                </a:p>
+              </p:txBody>
+            </p:sp>
+          </mc:Choice>
+          <mc:Fallback>
+            <p:sp>
+              <p:nvSpPr>
+                <p:cNvPr id="104" name="文本框 103"/>
+                <p:cNvSpPr txBox="1">
+                  <a:spLocks noRot="1" noChangeAspect="1" noMove="1" noResize="1" noEditPoints="1" noAdjustHandles="1" noChangeArrowheads="1" noChangeShapeType="1" noTextEdit="1"/>
+                </p:cNvSpPr>
+                <p:nvPr/>
+              </p:nvSpPr>
+              <p:spPr>
+                <a:xfrm>
+                  <a:off x="18399" y="9727"/>
+                  <a:ext cx="912" cy="609"/>
+                </a:xfrm>
+                <a:prstGeom prst="rect">
+                  <a:avLst/>
+                </a:prstGeom>
+                <a:blipFill rotWithShape="1">
+                  <a:blip r:embed="rId18"/>
+                </a:blipFill>
+              </p:spPr>
+              <p:txBody>
+                <a:bodyPr/>
+                <a:lstStyle/>
+                <a:p>
+                  <a:r>
+                    <a:rPr lang="zh-CN" altLang="en-US">
+                      <a:noFill/>
+                    </a:rPr>
+                    <a:t> </a:t>
+                  </a:r>
+                </a:p>
+              </p:txBody>
+            </p:sp>
+          </mc:Fallback>
+        </mc:AlternateContent>
+        <p:cxnSp>
+          <p:nvCxnSpPr>
+            <p:cNvPr id="105" name="直接箭头连接符 104"/>
+            <p:cNvCxnSpPr/>
+            <p:nvPr/>
+          </p:nvCxnSpPr>
+          <p:spPr>
+            <a:xfrm>
+              <a:off x="5796" y="8183"/>
+              <a:ext cx="2596" cy="1427"/>
+            </a:xfrm>
+            <a:prstGeom prst="straightConnector1">
+              <a:avLst/>
+            </a:prstGeom>
+            <a:ln>
+              <a:solidFill>
+                <a:schemeClr val="tx1"/>
+              </a:solidFill>
+              <a:tailEnd type="triangle"/>
+            </a:ln>
+          </p:spPr>
+          <p:style>
+            <a:lnRef idx="1">
+              <a:schemeClr val="accent1"/>
+            </a:lnRef>
+            <a:fillRef idx="0">
+              <a:schemeClr val="accent1"/>
+            </a:fillRef>
+            <a:effectRef idx="0">
+              <a:schemeClr val="accent1"/>
+            </a:effectRef>
+            <a:fontRef idx="minor">
+              <a:schemeClr val="tx1"/>
+            </a:fontRef>
+          </p:style>
+        </p:cxnSp>
+        <p:cxnSp>
+          <p:nvCxnSpPr>
+            <p:cNvPr id="106" name="直接箭头连接符 105"/>
+            <p:cNvCxnSpPr/>
+            <p:nvPr/>
+          </p:nvCxnSpPr>
+          <p:spPr>
+            <a:xfrm flipH="1">
+              <a:off x="8392" y="8172"/>
+              <a:ext cx="5049" cy="1438"/>
+            </a:xfrm>
+            <a:prstGeom prst="straightConnector1">
+              <a:avLst/>
+            </a:prstGeom>
+            <a:ln>
+              <a:solidFill>
+                <a:schemeClr val="tx1"/>
+              </a:solidFill>
+              <a:tailEnd type="triangle"/>
+            </a:ln>
+          </p:spPr>
+          <p:style>
+            <a:lnRef idx="1">
+              <a:schemeClr val="accent1"/>
+            </a:lnRef>
+            <a:fillRef idx="0">
+              <a:schemeClr val="accent1"/>
+            </a:fillRef>
+            <a:effectRef idx="0">
+              <a:schemeClr val="accent1"/>
+            </a:effectRef>
+            <a:fontRef idx="minor">
+              <a:schemeClr val="tx1"/>
+            </a:fontRef>
+          </p:style>
+        </p:cxnSp>
+        <p:cxnSp>
+          <p:nvCxnSpPr>
+            <p:cNvPr id="107" name="直接箭头连接符 106"/>
+            <p:cNvCxnSpPr>
+              <a:stCxn id="59" idx="4"/>
+            </p:cNvCxnSpPr>
+            <p:nvPr/>
+          </p:nvCxnSpPr>
+          <p:spPr>
+            <a:xfrm flipH="1">
+              <a:off x="8457" y="8172"/>
+              <a:ext cx="6712" cy="1459"/>
+            </a:xfrm>
+            <a:prstGeom prst="straightConnector1">
+              <a:avLst/>
+            </a:prstGeom>
+            <a:ln>
+              <a:solidFill>
+                <a:schemeClr val="tx1"/>
+              </a:solidFill>
+              <a:tailEnd type="triangle"/>
+            </a:ln>
+          </p:spPr>
+          <p:style>
+            <a:lnRef idx="1">
+              <a:schemeClr val="accent1"/>
+            </a:lnRef>
+            <a:fillRef idx="0">
+              <a:schemeClr val="accent1"/>
+            </a:fillRef>
+            <a:effectRef idx="0">
+              <a:schemeClr val="accent1"/>
+            </a:effectRef>
+            <a:fontRef idx="minor">
+              <a:schemeClr val="tx1"/>
+            </a:fontRef>
+          </p:style>
+        </p:cxnSp>
+        <p:cxnSp>
+          <p:nvCxnSpPr>
+            <p:cNvPr id="108" name="直接箭头连接符 107"/>
+            <p:cNvCxnSpPr/>
+            <p:nvPr/>
+          </p:nvCxnSpPr>
+          <p:spPr>
+            <a:xfrm>
+              <a:off x="13441" y="8172"/>
+              <a:ext cx="5441" cy="1423"/>
+            </a:xfrm>
+            <a:prstGeom prst="straightConnector1">
+              <a:avLst/>
+            </a:prstGeom>
+            <a:ln>
+              <a:solidFill>
+                <a:schemeClr val="tx1"/>
+              </a:solidFill>
+              <a:tailEnd type="triangle"/>
+            </a:ln>
+          </p:spPr>
+          <p:style>
+            <a:lnRef idx="1">
+              <a:schemeClr val="accent1"/>
+            </a:lnRef>
+            <a:fillRef idx="0">
+              <a:schemeClr val="accent1"/>
+            </a:fillRef>
+            <a:effectRef idx="0">
+              <a:schemeClr val="accent1"/>
+            </a:effectRef>
+            <a:fontRef idx="minor">
+              <a:schemeClr val="tx1"/>
+            </a:fontRef>
+          </p:style>
+        </p:cxnSp>
+        <p:cxnSp>
+          <p:nvCxnSpPr>
+            <p:cNvPr id="109" name="直接箭头连接符 108"/>
+            <p:cNvCxnSpPr>
+              <a:stCxn id="79" idx="4"/>
+              <a:endCxn id="103" idx="0"/>
+            </p:cNvCxnSpPr>
+            <p:nvPr/>
+          </p:nvCxnSpPr>
+          <p:spPr>
+            <a:xfrm>
+              <a:off x="17334" y="8183"/>
+              <a:ext cx="1548" cy="1412"/>
+            </a:xfrm>
+            <a:prstGeom prst="straightConnector1">
+              <a:avLst/>
+            </a:prstGeom>
+            <a:ln>
+              <a:solidFill>
+                <a:schemeClr val="tx1"/>
+              </a:solidFill>
+              <a:tailEnd type="triangle"/>
+            </a:ln>
+          </p:spPr>
+          <p:style>
+            <a:lnRef idx="1">
+              <a:schemeClr val="accent1"/>
+            </a:lnRef>
+            <a:fillRef idx="0">
+              <a:schemeClr val="accent1"/>
+            </a:fillRef>
+            <a:effectRef idx="0">
+              <a:schemeClr val="accent1"/>
+            </a:effectRef>
+            <a:fontRef idx="minor">
+              <a:schemeClr val="tx1"/>
+            </a:fontRef>
+          </p:style>
+        </p:cxnSp>
+        <p:cxnSp>
+          <p:nvCxnSpPr>
+            <p:cNvPr id="110" name="直接箭头连接符 109"/>
+            <p:cNvCxnSpPr>
+              <a:stCxn id="59" idx="4"/>
+              <a:endCxn id="103" idx="0"/>
+            </p:cNvCxnSpPr>
+            <p:nvPr/>
+          </p:nvCxnSpPr>
+          <p:spPr>
+            <a:xfrm>
+              <a:off x="15169" y="8172"/>
+              <a:ext cx="3713" cy="1423"/>
+            </a:xfrm>
+            <a:prstGeom prst="straightConnector1">
+              <a:avLst/>
+            </a:prstGeom>
+            <a:ln>
+              <a:solidFill>
+                <a:schemeClr val="tx1"/>
+              </a:solidFill>
+              <a:tailEnd type="triangle"/>
+            </a:ln>
+          </p:spPr>
+          <p:style>
+            <a:lnRef idx="1">
+              <a:schemeClr val="accent1"/>
+            </a:lnRef>
+            <a:fillRef idx="0">
+              <a:schemeClr val="accent1"/>
+            </a:fillRef>
+            <a:effectRef idx="0">
+              <a:schemeClr val="accent1"/>
+            </a:effectRef>
+            <a:fontRef idx="minor">
+              <a:schemeClr val="tx1"/>
+            </a:fontRef>
+          </p:style>
+        </p:cxnSp>
+        <p:cxnSp>
+          <p:nvCxnSpPr>
+            <p:cNvPr id="111" name="直接箭头连接符 110"/>
+            <p:cNvCxnSpPr/>
+            <p:nvPr/>
+          </p:nvCxnSpPr>
+          <p:spPr>
+            <a:xfrm>
+              <a:off x="5796" y="8183"/>
+              <a:ext cx="7689" cy="1427"/>
+            </a:xfrm>
+            <a:prstGeom prst="straightConnector1">
+              <a:avLst/>
+            </a:prstGeom>
+            <a:ln>
+              <a:solidFill>
+                <a:schemeClr val="tx1"/>
+              </a:solidFill>
+              <a:tailEnd type="triangle"/>
+            </a:ln>
+          </p:spPr>
+          <p:style>
+            <a:lnRef idx="1">
+              <a:schemeClr val="accent1"/>
+            </a:lnRef>
+            <a:fillRef idx="0">
+              <a:schemeClr val="accent1"/>
+            </a:fillRef>
+            <a:effectRef idx="0">
+              <a:schemeClr val="accent1"/>
+            </a:effectRef>
+            <a:fontRef idx="minor">
+              <a:schemeClr val="tx1"/>
+            </a:fontRef>
+          </p:style>
+        </p:cxnSp>
+        <p:cxnSp>
+          <p:nvCxnSpPr>
+            <p:cNvPr id="112" name="直接箭头连接符 111"/>
+            <p:cNvCxnSpPr/>
+            <p:nvPr/>
+          </p:nvCxnSpPr>
+          <p:spPr>
+            <a:xfrm flipH="1">
+              <a:off x="13485" y="8183"/>
+              <a:ext cx="3849" cy="1427"/>
+            </a:xfrm>
+            <a:prstGeom prst="straightConnector1">
+              <a:avLst/>
+            </a:prstGeom>
+            <a:ln>
+              <a:solidFill>
+                <a:schemeClr val="tx1"/>
+              </a:solidFill>
+              <a:tailEnd type="triangle"/>
+            </a:ln>
+          </p:spPr>
+          <p:style>
+            <a:lnRef idx="1">
+              <a:schemeClr val="accent1"/>
+            </a:lnRef>
+            <a:fillRef idx="0">
+              <a:schemeClr val="accent1"/>
+            </a:fillRef>
+            <a:effectRef idx="0">
+              <a:schemeClr val="accent1"/>
+            </a:effectRef>
+            <a:fontRef idx="minor">
+              <a:schemeClr val="tx1"/>
+            </a:fontRef>
+          </p:style>
+        </p:cxnSp>
+        <p:cxnSp>
+          <p:nvCxnSpPr>
+            <p:cNvPr id="113" name="直接箭头连接符 112"/>
+            <p:cNvCxnSpPr>
+              <a:stCxn id="58" idx="4"/>
+              <a:endCxn id="101" idx="0"/>
+            </p:cNvCxnSpPr>
+            <p:nvPr/>
+          </p:nvCxnSpPr>
+          <p:spPr>
+            <a:xfrm>
+              <a:off x="13441" y="8172"/>
+              <a:ext cx="44" cy="1438"/>
+            </a:xfrm>
+            <a:prstGeom prst="straightConnector1">
+              <a:avLst/>
+            </a:prstGeom>
+            <a:ln>
+              <a:solidFill>
+                <a:schemeClr val="tx1"/>
+              </a:solidFill>
+              <a:tailEnd type="triangle"/>
+            </a:ln>
+          </p:spPr>
+          <p:style>
+            <a:lnRef idx="1">
+              <a:schemeClr val="accent1"/>
+            </a:lnRef>
+            <a:fillRef idx="0">
+              <a:schemeClr val="accent1"/>
+            </a:fillRef>
+            <a:effectRef idx="0">
+              <a:schemeClr val="accent1"/>
+            </a:effectRef>
+            <a:fontRef idx="minor">
+              <a:schemeClr val="tx1"/>
+            </a:fontRef>
+          </p:style>
+        </p:cxnSp>
+        <p:sp>
+          <p:nvSpPr>
+            <p:cNvPr id="115" name="椭圆 114"/>
+            <p:cNvSpPr/>
+            <p:nvPr/>
+          </p:nvSpPr>
+          <p:spPr>
+            <a:xfrm>
+              <a:off x="7085" y="4823"/>
+              <a:ext cx="824" cy="824"/>
+            </a:xfrm>
+            <a:prstGeom prst="ellipse">
+              <a:avLst/>
+            </a:prstGeom>
+            <a:solidFill>
+              <a:schemeClr val="accent5">
+                <a:lumMod val="60000"/>
+                <a:lumOff val="40000"/>
+              </a:schemeClr>
+            </a:solidFill>
+            <a:ln>
+              <a:solidFill>
+                <a:schemeClr val="tx1"/>
+              </a:solidFill>
+            </a:ln>
+          </p:spPr>
+          <p:style>
+            <a:lnRef idx="2">
+              <a:schemeClr val="accent1">
+                <a:shade val="50000"/>
+              </a:schemeClr>
+            </a:lnRef>
+            <a:fillRef idx="1">
+              <a:schemeClr val="accent1"/>
+            </a:fillRef>
+            <a:effectRef idx="0">
+              <a:schemeClr val="accent1"/>
+            </a:effectRef>
+            <a:fontRef idx="minor">
+              <a:schemeClr val="lt1"/>
+            </a:fontRef>
+          </p:style>
+          <p:txBody>
+            <a:bodyPr rtlCol="0" anchor="ctr"/>
+            <a:p>
+              <a:pPr algn="ctr"/>
+              <a:endParaRPr lang="zh-CN" altLang="en-US"/>
+            </a:p>
+          </p:txBody>
+        </p:sp>
+        <mc:AlternateContent xmlns:mc="http://schemas.openxmlformats.org/markup-compatibility/2006">
+          <mc:Choice xmlns:a14="http://schemas.microsoft.com/office/drawing/2010/main" Requires="a14">
+            <p:sp>
+              <p:nvSpPr>
+                <p:cNvPr id="116" name="文本框 115"/>
+                <p:cNvSpPr txBox="1"/>
+                <p:nvPr/>
+              </p:nvSpPr>
+              <p:spPr>
+                <a:xfrm>
+                  <a:off x="7014" y="4955"/>
+                  <a:ext cx="912" cy="580"/>
+                </a:xfrm>
+                <a:prstGeom prst="rect">
+                  <a:avLst/>
+                </a:prstGeom>
+                <a:noFill/>
+              </p:spPr>
+              <p:txBody>
+                <a:bodyPr wrap="square" rtlCol="0">
+                  <a:spAutoFit/>
+                </a:bodyPr>
+                <a:p>
+                  <a14:m>
+                    <m:oMathPara xmlns:m="http://schemas.openxmlformats.org/officeDocument/2006/math">
+                      <m:oMathParaPr>
+                        <m:jc m:val="centerGroup"/>
+                      </m:oMathParaPr>
+                      <m:oMath xmlns:m="http://schemas.openxmlformats.org/officeDocument/2006/math">
+                        <m:sSub>
+                          <m:sSubPr>
+                            <m:ctrlPr>
+                              <a:rPr lang="en-US" altLang="zh-CN" i="1">
+                                <a:latin typeface="Cambria Math" panose="02040503050406030204" charset="0"/>
+                                <a:cs typeface="Cambria Math" panose="02040503050406030204" charset="0"/>
+                              </a:rPr>
+                            </m:ctrlPr>
+                          </m:sSubPr>
+                          <m:e>
+                            <m:r>
+                              <a:rPr lang="en-US" altLang="zh-CN" i="1">
+                                <a:latin typeface="Cambria Math" panose="02040503050406030204" charset="0"/>
+                                <a:cs typeface="Cambria Math" panose="02040503050406030204" charset="0"/>
+                              </a:rPr>
+                              <m:t>𝑟</m:t>
+                            </m:r>
+                          </m:e>
+                          <m:sub>
+                            <m:r>
+                              <a:rPr lang="en-US" altLang="zh-CN" i="1">
+                                <a:latin typeface="Cambria Math" panose="02040503050406030204" charset="0"/>
+                                <a:cs typeface="Cambria Math" panose="02040503050406030204" charset="0"/>
+                              </a:rPr>
+                              <m:t>𝑣</m:t>
+                            </m:r>
+                          </m:sub>
+                        </m:sSub>
+                      </m:oMath>
+                    </m:oMathPara>
+                  </a14:m>
+                  <a:endParaRPr lang="zh-CN" altLang="en-US"/>
+                </a:p>
+              </p:txBody>
+            </p:sp>
+          </mc:Choice>
+          <mc:Fallback>
+            <p:sp>
+              <p:nvSpPr>
+                <p:cNvPr id="116" name="文本框 115"/>
+                <p:cNvSpPr txBox="1">
+                  <a:spLocks noRot="1" noChangeAspect="1" noMove="1" noResize="1" noEditPoints="1" noAdjustHandles="1" noChangeArrowheads="1" noChangeShapeType="1" noTextEdit="1"/>
+                </p:cNvSpPr>
+                <p:nvPr/>
+              </p:nvSpPr>
+              <p:spPr>
+                <a:xfrm>
+                  <a:off x="7014" y="4955"/>
+                  <a:ext cx="912" cy="580"/>
+                </a:xfrm>
+                <a:prstGeom prst="rect">
+                  <a:avLst/>
+                </a:prstGeom>
+                <a:blipFill rotWithShape="1">
+                  <a:blip r:embed="rId12"/>
+                </a:blipFill>
+              </p:spPr>
+              <p:txBody>
+                <a:bodyPr/>
+                <a:lstStyle/>
+                <a:p>
+                  <a:r>
+                    <a:rPr lang="zh-CN" altLang="en-US">
+                      <a:noFill/>
+                    </a:rPr>
+                    <a:t> </a:t>
+                  </a:r>
+                </a:p>
+              </p:txBody>
+            </p:sp>
+          </mc:Fallback>
+        </mc:AlternateContent>
+        <p:sp>
+          <p:nvSpPr>
+            <p:cNvPr id="119" name="椭圆 118"/>
+            <p:cNvSpPr/>
+            <p:nvPr/>
+          </p:nvSpPr>
+          <p:spPr>
+            <a:xfrm>
+              <a:off x="22765" y="5883"/>
+              <a:ext cx="824" cy="824"/>
+            </a:xfrm>
+            <a:prstGeom prst="ellipse">
+              <a:avLst/>
+            </a:prstGeom>
+            <a:noFill/>
+            <a:ln>
+              <a:solidFill>
+                <a:schemeClr val="tx1"/>
+              </a:solidFill>
+            </a:ln>
+          </p:spPr>
+          <p:style>
+            <a:lnRef idx="2">
+              <a:schemeClr val="accent1">
+                <a:shade val="50000"/>
+              </a:schemeClr>
+            </a:lnRef>
+            <a:fillRef idx="1">
+              <a:schemeClr val="accent1"/>
+            </a:fillRef>
+            <a:effectRef idx="0">
+              <a:schemeClr val="accent1"/>
+            </a:effectRef>
+            <a:fontRef idx="minor">
+              <a:schemeClr val="lt1"/>
+            </a:fontRef>
+          </p:style>
+          <p:txBody>
+            <a:bodyPr rtlCol="0" anchor="ctr"/>
+            <a:p>
+              <a:pPr algn="ctr"/>
+              <a:endParaRPr lang="zh-CN" altLang="en-US"/>
+            </a:p>
+          </p:txBody>
+        </p:sp>
+        <p:sp>
+          <p:nvSpPr>
+            <p:cNvPr id="120" name="椭圆 119"/>
+            <p:cNvSpPr/>
+            <p:nvPr/>
+          </p:nvSpPr>
+          <p:spPr>
+            <a:xfrm>
+              <a:off x="22765" y="4911"/>
+              <a:ext cx="824" cy="824"/>
+            </a:xfrm>
+            <a:prstGeom prst="ellipse">
+              <a:avLst/>
+            </a:prstGeom>
+            <a:solidFill>
+              <a:schemeClr val="accent5">
+                <a:lumMod val="60000"/>
+                <a:lumOff val="40000"/>
+              </a:schemeClr>
+            </a:solidFill>
+            <a:ln>
+              <a:solidFill>
+                <a:schemeClr val="tx1"/>
+              </a:solidFill>
+            </a:ln>
+          </p:spPr>
+          <p:style>
+            <a:lnRef idx="2">
+              <a:schemeClr val="accent1">
+                <a:shade val="50000"/>
+              </a:schemeClr>
+            </a:lnRef>
+            <a:fillRef idx="1">
+              <a:schemeClr val="accent1"/>
+            </a:fillRef>
+            <a:effectRef idx="0">
+              <a:schemeClr val="accent1"/>
+            </a:effectRef>
+            <a:fontRef idx="minor">
+              <a:schemeClr val="lt1"/>
+            </a:fontRef>
+          </p:style>
+          <p:txBody>
+            <a:bodyPr rtlCol="0" anchor="ctr"/>
+            <a:p>
+              <a:pPr algn="ctr"/>
+              <a:endParaRPr lang="zh-CN" altLang="en-US"/>
+            </a:p>
+          </p:txBody>
+        </p:sp>
+        <p:sp>
+          <p:nvSpPr>
+            <p:cNvPr id="122" name="椭圆 121"/>
+            <p:cNvSpPr/>
+            <p:nvPr/>
+          </p:nvSpPr>
+          <p:spPr>
+            <a:xfrm>
+              <a:off x="22765" y="6974"/>
+              <a:ext cx="824" cy="824"/>
+            </a:xfrm>
+            <a:prstGeom prst="ellipse">
+              <a:avLst/>
+            </a:prstGeom>
+            <a:solidFill>
+              <a:schemeClr val="accent5">
+                <a:lumMod val="20000"/>
+                <a:lumOff val="80000"/>
+              </a:schemeClr>
+            </a:solidFill>
+            <a:ln>
+              <a:solidFill>
+                <a:schemeClr val="tx1"/>
+              </a:solidFill>
+            </a:ln>
+          </p:spPr>
+          <p:style>
+            <a:lnRef idx="2">
+              <a:schemeClr val="accent1">
+                <a:shade val="50000"/>
+              </a:schemeClr>
+            </a:lnRef>
+            <a:fillRef idx="1">
+              <a:schemeClr val="accent1"/>
+            </a:fillRef>
+            <a:effectRef idx="0">
+              <a:schemeClr val="accent1"/>
+            </a:effectRef>
+            <a:fontRef idx="minor">
+              <a:schemeClr val="lt1"/>
+            </a:fontRef>
+          </p:style>
+          <p:txBody>
+            <a:bodyPr rtlCol="0" anchor="ctr"/>
+            <a:p>
+              <a:pPr algn="ctr"/>
+              <a:endParaRPr lang="zh-CN" altLang="en-US"/>
+            </a:p>
+          </p:txBody>
+        </p:sp>
+        <p:cxnSp>
+          <p:nvCxnSpPr>
+            <p:cNvPr id="123" name="直接箭头连接符 122"/>
+            <p:cNvCxnSpPr/>
+            <p:nvPr/>
+          </p:nvCxnSpPr>
+          <p:spPr>
+            <a:xfrm flipV="1">
+              <a:off x="22689" y="8364"/>
+              <a:ext cx="976" cy="3"/>
+            </a:xfrm>
+            <a:prstGeom prst="straightConnector1">
+              <a:avLst/>
+            </a:prstGeom>
+            <a:ln>
+              <a:solidFill>
+                <a:schemeClr val="tx1"/>
+              </a:solidFill>
+              <a:tailEnd type="triangle"/>
+            </a:ln>
+          </p:spPr>
+          <p:style>
+            <a:lnRef idx="1">
+              <a:schemeClr val="accent1"/>
+            </a:lnRef>
+            <a:fillRef idx="0">
+              <a:schemeClr val="accent1"/>
+            </a:fillRef>
+            <a:effectRef idx="0">
+              <a:schemeClr val="accent1"/>
+            </a:effectRef>
+            <a:fontRef idx="minor">
+              <a:schemeClr val="tx1"/>
+            </a:fontRef>
+          </p:style>
+        </p:cxnSp>
+        <p:sp>
+          <p:nvSpPr>
+            <p:cNvPr id="125" name="文本框 124"/>
+            <p:cNvSpPr txBox="1"/>
+            <p:nvPr/>
+          </p:nvSpPr>
+          <p:spPr>
+            <a:xfrm>
+              <a:off x="24240" y="4911"/>
+              <a:ext cx="2238" cy="580"/>
+            </a:xfrm>
+            <a:prstGeom prst="rect">
+              <a:avLst/>
+            </a:prstGeom>
+            <a:noFill/>
+          </p:spPr>
+          <p:txBody>
+            <a:bodyPr wrap="square" rtlCol="0">
+              <a:spAutoFit/>
+            </a:bodyPr>
+            <a:p>
+              <a:r>
+                <a:rPr lang="zh-CN" altLang="en-US"/>
+                <a:t>可观测变量</a:t>
+              </a:r>
+              <a:endParaRPr lang="zh-CN" altLang="en-US"/>
+            </a:p>
+          </p:txBody>
+        </p:sp>
+        <p:sp>
+          <p:nvSpPr>
+            <p:cNvPr id="126" name="文本框 125"/>
+            <p:cNvSpPr txBox="1"/>
+            <p:nvPr/>
+          </p:nvSpPr>
+          <p:spPr>
+            <a:xfrm>
+              <a:off x="24240" y="5883"/>
+              <a:ext cx="2238" cy="580"/>
+            </a:xfrm>
+            <a:prstGeom prst="rect">
+              <a:avLst/>
+            </a:prstGeom>
+            <a:noFill/>
+          </p:spPr>
+          <p:txBody>
+            <a:bodyPr wrap="square" rtlCol="0">
+              <a:spAutoFit/>
+            </a:bodyPr>
+            <a:p>
+              <a:r>
+                <a:rPr lang="zh-CN" altLang="en-US"/>
+                <a:t>隐变量</a:t>
+              </a:r>
+              <a:endParaRPr lang="zh-CN" altLang="en-US"/>
+            </a:p>
+          </p:txBody>
+        </p:sp>
+        <p:sp>
+          <p:nvSpPr>
+            <p:cNvPr id="127" name="文本框 126"/>
+            <p:cNvSpPr txBox="1"/>
+            <p:nvPr/>
+          </p:nvSpPr>
+          <p:spPr>
+            <a:xfrm>
+              <a:off x="24240" y="6974"/>
+              <a:ext cx="2238" cy="580"/>
+            </a:xfrm>
+            <a:prstGeom prst="rect">
+              <a:avLst/>
+            </a:prstGeom>
+            <a:noFill/>
+          </p:spPr>
+          <p:txBody>
+            <a:bodyPr wrap="square" rtlCol="0">
+              <a:spAutoFit/>
+            </a:bodyPr>
+            <a:p>
+              <a:r>
+                <a:rPr lang="zh-CN" altLang="en-US"/>
+                <a:t>超参数</a:t>
+              </a:r>
+              <a:endParaRPr lang="zh-CN" altLang="en-US"/>
+            </a:p>
+          </p:txBody>
+        </p:sp>
+        <p:sp>
+          <p:nvSpPr>
+            <p:cNvPr id="128" name="文本框 127"/>
+            <p:cNvSpPr txBox="1"/>
+            <p:nvPr/>
+          </p:nvSpPr>
+          <p:spPr>
+            <a:xfrm>
+              <a:off x="24240" y="8076"/>
+              <a:ext cx="2238" cy="580"/>
+            </a:xfrm>
+            <a:prstGeom prst="rect">
+              <a:avLst/>
+            </a:prstGeom>
+            <a:noFill/>
+          </p:spPr>
+          <p:txBody>
+            <a:bodyPr wrap="square" rtlCol="0">
+              <a:spAutoFit/>
+            </a:bodyPr>
+            <a:p>
+              <a:r>
+                <a:rPr lang="zh-CN" altLang="en-US"/>
+                <a:t>依赖关系</a:t>
+              </a:r>
+              <a:endParaRPr lang="zh-CN" altLang="en-US"/>
+            </a:p>
+          </p:txBody>
+        </p:sp>
+        <mc:AlternateContent xmlns:mc="http://schemas.openxmlformats.org/markup-compatibility/2006">
+          <mc:Choice xmlns:a14="http://schemas.microsoft.com/office/drawing/2010/main" Requires="a14">
+            <p:sp>
+              <p:nvSpPr>
+                <p:cNvPr id="130" name="文本框 129"/>
+                <p:cNvSpPr txBox="1"/>
+                <p:nvPr/>
+              </p:nvSpPr>
+              <p:spPr>
+                <a:xfrm>
+                  <a:off x="11849" y="4945"/>
+                  <a:ext cx="912" cy="580"/>
+                </a:xfrm>
+                <a:prstGeom prst="rect">
+                  <a:avLst/>
+                </a:prstGeom>
+                <a:noFill/>
+              </p:spPr>
+              <p:txBody>
+                <a:bodyPr wrap="square" rtlCol="0">
+                  <a:spAutoFit/>
+                </a:bodyPr>
+                <a:p>
+                  <a14:m>
+                    <m:oMathPara xmlns:m="http://schemas.openxmlformats.org/officeDocument/2006/math">
+                      <m:oMathParaPr>
+                        <m:jc m:val="centerGroup"/>
+                      </m:oMathParaPr>
+                      <m:oMath xmlns:m="http://schemas.openxmlformats.org/officeDocument/2006/math">
+                        <m:r>
+                          <a:rPr lang="en-US" altLang="zh-CN" i="1">
+                            <a:latin typeface="Cambria Math" panose="02040503050406030204" charset="0"/>
+                            <a:cs typeface="Cambria Math" panose="02040503050406030204" charset="0"/>
+                          </a:rPr>
+                          <m:t>𝛾</m:t>
+                        </m:r>
+                      </m:oMath>
+                    </m:oMathPara>
+                  </a14:m>
+                  <a:endParaRPr lang="zh-CN" altLang="en-US"/>
+                </a:p>
+              </p:txBody>
+            </p:sp>
+          </mc:Choice>
+          <mc:Fallback>
+            <p:sp>
+              <p:nvSpPr>
+                <p:cNvPr id="130" name="文本框 129"/>
+                <p:cNvSpPr txBox="1">
+                  <a:spLocks noRot="1" noChangeAspect="1" noMove="1" noResize="1" noEditPoints="1" noAdjustHandles="1" noChangeArrowheads="1" noChangeShapeType="1" noTextEdit="1"/>
+                </p:cNvSpPr>
+                <p:nvPr/>
+              </p:nvSpPr>
+              <p:spPr>
+                <a:xfrm>
+                  <a:off x="11849" y="4945"/>
+                  <a:ext cx="912" cy="580"/>
+                </a:xfrm>
+                <a:prstGeom prst="rect">
+                  <a:avLst/>
+                </a:prstGeom>
+                <a:blipFill rotWithShape="1">
+                  <a:blip r:embed="rId5"/>
+                </a:blipFill>
+              </p:spPr>
+              <p:txBody>
+                <a:bodyPr/>
+                <a:lstStyle/>
+                <a:p>
+                  <a:r>
+                    <a:rPr lang="zh-CN" altLang="en-US">
+                      <a:noFill/>
+                    </a:rPr>
+                    <a:t> </a:t>
+                  </a:r>
+                </a:p>
+              </p:txBody>
+            </p:sp>
+          </mc:Fallback>
+        </mc:AlternateContent>
+      </p:grpSp>
+    </p:spTree>
+  </p:cSld>
+  <p:clrMapOvr>
+    <a:masterClrMapping/>
+  </p:clrMapOvr>
+</p:sld>
+</file>
+
+<file path=ppt/slides/slide2.xml><?xml version="1.0" encoding="utf-8"?>
+<p:sld xmlns:a="http://schemas.openxmlformats.org/drawingml/2006/main" xmlns:r="http://schemas.openxmlformats.org/officeDocument/2006/relationships" xmlns:p="http://schemas.openxmlformats.org/presentationml/2006/main">
+  <p:cSld>
+    <p:spTree>
+      <p:nvGrpSpPr>
+        <p:cNvPr id="1" name=""/>
+        <p:cNvGrpSpPr/>
+        <p:nvPr/>
+      </p:nvGrpSpPr>
+      <p:grpSpPr/>
+      <p:sp>
+        <p:nvSpPr>
+          <p:cNvPr id="5" name="矩形 4"/>
+          <p:cNvSpPr/>
+          <p:nvPr/>
+        </p:nvSpPr>
+        <p:spPr>
+          <a:xfrm>
+            <a:off x="10722610" y="1530985"/>
+            <a:ext cx="365760" cy="5149850"/>
+          </a:xfrm>
+          <a:prstGeom prst="rect">
+            <a:avLst/>
+          </a:prstGeom>
+          <a:noFill/>
+          <a:ln w="12700" cmpd="sng">
+            <a:solidFill>
+              <a:schemeClr val="accent1">
+                <a:shade val="50000"/>
+              </a:schemeClr>
+            </a:solidFill>
+            <a:prstDash val="solid"/>
+          </a:ln>
+        </p:spPr>
+        <p:style>
+          <a:lnRef idx="2">
+            <a:schemeClr val="accent1">
+              <a:shade val="50000"/>
+            </a:schemeClr>
+          </a:lnRef>
+          <a:fillRef idx="1">
+            <a:schemeClr val="accent1"/>
+          </a:fillRef>
+          <a:effectRef idx="0">
+            <a:schemeClr val="accent1"/>
+          </a:effectRef>
+          <a:fontRef idx="minor">
+            <a:schemeClr val="lt1"/>
+          </a:fontRef>
+        </p:style>
+        <p:txBody>
+          <a:bodyPr rtlCol="0" anchor="ctr"/>
+          <a:p>
+            <a:pPr algn="ctr"/>
+            <a:endParaRPr lang="zh-CN" altLang="en-US"/>
+          </a:p>
+        </p:txBody>
+      </p:sp>
+      <p:sp>
+        <p:nvSpPr>
+          <p:cNvPr id="6" name="矩形 5"/>
+          <p:cNvSpPr/>
+          <p:nvPr/>
+        </p:nvSpPr>
+        <p:spPr>
+          <a:xfrm>
+            <a:off x="8966835" y="1949450"/>
+            <a:ext cx="528955" cy="4731385"/>
+          </a:xfrm>
+          <a:prstGeom prst="rect">
+            <a:avLst/>
+          </a:prstGeom>
+          <a:noFill/>
+          <a:ln w="12700" cmpd="sng">
+            <a:solidFill>
+              <a:schemeClr val="accent1">
+                <a:shade val="50000"/>
+              </a:schemeClr>
+            </a:solidFill>
+            <a:prstDash val="solid"/>
+          </a:ln>
+        </p:spPr>
+        <p:style>
+          <a:lnRef idx="2">
+            <a:schemeClr val="accent1">
+              <a:shade val="50000"/>
+            </a:schemeClr>
+          </a:lnRef>
+          <a:fillRef idx="1">
+            <a:schemeClr val="accent1"/>
+          </a:fillRef>
+          <a:effectRef idx="0">
+            <a:schemeClr val="accent1"/>
+          </a:effectRef>
+          <a:fontRef idx="minor">
+            <a:schemeClr val="lt1"/>
+          </a:fontRef>
+        </p:style>
+        <p:txBody>
+          <a:bodyPr rtlCol="0" anchor="ctr"/>
+          <a:p>
+            <a:pPr algn="ctr"/>
+            <a:endParaRPr lang="zh-CN" altLang="en-US"/>
+          </a:p>
+        </p:txBody>
+      </p:sp>
+      <p:sp>
+        <p:nvSpPr>
+          <p:cNvPr id="8" name="文本框 7"/>
+          <p:cNvSpPr txBox="1"/>
+          <p:nvPr/>
+        </p:nvSpPr>
+        <p:spPr>
+          <a:xfrm>
+            <a:off x="2393315" y="1595120"/>
+            <a:ext cx="1721485" cy="368300"/>
+          </a:xfrm>
+          <a:prstGeom prst="rect">
+            <a:avLst/>
+          </a:prstGeom>
+          <a:noFill/>
+        </p:spPr>
+        <p:txBody>
+          <a:bodyPr wrap="square" rtlCol="0">
+            <a:spAutoFit/>
+          </a:bodyPr>
+          <a:p>
+            <a:r>
+              <a:rPr lang="zh-CN" altLang="en-US"/>
+              <a:t>被抽查的作业</a:t>
+            </a:r>
+            <a:endParaRPr lang="zh-CN" altLang="en-US"/>
+          </a:p>
+        </p:txBody>
+      </p:sp>
+      <p:grpSp>
+        <p:nvGrpSpPr>
+          <p:cNvPr id="41" name="组合 40"/>
+          <p:cNvGrpSpPr/>
+          <p:nvPr/>
+        </p:nvGrpSpPr>
+        <p:grpSpPr>
+          <a:xfrm rot="16200000">
+            <a:off x="2969895" y="2964180"/>
+            <a:ext cx="446405" cy="2751455"/>
+            <a:chOff x="2294" y="592"/>
+            <a:chExt cx="703" cy="4333"/>
+          </a:xfrm>
+        </p:grpSpPr>
+        <p:grpSp>
+          <p:nvGrpSpPr>
+            <p:cNvPr id="16" name="组合 15"/>
+            <p:cNvGrpSpPr/>
+            <p:nvPr/>
+          </p:nvGrpSpPr>
+          <p:grpSpPr>
+            <a:xfrm rot="0">
+              <a:off x="2301" y="592"/>
+              <a:ext cx="696" cy="1124"/>
+              <a:chOff x="2755" y="2520"/>
+              <a:chExt cx="696" cy="1124"/>
+            </a:xfrm>
+          </p:grpSpPr>
+          <p:sp>
+            <p:nvSpPr>
+              <p:cNvPr id="15" name="等腰三角形 14"/>
+              <p:cNvSpPr/>
+              <p:nvPr/>
+            </p:nvSpPr>
+            <p:spPr>
+              <a:xfrm>
+                <a:off x="2755" y="2974"/>
+                <a:ext cx="670" cy="670"/>
+              </a:xfrm>
+              <a:prstGeom prst="triangle">
+                <a:avLst/>
+              </a:prstGeom>
+              <a:solidFill>
+                <a:schemeClr val="tx1"/>
+              </a:solidFill>
+              <a:ln w="12700" cmpd="sng">
+                <a:solidFill>
+                  <a:schemeClr val="accent1">
+                    <a:shade val="50000"/>
+                  </a:schemeClr>
+                </a:solidFill>
+                <a:prstDash val="solid"/>
+              </a:ln>
+            </p:spPr>
+            <p:style>
+              <a:lnRef idx="2">
+                <a:schemeClr val="accent1">
+                  <a:shade val="50000"/>
+                </a:schemeClr>
+              </a:lnRef>
+              <a:fillRef idx="1">
+                <a:schemeClr val="accent1"/>
+              </a:fillRef>
+              <a:effectRef idx="0">
+                <a:schemeClr val="accent1"/>
+              </a:effectRef>
+              <a:fontRef idx="minor">
+                <a:schemeClr val="lt1"/>
+              </a:fontRef>
+            </p:style>
+            <p:txBody>
+              <a:bodyPr rtlCol="0" anchor="ctr"/>
+              <a:p>
+                <a:pPr algn="ctr"/>
+                <a:endParaRPr lang="zh-CN" altLang="en-US"/>
+              </a:p>
+            </p:txBody>
+          </p:sp>
+          <p:sp>
+            <p:nvSpPr>
+              <p:cNvPr id="14" name="椭圆 13"/>
+              <p:cNvSpPr/>
+              <p:nvPr/>
+            </p:nvSpPr>
+            <p:spPr>
+              <a:xfrm>
+                <a:off x="2755" y="2520"/>
+                <a:ext cx="697" cy="697"/>
+              </a:xfrm>
+              <a:prstGeom prst="ellipse">
+                <a:avLst/>
+              </a:prstGeom>
+              <a:solidFill>
+                <a:schemeClr val="tx1"/>
+              </a:solidFill>
+              <a:ln w="12700" cmpd="sng">
+                <a:solidFill>
+                  <a:schemeClr val="accent1">
+                    <a:shade val="50000"/>
+                  </a:schemeClr>
+                </a:solidFill>
+                <a:prstDash val="solid"/>
+              </a:ln>
+            </p:spPr>
+            <p:style>
+              <a:lnRef idx="2">
+                <a:schemeClr val="accent1">
+                  <a:shade val="50000"/>
+                </a:schemeClr>
+              </a:lnRef>
+              <a:fillRef idx="1">
+                <a:schemeClr val="accent1"/>
+              </a:fillRef>
+              <a:effectRef idx="0">
+                <a:schemeClr val="accent1"/>
+              </a:effectRef>
+              <a:fontRef idx="minor">
+                <a:schemeClr val="lt1"/>
+              </a:fontRef>
+            </p:style>
+            <p:txBody>
+              <a:bodyPr rtlCol="0" anchor="ctr"/>
+              <a:p>
+                <a:pPr algn="ctr"/>
+                <a:endParaRPr lang="zh-CN" altLang="en-US"/>
+              </a:p>
+            </p:txBody>
+          </p:sp>
+        </p:grpSp>
+        <p:cxnSp>
+          <p:nvCxnSpPr>
+            <p:cNvPr id="17" name="直接箭头连接符 16"/>
+            <p:cNvCxnSpPr/>
+            <p:nvPr/>
+          </p:nvCxnSpPr>
+          <p:spPr>
+            <a:xfrm>
+              <a:off x="2636" y="1716"/>
+              <a:ext cx="0" cy="952"/>
+            </a:xfrm>
+            <a:prstGeom prst="straightConnector1">
+              <a:avLst/>
+            </a:prstGeom>
+            <a:ln>
+              <a:solidFill>
+                <a:schemeClr val="tx1"/>
+              </a:solidFill>
+              <a:tailEnd type="triangle"/>
+            </a:ln>
+          </p:spPr>
+          <p:style>
+            <a:lnRef idx="1">
+              <a:schemeClr val="accent1"/>
+            </a:lnRef>
+            <a:fillRef idx="0">
+              <a:schemeClr val="accent1"/>
+            </a:fillRef>
+            <a:effectRef idx="0">
+              <a:schemeClr val="accent1"/>
+            </a:effectRef>
+            <a:fontRef idx="minor">
+              <a:schemeClr val="tx1"/>
+            </a:fontRef>
+          </p:style>
+        </p:cxnSp>
+        <p:grpSp>
+          <p:nvGrpSpPr>
+            <p:cNvPr id="38" name="组合 37"/>
+            <p:cNvGrpSpPr/>
+            <p:nvPr/>
+          </p:nvGrpSpPr>
+          <p:grpSpPr>
+            <a:xfrm rot="0">
+              <a:off x="2294" y="2707"/>
+              <a:ext cx="684" cy="2218"/>
+              <a:chOff x="2294" y="2707"/>
+              <a:chExt cx="684" cy="2218"/>
+            </a:xfrm>
+          </p:grpSpPr>
+          <p:sp>
+            <p:nvSpPr>
+              <p:cNvPr id="18" name="矩形 17"/>
+              <p:cNvSpPr/>
+              <p:nvPr/>
+            </p:nvSpPr>
+            <p:spPr>
+              <a:xfrm>
+                <a:off x="2294" y="2707"/>
+                <a:ext cx="684" cy="2218"/>
+              </a:xfrm>
+              <a:prstGeom prst="rect">
+                <a:avLst/>
+              </a:prstGeom>
+              <a:noFill/>
+              <a:ln w="12700" cmpd="sng">
+                <a:solidFill>
+                  <a:schemeClr val="accent1">
+                    <a:shade val="50000"/>
+                  </a:schemeClr>
+                </a:solidFill>
+                <a:prstDash val="solid"/>
+              </a:ln>
+            </p:spPr>
+            <p:style>
+              <a:lnRef idx="2">
+                <a:schemeClr val="accent1">
+                  <a:shade val="50000"/>
+                </a:schemeClr>
+              </a:lnRef>
+              <a:fillRef idx="1">
+                <a:schemeClr val="accent1"/>
+              </a:fillRef>
+              <a:effectRef idx="0">
+                <a:schemeClr val="accent1"/>
+              </a:effectRef>
+              <a:fontRef idx="minor">
+                <a:schemeClr val="lt1"/>
+              </a:fontRef>
+            </p:style>
+            <p:txBody>
+              <a:bodyPr rtlCol="0" anchor="ctr"/>
+              <a:p>
+                <a:pPr algn="ctr"/>
+                <a:endParaRPr lang="zh-CN" altLang="en-US"/>
+              </a:p>
+            </p:txBody>
+          </p:sp>
+          <p:sp>
+            <p:nvSpPr>
+              <p:cNvPr id="19" name="椭圆 18"/>
+              <p:cNvSpPr/>
+              <p:nvPr/>
+            </p:nvSpPr>
+            <p:spPr>
+              <a:xfrm>
+                <a:off x="2337" y="2747"/>
+                <a:ext cx="598" cy="598"/>
+              </a:xfrm>
+              <a:prstGeom prst="ellipse">
+                <a:avLst/>
+              </a:prstGeom>
+              <a:solidFill>
+                <a:schemeClr val="tx1"/>
+              </a:solidFill>
+              <a:ln w="12700" cmpd="sng">
+                <a:solidFill>
+                  <a:schemeClr val="accent1">
+                    <a:shade val="50000"/>
+                  </a:schemeClr>
+                </a:solidFill>
+                <a:prstDash val="solid"/>
+              </a:ln>
+            </p:spPr>
+            <p:style>
+              <a:lnRef idx="2">
+                <a:schemeClr val="accent1">
+                  <a:shade val="50000"/>
+                </a:schemeClr>
+              </a:lnRef>
+              <a:fillRef idx="1">
+                <a:schemeClr val="accent1"/>
+              </a:fillRef>
+              <a:effectRef idx="0">
+                <a:schemeClr val="accent1"/>
+              </a:effectRef>
+              <a:fontRef idx="minor">
+                <a:schemeClr val="lt1"/>
+              </a:fontRef>
+            </p:style>
+            <p:txBody>
+              <a:bodyPr rtlCol="0" anchor="ctr"/>
+              <a:p>
+                <a:pPr algn="ctr"/>
+                <a:endParaRPr lang="zh-CN" altLang="en-US"/>
+              </a:p>
+            </p:txBody>
+          </p:sp>
+          <p:sp>
+            <p:nvSpPr>
+              <p:cNvPr id="20" name="椭圆 19"/>
+              <p:cNvSpPr/>
+              <p:nvPr/>
+            </p:nvSpPr>
+            <p:spPr>
+              <a:xfrm>
+                <a:off x="2337" y="3427"/>
+                <a:ext cx="598" cy="598"/>
+              </a:xfrm>
+              <a:prstGeom prst="ellipse">
+                <a:avLst/>
+              </a:prstGeom>
+              <a:solidFill>
+                <a:schemeClr val="bg1"/>
+              </a:solidFill>
+              <a:ln w="12700" cmpd="sng">
+                <a:solidFill>
+                  <a:schemeClr val="accent1">
+                    <a:shade val="50000"/>
+                  </a:schemeClr>
+                </a:solidFill>
+                <a:prstDash val="solid"/>
+              </a:ln>
+            </p:spPr>
+            <p:style>
+              <a:lnRef idx="2">
+                <a:schemeClr val="accent1">
+                  <a:shade val="50000"/>
+                </a:schemeClr>
+              </a:lnRef>
+              <a:fillRef idx="1">
+                <a:schemeClr val="accent1"/>
+              </a:fillRef>
+              <a:effectRef idx="0">
+                <a:schemeClr val="accent1"/>
+              </a:effectRef>
+              <a:fontRef idx="minor">
+                <a:schemeClr val="lt1"/>
+              </a:fontRef>
+            </p:style>
+            <p:txBody>
+              <a:bodyPr rtlCol="0" anchor="ctr"/>
+              <a:p>
+                <a:pPr algn="ctr"/>
+                <a:endParaRPr lang="zh-CN" altLang="en-US"/>
+              </a:p>
+            </p:txBody>
+          </p:sp>
+          <p:sp>
+            <p:nvSpPr>
+              <p:cNvPr id="21" name="椭圆 20"/>
+              <p:cNvSpPr/>
+              <p:nvPr/>
+            </p:nvSpPr>
+            <p:spPr>
+              <a:xfrm>
+                <a:off x="2337" y="4108"/>
+                <a:ext cx="598" cy="598"/>
+              </a:xfrm>
+              <a:prstGeom prst="ellipse">
+                <a:avLst/>
+              </a:prstGeom>
+              <a:solidFill>
+                <a:schemeClr val="bg1"/>
+              </a:solidFill>
+              <a:ln w="12700" cmpd="sng">
+                <a:solidFill>
+                  <a:schemeClr val="accent1">
+                    <a:shade val="50000"/>
+                  </a:schemeClr>
+                </a:solidFill>
+                <a:prstDash val="solid"/>
+              </a:ln>
+            </p:spPr>
+            <p:style>
+              <a:lnRef idx="2">
+                <a:schemeClr val="accent1">
+                  <a:shade val="50000"/>
+                </a:schemeClr>
+              </a:lnRef>
+              <a:fillRef idx="1">
+                <a:schemeClr val="accent1"/>
+              </a:fillRef>
+              <a:effectRef idx="0">
+                <a:schemeClr val="accent1"/>
+              </a:effectRef>
+              <a:fontRef idx="minor">
+                <a:schemeClr val="lt1"/>
+              </a:fontRef>
+            </p:style>
+            <p:txBody>
+              <a:bodyPr rtlCol="0" anchor="ctr"/>
+              <a:p>
+                <a:pPr algn="ctr"/>
+                <a:endParaRPr lang="zh-CN" altLang="en-US"/>
+              </a:p>
+            </p:txBody>
+          </p:sp>
+        </p:grpSp>
+      </p:grpSp>
+      <p:grpSp>
+        <p:nvGrpSpPr>
+          <p:cNvPr id="72" name="组合 71"/>
+          <p:cNvGrpSpPr/>
+          <p:nvPr/>
+        </p:nvGrpSpPr>
+        <p:grpSpPr>
+          <a:xfrm>
+            <a:off x="1817370" y="3195320"/>
+            <a:ext cx="2751455" cy="446405"/>
+            <a:chOff x="1054" y="4120"/>
+            <a:chExt cx="4333" cy="703"/>
+          </a:xfrm>
+        </p:grpSpPr>
+        <p:grpSp>
+          <p:nvGrpSpPr>
+            <p:cNvPr id="22" name="组合 21"/>
+            <p:cNvGrpSpPr/>
+            <p:nvPr/>
+          </p:nvGrpSpPr>
+          <p:grpSpPr>
+            <a:xfrm rot="16200000">
+              <a:off x="1268" y="3906"/>
+              <a:ext cx="696" cy="1124"/>
+              <a:chOff x="2755" y="2520"/>
+              <a:chExt cx="696" cy="1124"/>
+            </a:xfrm>
+          </p:grpSpPr>
+          <p:sp>
+            <p:nvSpPr>
+              <p:cNvPr id="23" name="等腰三角形 22"/>
+              <p:cNvSpPr/>
+              <p:nvPr/>
+            </p:nvSpPr>
+            <p:spPr>
+              <a:xfrm>
+                <a:off x="2755" y="2974"/>
+                <a:ext cx="670" cy="670"/>
+              </a:xfrm>
+              <a:prstGeom prst="triangle">
+                <a:avLst/>
+              </a:prstGeom>
+              <a:solidFill>
+                <a:schemeClr val="tx1"/>
+              </a:solidFill>
+              <a:ln w="12700" cmpd="sng">
+                <a:solidFill>
+                  <a:schemeClr val="accent1">
+                    <a:shade val="50000"/>
+                  </a:schemeClr>
+                </a:solidFill>
+                <a:prstDash val="solid"/>
+              </a:ln>
+            </p:spPr>
+            <p:style>
+              <a:lnRef idx="2">
+                <a:schemeClr val="accent1">
+                  <a:shade val="50000"/>
+                </a:schemeClr>
+              </a:lnRef>
+              <a:fillRef idx="1">
+                <a:schemeClr val="accent1"/>
+              </a:fillRef>
+              <a:effectRef idx="0">
+                <a:schemeClr val="accent1"/>
+              </a:effectRef>
+              <a:fontRef idx="minor">
+                <a:schemeClr val="lt1"/>
+              </a:fontRef>
+            </p:style>
+            <p:txBody>
+              <a:bodyPr rtlCol="0" anchor="ctr"/>
+              <a:p>
+                <a:pPr algn="ctr"/>
+                <a:endParaRPr lang="zh-CN" altLang="en-US"/>
+              </a:p>
+            </p:txBody>
+          </p:sp>
+          <p:sp>
+            <p:nvSpPr>
+              <p:cNvPr id="24" name="椭圆 23"/>
+              <p:cNvSpPr/>
+              <p:nvPr/>
+            </p:nvSpPr>
+            <p:spPr>
+              <a:xfrm>
+                <a:off x="2755" y="2520"/>
+                <a:ext cx="697" cy="697"/>
+              </a:xfrm>
+              <a:prstGeom prst="ellipse">
+                <a:avLst/>
+              </a:prstGeom>
+              <a:solidFill>
+                <a:schemeClr val="tx1"/>
+              </a:solidFill>
+              <a:ln w="12700" cmpd="sng">
+                <a:solidFill>
+                  <a:schemeClr val="accent1">
+                    <a:shade val="50000"/>
+                  </a:schemeClr>
+                </a:solidFill>
+                <a:prstDash val="solid"/>
+              </a:ln>
+            </p:spPr>
+            <p:style>
+              <a:lnRef idx="2">
+                <a:schemeClr val="accent1">
+                  <a:shade val="50000"/>
+                </a:schemeClr>
+              </a:lnRef>
+              <a:fillRef idx="1">
+                <a:schemeClr val="accent1"/>
+              </a:fillRef>
+              <a:effectRef idx="0">
+                <a:schemeClr val="accent1"/>
+              </a:effectRef>
+              <a:fontRef idx="minor">
+                <a:schemeClr val="lt1"/>
+              </a:fontRef>
+            </p:style>
+            <p:txBody>
+              <a:bodyPr rtlCol="0" anchor="ctr"/>
+              <a:p>
+                <a:pPr algn="ctr"/>
+                <a:endParaRPr lang="zh-CN" altLang="en-US"/>
+              </a:p>
+            </p:txBody>
+          </p:sp>
+        </p:grpSp>
+        <p:cxnSp>
+          <p:nvCxnSpPr>
+            <p:cNvPr id="25" name="直接箭头连接符 24"/>
+            <p:cNvCxnSpPr/>
+            <p:nvPr/>
+          </p:nvCxnSpPr>
+          <p:spPr>
+            <a:xfrm rot="16200000">
+              <a:off x="2654" y="4005"/>
+              <a:ext cx="0" cy="952"/>
+            </a:xfrm>
+            <a:prstGeom prst="straightConnector1">
+              <a:avLst/>
+            </a:prstGeom>
+            <a:ln>
+              <a:solidFill>
+                <a:schemeClr val="tx1"/>
+              </a:solidFill>
+              <a:tailEnd type="triangle"/>
+            </a:ln>
+          </p:spPr>
+          <p:style>
+            <a:lnRef idx="1">
+              <a:schemeClr val="accent1"/>
+            </a:lnRef>
+            <a:fillRef idx="0">
+              <a:schemeClr val="accent1"/>
+            </a:fillRef>
+            <a:effectRef idx="0">
+              <a:schemeClr val="accent1"/>
+            </a:effectRef>
+            <a:fontRef idx="minor">
+              <a:schemeClr val="tx1"/>
+            </a:fontRef>
+          </p:style>
+        </p:cxnSp>
+        <p:grpSp>
+          <p:nvGrpSpPr>
+            <p:cNvPr id="71" name="组合 70"/>
+            <p:cNvGrpSpPr/>
+            <p:nvPr/>
+          </p:nvGrpSpPr>
+          <p:grpSpPr>
+            <a:xfrm>
+              <a:off x="3169" y="4139"/>
+              <a:ext cx="2218" cy="684"/>
+              <a:chOff x="3169" y="4139"/>
+              <a:chExt cx="2218" cy="684"/>
+            </a:xfrm>
+          </p:grpSpPr>
+          <p:sp>
+            <p:nvSpPr>
+              <p:cNvPr id="26" name="矩形 25"/>
+              <p:cNvSpPr/>
+              <p:nvPr/>
+            </p:nvSpPr>
+            <p:spPr>
+              <a:xfrm rot="16200000">
+                <a:off x="3936" y="3372"/>
+                <a:ext cx="684" cy="2218"/>
+              </a:xfrm>
+              <a:prstGeom prst="rect">
+                <a:avLst/>
+              </a:prstGeom>
+              <a:noFill/>
+              <a:ln w="12700" cmpd="sng">
+                <a:solidFill>
+                  <a:schemeClr val="accent1">
+                    <a:shade val="50000"/>
+                  </a:schemeClr>
+                </a:solidFill>
+                <a:prstDash val="solid"/>
+              </a:ln>
+            </p:spPr>
+            <p:style>
+              <a:lnRef idx="2">
+                <a:schemeClr val="accent1">
+                  <a:shade val="50000"/>
+                </a:schemeClr>
+              </a:lnRef>
+              <a:fillRef idx="1">
+                <a:schemeClr val="accent1"/>
+              </a:fillRef>
+              <a:effectRef idx="0">
+                <a:schemeClr val="accent1"/>
+              </a:effectRef>
+              <a:fontRef idx="minor">
+                <a:schemeClr val="lt1"/>
+              </a:fontRef>
+            </p:style>
+            <p:txBody>
+              <a:bodyPr rtlCol="0" anchor="ctr"/>
+              <a:p>
+                <a:pPr algn="ctr"/>
+                <a:endParaRPr lang="zh-CN" altLang="en-US"/>
+              </a:p>
+            </p:txBody>
+          </p:sp>
+          <p:sp>
+            <p:nvSpPr>
+              <p:cNvPr id="27" name="椭圆 26"/>
+              <p:cNvSpPr/>
+              <p:nvPr/>
+            </p:nvSpPr>
+            <p:spPr>
+              <a:xfrm rot="16200000">
+                <a:off x="3209" y="4182"/>
+                <a:ext cx="598" cy="598"/>
+              </a:xfrm>
+              <a:prstGeom prst="ellipse">
+                <a:avLst/>
+              </a:prstGeom>
+              <a:solidFill>
+                <a:schemeClr val="tx1"/>
+              </a:solidFill>
+              <a:ln w="12700" cmpd="sng">
+                <a:solidFill>
+                  <a:schemeClr val="accent1">
+                    <a:shade val="50000"/>
+                  </a:schemeClr>
+                </a:solidFill>
+                <a:prstDash val="solid"/>
+              </a:ln>
+            </p:spPr>
+            <p:style>
+              <a:lnRef idx="2">
+                <a:schemeClr val="accent1">
+                  <a:shade val="50000"/>
+                </a:schemeClr>
+              </a:lnRef>
+              <a:fillRef idx="1">
+                <a:schemeClr val="accent1"/>
+              </a:fillRef>
+              <a:effectRef idx="0">
+                <a:schemeClr val="accent1"/>
+              </a:effectRef>
+              <a:fontRef idx="minor">
+                <a:schemeClr val="lt1"/>
+              </a:fontRef>
+            </p:style>
+            <p:txBody>
+              <a:bodyPr rtlCol="0" anchor="ctr"/>
+              <a:p>
+                <a:pPr algn="ctr"/>
+                <a:endParaRPr lang="zh-CN" altLang="en-US"/>
+              </a:p>
+            </p:txBody>
+          </p:sp>
+          <p:sp>
+            <p:nvSpPr>
+              <p:cNvPr id="28" name="椭圆 27"/>
+              <p:cNvSpPr/>
+              <p:nvPr/>
+            </p:nvSpPr>
+            <p:spPr>
+              <a:xfrm rot="16200000">
+                <a:off x="3889" y="4182"/>
+                <a:ext cx="598" cy="598"/>
+              </a:xfrm>
+              <a:prstGeom prst="ellipse">
+                <a:avLst/>
+              </a:prstGeom>
+              <a:solidFill>
+                <a:schemeClr val="tx1"/>
+              </a:solidFill>
+              <a:ln w="12700" cmpd="sng">
+                <a:solidFill>
+                  <a:schemeClr val="accent1">
+                    <a:shade val="50000"/>
+                  </a:schemeClr>
+                </a:solidFill>
+                <a:prstDash val="solid"/>
+              </a:ln>
+            </p:spPr>
+            <p:style>
+              <a:lnRef idx="2">
+                <a:schemeClr val="accent1">
+                  <a:shade val="50000"/>
+                </a:schemeClr>
+              </a:lnRef>
+              <a:fillRef idx="1">
+                <a:schemeClr val="accent1"/>
+              </a:fillRef>
+              <a:effectRef idx="0">
+                <a:schemeClr val="accent1"/>
+              </a:effectRef>
+              <a:fontRef idx="minor">
+                <a:schemeClr val="lt1"/>
+              </a:fontRef>
+            </p:style>
+            <p:txBody>
+              <a:bodyPr rtlCol="0" anchor="ctr"/>
+              <a:p>
+                <a:pPr algn="ctr"/>
+                <a:endParaRPr lang="zh-CN" altLang="en-US"/>
+              </a:p>
+            </p:txBody>
+          </p:sp>
+          <p:sp>
+            <p:nvSpPr>
+              <p:cNvPr id="29" name="椭圆 28"/>
+              <p:cNvSpPr/>
+              <p:nvPr/>
+            </p:nvSpPr>
+            <p:spPr>
+              <a:xfrm rot="16200000">
+                <a:off x="4570" y="4182"/>
+                <a:ext cx="598" cy="598"/>
+              </a:xfrm>
+              <a:prstGeom prst="ellipse">
+                <a:avLst/>
+              </a:prstGeom>
+              <a:solidFill>
+                <a:schemeClr val="bg1"/>
+              </a:solidFill>
+              <a:ln w="12700" cmpd="sng">
+                <a:solidFill>
+                  <a:schemeClr val="accent1">
+                    <a:shade val="50000"/>
+                  </a:schemeClr>
+                </a:solidFill>
+                <a:prstDash val="solid"/>
+              </a:ln>
+            </p:spPr>
+            <p:style>
+              <a:lnRef idx="2">
+                <a:schemeClr val="accent1">
+                  <a:shade val="50000"/>
+                </a:schemeClr>
+              </a:lnRef>
+              <a:fillRef idx="1">
+                <a:schemeClr val="accent1"/>
+              </a:fillRef>
+              <a:effectRef idx="0">
+                <a:schemeClr val="accent1"/>
+              </a:effectRef>
+              <a:fontRef idx="minor">
+                <a:schemeClr val="lt1"/>
+              </a:fontRef>
+            </p:style>
+            <p:txBody>
+              <a:bodyPr rtlCol="0" anchor="ctr"/>
+              <a:p>
+                <a:pPr algn="ctr"/>
+                <a:endParaRPr lang="zh-CN" altLang="en-US"/>
+              </a:p>
+            </p:txBody>
+          </p:sp>
+        </p:grpSp>
+      </p:grpSp>
+      <p:grpSp>
+        <p:nvGrpSpPr>
+          <p:cNvPr id="43" name="组合 42"/>
+          <p:cNvGrpSpPr/>
+          <p:nvPr/>
+        </p:nvGrpSpPr>
+        <p:grpSpPr>
+          <a:xfrm rot="16200000">
+            <a:off x="2969895" y="3884930"/>
+            <a:ext cx="446405" cy="2751455"/>
+            <a:chOff x="5123" y="592"/>
+            <a:chExt cx="703" cy="4333"/>
+          </a:xfrm>
+        </p:grpSpPr>
+        <p:grpSp>
+          <p:nvGrpSpPr>
+            <p:cNvPr id="30" name="组合 29"/>
+            <p:cNvGrpSpPr/>
+            <p:nvPr/>
+          </p:nvGrpSpPr>
+          <p:grpSpPr>
+            <a:xfrm>
+              <a:off x="5130" y="592"/>
+              <a:ext cx="696" cy="1124"/>
+              <a:chOff x="2755" y="2520"/>
+              <a:chExt cx="696" cy="1124"/>
+            </a:xfrm>
+          </p:grpSpPr>
+          <p:sp>
+            <p:nvSpPr>
+              <p:cNvPr id="31" name="等腰三角形 30"/>
+              <p:cNvSpPr/>
+              <p:nvPr/>
+            </p:nvSpPr>
+            <p:spPr>
+              <a:xfrm>
+                <a:off x="2755" y="2974"/>
+                <a:ext cx="670" cy="670"/>
+              </a:xfrm>
+              <a:prstGeom prst="triangle">
+                <a:avLst/>
+              </a:prstGeom>
+              <a:solidFill>
+                <a:schemeClr val="tx1"/>
+              </a:solidFill>
+              <a:ln w="12700" cmpd="sng">
+                <a:solidFill>
+                  <a:schemeClr val="accent1">
+                    <a:shade val="50000"/>
+                  </a:schemeClr>
+                </a:solidFill>
+                <a:prstDash val="solid"/>
+              </a:ln>
+            </p:spPr>
+            <p:style>
+              <a:lnRef idx="2">
+                <a:schemeClr val="accent1">
+                  <a:shade val="50000"/>
+                </a:schemeClr>
+              </a:lnRef>
+              <a:fillRef idx="1">
+                <a:schemeClr val="accent1"/>
+              </a:fillRef>
+              <a:effectRef idx="0">
+                <a:schemeClr val="accent1"/>
+              </a:effectRef>
+              <a:fontRef idx="minor">
+                <a:schemeClr val="lt1"/>
+              </a:fontRef>
+            </p:style>
+            <p:txBody>
+              <a:bodyPr rtlCol="0" anchor="ctr"/>
+              <a:p>
+                <a:pPr algn="ctr"/>
+                <a:endParaRPr lang="zh-CN" altLang="en-US"/>
+              </a:p>
+            </p:txBody>
+          </p:sp>
+          <p:sp>
+            <p:nvSpPr>
+              <p:cNvPr id="32" name="椭圆 31"/>
+              <p:cNvSpPr/>
+              <p:nvPr/>
+            </p:nvSpPr>
+            <p:spPr>
+              <a:xfrm>
+                <a:off x="2755" y="2520"/>
+                <a:ext cx="697" cy="697"/>
+              </a:xfrm>
+              <a:prstGeom prst="ellipse">
+                <a:avLst/>
+              </a:prstGeom>
+              <a:solidFill>
+                <a:schemeClr val="tx1"/>
+              </a:solidFill>
+              <a:ln w="12700" cmpd="sng">
+                <a:solidFill>
+                  <a:schemeClr val="accent1">
+                    <a:shade val="50000"/>
+                  </a:schemeClr>
+                </a:solidFill>
+                <a:prstDash val="solid"/>
+              </a:ln>
+            </p:spPr>
+            <p:style>
+              <a:lnRef idx="2">
+                <a:schemeClr val="accent1">
+                  <a:shade val="50000"/>
+                </a:schemeClr>
+              </a:lnRef>
+              <a:fillRef idx="1">
+                <a:schemeClr val="accent1"/>
+              </a:fillRef>
+              <a:effectRef idx="0">
+                <a:schemeClr val="accent1"/>
+              </a:effectRef>
+              <a:fontRef idx="minor">
+                <a:schemeClr val="lt1"/>
+              </a:fontRef>
+            </p:style>
+            <p:txBody>
+              <a:bodyPr rtlCol="0" anchor="ctr"/>
+              <a:p>
+                <a:pPr algn="ctr"/>
+                <a:endParaRPr lang="zh-CN" altLang="en-US"/>
+              </a:p>
+            </p:txBody>
+          </p:sp>
+        </p:grpSp>
+        <p:cxnSp>
+          <p:nvCxnSpPr>
+            <p:cNvPr id="33" name="直接箭头连接符 32"/>
+            <p:cNvCxnSpPr/>
+            <p:nvPr/>
+          </p:nvCxnSpPr>
+          <p:spPr>
+            <a:xfrm>
+              <a:off x="5465" y="1716"/>
+              <a:ext cx="0" cy="952"/>
+            </a:xfrm>
+            <a:prstGeom prst="straightConnector1">
+              <a:avLst/>
+            </a:prstGeom>
+            <a:ln>
+              <a:solidFill>
+                <a:schemeClr val="tx1"/>
+              </a:solidFill>
+              <a:tailEnd type="triangle"/>
+            </a:ln>
+          </p:spPr>
+          <p:style>
+            <a:lnRef idx="1">
+              <a:schemeClr val="accent1"/>
+            </a:lnRef>
+            <a:fillRef idx="0">
+              <a:schemeClr val="accent1"/>
+            </a:fillRef>
+            <a:effectRef idx="0">
+              <a:schemeClr val="accent1"/>
+            </a:effectRef>
+            <a:fontRef idx="minor">
+              <a:schemeClr val="tx1"/>
+            </a:fontRef>
+          </p:style>
+        </p:cxnSp>
+        <p:grpSp>
+          <p:nvGrpSpPr>
+            <p:cNvPr id="40" name="组合 39"/>
+            <p:cNvGrpSpPr/>
+            <p:nvPr/>
+          </p:nvGrpSpPr>
+          <p:grpSpPr>
+            <a:xfrm>
+              <a:off x="5123" y="2707"/>
+              <a:ext cx="684" cy="2218"/>
+              <a:chOff x="5123" y="2707"/>
+              <a:chExt cx="684" cy="2218"/>
+            </a:xfrm>
+          </p:grpSpPr>
+          <p:sp>
+            <p:nvSpPr>
+              <p:cNvPr id="34" name="矩形 33"/>
+              <p:cNvSpPr/>
+              <p:nvPr/>
+            </p:nvSpPr>
+            <p:spPr>
+              <a:xfrm>
+                <a:off x="5123" y="2707"/>
+                <a:ext cx="684" cy="2218"/>
+              </a:xfrm>
+              <a:prstGeom prst="rect">
+                <a:avLst/>
+              </a:prstGeom>
+              <a:noFill/>
+              <a:ln w="12700" cmpd="sng">
+                <a:solidFill>
+                  <a:schemeClr val="accent1">
+                    <a:shade val="50000"/>
+                  </a:schemeClr>
+                </a:solidFill>
+                <a:prstDash val="solid"/>
+              </a:ln>
+            </p:spPr>
+            <p:style>
+              <a:lnRef idx="2">
+                <a:schemeClr val="accent1">
+                  <a:shade val="50000"/>
+                </a:schemeClr>
+              </a:lnRef>
+              <a:fillRef idx="1">
+                <a:schemeClr val="accent1"/>
+              </a:fillRef>
+              <a:effectRef idx="0">
+                <a:schemeClr val="accent1"/>
+              </a:effectRef>
+              <a:fontRef idx="minor">
+                <a:schemeClr val="lt1"/>
+              </a:fontRef>
+            </p:style>
+            <p:txBody>
+              <a:bodyPr rtlCol="0" anchor="ctr"/>
+              <a:p>
+                <a:pPr algn="ctr"/>
+                <a:endParaRPr lang="zh-CN" altLang="en-US"/>
+              </a:p>
+            </p:txBody>
+          </p:sp>
+          <p:sp>
+            <p:nvSpPr>
+              <p:cNvPr id="35" name="椭圆 34"/>
+              <p:cNvSpPr/>
+              <p:nvPr/>
+            </p:nvSpPr>
+            <p:spPr>
+              <a:xfrm>
+                <a:off x="5166" y="2747"/>
+                <a:ext cx="598" cy="598"/>
+              </a:xfrm>
+              <a:prstGeom prst="ellipse">
+                <a:avLst/>
+              </a:prstGeom>
+              <a:solidFill>
+                <a:schemeClr val="bg1"/>
+              </a:solidFill>
+              <a:ln w="12700" cmpd="sng">
+                <a:solidFill>
+                  <a:schemeClr val="accent1">
+                    <a:shade val="50000"/>
+                  </a:schemeClr>
+                </a:solidFill>
+                <a:prstDash val="solid"/>
+              </a:ln>
+            </p:spPr>
+            <p:style>
+              <a:lnRef idx="2">
+                <a:schemeClr val="accent1">
+                  <a:shade val="50000"/>
+                </a:schemeClr>
+              </a:lnRef>
+              <a:fillRef idx="1">
+                <a:schemeClr val="accent1"/>
+              </a:fillRef>
+              <a:effectRef idx="0">
+                <a:schemeClr val="accent1"/>
+              </a:effectRef>
+              <a:fontRef idx="minor">
+                <a:schemeClr val="lt1"/>
+              </a:fontRef>
+            </p:style>
+            <p:txBody>
+              <a:bodyPr rtlCol="0" anchor="ctr"/>
+              <a:p>
+                <a:pPr algn="ctr"/>
+                <a:endParaRPr lang="zh-CN" altLang="en-US"/>
+              </a:p>
+            </p:txBody>
+          </p:sp>
+          <p:sp>
+            <p:nvSpPr>
+              <p:cNvPr id="36" name="椭圆 35"/>
+              <p:cNvSpPr/>
+              <p:nvPr/>
+            </p:nvSpPr>
+            <p:spPr>
+              <a:xfrm>
+                <a:off x="5166" y="3427"/>
+                <a:ext cx="598" cy="598"/>
+              </a:xfrm>
+              <a:prstGeom prst="ellipse">
+                <a:avLst/>
+              </a:prstGeom>
+              <a:solidFill>
+                <a:schemeClr val="bg1"/>
+              </a:solidFill>
+              <a:ln w="12700" cmpd="sng">
+                <a:solidFill>
+                  <a:schemeClr val="accent1">
+                    <a:shade val="50000"/>
+                  </a:schemeClr>
+                </a:solidFill>
+                <a:prstDash val="solid"/>
+              </a:ln>
+            </p:spPr>
+            <p:style>
+              <a:lnRef idx="2">
+                <a:schemeClr val="accent1">
+                  <a:shade val="50000"/>
+                </a:schemeClr>
+              </a:lnRef>
+              <a:fillRef idx="1">
+                <a:schemeClr val="accent1"/>
+              </a:fillRef>
+              <a:effectRef idx="0">
+                <a:schemeClr val="accent1"/>
+              </a:effectRef>
+              <a:fontRef idx="minor">
+                <a:schemeClr val="lt1"/>
+              </a:fontRef>
+            </p:style>
+            <p:txBody>
+              <a:bodyPr rtlCol="0" anchor="ctr"/>
+              <a:p>
+                <a:pPr algn="ctr"/>
+                <a:endParaRPr lang="zh-CN" altLang="en-US"/>
+              </a:p>
+            </p:txBody>
+          </p:sp>
+          <p:sp>
+            <p:nvSpPr>
+              <p:cNvPr id="37" name="椭圆 36"/>
+              <p:cNvSpPr/>
+              <p:nvPr/>
+            </p:nvSpPr>
+            <p:spPr>
+              <a:xfrm>
+                <a:off x="5166" y="4108"/>
+                <a:ext cx="598" cy="598"/>
+              </a:xfrm>
+              <a:prstGeom prst="ellipse">
+                <a:avLst/>
+              </a:prstGeom>
+              <a:solidFill>
+                <a:schemeClr val="bg1"/>
+              </a:solidFill>
+              <a:ln w="12700" cmpd="sng">
+                <a:solidFill>
+                  <a:schemeClr val="accent1">
+                    <a:shade val="50000"/>
+                  </a:schemeClr>
+                </a:solidFill>
+                <a:prstDash val="solid"/>
+              </a:ln>
+            </p:spPr>
+            <p:style>
+              <a:lnRef idx="2">
+                <a:schemeClr val="accent1">
+                  <a:shade val="50000"/>
+                </a:schemeClr>
+              </a:lnRef>
+              <a:fillRef idx="1">
+                <a:schemeClr val="accent1"/>
+              </a:fillRef>
+              <a:effectRef idx="0">
+                <a:schemeClr val="accent1"/>
+              </a:effectRef>
+              <a:fontRef idx="minor">
+                <a:schemeClr val="lt1"/>
+              </a:fontRef>
+            </p:style>
+            <p:txBody>
+              <a:bodyPr rtlCol="0" anchor="ctr"/>
+              <a:p>
+                <a:pPr algn="ctr"/>
+                <a:endParaRPr lang="zh-CN" altLang="en-US"/>
+              </a:p>
+            </p:txBody>
+          </p:sp>
+        </p:grpSp>
+      </p:grpSp>
+      <p:grpSp>
+        <p:nvGrpSpPr>
+          <p:cNvPr id="53" name="组合 52"/>
+          <p:cNvGrpSpPr/>
+          <p:nvPr/>
+        </p:nvGrpSpPr>
+        <p:grpSpPr>
+          <a:xfrm rot="0">
+            <a:off x="2972435" y="680720"/>
+            <a:ext cx="441960" cy="713740"/>
+            <a:chOff x="2755" y="2520"/>
+            <a:chExt cx="696" cy="1124"/>
+          </a:xfrm>
+        </p:grpSpPr>
+        <p:sp>
+          <p:nvSpPr>
+            <p:cNvPr id="54" name="等腰三角形 53"/>
+            <p:cNvSpPr/>
+            <p:nvPr/>
+          </p:nvSpPr>
+          <p:spPr>
+            <a:xfrm>
+              <a:off x="2755" y="2974"/>
+              <a:ext cx="670" cy="670"/>
+            </a:xfrm>
+            <a:prstGeom prst="triangle">
+              <a:avLst/>
+            </a:prstGeom>
+            <a:solidFill>
+              <a:schemeClr val="tx1"/>
+            </a:solidFill>
+            <a:ln w="12700" cmpd="sng">
+              <a:solidFill>
+                <a:schemeClr val="accent1">
+                  <a:shade val="50000"/>
+                </a:schemeClr>
+              </a:solidFill>
+              <a:prstDash val="solid"/>
+            </a:ln>
+          </p:spPr>
+          <p:style>
+            <a:lnRef idx="2">
+              <a:schemeClr val="accent1">
+                <a:shade val="50000"/>
+              </a:schemeClr>
+            </a:lnRef>
+            <a:fillRef idx="1">
+              <a:schemeClr val="accent1"/>
+            </a:fillRef>
+            <a:effectRef idx="0">
+              <a:schemeClr val="accent1"/>
+            </a:effectRef>
+            <a:fontRef idx="minor">
+              <a:schemeClr val="lt1"/>
+            </a:fontRef>
+          </p:style>
+          <p:txBody>
+            <a:bodyPr rtlCol="0" anchor="ctr"/>
+            <a:p>
+              <a:pPr algn="ctr"/>
+              <a:endParaRPr lang="zh-CN" altLang="en-US"/>
+            </a:p>
+          </p:txBody>
+        </p:sp>
+        <p:sp>
+          <p:nvSpPr>
+            <p:cNvPr id="55" name="椭圆 54"/>
+            <p:cNvSpPr/>
+            <p:nvPr/>
+          </p:nvSpPr>
+          <p:spPr>
+            <a:xfrm>
+              <a:off x="2755" y="2520"/>
+              <a:ext cx="697" cy="697"/>
+            </a:xfrm>
+            <a:prstGeom prst="ellipse">
+              <a:avLst/>
+            </a:prstGeom>
+            <a:gradFill>
+              <a:gsLst>
+                <a:gs pos="0">
+                  <a:srgbClr val="E30000"/>
+                </a:gs>
+                <a:gs pos="100000">
+                  <a:srgbClr val="760303"/>
+                </a:gs>
+              </a:gsLst>
+              <a:lin ang="5400000" scaled="0"/>
+            </a:gradFill>
+            <a:ln w="12700" cmpd="sng">
+              <a:solidFill>
+                <a:schemeClr val="accent1">
+                  <a:shade val="50000"/>
+                </a:schemeClr>
+              </a:solidFill>
+              <a:prstDash val="solid"/>
+            </a:ln>
+          </p:spPr>
+          <p:style>
+            <a:lnRef idx="2">
+              <a:schemeClr val="accent1">
+                <a:shade val="50000"/>
+              </a:schemeClr>
+            </a:lnRef>
+            <a:fillRef idx="1">
+              <a:schemeClr val="accent1"/>
+            </a:fillRef>
+            <a:effectRef idx="0">
+              <a:schemeClr val="accent1"/>
+            </a:effectRef>
+            <a:fontRef idx="minor">
+              <a:schemeClr val="lt1"/>
+            </a:fontRef>
+          </p:style>
+          <p:txBody>
+            <a:bodyPr rtlCol="0" anchor="ctr"/>
+            <a:p>
+              <a:pPr algn="ctr"/>
+              <a:endParaRPr lang="zh-CN" altLang="en-US"/>
+            </a:p>
+          </p:txBody>
+        </p:sp>
+      </p:grpSp>
+      <p:sp>
+        <p:nvSpPr>
+          <p:cNvPr id="67" name="矩形 66"/>
+          <p:cNvSpPr/>
+          <p:nvPr/>
+        </p:nvSpPr>
+        <p:spPr>
+          <a:xfrm rot="16200000">
+            <a:off x="2952115" y="1476375"/>
+            <a:ext cx="434340" cy="1408430"/>
+          </a:xfrm>
+          <a:prstGeom prst="rect">
+            <a:avLst/>
+          </a:prstGeom>
+          <a:noFill/>
+          <a:ln w="12700" cmpd="sng">
+            <a:solidFill>
+              <a:schemeClr val="accent1">
+                <a:shade val="50000"/>
+              </a:schemeClr>
+            </a:solidFill>
+            <a:prstDash val="solid"/>
+          </a:ln>
+        </p:spPr>
+        <p:style>
+          <a:lnRef idx="2">
+            <a:schemeClr val="accent1">
+              <a:shade val="50000"/>
+            </a:schemeClr>
+          </a:lnRef>
+          <a:fillRef idx="1">
+            <a:schemeClr val="accent1"/>
+          </a:fillRef>
+          <a:effectRef idx="0">
+            <a:schemeClr val="accent1"/>
+          </a:effectRef>
+          <a:fontRef idx="minor">
+            <a:schemeClr val="lt1"/>
+          </a:fontRef>
+        </p:style>
+        <p:txBody>
+          <a:bodyPr rtlCol="0" anchor="ctr"/>
+          <a:p>
+            <a:pPr algn="ctr"/>
+            <a:endParaRPr lang="zh-CN" altLang="en-US"/>
+          </a:p>
+        </p:txBody>
+      </p:sp>
+      <p:sp>
+        <p:nvSpPr>
+          <p:cNvPr id="68" name="椭圆 67"/>
+          <p:cNvSpPr/>
+          <p:nvPr/>
+        </p:nvSpPr>
+        <p:spPr>
+          <a:xfrm rot="16200000">
+            <a:off x="2490470" y="1990725"/>
+            <a:ext cx="379730" cy="379730"/>
+          </a:xfrm>
+          <a:prstGeom prst="ellipse">
+            <a:avLst/>
+          </a:prstGeom>
+          <a:solidFill>
+            <a:schemeClr val="tx1"/>
+          </a:solidFill>
+          <a:ln w="12700" cmpd="sng">
+            <a:solidFill>
+              <a:schemeClr val="accent1">
+                <a:shade val="50000"/>
+              </a:schemeClr>
+            </a:solidFill>
+            <a:prstDash val="solid"/>
+          </a:ln>
+        </p:spPr>
+        <p:style>
+          <a:lnRef idx="2">
+            <a:schemeClr val="accent1">
+              <a:shade val="50000"/>
+            </a:schemeClr>
+          </a:lnRef>
+          <a:fillRef idx="1">
+            <a:schemeClr val="accent1"/>
+          </a:fillRef>
+          <a:effectRef idx="0">
+            <a:schemeClr val="accent1"/>
+          </a:effectRef>
+          <a:fontRef idx="minor">
+            <a:schemeClr val="lt1"/>
+          </a:fontRef>
+        </p:style>
+        <p:txBody>
+          <a:bodyPr rtlCol="0" anchor="ctr"/>
+          <a:p>
+            <a:pPr algn="ctr"/>
+            <a:endParaRPr lang="zh-CN" altLang="en-US"/>
+          </a:p>
+        </p:txBody>
+      </p:sp>
+      <p:sp>
+        <p:nvSpPr>
+          <p:cNvPr id="69" name="椭圆 68"/>
+          <p:cNvSpPr/>
+          <p:nvPr/>
+        </p:nvSpPr>
+        <p:spPr>
+          <a:xfrm rot="16200000">
+            <a:off x="2922270" y="1990725"/>
+            <a:ext cx="379730" cy="379730"/>
+          </a:xfrm>
+          <a:prstGeom prst="ellipse">
+            <a:avLst/>
+          </a:prstGeom>
+          <a:solidFill>
+            <a:schemeClr val="tx1"/>
+          </a:solidFill>
+          <a:ln w="12700" cmpd="sng">
+            <a:solidFill>
+              <a:schemeClr val="accent1">
+                <a:shade val="50000"/>
+              </a:schemeClr>
+            </a:solidFill>
+            <a:prstDash val="solid"/>
+          </a:ln>
+        </p:spPr>
+        <p:style>
+          <a:lnRef idx="2">
+            <a:schemeClr val="accent1">
+              <a:shade val="50000"/>
+            </a:schemeClr>
+          </a:lnRef>
+          <a:fillRef idx="1">
+            <a:schemeClr val="accent1"/>
+          </a:fillRef>
+          <a:effectRef idx="0">
+            <a:schemeClr val="accent1"/>
+          </a:effectRef>
+          <a:fontRef idx="minor">
+            <a:schemeClr val="lt1"/>
+          </a:fontRef>
+        </p:style>
+        <p:txBody>
+          <a:bodyPr rtlCol="0" anchor="ctr"/>
+          <a:p>
+            <a:pPr algn="ctr"/>
+            <a:endParaRPr lang="zh-CN" altLang="en-US"/>
+          </a:p>
+        </p:txBody>
+      </p:sp>
+      <p:sp>
+        <p:nvSpPr>
+          <p:cNvPr id="70" name="椭圆 69"/>
+          <p:cNvSpPr/>
+          <p:nvPr/>
+        </p:nvSpPr>
+        <p:spPr>
+          <a:xfrm rot="16200000">
+            <a:off x="3354705" y="1990725"/>
+            <a:ext cx="379730" cy="379730"/>
+          </a:xfrm>
+          <a:prstGeom prst="ellipse">
+            <a:avLst/>
+          </a:prstGeom>
+          <a:solidFill>
+            <a:schemeClr val="tx1"/>
+          </a:solidFill>
+          <a:ln w="12700" cmpd="sng">
+            <a:solidFill>
+              <a:schemeClr val="accent1">
+                <a:shade val="50000"/>
+              </a:schemeClr>
+            </a:solidFill>
+            <a:prstDash val="solid"/>
+          </a:ln>
+        </p:spPr>
+        <p:style>
+          <a:lnRef idx="2">
+            <a:schemeClr val="accent1">
+              <a:shade val="50000"/>
+            </a:schemeClr>
+          </a:lnRef>
+          <a:fillRef idx="1">
+            <a:schemeClr val="accent1"/>
+          </a:fillRef>
+          <a:effectRef idx="0">
+            <a:schemeClr val="accent1"/>
+          </a:effectRef>
+          <a:fontRef idx="minor">
+            <a:schemeClr val="lt1"/>
+          </a:fontRef>
+        </p:style>
+        <p:txBody>
+          <a:bodyPr rtlCol="0" anchor="ctr"/>
+          <a:p>
+            <a:pPr algn="ctr"/>
+            <a:endParaRPr lang="zh-CN" altLang="en-US"/>
+          </a:p>
+        </p:txBody>
+      </p:sp>
+      <p:sp>
+        <p:nvSpPr>
+          <p:cNvPr id="73" name="文本框 72"/>
+          <p:cNvSpPr txBox="1"/>
+          <p:nvPr/>
+        </p:nvSpPr>
+        <p:spPr>
+          <a:xfrm>
+            <a:off x="8657590" y="1517650"/>
+            <a:ext cx="1721485" cy="368300"/>
+          </a:xfrm>
+          <a:prstGeom prst="rect">
+            <a:avLst/>
+          </a:prstGeom>
+          <a:noFill/>
+        </p:spPr>
+        <p:txBody>
+          <a:bodyPr wrap="square" rtlCol="0">
+            <a:spAutoFit/>
+          </a:bodyPr>
+          <a:p>
+            <a:r>
+              <a:rPr lang="zh-CN" altLang="en-US"/>
+              <a:t>评价能力</a:t>
+            </a:r>
+            <a:endParaRPr lang="zh-CN" altLang="en-US"/>
+          </a:p>
+        </p:txBody>
+      </p:sp>
+      <p:sp>
+        <p:nvSpPr>
+          <p:cNvPr id="79" name="等腰三角形 78"/>
+          <p:cNvSpPr/>
+          <p:nvPr/>
+        </p:nvSpPr>
+        <p:spPr>
+          <a:xfrm>
+            <a:off x="8998585" y="2107565"/>
+            <a:ext cx="425450" cy="425450"/>
+          </a:xfrm>
+          <a:prstGeom prst="triangle">
+            <a:avLst/>
+          </a:prstGeom>
+          <a:solidFill>
+            <a:schemeClr val="tx1"/>
+          </a:solidFill>
+          <a:ln w="12700" cmpd="sng">
+            <a:solidFill>
+              <a:schemeClr val="accent1">
+                <a:shade val="50000"/>
+              </a:schemeClr>
+            </a:solidFill>
+            <a:prstDash val="solid"/>
+          </a:ln>
+        </p:spPr>
+        <p:style>
+          <a:lnRef idx="2">
+            <a:schemeClr val="accent1">
+              <a:shade val="50000"/>
+            </a:schemeClr>
+          </a:lnRef>
+          <a:fillRef idx="1">
+            <a:schemeClr val="accent1"/>
+          </a:fillRef>
+          <a:effectRef idx="0">
+            <a:schemeClr val="accent1"/>
+          </a:effectRef>
+          <a:fontRef idx="minor">
+            <a:schemeClr val="lt1"/>
+          </a:fontRef>
+        </p:style>
+        <p:txBody>
+          <a:bodyPr rtlCol="0" anchor="ctr"/>
+          <a:p>
+            <a:pPr algn="ctr"/>
+            <a:endParaRPr lang="zh-CN" altLang="en-US"/>
+          </a:p>
+        </p:txBody>
+      </p:sp>
+      <p:sp>
+        <p:nvSpPr>
+          <p:cNvPr id="81" name="等腰三角形 80"/>
+          <p:cNvSpPr/>
+          <p:nvPr/>
+        </p:nvSpPr>
+        <p:spPr>
+          <a:xfrm>
+            <a:off x="9017635" y="2809240"/>
+            <a:ext cx="425450" cy="425450"/>
+          </a:xfrm>
+          <a:prstGeom prst="triangle">
+            <a:avLst/>
+          </a:prstGeom>
+          <a:solidFill>
+            <a:schemeClr val="tx1"/>
+          </a:solidFill>
+          <a:ln w="12700" cmpd="sng">
+            <a:solidFill>
+              <a:schemeClr val="accent1">
+                <a:shade val="50000"/>
+              </a:schemeClr>
+            </a:solidFill>
+            <a:prstDash val="solid"/>
+          </a:ln>
+        </p:spPr>
+        <p:style>
+          <a:lnRef idx="2">
+            <a:schemeClr val="accent1">
+              <a:shade val="50000"/>
+            </a:schemeClr>
+          </a:lnRef>
+          <a:fillRef idx="1">
+            <a:schemeClr val="accent1"/>
+          </a:fillRef>
+          <a:effectRef idx="0">
+            <a:schemeClr val="accent1"/>
+          </a:effectRef>
+          <a:fontRef idx="minor">
+            <a:schemeClr val="lt1"/>
+          </a:fontRef>
+        </p:style>
+        <p:txBody>
+          <a:bodyPr rtlCol="0" anchor="ctr"/>
+          <a:p>
+            <a:pPr algn="ctr"/>
+            <a:endParaRPr lang="zh-CN" altLang="en-US"/>
+          </a:p>
+        </p:txBody>
+      </p:sp>
+      <p:sp>
+        <p:nvSpPr>
+          <p:cNvPr id="82" name="等腰三角形 81"/>
+          <p:cNvSpPr/>
+          <p:nvPr/>
+        </p:nvSpPr>
+        <p:spPr>
+          <a:xfrm>
+            <a:off x="8998585" y="4771390"/>
+            <a:ext cx="425450" cy="425450"/>
+          </a:xfrm>
+          <a:prstGeom prst="triangle">
+            <a:avLst/>
+          </a:prstGeom>
+          <a:solidFill>
+            <a:schemeClr val="bg1"/>
+          </a:solidFill>
+          <a:ln w="12700" cmpd="sng">
+            <a:solidFill>
+              <a:schemeClr val="accent1">
+                <a:shade val="50000"/>
+              </a:schemeClr>
+            </a:solidFill>
+            <a:prstDash val="solid"/>
+          </a:ln>
+        </p:spPr>
+        <p:style>
+          <a:lnRef idx="2">
+            <a:schemeClr val="accent1">
+              <a:shade val="50000"/>
+            </a:schemeClr>
+          </a:lnRef>
+          <a:fillRef idx="1">
+            <a:schemeClr val="accent1"/>
+          </a:fillRef>
+          <a:effectRef idx="0">
+            <a:schemeClr val="accent1"/>
+          </a:effectRef>
+          <a:fontRef idx="minor">
+            <a:schemeClr val="lt1"/>
+          </a:fontRef>
+        </p:style>
+        <p:txBody>
+          <a:bodyPr rtlCol="0" anchor="ctr"/>
+          <a:p>
+            <a:pPr algn="ctr"/>
+            <a:endParaRPr lang="zh-CN" altLang="en-US"/>
+          </a:p>
+        </p:txBody>
+      </p:sp>
+      <p:sp>
+        <p:nvSpPr>
+          <p:cNvPr id="83" name="矩形 82"/>
+          <p:cNvSpPr/>
+          <p:nvPr/>
+        </p:nvSpPr>
+        <p:spPr>
+          <a:xfrm>
+            <a:off x="11754485" y="2035175"/>
+            <a:ext cx="528955" cy="4731385"/>
+          </a:xfrm>
+          <a:prstGeom prst="rect">
+            <a:avLst/>
+          </a:prstGeom>
+          <a:noFill/>
+          <a:ln w="12700" cmpd="sng">
+            <a:solidFill>
+              <a:schemeClr val="accent1">
+                <a:shade val="50000"/>
+              </a:schemeClr>
+            </a:solidFill>
+            <a:prstDash val="solid"/>
+          </a:ln>
+        </p:spPr>
+        <p:style>
+          <a:lnRef idx="2">
+            <a:schemeClr val="accent1">
+              <a:shade val="50000"/>
+            </a:schemeClr>
+          </a:lnRef>
+          <a:fillRef idx="1">
+            <a:schemeClr val="accent1"/>
+          </a:fillRef>
+          <a:effectRef idx="0">
+            <a:schemeClr val="accent1"/>
+          </a:effectRef>
+          <a:fontRef idx="minor">
+            <a:schemeClr val="lt1"/>
+          </a:fontRef>
+        </p:style>
+        <p:txBody>
+          <a:bodyPr rtlCol="0" anchor="ctr"/>
+          <a:p>
+            <a:pPr algn="ctr"/>
+            <a:endParaRPr lang="zh-CN" altLang="en-US"/>
+          </a:p>
+        </p:txBody>
+      </p:sp>
+      <p:sp>
+        <p:nvSpPr>
+          <p:cNvPr id="84" name="等腰三角形 83"/>
+          <p:cNvSpPr/>
+          <p:nvPr/>
+        </p:nvSpPr>
+        <p:spPr>
+          <a:xfrm>
+            <a:off x="11786235" y="2193290"/>
+            <a:ext cx="425450" cy="425450"/>
+          </a:xfrm>
+          <a:prstGeom prst="triangle">
+            <a:avLst/>
+          </a:prstGeom>
+          <a:solidFill>
+            <a:schemeClr val="tx1"/>
+          </a:solidFill>
+          <a:ln w="12700" cmpd="sng">
+            <a:solidFill>
+              <a:schemeClr val="accent1">
+                <a:shade val="50000"/>
+              </a:schemeClr>
+            </a:solidFill>
+            <a:prstDash val="solid"/>
+          </a:ln>
+        </p:spPr>
+        <p:style>
+          <a:lnRef idx="2">
+            <a:schemeClr val="accent1">
+              <a:shade val="50000"/>
+            </a:schemeClr>
+          </a:lnRef>
+          <a:fillRef idx="1">
+            <a:schemeClr val="accent1"/>
+          </a:fillRef>
+          <a:effectRef idx="0">
+            <a:schemeClr val="accent1"/>
+          </a:effectRef>
+          <a:fontRef idx="minor">
+            <a:schemeClr val="lt1"/>
+          </a:fontRef>
+        </p:style>
+        <p:txBody>
+          <a:bodyPr rtlCol="0" anchor="ctr"/>
+          <a:p>
+            <a:pPr algn="ctr"/>
+            <a:endParaRPr lang="zh-CN" altLang="en-US"/>
+          </a:p>
+        </p:txBody>
+      </p:sp>
+      <p:sp>
+        <p:nvSpPr>
+          <p:cNvPr id="85" name="等腰三角形 84"/>
+          <p:cNvSpPr/>
+          <p:nvPr/>
+        </p:nvSpPr>
+        <p:spPr>
+          <a:xfrm>
+            <a:off x="11805285" y="2894965"/>
+            <a:ext cx="425450" cy="425450"/>
+          </a:xfrm>
+          <a:prstGeom prst="triangle">
+            <a:avLst/>
+          </a:prstGeom>
+          <a:solidFill>
+            <a:schemeClr val="tx1"/>
+          </a:solidFill>
+          <a:ln w="12700" cmpd="sng">
+            <a:solidFill>
+              <a:schemeClr val="accent1">
+                <a:shade val="50000"/>
+              </a:schemeClr>
+            </a:solidFill>
+            <a:prstDash val="solid"/>
+          </a:ln>
+        </p:spPr>
+        <p:style>
+          <a:lnRef idx="2">
+            <a:schemeClr val="accent1">
+              <a:shade val="50000"/>
+            </a:schemeClr>
+          </a:lnRef>
+          <a:fillRef idx="1">
+            <a:schemeClr val="accent1"/>
+          </a:fillRef>
+          <a:effectRef idx="0">
+            <a:schemeClr val="accent1"/>
+          </a:effectRef>
+          <a:fontRef idx="minor">
+            <a:schemeClr val="lt1"/>
+          </a:fontRef>
+        </p:style>
+        <p:txBody>
+          <a:bodyPr rtlCol="0" anchor="ctr"/>
+          <a:p>
+            <a:pPr algn="ctr"/>
+            <a:endParaRPr lang="zh-CN" altLang="en-US"/>
+          </a:p>
+        </p:txBody>
+      </p:sp>
+      <p:sp>
+        <p:nvSpPr>
+          <p:cNvPr id="86" name="等腰三角形 85"/>
+          <p:cNvSpPr/>
+          <p:nvPr/>
+        </p:nvSpPr>
+        <p:spPr>
+          <a:xfrm>
+            <a:off x="11786235" y="4857115"/>
+            <a:ext cx="425450" cy="425450"/>
+          </a:xfrm>
+          <a:prstGeom prst="triangle">
+            <a:avLst/>
+          </a:prstGeom>
+          <a:solidFill>
+            <a:schemeClr val="tx1"/>
+          </a:solidFill>
+          <a:ln w="12700" cmpd="sng">
+            <a:solidFill>
+              <a:schemeClr val="accent1">
+                <a:shade val="50000"/>
+              </a:schemeClr>
+            </a:solidFill>
+            <a:prstDash val="solid"/>
+          </a:ln>
+        </p:spPr>
+        <p:style>
+          <a:lnRef idx="2">
+            <a:schemeClr val="accent1">
+              <a:shade val="50000"/>
+            </a:schemeClr>
+          </a:lnRef>
+          <a:fillRef idx="1">
+            <a:schemeClr val="accent1"/>
+          </a:fillRef>
+          <a:effectRef idx="0">
+            <a:schemeClr val="accent1"/>
+          </a:effectRef>
+          <a:fontRef idx="minor">
+            <a:schemeClr val="lt1"/>
+          </a:fontRef>
+        </p:style>
+        <p:txBody>
+          <a:bodyPr rtlCol="0" anchor="ctr"/>
+          <a:p>
+            <a:pPr algn="ctr"/>
+            <a:endParaRPr lang="zh-CN" altLang="en-US"/>
+          </a:p>
+        </p:txBody>
+      </p:sp>
+      <p:sp>
+        <p:nvSpPr>
+          <p:cNvPr id="87" name="文本框 86"/>
+          <p:cNvSpPr txBox="1"/>
+          <p:nvPr/>
+        </p:nvSpPr>
+        <p:spPr>
+          <a:xfrm>
+            <a:off x="11466195" y="1530985"/>
+            <a:ext cx="1721485" cy="368300"/>
+          </a:xfrm>
+          <a:prstGeom prst="rect">
+            <a:avLst/>
+          </a:prstGeom>
+          <a:noFill/>
+        </p:spPr>
+        <p:txBody>
+          <a:bodyPr wrap="square" rtlCol="0">
+            <a:spAutoFit/>
+          </a:bodyPr>
+          <a:p>
+            <a:r>
+              <a:rPr lang="zh-CN" altLang="en-US"/>
+              <a:t>评价能力</a:t>
+            </a:r>
+            <a:endParaRPr lang="zh-CN" altLang="en-US"/>
+          </a:p>
+        </p:txBody>
+      </p:sp>
+      <p:sp>
+        <p:nvSpPr>
+          <p:cNvPr id="88" name="右箭头 87"/>
+          <p:cNvSpPr/>
+          <p:nvPr/>
+        </p:nvSpPr>
+        <p:spPr>
+          <a:xfrm>
+            <a:off x="5201285" y="3641725"/>
+            <a:ext cx="3384550" cy="833755"/>
+          </a:xfrm>
+          <a:prstGeom prst="rightArrow">
+            <a:avLst>
+              <a:gd name="adj1" fmla="val 50000"/>
+              <a:gd name="adj2" fmla="val 105864"/>
+            </a:avLst>
+          </a:prstGeom>
+          <a:solidFill>
+            <a:schemeClr val="bg1"/>
+          </a:solidFill>
+          <a:ln w="12700" cmpd="sng">
+            <a:solidFill>
+              <a:schemeClr val="accent1">
+                <a:shade val="50000"/>
+              </a:schemeClr>
+            </a:solidFill>
+            <a:prstDash val="solid"/>
+          </a:ln>
+        </p:spPr>
+        <p:style>
+          <a:lnRef idx="2">
+            <a:schemeClr val="accent1">
+              <a:shade val="50000"/>
+            </a:schemeClr>
+          </a:lnRef>
+          <a:fillRef idx="1">
+            <a:schemeClr val="accent1"/>
+          </a:fillRef>
+          <a:effectRef idx="0">
+            <a:schemeClr val="accent1"/>
+          </a:effectRef>
+          <a:fontRef idx="minor">
+            <a:schemeClr val="lt1"/>
+          </a:fontRef>
+        </p:style>
+        <p:txBody>
+          <a:bodyPr rtlCol="0" anchor="ctr"/>
+          <a:p>
+            <a:pPr algn="ctr"/>
+            <a:endParaRPr lang="zh-CN" altLang="en-US"/>
+          </a:p>
+        </p:txBody>
+      </p:sp>
+      <p:sp>
+        <p:nvSpPr>
+          <p:cNvPr id="89" name="右箭头 88"/>
+          <p:cNvSpPr/>
+          <p:nvPr/>
+        </p:nvSpPr>
+        <p:spPr>
+          <a:xfrm>
+            <a:off x="9521825" y="3641725"/>
+            <a:ext cx="1298575" cy="833755"/>
+          </a:xfrm>
+          <a:prstGeom prst="rightArrow">
+            <a:avLst>
+              <a:gd name="adj1" fmla="val 50000"/>
+              <a:gd name="adj2" fmla="val 73038"/>
+            </a:avLst>
+          </a:prstGeom>
+          <a:solidFill>
+            <a:schemeClr val="bg1"/>
+          </a:solidFill>
+          <a:ln w="12700" cmpd="sng">
+            <a:solidFill>
+              <a:schemeClr val="accent1">
+                <a:shade val="50000"/>
+              </a:schemeClr>
+            </a:solidFill>
+            <a:prstDash val="solid"/>
+          </a:ln>
+        </p:spPr>
+        <p:style>
+          <a:lnRef idx="2">
+            <a:schemeClr val="accent1">
+              <a:shade val="50000"/>
+            </a:schemeClr>
+          </a:lnRef>
+          <a:fillRef idx="1">
+            <a:schemeClr val="accent1"/>
+          </a:fillRef>
+          <a:effectRef idx="0">
+            <a:schemeClr val="accent1"/>
+          </a:effectRef>
+          <a:fontRef idx="minor">
+            <a:schemeClr val="lt1"/>
+          </a:fontRef>
+        </p:style>
+        <p:txBody>
+          <a:bodyPr rtlCol="0" anchor="ctr"/>
+          <a:p>
+            <a:pPr algn="ctr"/>
+            <a:endParaRPr lang="zh-CN" altLang="en-US"/>
+          </a:p>
+        </p:txBody>
+      </p:sp>
+      <p:sp>
+        <p:nvSpPr>
+          <p:cNvPr id="90" name="右箭头 89"/>
+          <p:cNvSpPr/>
+          <p:nvPr/>
+        </p:nvSpPr>
+        <p:spPr>
+          <a:xfrm>
+            <a:off x="11034395" y="3614420"/>
+            <a:ext cx="1298575" cy="833755"/>
+          </a:xfrm>
+          <a:prstGeom prst="rightArrow">
+            <a:avLst>
+              <a:gd name="adj1" fmla="val 50000"/>
+              <a:gd name="adj2" fmla="val 73038"/>
+            </a:avLst>
+          </a:prstGeom>
+          <a:solidFill>
+            <a:schemeClr val="bg1"/>
+          </a:solidFill>
+          <a:ln w="12700" cmpd="sng">
+            <a:solidFill>
+              <a:schemeClr val="accent1">
+                <a:shade val="50000"/>
+              </a:schemeClr>
+            </a:solidFill>
+            <a:prstDash val="solid"/>
+          </a:ln>
+        </p:spPr>
+        <p:style>
+          <a:lnRef idx="2">
+            <a:schemeClr val="accent1">
+              <a:shade val="50000"/>
+            </a:schemeClr>
+          </a:lnRef>
+          <a:fillRef idx="1">
+            <a:schemeClr val="accent1"/>
+          </a:fillRef>
+          <a:effectRef idx="0">
+            <a:schemeClr val="accent1"/>
+          </a:effectRef>
+          <a:fontRef idx="minor">
+            <a:schemeClr val="lt1"/>
+          </a:fontRef>
+        </p:style>
+        <p:txBody>
+          <a:bodyPr rtlCol="0" anchor="ctr"/>
+          <a:p>
+            <a:pPr algn="ctr"/>
+            <a:endParaRPr lang="zh-CN" altLang="en-US"/>
+          </a:p>
+        </p:txBody>
+      </p:sp>
+    </p:spTree>
+  </p:cSld>
+  <p:clrMapOvr>
+    <a:masterClrMapping/>
+  </p:clrMapOvr>
+</p:sld>
+</file>
+
+<file path=ppt/tags/tag1.xml><?xml version="1.0" encoding="utf-8"?>
+<p:tagLst xmlns:p="http://schemas.openxmlformats.org/presentationml/2006/main">
+  <p:tag name="COMMONDATA" val="eyJoZGlkIjoiYTQ5NmI0YmEyZWVjYTBlNTJmMTI2OTFlZWQzMjA2MGYifQ=="/>
+  <p:tag name="KSO_WPP_MARK_KEY" val="dfa8ae1c-a901-4f9f-b0e6-c05165d6a7d9"/>
+</p:tagLst>
+</file>
+
 <file path=ppt/theme/theme1.xml><?xml version="1.0" encoding="utf-8"?>
 <a:theme xmlns:a="http://schemas.openxmlformats.org/drawingml/2006/main" name="Office 主题">
   <a:themeElements>
@@ -3195,8 +10606,6 @@
       </a:bgFillStyleLst>
     </a:fmtScheme>
   </a:themeElements>
-  <a:objectDefaults/>
-  <a:extraClrSchemeLst/>
   <a:extLst>
     <a:ext uri="{05A4C25C-085E-4340-85A3-A5531E510DB2}">
       <thm15:themeFamily xmlns:thm15="http://schemas.microsoft.com/office/thememl/2012/main" name="Office Theme" id="{62F939B6-93AF-4DB8-9C6B-D6C7DFDC589F}" vid="{4A3C46E8-61CC-4603-A589-7422A47A8E4A}"/>

--- a/paper/相关图.pptx
+++ b/paper/相关图.pptx
@@ -7,11 +7,12 @@
   <p:sldIdLst>
     <p:sldId id="256" r:id="rId3"/>
     <p:sldId id="257" r:id="rId4"/>
+    <p:sldId id="258" r:id="rId5"/>
   </p:sldIdLst>
-  <p:sldSz cx="17999710" cy="6858000"/>
+  <p:sldSz cx="17999710" cy="10799445"/>
   <p:notesSz cx="6858000" cy="9144000"/>
   <p:custDataLst>
-    <p:tags r:id="rId8"/>
+    <p:tags r:id="rId9"/>
   </p:custDataLst>
   <p:defaultTextStyle>
     <a:defPPr>
@@ -140,15 +141,15 @@
         </p:nvSpPr>
         <p:spPr>
           <a:xfrm>
-            <a:off x="2250000" y="1122363"/>
-            <a:ext cx="13500000" cy="2387600"/>
+            <a:off x="2250036" y="1767501"/>
+            <a:ext cx="13500218" cy="3760000"/>
           </a:xfrm>
         </p:spPr>
         <p:txBody>
           <a:bodyPr anchor="b"/>
           <a:lstStyle>
             <a:lvl1pPr algn="ctr">
-              <a:defRPr sz="6000"/>
+              <a:defRPr sz="9450"/>
             </a:lvl1pPr>
           </a:lstStyle>
           <a:p>
@@ -172,8 +173,8 @@
         </p:nvSpPr>
         <p:spPr>
           <a:xfrm>
-            <a:off x="2250000" y="3602038"/>
-            <a:ext cx="13500000" cy="1655762"/>
+            <a:off x="2250036" y="5672500"/>
+            <a:ext cx="13500218" cy="2607499"/>
           </a:xfrm>
         </p:spPr>
         <p:txBody>
@@ -181,39 +182,39 @@
           <a:lstStyle>
             <a:lvl1pPr marL="0" indent="0" algn="ctr">
               <a:buNone/>
-              <a:defRPr sz="2400"/>
+              <a:defRPr sz="3780"/>
             </a:lvl1pPr>
-            <a:lvl2pPr marL="457200" indent="0" algn="ctr">
+            <a:lvl2pPr marL="720090" indent="0" algn="ctr">
               <a:buNone/>
-              <a:defRPr sz="2000"/>
+              <a:defRPr sz="3150"/>
             </a:lvl2pPr>
-            <a:lvl3pPr marL="914400" indent="0" algn="ctr">
+            <a:lvl3pPr marL="1440180" indent="0" algn="ctr">
               <a:buNone/>
-              <a:defRPr sz="1800"/>
+              <a:defRPr sz="2835"/>
             </a:lvl3pPr>
-            <a:lvl4pPr marL="1371600" indent="0" algn="ctr">
+            <a:lvl4pPr marL="2160270" indent="0" algn="ctr">
               <a:buNone/>
-              <a:defRPr sz="1600"/>
+              <a:defRPr sz="2520"/>
             </a:lvl4pPr>
-            <a:lvl5pPr marL="1828800" indent="0" algn="ctr">
+            <a:lvl5pPr marL="2879725" indent="0" algn="ctr">
               <a:buNone/>
-              <a:defRPr sz="1600"/>
+              <a:defRPr sz="2520"/>
             </a:lvl5pPr>
-            <a:lvl6pPr marL="2286000" indent="0" algn="ctr">
+            <a:lvl6pPr marL="3599815" indent="0" algn="ctr">
               <a:buNone/>
-              <a:defRPr sz="1600"/>
+              <a:defRPr sz="2520"/>
             </a:lvl6pPr>
-            <a:lvl7pPr marL="2743200" indent="0" algn="ctr">
+            <a:lvl7pPr marL="4319905" indent="0" algn="ctr">
               <a:buNone/>
-              <a:defRPr sz="1600"/>
+              <a:defRPr sz="2520"/>
             </a:lvl7pPr>
-            <a:lvl8pPr marL="3200400" indent="0" algn="ctr">
+            <a:lvl8pPr marL="5039995" indent="0" algn="ctr">
               <a:buNone/>
-              <a:defRPr sz="1600"/>
+              <a:defRPr sz="2520"/>
             </a:lvl8pPr>
-            <a:lvl9pPr marL="3657600" indent="0" algn="ctr">
+            <a:lvl9pPr marL="5760085" indent="0" algn="ctr">
               <a:buNone/>
-              <a:defRPr sz="1600"/>
+              <a:defRPr sz="2520"/>
             </a:lvl9pPr>
           </a:lstStyle>
           <a:p>
@@ -492,8 +493,8 @@
         </p:nvSpPr>
         <p:spPr>
           <a:xfrm>
-            <a:off x="12881250" y="365125"/>
-            <a:ext cx="3881250" cy="5811838"/>
+            <a:off x="12881458" y="575000"/>
+            <a:ext cx="3881313" cy="9152500"/>
           </a:xfrm>
         </p:spPr>
         <p:txBody>
@@ -520,8 +521,8 @@
         </p:nvSpPr>
         <p:spPr>
           <a:xfrm>
-            <a:off x="1237500" y="365125"/>
-            <a:ext cx="11418750" cy="5811838"/>
+            <a:off x="1237520" y="575000"/>
+            <a:ext cx="11418934" cy="9152500"/>
           </a:xfrm>
         </p:spPr>
         <p:txBody>
@@ -836,15 +837,15 @@
         </p:nvSpPr>
         <p:spPr>
           <a:xfrm>
-            <a:off x="1228125" y="1709738"/>
-            <a:ext cx="15525000" cy="2852737"/>
+            <a:off x="1228145" y="2692501"/>
+            <a:ext cx="15525250" cy="4492499"/>
           </a:xfrm>
         </p:spPr>
         <p:txBody>
           <a:bodyPr anchor="b"/>
           <a:lstStyle>
             <a:lvl1pPr>
-              <a:defRPr sz="6000"/>
+              <a:defRPr sz="9450"/>
             </a:lvl1pPr>
           </a:lstStyle>
           <a:p>
@@ -868,8 +869,8 @@
         </p:nvSpPr>
         <p:spPr>
           <a:xfrm>
-            <a:off x="1228125" y="4589463"/>
-            <a:ext cx="15525000" cy="1500187"/>
+            <a:off x="1228145" y="7227500"/>
+            <a:ext cx="15525250" cy="2362499"/>
           </a:xfrm>
         </p:spPr>
         <p:txBody>
@@ -877,7 +878,7 @@
           <a:lstStyle>
             <a:lvl1pPr marL="0" indent="0">
               <a:buNone/>
-              <a:defRPr sz="2400">
+              <a:defRPr sz="3780">
                 <a:solidFill>
                   <a:schemeClr val="tx1">
                     <a:tint val="75000"/>
@@ -885,9 +886,9 @@
                 </a:solidFill>
               </a:defRPr>
             </a:lvl1pPr>
-            <a:lvl2pPr marL="457200" indent="0">
+            <a:lvl2pPr marL="720090" indent="0">
               <a:buNone/>
-              <a:defRPr sz="2000">
+              <a:defRPr sz="3150">
                 <a:solidFill>
                   <a:schemeClr val="tx1">
                     <a:tint val="75000"/>
@@ -895,9 +896,9 @@
                 </a:solidFill>
               </a:defRPr>
             </a:lvl2pPr>
-            <a:lvl3pPr marL="914400" indent="0">
+            <a:lvl3pPr marL="1440180" indent="0">
               <a:buNone/>
-              <a:defRPr sz="1800">
+              <a:defRPr sz="2835">
                 <a:solidFill>
                   <a:schemeClr val="tx1">
                     <a:tint val="75000"/>
@@ -905,9 +906,9 @@
                 </a:solidFill>
               </a:defRPr>
             </a:lvl3pPr>
-            <a:lvl4pPr marL="1371600" indent="0">
+            <a:lvl4pPr marL="2160270" indent="0">
               <a:buNone/>
-              <a:defRPr sz="1600">
+              <a:defRPr sz="2520">
                 <a:solidFill>
                   <a:schemeClr val="tx1">
                     <a:tint val="75000"/>
@@ -915,9 +916,9 @@
                 </a:solidFill>
               </a:defRPr>
             </a:lvl4pPr>
-            <a:lvl5pPr marL="1828800" indent="0">
+            <a:lvl5pPr marL="2879725" indent="0">
               <a:buNone/>
-              <a:defRPr sz="1600">
+              <a:defRPr sz="2520">
                 <a:solidFill>
                   <a:schemeClr val="tx1">
                     <a:tint val="75000"/>
@@ -925,9 +926,9 @@
                 </a:solidFill>
               </a:defRPr>
             </a:lvl5pPr>
-            <a:lvl6pPr marL="2286000" indent="0">
+            <a:lvl6pPr marL="3599815" indent="0">
               <a:buNone/>
-              <a:defRPr sz="1600">
+              <a:defRPr sz="2520">
                 <a:solidFill>
                   <a:schemeClr val="tx1">
                     <a:tint val="75000"/>
@@ -935,9 +936,9 @@
                 </a:solidFill>
               </a:defRPr>
             </a:lvl6pPr>
-            <a:lvl7pPr marL="2743200" indent="0">
+            <a:lvl7pPr marL="4319905" indent="0">
               <a:buNone/>
-              <a:defRPr sz="1600">
+              <a:defRPr sz="2520">
                 <a:solidFill>
                   <a:schemeClr val="tx1">
                     <a:tint val="75000"/>
@@ -945,9 +946,9 @@
                 </a:solidFill>
               </a:defRPr>
             </a:lvl7pPr>
-            <a:lvl8pPr marL="3200400" indent="0">
+            <a:lvl8pPr marL="5039995" indent="0">
               <a:buNone/>
-              <a:defRPr sz="1600">
+              <a:defRPr sz="2520">
                 <a:solidFill>
                   <a:schemeClr val="tx1">
                     <a:tint val="75000"/>
@@ -955,9 +956,9 @@
                 </a:solidFill>
               </a:defRPr>
             </a:lvl8pPr>
-            <a:lvl9pPr marL="3657600" indent="0">
+            <a:lvl9pPr marL="5760085" indent="0">
               <a:buNone/>
-              <a:defRPr sz="1600">
+              <a:defRPr sz="2520">
                 <a:solidFill>
                   <a:schemeClr val="tx1">
                     <a:tint val="75000"/>
@@ -1099,8 +1100,8 @@
         </p:nvSpPr>
         <p:spPr>
           <a:xfrm>
-            <a:off x="1237500" y="1825625"/>
-            <a:ext cx="7650000" cy="4351338"/>
+            <a:off x="1237520" y="2875000"/>
+            <a:ext cx="7650123" cy="6852500"/>
           </a:xfrm>
         </p:spPr>
         <p:txBody>
@@ -1160,8 +1161,8 @@
         </p:nvSpPr>
         <p:spPr>
           <a:xfrm>
-            <a:off x="9112500" y="1825625"/>
-            <a:ext cx="7650000" cy="4351338"/>
+            <a:off x="9112647" y="2875000"/>
+            <a:ext cx="7650123" cy="6852500"/>
           </a:xfrm>
         </p:spPr>
         <p:txBody>
@@ -1309,8 +1310,8 @@
         </p:nvSpPr>
         <p:spPr>
           <a:xfrm>
-            <a:off x="1239845" y="365125"/>
-            <a:ext cx="15525000" cy="1325563"/>
+            <a:off x="1239865" y="575000"/>
+            <a:ext cx="15525250" cy="2087501"/>
           </a:xfrm>
         </p:spPr>
         <p:txBody>
@@ -1337,8 +1338,8 @@
         </p:nvSpPr>
         <p:spPr>
           <a:xfrm>
-            <a:off x="1239845" y="1681163"/>
-            <a:ext cx="7614843" cy="823912"/>
+            <a:off x="1239865" y="2647501"/>
+            <a:ext cx="7614966" cy="1297499"/>
           </a:xfrm>
         </p:spPr>
         <p:txBody>
@@ -1346,39 +1347,39 @@
           <a:lstStyle>
             <a:lvl1pPr marL="0" indent="0">
               <a:buNone/>
-              <a:defRPr sz="2400" b="1"/>
+              <a:defRPr sz="3780" b="1"/>
             </a:lvl1pPr>
-            <a:lvl2pPr marL="457200" indent="0">
+            <a:lvl2pPr marL="720090" indent="0">
               <a:buNone/>
-              <a:defRPr sz="2000" b="1"/>
+              <a:defRPr sz="3150" b="1"/>
             </a:lvl2pPr>
-            <a:lvl3pPr marL="914400" indent="0">
+            <a:lvl3pPr marL="1440180" indent="0">
               <a:buNone/>
-              <a:defRPr sz="1800" b="1"/>
+              <a:defRPr sz="2835" b="1"/>
             </a:lvl3pPr>
-            <a:lvl4pPr marL="1371600" indent="0">
+            <a:lvl4pPr marL="2160270" indent="0">
               <a:buNone/>
-              <a:defRPr sz="1600" b="1"/>
+              <a:defRPr sz="2520" b="1"/>
             </a:lvl4pPr>
-            <a:lvl5pPr marL="1828800" indent="0">
+            <a:lvl5pPr marL="2879725" indent="0">
               <a:buNone/>
-              <a:defRPr sz="1600" b="1"/>
+              <a:defRPr sz="2520" b="1"/>
             </a:lvl5pPr>
-            <a:lvl6pPr marL="2286000" indent="0">
+            <a:lvl6pPr marL="3599815" indent="0">
               <a:buNone/>
-              <a:defRPr sz="1600" b="1"/>
+              <a:defRPr sz="2520" b="1"/>
             </a:lvl6pPr>
-            <a:lvl7pPr marL="2743200" indent="0">
+            <a:lvl7pPr marL="4319905" indent="0">
               <a:buNone/>
-              <a:defRPr sz="1600" b="1"/>
+              <a:defRPr sz="2520" b="1"/>
             </a:lvl7pPr>
-            <a:lvl8pPr marL="3200400" indent="0">
+            <a:lvl8pPr marL="5039995" indent="0">
               <a:buNone/>
-              <a:defRPr sz="1600" b="1"/>
+              <a:defRPr sz="2520" b="1"/>
             </a:lvl8pPr>
-            <a:lvl9pPr marL="3657600" indent="0">
+            <a:lvl9pPr marL="5760085" indent="0">
               <a:buNone/>
-              <a:defRPr sz="1600" b="1"/>
+              <a:defRPr sz="2520" b="1"/>
             </a:lvl9pPr>
           </a:lstStyle>
           <a:p>
@@ -1403,8 +1404,8 @@
         </p:nvSpPr>
         <p:spPr>
           <a:xfrm>
-            <a:off x="1239845" y="2505075"/>
-            <a:ext cx="7614843" cy="3684588"/>
+            <a:off x="1239865" y="3945000"/>
+            <a:ext cx="7614966" cy="5802500"/>
           </a:xfrm>
         </p:spPr>
         <p:txBody>
@@ -1464,8 +1465,8 @@
         </p:nvSpPr>
         <p:spPr>
           <a:xfrm>
-            <a:off x="9112500" y="1681163"/>
-            <a:ext cx="7652345" cy="823912"/>
+            <a:off x="9112647" y="2647501"/>
+            <a:ext cx="7652468" cy="1297499"/>
           </a:xfrm>
         </p:spPr>
         <p:txBody>
@@ -1473,39 +1474,39 @@
           <a:lstStyle>
             <a:lvl1pPr marL="0" indent="0">
               <a:buNone/>
-              <a:defRPr sz="2400" b="1"/>
+              <a:defRPr sz="3780" b="1"/>
             </a:lvl1pPr>
-            <a:lvl2pPr marL="457200" indent="0">
+            <a:lvl2pPr marL="720090" indent="0">
               <a:buNone/>
-              <a:defRPr sz="2000" b="1"/>
+              <a:defRPr sz="3150" b="1"/>
             </a:lvl2pPr>
-            <a:lvl3pPr marL="914400" indent="0">
+            <a:lvl3pPr marL="1440180" indent="0">
               <a:buNone/>
-              <a:defRPr sz="1800" b="1"/>
+              <a:defRPr sz="2835" b="1"/>
             </a:lvl3pPr>
-            <a:lvl4pPr marL="1371600" indent="0">
+            <a:lvl4pPr marL="2160270" indent="0">
               <a:buNone/>
-              <a:defRPr sz="1600" b="1"/>
+              <a:defRPr sz="2520" b="1"/>
             </a:lvl4pPr>
-            <a:lvl5pPr marL="1828800" indent="0">
+            <a:lvl5pPr marL="2879725" indent="0">
               <a:buNone/>
-              <a:defRPr sz="1600" b="1"/>
+              <a:defRPr sz="2520" b="1"/>
             </a:lvl5pPr>
-            <a:lvl6pPr marL="2286000" indent="0">
+            <a:lvl6pPr marL="3599815" indent="0">
               <a:buNone/>
-              <a:defRPr sz="1600" b="1"/>
+              <a:defRPr sz="2520" b="1"/>
             </a:lvl6pPr>
-            <a:lvl7pPr marL="2743200" indent="0">
+            <a:lvl7pPr marL="4319905" indent="0">
               <a:buNone/>
-              <a:defRPr sz="1600" b="1"/>
+              <a:defRPr sz="2520" b="1"/>
             </a:lvl7pPr>
-            <a:lvl8pPr marL="3200400" indent="0">
+            <a:lvl8pPr marL="5039995" indent="0">
               <a:buNone/>
-              <a:defRPr sz="1600" b="1"/>
+              <a:defRPr sz="2520" b="1"/>
             </a:lvl8pPr>
-            <a:lvl9pPr marL="3657600" indent="0">
+            <a:lvl9pPr marL="5760085" indent="0">
               <a:buNone/>
-              <a:defRPr sz="1600" b="1"/>
+              <a:defRPr sz="2520" b="1"/>
             </a:lvl9pPr>
           </a:lstStyle>
           <a:p>
@@ -1530,8 +1531,8 @@
         </p:nvSpPr>
         <p:spPr>
           <a:xfrm>
-            <a:off x="9112500" y="2505075"/>
-            <a:ext cx="7652345" cy="3684588"/>
+            <a:off x="9112647" y="3945000"/>
+            <a:ext cx="7652468" cy="5802500"/>
           </a:xfrm>
         </p:spPr>
         <p:txBody>
@@ -1878,15 +1879,15 @@
         </p:nvSpPr>
         <p:spPr>
           <a:xfrm>
-            <a:off x="1239845" y="457200"/>
-            <a:ext cx="5805468" cy="1600200"/>
+            <a:off x="1239865" y="720000"/>
+            <a:ext cx="5805562" cy="2520000"/>
           </a:xfrm>
         </p:spPr>
         <p:txBody>
           <a:bodyPr anchor="b"/>
           <a:lstStyle>
             <a:lvl1pPr>
-              <a:defRPr sz="3200"/>
+              <a:defRPr sz="5040"/>
             </a:lvl1pPr>
           </a:lstStyle>
           <a:p>
@@ -1910,39 +1911,39 @@
         </p:nvSpPr>
         <p:spPr>
           <a:xfrm>
-            <a:off x="7652345" y="987425"/>
-            <a:ext cx="9112500" cy="4873625"/>
+            <a:off x="7652468" y="1555000"/>
+            <a:ext cx="9112647" cy="7675000"/>
           </a:xfrm>
         </p:spPr>
         <p:txBody>
           <a:bodyPr/>
           <a:lstStyle>
             <a:lvl1pPr>
-              <a:defRPr sz="3200"/>
+              <a:defRPr sz="5040"/>
             </a:lvl1pPr>
             <a:lvl2pPr>
-              <a:defRPr sz="2800"/>
+              <a:defRPr sz="4410"/>
             </a:lvl2pPr>
             <a:lvl3pPr>
-              <a:defRPr sz="2400"/>
+              <a:defRPr sz="3780"/>
             </a:lvl3pPr>
             <a:lvl4pPr>
-              <a:defRPr sz="2000"/>
+              <a:defRPr sz="3150"/>
             </a:lvl4pPr>
             <a:lvl5pPr>
-              <a:defRPr sz="2000"/>
+              <a:defRPr sz="3150"/>
             </a:lvl5pPr>
             <a:lvl6pPr>
-              <a:defRPr sz="2000"/>
+              <a:defRPr sz="3150"/>
             </a:lvl6pPr>
             <a:lvl7pPr>
-              <a:defRPr sz="2000"/>
+              <a:defRPr sz="3150"/>
             </a:lvl7pPr>
             <a:lvl8pPr>
-              <a:defRPr sz="2000"/>
+              <a:defRPr sz="3150"/>
             </a:lvl8pPr>
             <a:lvl9pPr>
-              <a:defRPr sz="2000"/>
+              <a:defRPr sz="3150"/>
             </a:lvl9pPr>
           </a:lstStyle>
           <a:p>
@@ -1999,8 +2000,8 @@
         </p:nvSpPr>
         <p:spPr>
           <a:xfrm>
-            <a:off x="1239845" y="2057400"/>
-            <a:ext cx="5805468" cy="3811588"/>
+            <a:off x="1239865" y="3240000"/>
+            <a:ext cx="5805562" cy="6002500"/>
           </a:xfrm>
         </p:spPr>
         <p:txBody>
@@ -2008,39 +2009,39 @@
           <a:lstStyle>
             <a:lvl1pPr marL="0" indent="0">
               <a:buNone/>
-              <a:defRPr sz="1600"/>
+              <a:defRPr sz="2520"/>
             </a:lvl1pPr>
-            <a:lvl2pPr marL="457200" indent="0">
+            <a:lvl2pPr marL="720090" indent="0">
               <a:buNone/>
-              <a:defRPr sz="1400"/>
+              <a:defRPr sz="2205"/>
             </a:lvl2pPr>
-            <a:lvl3pPr marL="914400" indent="0">
+            <a:lvl3pPr marL="1440180" indent="0">
               <a:buNone/>
-              <a:defRPr sz="1200"/>
+              <a:defRPr sz="1890"/>
             </a:lvl3pPr>
-            <a:lvl4pPr marL="1371600" indent="0">
+            <a:lvl4pPr marL="2160270" indent="0">
               <a:buNone/>
-              <a:defRPr sz="1000"/>
+              <a:defRPr sz="1575"/>
             </a:lvl4pPr>
-            <a:lvl5pPr marL="1828800" indent="0">
+            <a:lvl5pPr marL="2879725" indent="0">
               <a:buNone/>
-              <a:defRPr sz="1000"/>
+              <a:defRPr sz="1575"/>
             </a:lvl5pPr>
-            <a:lvl6pPr marL="2286000" indent="0">
+            <a:lvl6pPr marL="3599815" indent="0">
               <a:buNone/>
-              <a:defRPr sz="1000"/>
+              <a:defRPr sz="1575"/>
             </a:lvl6pPr>
-            <a:lvl7pPr marL="2743200" indent="0">
+            <a:lvl7pPr marL="4319905" indent="0">
               <a:buNone/>
-              <a:defRPr sz="1000"/>
+              <a:defRPr sz="1575"/>
             </a:lvl7pPr>
-            <a:lvl8pPr marL="3200400" indent="0">
+            <a:lvl8pPr marL="5039995" indent="0">
               <a:buNone/>
-              <a:defRPr sz="1000"/>
+              <a:defRPr sz="1575"/>
             </a:lvl8pPr>
-            <a:lvl9pPr marL="3657600" indent="0">
+            <a:lvl9pPr marL="5760085" indent="0">
               <a:buNone/>
-              <a:defRPr sz="1000"/>
+              <a:defRPr sz="1575"/>
             </a:lvl9pPr>
           </a:lstStyle>
           <a:p>
@@ -2153,15 +2154,15 @@
         </p:nvSpPr>
         <p:spPr>
           <a:xfrm>
-            <a:off x="1239845" y="457200"/>
-            <a:ext cx="5805468" cy="1600200"/>
+            <a:off x="1239865" y="720000"/>
+            <a:ext cx="5805562" cy="2520000"/>
           </a:xfrm>
         </p:spPr>
         <p:txBody>
           <a:bodyPr anchor="b"/>
           <a:lstStyle>
             <a:lvl1pPr>
-              <a:defRPr sz="3200"/>
+              <a:defRPr sz="5040"/>
             </a:lvl1pPr>
           </a:lstStyle>
           <a:p>
@@ -2185,8 +2186,8 @@
         </p:nvSpPr>
         <p:spPr>
           <a:xfrm>
-            <a:off x="7652345" y="987425"/>
-            <a:ext cx="9112500" cy="4873625"/>
+            <a:off x="7652468" y="1555000"/>
+            <a:ext cx="9112647" cy="7675000"/>
           </a:xfrm>
         </p:spPr>
         <p:txBody>
@@ -2194,39 +2195,39 @@
           <a:lstStyle>
             <a:lvl1pPr marL="0" indent="0">
               <a:buNone/>
-              <a:defRPr sz="3200"/>
+              <a:defRPr sz="5040"/>
             </a:lvl1pPr>
-            <a:lvl2pPr marL="457200" indent="0">
+            <a:lvl2pPr marL="720090" indent="0">
               <a:buNone/>
-              <a:defRPr sz="2800"/>
+              <a:defRPr sz="4410"/>
             </a:lvl2pPr>
-            <a:lvl3pPr marL="914400" indent="0">
+            <a:lvl3pPr marL="1440180" indent="0">
               <a:buNone/>
-              <a:defRPr sz="2400"/>
+              <a:defRPr sz="3780"/>
             </a:lvl3pPr>
-            <a:lvl4pPr marL="1371600" indent="0">
+            <a:lvl4pPr marL="2160270" indent="0">
               <a:buNone/>
-              <a:defRPr sz="2000"/>
+              <a:defRPr sz="3150"/>
             </a:lvl4pPr>
-            <a:lvl5pPr marL="1828800" indent="0">
+            <a:lvl5pPr marL="2879725" indent="0">
               <a:buNone/>
-              <a:defRPr sz="2000"/>
+              <a:defRPr sz="3150"/>
             </a:lvl5pPr>
-            <a:lvl6pPr marL="2286000" indent="0">
+            <a:lvl6pPr marL="3599815" indent="0">
               <a:buNone/>
-              <a:defRPr sz="2000"/>
+              <a:defRPr sz="3150"/>
             </a:lvl6pPr>
-            <a:lvl7pPr marL="2743200" indent="0">
+            <a:lvl7pPr marL="4319905" indent="0">
               <a:buNone/>
-              <a:defRPr sz="2000"/>
+              <a:defRPr sz="3150"/>
             </a:lvl7pPr>
-            <a:lvl8pPr marL="3200400" indent="0">
+            <a:lvl8pPr marL="5039995" indent="0">
               <a:buNone/>
-              <a:defRPr sz="2000"/>
+              <a:defRPr sz="3150"/>
             </a:lvl8pPr>
-            <a:lvl9pPr marL="3657600" indent="0">
+            <a:lvl9pPr marL="5760085" indent="0">
               <a:buNone/>
-              <a:defRPr sz="2000"/>
+              <a:defRPr sz="3150"/>
             </a:lvl9pPr>
           </a:lstStyle>
           <a:p>
@@ -2246,8 +2247,8 @@
         </p:nvSpPr>
         <p:spPr>
           <a:xfrm>
-            <a:off x="1239845" y="2057400"/>
-            <a:ext cx="5805468" cy="3811588"/>
+            <a:off x="1239865" y="3240000"/>
+            <a:ext cx="5805562" cy="6002500"/>
           </a:xfrm>
         </p:spPr>
         <p:txBody>
@@ -2255,39 +2256,39 @@
           <a:lstStyle>
             <a:lvl1pPr marL="0" indent="0">
               <a:buNone/>
-              <a:defRPr sz="1600"/>
+              <a:defRPr sz="2520"/>
             </a:lvl1pPr>
-            <a:lvl2pPr marL="457200" indent="0">
+            <a:lvl2pPr marL="720090" indent="0">
               <a:buNone/>
-              <a:defRPr sz="1400"/>
+              <a:defRPr sz="2205"/>
             </a:lvl2pPr>
-            <a:lvl3pPr marL="914400" indent="0">
+            <a:lvl3pPr marL="1440180" indent="0">
               <a:buNone/>
-              <a:defRPr sz="1200"/>
+              <a:defRPr sz="1890"/>
             </a:lvl3pPr>
-            <a:lvl4pPr marL="1371600" indent="0">
+            <a:lvl4pPr marL="2160270" indent="0">
               <a:buNone/>
-              <a:defRPr sz="1000"/>
+              <a:defRPr sz="1575"/>
             </a:lvl4pPr>
-            <a:lvl5pPr marL="1828800" indent="0">
+            <a:lvl5pPr marL="2879725" indent="0">
               <a:buNone/>
-              <a:defRPr sz="1000"/>
+              <a:defRPr sz="1575"/>
             </a:lvl5pPr>
-            <a:lvl6pPr marL="2286000" indent="0">
+            <a:lvl6pPr marL="3599815" indent="0">
               <a:buNone/>
-              <a:defRPr sz="1000"/>
+              <a:defRPr sz="1575"/>
             </a:lvl6pPr>
-            <a:lvl7pPr marL="2743200" indent="0">
+            <a:lvl7pPr marL="4319905" indent="0">
               <a:buNone/>
-              <a:defRPr sz="1000"/>
+              <a:defRPr sz="1575"/>
             </a:lvl7pPr>
-            <a:lvl8pPr marL="3200400" indent="0">
+            <a:lvl8pPr marL="5039995" indent="0">
               <a:buNone/>
-              <a:defRPr sz="1000"/>
+              <a:defRPr sz="1575"/>
             </a:lvl8pPr>
-            <a:lvl9pPr marL="3657600" indent="0">
+            <a:lvl9pPr marL="5760085" indent="0">
               <a:buNone/>
-              <a:defRPr sz="1000"/>
+              <a:defRPr sz="1575"/>
             </a:lvl9pPr>
           </a:lstStyle>
           <a:p>
@@ -2405,8 +2406,8 @@
         </p:nvSpPr>
         <p:spPr>
           <a:xfrm>
-            <a:off x="1237500" y="365125"/>
-            <a:ext cx="15525000" cy="1325563"/>
+            <a:off x="1237520" y="575000"/>
+            <a:ext cx="15525250" cy="2087501"/>
           </a:xfrm>
           <a:prstGeom prst="rect">
             <a:avLst/>
@@ -2438,8 +2439,8 @@
         </p:nvSpPr>
         <p:spPr>
           <a:xfrm>
-            <a:off x="1237500" y="1825625"/>
-            <a:ext cx="15525000" cy="4351338"/>
+            <a:off x="1237520" y="2875000"/>
+            <a:ext cx="15525250" cy="6852500"/>
           </a:xfrm>
           <a:prstGeom prst="rect">
             <a:avLst/>
@@ -2504,8 +2505,8 @@
         </p:nvSpPr>
         <p:spPr>
           <a:xfrm>
-            <a:off x="1237500" y="6356350"/>
-            <a:ext cx="4050000" cy="365125"/>
+            <a:off x="1237520" y="10009999"/>
+            <a:ext cx="4050065" cy="575000"/>
           </a:xfrm>
           <a:prstGeom prst="rect">
             <a:avLst/>
@@ -2515,7 +2516,7 @@
           <a:bodyPr vert="horz" lIns="91440" tIns="45720" rIns="91440" bIns="45720" rtlCol="0" anchor="ctr"/>
           <a:lstStyle>
             <a:lvl1pPr algn="l">
-              <a:defRPr sz="1200">
+              <a:defRPr sz="1890">
                 <a:solidFill>
                   <a:schemeClr val="tx1">
                     <a:tint val="75000"/>
@@ -2544,8 +2545,8 @@
         </p:nvSpPr>
         <p:spPr>
           <a:xfrm>
-            <a:off x="5962500" y="6356350"/>
-            <a:ext cx="6075000" cy="365125"/>
+            <a:off x="5962596" y="10009999"/>
+            <a:ext cx="6075098" cy="575000"/>
           </a:xfrm>
           <a:prstGeom prst="rect">
             <a:avLst/>
@@ -2555,7 +2556,7 @@
           <a:bodyPr vert="horz" lIns="91440" tIns="45720" rIns="91440" bIns="45720" rtlCol="0" anchor="ctr"/>
           <a:lstStyle>
             <a:lvl1pPr algn="ctr">
-              <a:defRPr sz="1200">
+              <a:defRPr sz="1890">
                 <a:solidFill>
                   <a:schemeClr val="tx1">
                     <a:tint val="75000"/>
@@ -2581,8 +2582,8 @@
         </p:nvSpPr>
         <p:spPr>
           <a:xfrm>
-            <a:off x="12712500" y="6356350"/>
-            <a:ext cx="4050000" cy="365125"/>
+            <a:off x="12712705" y="10009999"/>
+            <a:ext cx="4050065" cy="575000"/>
           </a:xfrm>
           <a:prstGeom prst="rect">
             <a:avLst/>
@@ -2592,7 +2593,7 @@
           <a:bodyPr vert="horz" lIns="91440" tIns="45720" rIns="91440" bIns="45720" rtlCol="0" anchor="ctr"/>
           <a:lstStyle>
             <a:lvl1pPr algn="r">
-              <a:defRPr sz="1200">
+              <a:defRPr sz="1890">
                 <a:solidFill>
                   <a:schemeClr val="tx1">
                     <a:tint val="75000"/>
@@ -2627,7 +2628,7 @@
   </p:sldLayoutIdLst>
   <p:txStyles>
     <p:titleStyle>
-      <a:lvl1pPr algn="l" defTabSz="914400" rtl="0" eaLnBrk="1" latinLnBrk="0" hangingPunct="1">
+      <a:lvl1pPr algn="l" defTabSz="1440180" rtl="0" eaLnBrk="1" latinLnBrk="0" hangingPunct="1">
         <a:lnSpc>
           <a:spcPct val="90000"/>
         </a:lnSpc>
@@ -2635,7 +2636,7 @@
           <a:spcPct val="0"/>
         </a:spcBef>
         <a:buNone/>
-        <a:defRPr sz="4400" kern="1200">
+        <a:defRPr sz="6930" kern="1200">
           <a:solidFill>
             <a:schemeClr val="tx1"/>
           </a:solidFill>
@@ -2646,16 +2647,16 @@
       </a:lvl1pPr>
     </p:titleStyle>
     <p:bodyStyle>
-      <a:lvl1pPr marL="228600" indent="-228600" algn="l" defTabSz="914400" rtl="0" eaLnBrk="1" latinLnBrk="0" hangingPunct="1">
+      <a:lvl1pPr marL="360045" indent="-360045" algn="l" defTabSz="1440180" rtl="0" eaLnBrk="1" latinLnBrk="0" hangingPunct="1">
         <a:lnSpc>
           <a:spcPct val="90000"/>
         </a:lnSpc>
         <a:spcBef>
-          <a:spcPts val="1000"/>
+          <a:spcPts val="1575"/>
         </a:spcBef>
         <a:buFont typeface="Arial" panose="020B0604020202020204" pitchFamily="34" charset="0"/>
         <a:buChar char="•"/>
-        <a:defRPr sz="2800" kern="1200">
+        <a:defRPr sz="4410" kern="1200">
           <a:solidFill>
             <a:schemeClr val="tx1"/>
           </a:solidFill>
@@ -2664,16 +2665,16 @@
           <a:cs typeface="+mn-cs"/>
         </a:defRPr>
       </a:lvl1pPr>
-      <a:lvl2pPr marL="685800" indent="-228600" algn="l" defTabSz="914400" rtl="0" eaLnBrk="1" latinLnBrk="0" hangingPunct="1">
+      <a:lvl2pPr marL="1080135" indent="-360045" algn="l" defTabSz="1440180" rtl="0" eaLnBrk="1" latinLnBrk="0" hangingPunct="1">
         <a:lnSpc>
           <a:spcPct val="90000"/>
         </a:lnSpc>
         <a:spcBef>
-          <a:spcPts val="500"/>
+          <a:spcPct val="158000"/>
         </a:spcBef>
         <a:buFont typeface="Arial" panose="020B0604020202020204" pitchFamily="34" charset="0"/>
         <a:buChar char="•"/>
-        <a:defRPr sz="2400" kern="1200">
+        <a:defRPr sz="3780" kern="1200">
           <a:solidFill>
             <a:schemeClr val="tx1"/>
           </a:solidFill>
@@ -2682,16 +2683,16 @@
           <a:cs typeface="+mn-cs"/>
         </a:defRPr>
       </a:lvl2pPr>
-      <a:lvl3pPr marL="1143000" indent="-228600" algn="l" defTabSz="914400" rtl="0" eaLnBrk="1" latinLnBrk="0" hangingPunct="1">
+      <a:lvl3pPr marL="1800225" indent="-360045" algn="l" defTabSz="1440180" rtl="0" eaLnBrk="1" latinLnBrk="0" hangingPunct="1">
         <a:lnSpc>
           <a:spcPct val="90000"/>
         </a:lnSpc>
         <a:spcBef>
-          <a:spcPts val="500"/>
+          <a:spcPct val="158000"/>
         </a:spcBef>
         <a:buFont typeface="Arial" panose="020B0604020202020204" pitchFamily="34" charset="0"/>
         <a:buChar char="•"/>
-        <a:defRPr sz="2000" kern="1200">
+        <a:defRPr sz="3150" kern="1200">
           <a:solidFill>
             <a:schemeClr val="tx1"/>
           </a:solidFill>
@@ -2700,16 +2701,16 @@
           <a:cs typeface="+mn-cs"/>
         </a:defRPr>
       </a:lvl3pPr>
-      <a:lvl4pPr marL="1600200" indent="-228600" algn="l" defTabSz="914400" rtl="0" eaLnBrk="1" latinLnBrk="0" hangingPunct="1">
+      <a:lvl4pPr marL="2520315" indent="-360045" algn="l" defTabSz="1440180" rtl="0" eaLnBrk="1" latinLnBrk="0" hangingPunct="1">
         <a:lnSpc>
           <a:spcPct val="90000"/>
         </a:lnSpc>
         <a:spcBef>
-          <a:spcPts val="500"/>
+          <a:spcPct val="158000"/>
         </a:spcBef>
         <a:buFont typeface="Arial" panose="020B0604020202020204" pitchFamily="34" charset="0"/>
         <a:buChar char="•"/>
-        <a:defRPr sz="1800" kern="1200">
+        <a:defRPr sz="2835" kern="1200">
           <a:solidFill>
             <a:schemeClr val="tx1"/>
           </a:solidFill>
@@ -2718,16 +2719,16 @@
           <a:cs typeface="+mn-cs"/>
         </a:defRPr>
       </a:lvl4pPr>
-      <a:lvl5pPr marL="2057400" indent="-228600" algn="l" defTabSz="914400" rtl="0" eaLnBrk="1" latinLnBrk="0" hangingPunct="1">
+      <a:lvl5pPr marL="3239770" indent="-360045" algn="l" defTabSz="1440180" rtl="0" eaLnBrk="1" latinLnBrk="0" hangingPunct="1">
         <a:lnSpc>
           <a:spcPct val="90000"/>
         </a:lnSpc>
         <a:spcBef>
-          <a:spcPts val="500"/>
+          <a:spcPct val="158000"/>
         </a:spcBef>
         <a:buFont typeface="Arial" panose="020B0604020202020204" pitchFamily="34" charset="0"/>
         <a:buChar char="•"/>
-        <a:defRPr sz="1800" kern="1200">
+        <a:defRPr sz="2835" kern="1200">
           <a:solidFill>
             <a:schemeClr val="tx1"/>
           </a:solidFill>
@@ -2736,16 +2737,16 @@
           <a:cs typeface="+mn-cs"/>
         </a:defRPr>
       </a:lvl5pPr>
-      <a:lvl6pPr marL="2514600" indent="-228600" algn="l" defTabSz="914400" rtl="0" eaLnBrk="1" latinLnBrk="0" hangingPunct="1">
+      <a:lvl6pPr marL="3959860" indent="-360045" algn="l" defTabSz="1440180" rtl="0" eaLnBrk="1" latinLnBrk="0" hangingPunct="1">
         <a:lnSpc>
           <a:spcPct val="90000"/>
         </a:lnSpc>
         <a:spcBef>
-          <a:spcPts val="500"/>
+          <a:spcPct val="158000"/>
         </a:spcBef>
         <a:buFont typeface="Arial" panose="020B0604020202020204" pitchFamily="34" charset="0"/>
         <a:buChar char="•"/>
-        <a:defRPr sz="1800" kern="1200">
+        <a:defRPr sz="2835" kern="1200">
           <a:solidFill>
             <a:schemeClr val="tx1"/>
           </a:solidFill>
@@ -2754,16 +2755,16 @@
           <a:cs typeface="+mn-cs"/>
         </a:defRPr>
       </a:lvl6pPr>
-      <a:lvl7pPr marL="2971800" indent="-228600" algn="l" defTabSz="914400" rtl="0" eaLnBrk="1" latinLnBrk="0" hangingPunct="1">
+      <a:lvl7pPr marL="4679950" indent="-360045" algn="l" defTabSz="1440180" rtl="0" eaLnBrk="1" latinLnBrk="0" hangingPunct="1">
         <a:lnSpc>
           <a:spcPct val="90000"/>
         </a:lnSpc>
         <a:spcBef>
-          <a:spcPts val="500"/>
+          <a:spcPct val="158000"/>
         </a:spcBef>
         <a:buFont typeface="Arial" panose="020B0604020202020204" pitchFamily="34" charset="0"/>
         <a:buChar char="•"/>
-        <a:defRPr sz="1800" kern="1200">
+        <a:defRPr sz="2835" kern="1200">
           <a:solidFill>
             <a:schemeClr val="tx1"/>
           </a:solidFill>
@@ -2772,16 +2773,16 @@
           <a:cs typeface="+mn-cs"/>
         </a:defRPr>
       </a:lvl7pPr>
-      <a:lvl8pPr marL="3429000" indent="-228600" algn="l" defTabSz="914400" rtl="0" eaLnBrk="1" latinLnBrk="0" hangingPunct="1">
+      <a:lvl8pPr marL="5400040" indent="-360045" algn="l" defTabSz="1440180" rtl="0" eaLnBrk="1" latinLnBrk="0" hangingPunct="1">
         <a:lnSpc>
           <a:spcPct val="90000"/>
         </a:lnSpc>
         <a:spcBef>
-          <a:spcPts val="500"/>
+          <a:spcPct val="158000"/>
         </a:spcBef>
         <a:buFont typeface="Arial" panose="020B0604020202020204" pitchFamily="34" charset="0"/>
         <a:buChar char="•"/>
-        <a:defRPr sz="1800" kern="1200">
+        <a:defRPr sz="2835" kern="1200">
           <a:solidFill>
             <a:schemeClr val="tx1"/>
           </a:solidFill>
@@ -2790,16 +2791,16 @@
           <a:cs typeface="+mn-cs"/>
         </a:defRPr>
       </a:lvl8pPr>
-      <a:lvl9pPr marL="3886200" indent="-228600" algn="l" defTabSz="914400" rtl="0" eaLnBrk="1" latinLnBrk="0" hangingPunct="1">
+      <a:lvl9pPr marL="6120130" indent="-360045" algn="l" defTabSz="1440180" rtl="0" eaLnBrk="1" latinLnBrk="0" hangingPunct="1">
         <a:lnSpc>
           <a:spcPct val="90000"/>
         </a:lnSpc>
         <a:spcBef>
-          <a:spcPts val="500"/>
+          <a:spcPct val="158000"/>
         </a:spcBef>
         <a:buFont typeface="Arial" panose="020B0604020202020204" pitchFamily="34" charset="0"/>
         <a:buChar char="•"/>
-        <a:defRPr sz="1800" kern="1200">
+        <a:defRPr sz="2835" kern="1200">
           <a:solidFill>
             <a:schemeClr val="tx1"/>
           </a:solidFill>
@@ -2813,8 +2814,8 @@
       <a:defPPr>
         <a:defRPr lang="zh-CN"/>
       </a:defPPr>
-      <a:lvl1pPr marL="0" algn="l" defTabSz="914400" rtl="0" eaLnBrk="1" latinLnBrk="0" hangingPunct="1">
-        <a:defRPr sz="1800" kern="1200">
+      <a:lvl1pPr marL="0" algn="l" defTabSz="1440180" rtl="0" eaLnBrk="1" latinLnBrk="0" hangingPunct="1">
+        <a:defRPr sz="2835" kern="1200">
           <a:solidFill>
             <a:schemeClr val="tx1"/>
           </a:solidFill>
@@ -2823,8 +2824,8 @@
           <a:cs typeface="+mn-cs"/>
         </a:defRPr>
       </a:lvl1pPr>
-      <a:lvl2pPr marL="457200" algn="l" defTabSz="914400" rtl="0" eaLnBrk="1" latinLnBrk="0" hangingPunct="1">
-        <a:defRPr sz="1800" kern="1200">
+      <a:lvl2pPr marL="720090" algn="l" defTabSz="1440180" rtl="0" eaLnBrk="1" latinLnBrk="0" hangingPunct="1">
+        <a:defRPr sz="2835" kern="1200">
           <a:solidFill>
             <a:schemeClr val="tx1"/>
           </a:solidFill>
@@ -2833,8 +2834,8 @@
           <a:cs typeface="+mn-cs"/>
         </a:defRPr>
       </a:lvl2pPr>
-      <a:lvl3pPr marL="914400" algn="l" defTabSz="914400" rtl="0" eaLnBrk="1" latinLnBrk="0" hangingPunct="1">
-        <a:defRPr sz="1800" kern="1200">
+      <a:lvl3pPr marL="1440180" algn="l" defTabSz="1440180" rtl="0" eaLnBrk="1" latinLnBrk="0" hangingPunct="1">
+        <a:defRPr sz="2835" kern="1200">
           <a:solidFill>
             <a:schemeClr val="tx1"/>
           </a:solidFill>
@@ -2843,8 +2844,8 @@
           <a:cs typeface="+mn-cs"/>
         </a:defRPr>
       </a:lvl3pPr>
-      <a:lvl4pPr marL="1371600" algn="l" defTabSz="914400" rtl="0" eaLnBrk="1" latinLnBrk="0" hangingPunct="1">
-        <a:defRPr sz="1800" kern="1200">
+      <a:lvl4pPr marL="2160270" algn="l" defTabSz="1440180" rtl="0" eaLnBrk="1" latinLnBrk="0" hangingPunct="1">
+        <a:defRPr sz="2835" kern="1200">
           <a:solidFill>
             <a:schemeClr val="tx1"/>
           </a:solidFill>
@@ -2853,8 +2854,8 @@
           <a:cs typeface="+mn-cs"/>
         </a:defRPr>
       </a:lvl4pPr>
-      <a:lvl5pPr marL="1828800" algn="l" defTabSz="914400" rtl="0" eaLnBrk="1" latinLnBrk="0" hangingPunct="1">
-        <a:defRPr sz="1800" kern="1200">
+      <a:lvl5pPr marL="2879725" algn="l" defTabSz="1440180" rtl="0" eaLnBrk="1" latinLnBrk="0" hangingPunct="1">
+        <a:defRPr sz="2835" kern="1200">
           <a:solidFill>
             <a:schemeClr val="tx1"/>
           </a:solidFill>
@@ -2863,8 +2864,8 @@
           <a:cs typeface="+mn-cs"/>
         </a:defRPr>
       </a:lvl5pPr>
-      <a:lvl6pPr marL="2286000" algn="l" defTabSz="914400" rtl="0" eaLnBrk="1" latinLnBrk="0" hangingPunct="1">
-        <a:defRPr sz="1800" kern="1200">
+      <a:lvl6pPr marL="3599815" algn="l" defTabSz="1440180" rtl="0" eaLnBrk="1" latinLnBrk="0" hangingPunct="1">
+        <a:defRPr sz="2835" kern="1200">
           <a:solidFill>
             <a:schemeClr val="tx1"/>
           </a:solidFill>
@@ -2873,8 +2874,8 @@
           <a:cs typeface="+mn-cs"/>
         </a:defRPr>
       </a:lvl6pPr>
-      <a:lvl7pPr marL="2743200" algn="l" defTabSz="914400" rtl="0" eaLnBrk="1" latinLnBrk="0" hangingPunct="1">
-        <a:defRPr sz="1800" kern="1200">
+      <a:lvl7pPr marL="4319905" algn="l" defTabSz="1440180" rtl="0" eaLnBrk="1" latinLnBrk="0" hangingPunct="1">
+        <a:defRPr sz="2835" kern="1200">
           <a:solidFill>
             <a:schemeClr val="tx1"/>
           </a:solidFill>
@@ -2883,8 +2884,8 @@
           <a:cs typeface="+mn-cs"/>
         </a:defRPr>
       </a:lvl7pPr>
-      <a:lvl8pPr marL="3200400" algn="l" defTabSz="914400" rtl="0" eaLnBrk="1" latinLnBrk="0" hangingPunct="1">
-        <a:defRPr sz="1800" kern="1200">
+      <a:lvl8pPr marL="5039995" algn="l" defTabSz="1440180" rtl="0" eaLnBrk="1" latinLnBrk="0" hangingPunct="1">
+        <a:defRPr sz="2835" kern="1200">
           <a:solidFill>
             <a:schemeClr val="tx1"/>
           </a:solidFill>
@@ -2893,8 +2894,8 @@
           <a:cs typeface="+mn-cs"/>
         </a:defRPr>
       </a:lvl8pPr>
-      <a:lvl9pPr marL="3657600" algn="l" defTabSz="914400" rtl="0" eaLnBrk="1" latinLnBrk="0" hangingPunct="1">
-        <a:defRPr sz="1800" kern="1200">
+      <a:lvl9pPr marL="5760085" algn="l" defTabSz="1440180" rtl="0" eaLnBrk="1" latinLnBrk="0" hangingPunct="1">
+        <a:defRPr sz="2835" kern="1200">
           <a:solidFill>
             <a:schemeClr val="tx1"/>
           </a:solidFill>
@@ -2926,8 +2927,8 @@
         </p:nvSpPr>
         <p:spPr>
           <a:xfrm>
-            <a:off x="264160" y="155575"/>
-            <a:ext cx="4091305" cy="368300"/>
+            <a:off x="264164" y="2126522"/>
+            <a:ext cx="4091371" cy="368300"/>
           </a:xfrm>
           <a:prstGeom prst="rect">
             <a:avLst/>
@@ -2955,8 +2956,8 @@
         </p:nvGrpSpPr>
         <p:grpSpPr>
           <a:xfrm>
-            <a:off x="470535" y="2818765"/>
-            <a:ext cx="13711555" cy="3562985"/>
+            <a:off x="470543" y="4789755"/>
+            <a:ext cx="13711776" cy="3563042"/>
             <a:chOff x="4885" y="4823"/>
             <a:chExt cx="21593" cy="5611"/>
           </a:xfrm>
@@ -7086,14 +7087,7 @@
                                 <a:latin typeface="Cambria Math" panose="02040503050406030204" charset="0"/>
                                 <a:cs typeface="Cambria Math" panose="02040503050406030204" charset="0"/>
                               </a:rPr>
-                              <m:t>𝑖</m:t>
-                            </m:r>
-                            <m:r>
-                              <a:rPr lang="en-US" altLang="zh-CN" i="1">
-                                <a:latin typeface="Cambria Math" panose="02040503050406030204" charset="0"/>
-                                <a:cs typeface="Cambria Math" panose="02040503050406030204" charset="0"/>
-                              </a:rPr>
-                              <m:t>𝑗</m:t>
+                              <m:t>𝑖𝑗</m:t>
                             </m:r>
                           </m:sub>
                           <m:sup>
@@ -8200,8 +8194,8 @@
         </p:nvSpPr>
         <p:spPr>
           <a:xfrm>
-            <a:off x="10722610" y="1530985"/>
-            <a:ext cx="365760" cy="5149850"/>
+            <a:off x="10722783" y="3501954"/>
+            <a:ext cx="365766" cy="5149933"/>
           </a:xfrm>
           <a:prstGeom prst="rect">
             <a:avLst/>
@@ -8248,8 +8242,8 @@
         </p:nvSpPr>
         <p:spPr>
           <a:xfrm>
-            <a:off x="8966835" y="1949450"/>
-            <a:ext cx="528955" cy="4731385"/>
+            <a:off x="8966980" y="3920426"/>
+            <a:ext cx="528964" cy="4731461"/>
           </a:xfrm>
           <a:prstGeom prst="rect">
             <a:avLst/>
@@ -8296,8 +8290,8 @@
         </p:nvSpPr>
         <p:spPr>
           <a:xfrm>
-            <a:off x="2393315" y="1595120"/>
-            <a:ext cx="1721485" cy="368300"/>
+            <a:off x="1303676" y="3826444"/>
+            <a:ext cx="1721513" cy="368300"/>
           </a:xfrm>
           <a:prstGeom prst="rect">
             <a:avLst/>
@@ -8319,1140 +8313,1080 @@
       </p:sp>
       <p:grpSp>
         <p:nvGrpSpPr>
-          <p:cNvPr id="41" name="组合 40"/>
+          <p:cNvPr id="16" name="组合 15"/>
+          <p:cNvGrpSpPr/>
+          <p:nvPr/>
+        </p:nvGrpSpPr>
+        <p:grpSpPr>
+          <a:xfrm rot="0">
+            <a:off x="863614" y="6212178"/>
+            <a:ext cx="441967" cy="713752"/>
+            <a:chOff x="2755" y="2520"/>
+            <a:chExt cx="696" cy="1124"/>
+          </a:xfrm>
+        </p:grpSpPr>
+        <p:sp>
+          <p:nvSpPr>
+            <p:cNvPr id="15" name="等腰三角形 14"/>
+            <p:cNvSpPr/>
+            <p:nvPr/>
+          </p:nvSpPr>
+          <p:spPr>
+            <a:xfrm>
+              <a:off x="2755" y="2974"/>
+              <a:ext cx="670" cy="670"/>
+            </a:xfrm>
+            <a:prstGeom prst="triangle">
+              <a:avLst/>
+            </a:prstGeom>
+            <a:solidFill>
+              <a:schemeClr val="accent1"/>
+            </a:solidFill>
+            <a:ln w="12700" cmpd="sng">
+              <a:solidFill>
+                <a:schemeClr val="accent1">
+                  <a:shade val="50000"/>
+                </a:schemeClr>
+              </a:solidFill>
+              <a:prstDash val="solid"/>
+            </a:ln>
+          </p:spPr>
+          <p:style>
+            <a:lnRef idx="2">
+              <a:schemeClr val="accent1">
+                <a:shade val="50000"/>
+              </a:schemeClr>
+            </a:lnRef>
+            <a:fillRef idx="1">
+              <a:schemeClr val="accent1"/>
+            </a:fillRef>
+            <a:effectRef idx="0">
+              <a:schemeClr val="accent1"/>
+            </a:effectRef>
+            <a:fontRef idx="minor">
+              <a:schemeClr val="lt1"/>
+            </a:fontRef>
+          </p:style>
+          <p:txBody>
+            <a:bodyPr rtlCol="0" anchor="ctr"/>
+            <a:p>
+              <a:pPr algn="ctr"/>
+              <a:endParaRPr lang="zh-CN" altLang="en-US"/>
+            </a:p>
+          </p:txBody>
+        </p:sp>
+        <p:sp>
+          <p:nvSpPr>
+            <p:cNvPr id="14" name="椭圆 13"/>
+            <p:cNvSpPr/>
+            <p:nvPr/>
+          </p:nvSpPr>
+          <p:spPr>
+            <a:xfrm>
+              <a:off x="2755" y="2520"/>
+              <a:ext cx="697" cy="697"/>
+            </a:xfrm>
+            <a:prstGeom prst="ellipse">
+              <a:avLst/>
+            </a:prstGeom>
+            <a:solidFill>
+              <a:schemeClr val="accent1"/>
+            </a:solidFill>
+            <a:ln w="12700" cmpd="sng">
+              <a:solidFill>
+                <a:schemeClr val="accent1">
+                  <a:shade val="50000"/>
+                </a:schemeClr>
+              </a:solidFill>
+              <a:prstDash val="solid"/>
+            </a:ln>
+          </p:spPr>
+          <p:style>
+            <a:lnRef idx="2">
+              <a:schemeClr val="accent1">
+                <a:shade val="50000"/>
+              </a:schemeClr>
+            </a:lnRef>
+            <a:fillRef idx="1">
+              <a:schemeClr val="accent1"/>
+            </a:fillRef>
+            <a:effectRef idx="0">
+              <a:schemeClr val="accent1"/>
+            </a:effectRef>
+            <a:fontRef idx="minor">
+              <a:schemeClr val="lt1"/>
+            </a:fontRef>
+          </p:style>
+          <p:txBody>
+            <a:bodyPr rtlCol="0" anchor="ctr"/>
+            <a:p>
+              <a:pPr algn="ctr"/>
+              <a:endParaRPr lang="zh-CN" altLang="en-US"/>
+            </a:p>
+          </p:txBody>
+        </p:sp>
+      </p:grpSp>
+      <p:cxnSp>
+        <p:nvCxnSpPr>
+          <p:cNvPr id="17" name="直接箭头连接符 16"/>
+          <p:cNvCxnSpPr/>
+          <p:nvPr/>
+        </p:nvCxnSpPr>
+        <p:spPr>
+          <a:xfrm rot="16200000">
+            <a:off x="1743738" y="6275044"/>
+            <a:ext cx="0" cy="604530"/>
+          </a:xfrm>
+          <a:prstGeom prst="straightConnector1">
+            <a:avLst/>
+          </a:prstGeom>
+          <a:ln>
+            <a:solidFill>
+              <a:schemeClr val="tx1"/>
+            </a:solidFill>
+            <a:tailEnd type="triangle"/>
+          </a:ln>
+        </p:spPr>
+        <p:style>
+          <a:lnRef idx="1">
+            <a:schemeClr val="accent1"/>
+          </a:lnRef>
+          <a:fillRef idx="0">
+            <a:schemeClr val="accent1"/>
+          </a:fillRef>
+          <a:effectRef idx="0">
+            <a:schemeClr val="accent1"/>
+          </a:effectRef>
+          <a:fontRef idx="minor">
+            <a:schemeClr val="tx1"/>
+          </a:fontRef>
+        </p:style>
+      </p:cxnSp>
+      <p:grpSp>
+        <p:nvGrpSpPr>
+          <p:cNvPr id="38" name="组合 37"/>
           <p:cNvGrpSpPr/>
           <p:nvPr/>
         </p:nvGrpSpPr>
         <p:grpSpPr>
           <a:xfrm rot="16200000">
-            <a:off x="2969895" y="2964180"/>
-            <a:ext cx="446405" cy="2751455"/>
-            <a:chOff x="2294" y="592"/>
-            <a:chExt cx="703" cy="4333"/>
+            <a:off x="2557821" y="5873082"/>
+            <a:ext cx="434347" cy="1408453"/>
+            <a:chOff x="2294" y="2707"/>
+            <a:chExt cx="684" cy="2218"/>
           </a:xfrm>
         </p:grpSpPr>
-        <p:grpSp>
-          <p:nvGrpSpPr>
-            <p:cNvPr id="16" name="组合 15"/>
-            <p:cNvGrpSpPr/>
+        <p:sp>
+          <p:nvSpPr>
+            <p:cNvPr id="18" name="矩形 17"/>
+            <p:cNvSpPr/>
             <p:nvPr/>
-          </p:nvGrpSpPr>
-          <p:grpSpPr>
-            <a:xfrm rot="0">
-              <a:off x="2301" y="592"/>
-              <a:ext cx="696" cy="1124"/>
-              <a:chOff x="2755" y="2520"/>
-              <a:chExt cx="696" cy="1124"/>
+          </p:nvSpPr>
+          <p:spPr>
+            <a:xfrm>
+              <a:off x="2294" y="2707"/>
+              <a:ext cx="684" cy="2218"/>
             </a:xfrm>
-          </p:grpSpPr>
-          <p:sp>
-            <p:nvSpPr>
-              <p:cNvPr id="15" name="等腰三角形 14"/>
-              <p:cNvSpPr/>
-              <p:nvPr/>
-            </p:nvSpPr>
-            <p:spPr>
-              <a:xfrm>
-                <a:off x="2755" y="2974"/>
-                <a:ext cx="670" cy="670"/>
-              </a:xfrm>
-              <a:prstGeom prst="triangle">
-                <a:avLst/>
-              </a:prstGeom>
+            <a:prstGeom prst="rect">
+              <a:avLst/>
+            </a:prstGeom>
+            <a:noFill/>
+            <a:ln w="12700" cmpd="sng">
               <a:solidFill>
-                <a:schemeClr val="tx1"/>
-              </a:solidFill>
-              <a:ln w="12700" cmpd="sng">
-                <a:solidFill>
-                  <a:schemeClr val="accent1">
-                    <a:shade val="50000"/>
-                  </a:schemeClr>
-                </a:solidFill>
-                <a:prstDash val="solid"/>
-              </a:ln>
-            </p:spPr>
-            <p:style>
-              <a:lnRef idx="2">
                 <a:schemeClr val="accent1">
                   <a:shade val="50000"/>
                 </a:schemeClr>
-              </a:lnRef>
-              <a:fillRef idx="1">
-                <a:schemeClr val="accent1"/>
-              </a:fillRef>
-              <a:effectRef idx="0">
-                <a:schemeClr val="accent1"/>
-              </a:effectRef>
-              <a:fontRef idx="minor">
-                <a:schemeClr val="lt1"/>
-              </a:fontRef>
-            </p:style>
-            <p:txBody>
-              <a:bodyPr rtlCol="0" anchor="ctr"/>
-              <a:p>
-                <a:pPr algn="ctr"/>
-                <a:endParaRPr lang="zh-CN" altLang="en-US"/>
-              </a:p>
-            </p:txBody>
-          </p:sp>
-          <p:sp>
-            <p:nvSpPr>
-              <p:cNvPr id="14" name="椭圆 13"/>
-              <p:cNvSpPr/>
-              <p:nvPr/>
-            </p:nvSpPr>
-            <p:spPr>
-              <a:xfrm>
-                <a:off x="2755" y="2520"/>
-                <a:ext cx="697" cy="697"/>
-              </a:xfrm>
-              <a:prstGeom prst="ellipse">
-                <a:avLst/>
-              </a:prstGeom>
+              </a:solidFill>
+              <a:prstDash val="solid"/>
+            </a:ln>
+          </p:spPr>
+          <p:style>
+            <a:lnRef idx="2">
+              <a:schemeClr val="accent1">
+                <a:shade val="50000"/>
+              </a:schemeClr>
+            </a:lnRef>
+            <a:fillRef idx="1">
+              <a:schemeClr val="accent1"/>
+            </a:fillRef>
+            <a:effectRef idx="0">
+              <a:schemeClr val="accent1"/>
+            </a:effectRef>
+            <a:fontRef idx="minor">
+              <a:schemeClr val="lt1"/>
+            </a:fontRef>
+          </p:style>
+          <p:txBody>
+            <a:bodyPr rtlCol="0" anchor="ctr"/>
+            <a:p>
+              <a:pPr algn="ctr"/>
+              <a:endParaRPr lang="zh-CN" altLang="en-US"/>
+            </a:p>
+          </p:txBody>
+        </p:sp>
+        <p:sp>
+          <p:nvSpPr>
+            <p:cNvPr id="19" name="椭圆 18"/>
+            <p:cNvSpPr/>
+            <p:nvPr/>
+          </p:nvSpPr>
+          <p:spPr>
+            <a:xfrm>
+              <a:off x="2337" y="2747"/>
+              <a:ext cx="598" cy="598"/>
+            </a:xfrm>
+            <a:prstGeom prst="ellipse">
+              <a:avLst/>
+            </a:prstGeom>
+            <a:solidFill>
+              <a:schemeClr val="accent1"/>
+            </a:solidFill>
+            <a:ln w="12700" cmpd="sng">
               <a:solidFill>
-                <a:schemeClr val="tx1"/>
-              </a:solidFill>
-              <a:ln w="12700" cmpd="sng">
-                <a:solidFill>
-                  <a:schemeClr val="accent1">
-                    <a:shade val="50000"/>
-                  </a:schemeClr>
-                </a:solidFill>
-                <a:prstDash val="solid"/>
-              </a:ln>
-            </p:spPr>
-            <p:style>
-              <a:lnRef idx="2">
                 <a:schemeClr val="accent1">
                   <a:shade val="50000"/>
                 </a:schemeClr>
-              </a:lnRef>
-              <a:fillRef idx="1">
-                <a:schemeClr val="accent1"/>
-              </a:fillRef>
-              <a:effectRef idx="0">
-                <a:schemeClr val="accent1"/>
-              </a:effectRef>
-              <a:fontRef idx="minor">
-                <a:schemeClr val="lt1"/>
-              </a:fontRef>
-            </p:style>
-            <p:txBody>
-              <a:bodyPr rtlCol="0" anchor="ctr"/>
-              <a:p>
-                <a:pPr algn="ctr"/>
-                <a:endParaRPr lang="zh-CN" altLang="en-US"/>
-              </a:p>
-            </p:txBody>
-          </p:sp>
-        </p:grpSp>
-        <p:cxnSp>
-          <p:nvCxnSpPr>
-            <p:cNvPr id="17" name="直接箭头连接符 16"/>
-            <p:cNvCxnSpPr/>
-            <p:nvPr/>
-          </p:nvCxnSpPr>
-          <p:spPr>
-            <a:xfrm>
-              <a:off x="2636" y="1716"/>
-              <a:ext cx="0" cy="952"/>
-            </a:xfrm>
-            <a:prstGeom prst="straightConnector1">
-              <a:avLst/>
-            </a:prstGeom>
-            <a:ln>
-              <a:solidFill>
-                <a:schemeClr val="tx1"/>
               </a:solidFill>
-              <a:tailEnd type="triangle"/>
+              <a:prstDash val="solid"/>
             </a:ln>
           </p:spPr>
           <p:style>
-            <a:lnRef idx="1">
-              <a:schemeClr val="accent1"/>
+            <a:lnRef idx="2">
+              <a:schemeClr val="accent1">
+                <a:shade val="50000"/>
+              </a:schemeClr>
             </a:lnRef>
-            <a:fillRef idx="0">
+            <a:fillRef idx="1">
               <a:schemeClr val="accent1"/>
             </a:fillRef>
             <a:effectRef idx="0">
               <a:schemeClr val="accent1"/>
             </a:effectRef>
             <a:fontRef idx="minor">
-              <a:schemeClr val="tx1"/>
+              <a:schemeClr val="lt1"/>
             </a:fontRef>
           </p:style>
-        </p:cxnSp>
-        <p:grpSp>
-          <p:nvGrpSpPr>
-            <p:cNvPr id="38" name="组合 37"/>
-            <p:cNvGrpSpPr/>
+          <p:txBody>
+            <a:bodyPr rtlCol="0" anchor="ctr"/>
+            <a:p>
+              <a:pPr algn="ctr"/>
+              <a:endParaRPr lang="zh-CN" altLang="en-US"/>
+            </a:p>
+          </p:txBody>
+        </p:sp>
+        <p:sp>
+          <p:nvSpPr>
+            <p:cNvPr id="20" name="椭圆 19"/>
+            <p:cNvSpPr/>
             <p:nvPr/>
-          </p:nvGrpSpPr>
-          <p:grpSpPr>
-            <a:xfrm rot="0">
-              <a:off x="2294" y="2707"/>
-              <a:ext cx="684" cy="2218"/>
-              <a:chOff x="2294" y="2707"/>
-              <a:chExt cx="684" cy="2218"/>
+          </p:nvSpPr>
+          <p:spPr>
+            <a:xfrm>
+              <a:off x="2337" y="3427"/>
+              <a:ext cx="598" cy="598"/>
             </a:xfrm>
-          </p:grpSpPr>
-          <p:sp>
-            <p:nvSpPr>
-              <p:cNvPr id="18" name="矩形 17"/>
-              <p:cNvSpPr/>
-              <p:nvPr/>
-            </p:nvSpPr>
-            <p:spPr>
-              <a:xfrm>
-                <a:off x="2294" y="2707"/>
-                <a:ext cx="684" cy="2218"/>
-              </a:xfrm>
-              <a:prstGeom prst="rect">
-                <a:avLst/>
-              </a:prstGeom>
-              <a:noFill/>
-              <a:ln w="12700" cmpd="sng">
-                <a:solidFill>
-                  <a:schemeClr val="accent1">
-                    <a:shade val="50000"/>
-                  </a:schemeClr>
-                </a:solidFill>
-                <a:prstDash val="solid"/>
-              </a:ln>
-            </p:spPr>
-            <p:style>
-              <a:lnRef idx="2">
+            <a:prstGeom prst="ellipse">
+              <a:avLst/>
+            </a:prstGeom>
+            <a:solidFill>
+              <a:schemeClr val="bg1"/>
+            </a:solidFill>
+            <a:ln w="12700" cmpd="sng">
+              <a:solidFill>
                 <a:schemeClr val="accent1">
                   <a:shade val="50000"/>
                 </a:schemeClr>
-              </a:lnRef>
-              <a:fillRef idx="1">
-                <a:schemeClr val="accent1"/>
-              </a:fillRef>
-              <a:effectRef idx="0">
-                <a:schemeClr val="accent1"/>
-              </a:effectRef>
-              <a:fontRef idx="minor">
-                <a:schemeClr val="lt1"/>
-              </a:fontRef>
-            </p:style>
-            <p:txBody>
-              <a:bodyPr rtlCol="0" anchor="ctr"/>
-              <a:p>
-                <a:pPr algn="ctr"/>
-                <a:endParaRPr lang="zh-CN" altLang="en-US"/>
-              </a:p>
-            </p:txBody>
-          </p:sp>
-          <p:sp>
-            <p:nvSpPr>
-              <p:cNvPr id="19" name="椭圆 18"/>
-              <p:cNvSpPr/>
-              <p:nvPr/>
-            </p:nvSpPr>
-            <p:spPr>
-              <a:xfrm>
-                <a:off x="2337" y="2747"/>
-                <a:ext cx="598" cy="598"/>
-              </a:xfrm>
-              <a:prstGeom prst="ellipse">
-                <a:avLst/>
-              </a:prstGeom>
+              </a:solidFill>
+              <a:prstDash val="solid"/>
+            </a:ln>
+          </p:spPr>
+          <p:style>
+            <a:lnRef idx="2">
+              <a:schemeClr val="accent1">
+                <a:shade val="50000"/>
+              </a:schemeClr>
+            </a:lnRef>
+            <a:fillRef idx="1">
+              <a:schemeClr val="accent1"/>
+            </a:fillRef>
+            <a:effectRef idx="0">
+              <a:schemeClr val="accent1"/>
+            </a:effectRef>
+            <a:fontRef idx="minor">
+              <a:schemeClr val="lt1"/>
+            </a:fontRef>
+          </p:style>
+          <p:txBody>
+            <a:bodyPr rtlCol="0" anchor="ctr"/>
+            <a:p>
+              <a:pPr algn="ctr"/>
+              <a:endParaRPr lang="zh-CN" altLang="en-US"/>
+            </a:p>
+          </p:txBody>
+        </p:sp>
+        <p:sp>
+          <p:nvSpPr>
+            <p:cNvPr id="21" name="椭圆 20"/>
+            <p:cNvSpPr/>
+            <p:nvPr/>
+          </p:nvSpPr>
+          <p:spPr>
+            <a:xfrm>
+              <a:off x="2337" y="4108"/>
+              <a:ext cx="598" cy="598"/>
+            </a:xfrm>
+            <a:prstGeom prst="ellipse">
+              <a:avLst/>
+            </a:prstGeom>
+            <a:solidFill>
+              <a:schemeClr val="bg1"/>
+            </a:solidFill>
+            <a:ln w="12700" cmpd="sng">
               <a:solidFill>
-                <a:schemeClr val="tx1"/>
-              </a:solidFill>
-              <a:ln w="12700" cmpd="sng">
-                <a:solidFill>
-                  <a:schemeClr val="accent1">
-                    <a:shade val="50000"/>
-                  </a:schemeClr>
-                </a:solidFill>
-                <a:prstDash val="solid"/>
-              </a:ln>
-            </p:spPr>
-            <p:style>
-              <a:lnRef idx="2">
                 <a:schemeClr val="accent1">
                   <a:shade val="50000"/>
                 </a:schemeClr>
-              </a:lnRef>
-              <a:fillRef idx="1">
-                <a:schemeClr val="accent1"/>
-              </a:fillRef>
-              <a:effectRef idx="0">
-                <a:schemeClr val="accent1"/>
-              </a:effectRef>
-              <a:fontRef idx="minor">
-                <a:schemeClr val="lt1"/>
-              </a:fontRef>
-            </p:style>
-            <p:txBody>
-              <a:bodyPr rtlCol="0" anchor="ctr"/>
-              <a:p>
-                <a:pPr algn="ctr"/>
-                <a:endParaRPr lang="zh-CN" altLang="en-US"/>
-              </a:p>
-            </p:txBody>
-          </p:sp>
-          <p:sp>
-            <p:nvSpPr>
-              <p:cNvPr id="20" name="椭圆 19"/>
-              <p:cNvSpPr/>
-              <p:nvPr/>
-            </p:nvSpPr>
-            <p:spPr>
-              <a:xfrm>
-                <a:off x="2337" y="3427"/>
-                <a:ext cx="598" cy="598"/>
-              </a:xfrm>
-              <a:prstGeom prst="ellipse">
-                <a:avLst/>
-              </a:prstGeom>
-              <a:solidFill>
-                <a:schemeClr val="bg1"/>
               </a:solidFill>
-              <a:ln w="12700" cmpd="sng">
-                <a:solidFill>
-                  <a:schemeClr val="accent1">
-                    <a:shade val="50000"/>
-                  </a:schemeClr>
-                </a:solidFill>
-                <a:prstDash val="solid"/>
-              </a:ln>
-            </p:spPr>
-            <p:style>
-              <a:lnRef idx="2">
-                <a:schemeClr val="accent1">
-                  <a:shade val="50000"/>
-                </a:schemeClr>
-              </a:lnRef>
-              <a:fillRef idx="1">
-                <a:schemeClr val="accent1"/>
-              </a:fillRef>
-              <a:effectRef idx="0">
-                <a:schemeClr val="accent1"/>
-              </a:effectRef>
-              <a:fontRef idx="minor">
-                <a:schemeClr val="lt1"/>
-              </a:fontRef>
-            </p:style>
-            <p:txBody>
-              <a:bodyPr rtlCol="0" anchor="ctr"/>
-              <a:p>
-                <a:pPr algn="ctr"/>
-                <a:endParaRPr lang="zh-CN" altLang="en-US"/>
-              </a:p>
-            </p:txBody>
-          </p:sp>
-          <p:sp>
-            <p:nvSpPr>
-              <p:cNvPr id="21" name="椭圆 20"/>
-              <p:cNvSpPr/>
-              <p:nvPr/>
-            </p:nvSpPr>
-            <p:spPr>
-              <a:xfrm>
-                <a:off x="2337" y="4108"/>
-                <a:ext cx="598" cy="598"/>
-              </a:xfrm>
-              <a:prstGeom prst="ellipse">
-                <a:avLst/>
-              </a:prstGeom>
-              <a:solidFill>
-                <a:schemeClr val="bg1"/>
-              </a:solidFill>
-              <a:ln w="12700" cmpd="sng">
-                <a:solidFill>
-                  <a:schemeClr val="accent1">
-                    <a:shade val="50000"/>
-                  </a:schemeClr>
-                </a:solidFill>
-                <a:prstDash val="solid"/>
-              </a:ln>
-            </p:spPr>
-            <p:style>
-              <a:lnRef idx="2">
-                <a:schemeClr val="accent1">
-                  <a:shade val="50000"/>
-                </a:schemeClr>
-              </a:lnRef>
-              <a:fillRef idx="1">
-                <a:schemeClr val="accent1"/>
-              </a:fillRef>
-              <a:effectRef idx="0">
-                <a:schemeClr val="accent1"/>
-              </a:effectRef>
-              <a:fontRef idx="minor">
-                <a:schemeClr val="lt1"/>
-              </a:fontRef>
-            </p:style>
-            <p:txBody>
-              <a:bodyPr rtlCol="0" anchor="ctr"/>
-              <a:p>
-                <a:pPr algn="ctr"/>
-                <a:endParaRPr lang="zh-CN" altLang="en-US"/>
-              </a:p>
-            </p:txBody>
-          </p:sp>
-        </p:grpSp>
+              <a:prstDash val="solid"/>
+            </a:ln>
+          </p:spPr>
+          <p:style>
+            <a:lnRef idx="2">
+              <a:schemeClr val="accent1">
+                <a:shade val="50000"/>
+              </a:schemeClr>
+            </a:lnRef>
+            <a:fillRef idx="1">
+              <a:schemeClr val="accent1"/>
+            </a:fillRef>
+            <a:effectRef idx="0">
+              <a:schemeClr val="accent1"/>
+            </a:effectRef>
+            <a:fontRef idx="minor">
+              <a:schemeClr val="lt1"/>
+            </a:fontRef>
+          </p:style>
+          <p:txBody>
+            <a:bodyPr rtlCol="0" anchor="ctr"/>
+            <a:p>
+              <a:pPr algn="ctr"/>
+              <a:endParaRPr lang="zh-CN" altLang="en-US"/>
+            </a:p>
+          </p:txBody>
+        </p:sp>
       </p:grpSp>
       <p:grpSp>
         <p:nvGrpSpPr>
-          <p:cNvPr id="72" name="组合 71"/>
+          <p:cNvPr id="22" name="组合 21"/>
           <p:cNvGrpSpPr/>
           <p:nvPr/>
         </p:nvGrpSpPr>
         <p:grpSpPr>
-          <a:xfrm>
-            <a:off x="1817370" y="3195320"/>
-            <a:ext cx="2751455" cy="446405"/>
-            <a:chOff x="1054" y="4120"/>
-            <a:chExt cx="4333" cy="703"/>
+          <a:xfrm rot="0">
+            <a:off x="863614" y="5290778"/>
+            <a:ext cx="441967" cy="713752"/>
+            <a:chOff x="2755" y="2520"/>
+            <a:chExt cx="696" cy="1124"/>
           </a:xfrm>
         </p:grpSpPr>
-        <p:grpSp>
-          <p:nvGrpSpPr>
-            <p:cNvPr id="22" name="组合 21"/>
-            <p:cNvGrpSpPr/>
+        <p:sp>
+          <p:nvSpPr>
+            <p:cNvPr id="23" name="等腰三角形 22"/>
+            <p:cNvSpPr/>
             <p:nvPr/>
-          </p:nvGrpSpPr>
-          <p:grpSpPr>
-            <a:xfrm rot="16200000">
-              <a:off x="1268" y="3906"/>
-              <a:ext cx="696" cy="1124"/>
-              <a:chOff x="2755" y="2520"/>
-              <a:chExt cx="696" cy="1124"/>
+          </p:nvSpPr>
+          <p:spPr>
+            <a:xfrm>
+              <a:off x="2755" y="2974"/>
+              <a:ext cx="670" cy="670"/>
             </a:xfrm>
-          </p:grpSpPr>
-          <p:sp>
-            <p:nvSpPr>
-              <p:cNvPr id="23" name="等腰三角形 22"/>
-              <p:cNvSpPr/>
-              <p:nvPr/>
-            </p:nvSpPr>
-            <p:spPr>
-              <a:xfrm>
-                <a:off x="2755" y="2974"/>
-                <a:ext cx="670" cy="670"/>
-              </a:xfrm>
-              <a:prstGeom prst="triangle">
-                <a:avLst/>
-              </a:prstGeom>
+            <a:prstGeom prst="triangle">
+              <a:avLst/>
+            </a:prstGeom>
+            <a:solidFill>
+              <a:schemeClr val="accent1"/>
+            </a:solidFill>
+            <a:ln w="12700" cmpd="sng">
               <a:solidFill>
-                <a:schemeClr val="tx1"/>
-              </a:solidFill>
-              <a:ln w="12700" cmpd="sng">
-                <a:solidFill>
-                  <a:schemeClr val="accent1">
-                    <a:shade val="50000"/>
-                  </a:schemeClr>
-                </a:solidFill>
-                <a:prstDash val="solid"/>
-              </a:ln>
-            </p:spPr>
-            <p:style>
-              <a:lnRef idx="2">
                 <a:schemeClr val="accent1">
                   <a:shade val="50000"/>
                 </a:schemeClr>
-              </a:lnRef>
-              <a:fillRef idx="1">
-                <a:schemeClr val="accent1"/>
-              </a:fillRef>
-              <a:effectRef idx="0">
-                <a:schemeClr val="accent1"/>
-              </a:effectRef>
-              <a:fontRef idx="minor">
-                <a:schemeClr val="lt1"/>
-              </a:fontRef>
-            </p:style>
-            <p:txBody>
-              <a:bodyPr rtlCol="0" anchor="ctr"/>
-              <a:p>
-                <a:pPr algn="ctr"/>
-                <a:endParaRPr lang="zh-CN" altLang="en-US"/>
-              </a:p>
-            </p:txBody>
-          </p:sp>
-          <p:sp>
-            <p:nvSpPr>
-              <p:cNvPr id="24" name="椭圆 23"/>
-              <p:cNvSpPr/>
-              <p:nvPr/>
-            </p:nvSpPr>
-            <p:spPr>
-              <a:xfrm>
-                <a:off x="2755" y="2520"/>
-                <a:ext cx="697" cy="697"/>
-              </a:xfrm>
-              <a:prstGeom prst="ellipse">
-                <a:avLst/>
-              </a:prstGeom>
+              </a:solidFill>
+              <a:prstDash val="solid"/>
+            </a:ln>
+          </p:spPr>
+          <p:style>
+            <a:lnRef idx="2">
+              <a:schemeClr val="accent1">
+                <a:shade val="50000"/>
+              </a:schemeClr>
+            </a:lnRef>
+            <a:fillRef idx="1">
+              <a:schemeClr val="accent1"/>
+            </a:fillRef>
+            <a:effectRef idx="0">
+              <a:schemeClr val="accent1"/>
+            </a:effectRef>
+            <a:fontRef idx="minor">
+              <a:schemeClr val="lt1"/>
+            </a:fontRef>
+          </p:style>
+          <p:txBody>
+            <a:bodyPr rtlCol="0" anchor="ctr"/>
+            <a:p>
+              <a:pPr algn="ctr"/>
+              <a:endParaRPr lang="zh-CN" altLang="en-US"/>
+            </a:p>
+          </p:txBody>
+        </p:sp>
+        <p:sp>
+          <p:nvSpPr>
+            <p:cNvPr id="24" name="椭圆 23"/>
+            <p:cNvSpPr/>
+            <p:nvPr/>
+          </p:nvSpPr>
+          <p:spPr>
+            <a:xfrm>
+              <a:off x="2755" y="2520"/>
+              <a:ext cx="697" cy="697"/>
+            </a:xfrm>
+            <a:prstGeom prst="ellipse">
+              <a:avLst/>
+            </a:prstGeom>
+            <a:solidFill>
+              <a:schemeClr val="accent1"/>
+            </a:solidFill>
+            <a:ln w="12700" cmpd="sng">
               <a:solidFill>
-                <a:schemeClr val="tx1"/>
-              </a:solidFill>
-              <a:ln w="12700" cmpd="sng">
-                <a:solidFill>
-                  <a:schemeClr val="accent1">
-                    <a:shade val="50000"/>
-                  </a:schemeClr>
-                </a:solidFill>
-                <a:prstDash val="solid"/>
-              </a:ln>
-            </p:spPr>
-            <p:style>
-              <a:lnRef idx="2">
                 <a:schemeClr val="accent1">
                   <a:shade val="50000"/>
                 </a:schemeClr>
-              </a:lnRef>
-              <a:fillRef idx="1">
-                <a:schemeClr val="accent1"/>
-              </a:fillRef>
-              <a:effectRef idx="0">
-                <a:schemeClr val="accent1"/>
-              </a:effectRef>
-              <a:fontRef idx="minor">
-                <a:schemeClr val="lt1"/>
-              </a:fontRef>
-            </p:style>
-            <p:txBody>
-              <a:bodyPr rtlCol="0" anchor="ctr"/>
-              <a:p>
-                <a:pPr algn="ctr"/>
-                <a:endParaRPr lang="zh-CN" altLang="en-US"/>
-              </a:p>
-            </p:txBody>
-          </p:sp>
-        </p:grpSp>
-        <p:cxnSp>
-          <p:nvCxnSpPr>
-            <p:cNvPr id="25" name="直接箭头连接符 24"/>
-            <p:cNvCxnSpPr/>
-            <p:nvPr/>
-          </p:nvCxnSpPr>
-          <p:spPr>
-            <a:xfrm rot="16200000">
-              <a:off x="2654" y="4005"/>
-              <a:ext cx="0" cy="952"/>
-            </a:xfrm>
-            <a:prstGeom prst="straightConnector1">
-              <a:avLst/>
-            </a:prstGeom>
-            <a:ln>
-              <a:solidFill>
-                <a:schemeClr val="tx1"/>
               </a:solidFill>
-              <a:tailEnd type="triangle"/>
+              <a:prstDash val="solid"/>
             </a:ln>
           </p:spPr>
           <p:style>
-            <a:lnRef idx="1">
-              <a:schemeClr val="accent1"/>
+            <a:lnRef idx="2">
+              <a:schemeClr val="accent1">
+                <a:shade val="50000"/>
+              </a:schemeClr>
             </a:lnRef>
-            <a:fillRef idx="0">
+            <a:fillRef idx="1">
               <a:schemeClr val="accent1"/>
             </a:fillRef>
             <a:effectRef idx="0">
               <a:schemeClr val="accent1"/>
             </a:effectRef>
             <a:fontRef idx="minor">
-              <a:schemeClr val="tx1"/>
+              <a:schemeClr val="lt1"/>
             </a:fontRef>
           </p:style>
-        </p:cxnSp>
-        <p:grpSp>
-          <p:nvGrpSpPr>
-            <p:cNvPr id="71" name="组合 70"/>
-            <p:cNvGrpSpPr/>
+          <p:txBody>
+            <a:bodyPr rtlCol="0" anchor="ctr"/>
+            <a:p>
+              <a:pPr algn="ctr"/>
+              <a:endParaRPr lang="zh-CN" altLang="en-US"/>
+            </a:p>
+          </p:txBody>
+        </p:sp>
+      </p:grpSp>
+      <p:cxnSp>
+        <p:nvCxnSpPr>
+          <p:cNvPr id="25" name="直接箭头连接符 24"/>
+          <p:cNvCxnSpPr/>
+          <p:nvPr/>
+        </p:nvCxnSpPr>
+        <p:spPr>
+          <a:xfrm rot="16200000">
+            <a:off x="1743738" y="5353644"/>
+            <a:ext cx="0" cy="604530"/>
+          </a:xfrm>
+          <a:prstGeom prst="straightConnector1">
+            <a:avLst/>
+          </a:prstGeom>
+          <a:ln>
+            <a:solidFill>
+              <a:schemeClr val="tx1"/>
+            </a:solidFill>
+            <a:tailEnd type="triangle"/>
+          </a:ln>
+        </p:spPr>
+        <p:style>
+          <a:lnRef idx="1">
+            <a:schemeClr val="accent1"/>
+          </a:lnRef>
+          <a:fillRef idx="0">
+            <a:schemeClr val="accent1"/>
+          </a:fillRef>
+          <a:effectRef idx="0">
+            <a:schemeClr val="accent1"/>
+          </a:effectRef>
+          <a:fontRef idx="minor">
+            <a:schemeClr val="tx1"/>
+          </a:fontRef>
+        </p:style>
+      </p:cxnSp>
+      <p:grpSp>
+        <p:nvGrpSpPr>
+          <p:cNvPr id="71" name="组合 70"/>
+          <p:cNvGrpSpPr/>
+          <p:nvPr/>
+        </p:nvGrpSpPr>
+        <p:grpSpPr>
+          <a:xfrm rot="0">
+            <a:off x="2070768" y="5438735"/>
+            <a:ext cx="1408453" cy="434347"/>
+            <a:chOff x="3169" y="4139"/>
+            <a:chExt cx="2218" cy="684"/>
+          </a:xfrm>
+        </p:grpSpPr>
+        <p:sp>
+          <p:nvSpPr>
+            <p:cNvPr id="26" name="矩形 25"/>
+            <p:cNvSpPr/>
             <p:nvPr/>
-          </p:nvGrpSpPr>
-          <p:grpSpPr>
-            <a:xfrm>
-              <a:off x="3169" y="4139"/>
-              <a:ext cx="2218" cy="684"/>
-              <a:chOff x="3169" y="4139"/>
-              <a:chExt cx="2218" cy="684"/>
+          </p:nvSpPr>
+          <p:spPr>
+            <a:xfrm rot="16200000">
+              <a:off x="3936" y="3372"/>
+              <a:ext cx="684" cy="2218"/>
             </a:xfrm>
-          </p:grpSpPr>
-          <p:sp>
-            <p:nvSpPr>
-              <p:cNvPr id="26" name="矩形 25"/>
-              <p:cNvSpPr/>
-              <p:nvPr/>
-            </p:nvSpPr>
-            <p:spPr>
-              <a:xfrm rot="16200000">
-                <a:off x="3936" y="3372"/>
-                <a:ext cx="684" cy="2218"/>
-              </a:xfrm>
-              <a:prstGeom prst="rect">
-                <a:avLst/>
-              </a:prstGeom>
-              <a:noFill/>
-              <a:ln w="12700" cmpd="sng">
-                <a:solidFill>
-                  <a:schemeClr val="accent1">
-                    <a:shade val="50000"/>
-                  </a:schemeClr>
-                </a:solidFill>
-                <a:prstDash val="solid"/>
-              </a:ln>
-            </p:spPr>
-            <p:style>
-              <a:lnRef idx="2">
+            <a:prstGeom prst="rect">
+              <a:avLst/>
+            </a:prstGeom>
+            <a:noFill/>
+            <a:ln w="12700" cmpd="sng">
+              <a:solidFill>
                 <a:schemeClr val="accent1">
                   <a:shade val="50000"/>
                 </a:schemeClr>
-              </a:lnRef>
-              <a:fillRef idx="1">
-                <a:schemeClr val="accent1"/>
-              </a:fillRef>
-              <a:effectRef idx="0">
-                <a:schemeClr val="accent1"/>
-              </a:effectRef>
-              <a:fontRef idx="minor">
-                <a:schemeClr val="lt1"/>
-              </a:fontRef>
-            </p:style>
-            <p:txBody>
-              <a:bodyPr rtlCol="0" anchor="ctr"/>
-              <a:p>
-                <a:pPr algn="ctr"/>
-                <a:endParaRPr lang="zh-CN" altLang="en-US"/>
-              </a:p>
-            </p:txBody>
-          </p:sp>
-          <p:sp>
-            <p:nvSpPr>
-              <p:cNvPr id="27" name="椭圆 26"/>
-              <p:cNvSpPr/>
-              <p:nvPr/>
-            </p:nvSpPr>
-            <p:spPr>
-              <a:xfrm rot="16200000">
-                <a:off x="3209" y="4182"/>
-                <a:ext cx="598" cy="598"/>
-              </a:xfrm>
-              <a:prstGeom prst="ellipse">
-                <a:avLst/>
-              </a:prstGeom>
+              </a:solidFill>
+              <a:prstDash val="solid"/>
+            </a:ln>
+          </p:spPr>
+          <p:style>
+            <a:lnRef idx="2">
+              <a:schemeClr val="accent1">
+                <a:shade val="50000"/>
+              </a:schemeClr>
+            </a:lnRef>
+            <a:fillRef idx="1">
+              <a:schemeClr val="accent1"/>
+            </a:fillRef>
+            <a:effectRef idx="0">
+              <a:schemeClr val="accent1"/>
+            </a:effectRef>
+            <a:fontRef idx="minor">
+              <a:schemeClr val="lt1"/>
+            </a:fontRef>
+          </p:style>
+          <p:txBody>
+            <a:bodyPr rtlCol="0" anchor="ctr"/>
+            <a:p>
+              <a:pPr algn="ctr"/>
+              <a:endParaRPr lang="zh-CN" altLang="en-US"/>
+            </a:p>
+          </p:txBody>
+        </p:sp>
+        <p:sp>
+          <p:nvSpPr>
+            <p:cNvPr id="27" name="椭圆 26"/>
+            <p:cNvSpPr/>
+            <p:nvPr/>
+          </p:nvSpPr>
+          <p:spPr>
+            <a:xfrm rot="16200000">
+              <a:off x="3209" y="4182"/>
+              <a:ext cx="598" cy="598"/>
+            </a:xfrm>
+            <a:prstGeom prst="ellipse">
+              <a:avLst/>
+            </a:prstGeom>
+            <a:solidFill>
+              <a:schemeClr val="accent1"/>
+            </a:solidFill>
+            <a:ln w="12700" cmpd="sng">
               <a:solidFill>
-                <a:schemeClr val="tx1"/>
-              </a:solidFill>
-              <a:ln w="12700" cmpd="sng">
-                <a:solidFill>
-                  <a:schemeClr val="accent1">
-                    <a:shade val="50000"/>
-                  </a:schemeClr>
-                </a:solidFill>
-                <a:prstDash val="solid"/>
-              </a:ln>
-            </p:spPr>
-            <p:style>
-              <a:lnRef idx="2">
                 <a:schemeClr val="accent1">
                   <a:shade val="50000"/>
                 </a:schemeClr>
-              </a:lnRef>
-              <a:fillRef idx="1">
-                <a:schemeClr val="accent1"/>
-              </a:fillRef>
-              <a:effectRef idx="0">
-                <a:schemeClr val="accent1"/>
-              </a:effectRef>
-              <a:fontRef idx="minor">
-                <a:schemeClr val="lt1"/>
-              </a:fontRef>
-            </p:style>
-            <p:txBody>
-              <a:bodyPr rtlCol="0" anchor="ctr"/>
-              <a:p>
-                <a:pPr algn="ctr"/>
-                <a:endParaRPr lang="zh-CN" altLang="en-US"/>
-              </a:p>
-            </p:txBody>
-          </p:sp>
-          <p:sp>
-            <p:nvSpPr>
-              <p:cNvPr id="28" name="椭圆 27"/>
-              <p:cNvSpPr/>
-              <p:nvPr/>
-            </p:nvSpPr>
-            <p:spPr>
-              <a:xfrm rot="16200000">
-                <a:off x="3889" y="4182"/>
-                <a:ext cx="598" cy="598"/>
-              </a:xfrm>
-              <a:prstGeom prst="ellipse">
-                <a:avLst/>
-              </a:prstGeom>
+              </a:solidFill>
+              <a:prstDash val="solid"/>
+            </a:ln>
+          </p:spPr>
+          <p:style>
+            <a:lnRef idx="2">
+              <a:schemeClr val="accent1">
+                <a:shade val="50000"/>
+              </a:schemeClr>
+            </a:lnRef>
+            <a:fillRef idx="1">
+              <a:schemeClr val="accent1"/>
+            </a:fillRef>
+            <a:effectRef idx="0">
+              <a:schemeClr val="accent1"/>
+            </a:effectRef>
+            <a:fontRef idx="minor">
+              <a:schemeClr val="lt1"/>
+            </a:fontRef>
+          </p:style>
+          <p:txBody>
+            <a:bodyPr rtlCol="0" anchor="ctr"/>
+            <a:p>
+              <a:pPr algn="ctr"/>
+              <a:endParaRPr lang="zh-CN" altLang="en-US"/>
+            </a:p>
+          </p:txBody>
+        </p:sp>
+        <p:sp>
+          <p:nvSpPr>
+            <p:cNvPr id="28" name="椭圆 27"/>
+            <p:cNvSpPr/>
+            <p:nvPr/>
+          </p:nvSpPr>
+          <p:spPr>
+            <a:xfrm rot="16200000">
+              <a:off x="3889" y="4182"/>
+              <a:ext cx="598" cy="598"/>
+            </a:xfrm>
+            <a:prstGeom prst="ellipse">
+              <a:avLst/>
+            </a:prstGeom>
+            <a:solidFill>
+              <a:schemeClr val="accent1"/>
+            </a:solidFill>
+            <a:ln w="12700" cmpd="sng">
               <a:solidFill>
-                <a:schemeClr val="tx1"/>
-              </a:solidFill>
-              <a:ln w="12700" cmpd="sng">
-                <a:solidFill>
-                  <a:schemeClr val="accent1">
-                    <a:shade val="50000"/>
-                  </a:schemeClr>
-                </a:solidFill>
-                <a:prstDash val="solid"/>
-              </a:ln>
-            </p:spPr>
-            <p:style>
-              <a:lnRef idx="2">
                 <a:schemeClr val="accent1">
                   <a:shade val="50000"/>
                 </a:schemeClr>
-              </a:lnRef>
-              <a:fillRef idx="1">
-                <a:schemeClr val="accent1"/>
-              </a:fillRef>
-              <a:effectRef idx="0">
-                <a:schemeClr val="accent1"/>
-              </a:effectRef>
-              <a:fontRef idx="minor">
-                <a:schemeClr val="lt1"/>
-              </a:fontRef>
-            </p:style>
-            <p:txBody>
-              <a:bodyPr rtlCol="0" anchor="ctr"/>
-              <a:p>
-                <a:pPr algn="ctr"/>
-                <a:endParaRPr lang="zh-CN" altLang="en-US"/>
-              </a:p>
-            </p:txBody>
-          </p:sp>
-          <p:sp>
-            <p:nvSpPr>
-              <p:cNvPr id="29" name="椭圆 28"/>
-              <p:cNvSpPr/>
-              <p:nvPr/>
-            </p:nvSpPr>
-            <p:spPr>
-              <a:xfrm rot="16200000">
-                <a:off x="4570" y="4182"/>
-                <a:ext cx="598" cy="598"/>
-              </a:xfrm>
-              <a:prstGeom prst="ellipse">
-                <a:avLst/>
-              </a:prstGeom>
+              </a:solidFill>
+              <a:prstDash val="solid"/>
+            </a:ln>
+          </p:spPr>
+          <p:style>
+            <a:lnRef idx="2">
+              <a:schemeClr val="accent1">
+                <a:shade val="50000"/>
+              </a:schemeClr>
+            </a:lnRef>
+            <a:fillRef idx="1">
+              <a:schemeClr val="accent1"/>
+            </a:fillRef>
+            <a:effectRef idx="0">
+              <a:schemeClr val="accent1"/>
+            </a:effectRef>
+            <a:fontRef idx="minor">
+              <a:schemeClr val="lt1"/>
+            </a:fontRef>
+          </p:style>
+          <p:txBody>
+            <a:bodyPr rtlCol="0" anchor="ctr"/>
+            <a:p>
+              <a:pPr algn="ctr"/>
+              <a:endParaRPr lang="zh-CN" altLang="en-US"/>
+            </a:p>
+          </p:txBody>
+        </p:sp>
+        <p:sp>
+          <p:nvSpPr>
+            <p:cNvPr id="29" name="椭圆 28"/>
+            <p:cNvSpPr/>
+            <p:nvPr/>
+          </p:nvSpPr>
+          <p:spPr>
+            <a:xfrm rot="16200000">
+              <a:off x="4570" y="4182"/>
+              <a:ext cx="598" cy="598"/>
+            </a:xfrm>
+            <a:prstGeom prst="ellipse">
+              <a:avLst/>
+            </a:prstGeom>
+            <a:solidFill>
+              <a:schemeClr val="bg1"/>
+            </a:solidFill>
+            <a:ln w="12700" cmpd="sng">
               <a:solidFill>
-                <a:schemeClr val="bg1"/>
-              </a:solidFill>
-              <a:ln w="12700" cmpd="sng">
-                <a:solidFill>
-                  <a:schemeClr val="accent1">
-                    <a:shade val="50000"/>
-                  </a:schemeClr>
-                </a:solidFill>
-                <a:prstDash val="solid"/>
-              </a:ln>
-            </p:spPr>
-            <p:style>
-              <a:lnRef idx="2">
                 <a:schemeClr val="accent1">
                   <a:shade val="50000"/>
                 </a:schemeClr>
-              </a:lnRef>
-              <a:fillRef idx="1">
-                <a:schemeClr val="accent1"/>
-              </a:fillRef>
-              <a:effectRef idx="0">
-                <a:schemeClr val="accent1"/>
-              </a:effectRef>
-              <a:fontRef idx="minor">
-                <a:schemeClr val="lt1"/>
-              </a:fontRef>
-            </p:style>
-            <p:txBody>
-              <a:bodyPr rtlCol="0" anchor="ctr"/>
-              <a:p>
-                <a:pPr algn="ctr"/>
-                <a:endParaRPr lang="zh-CN" altLang="en-US"/>
-              </a:p>
-            </p:txBody>
-          </p:sp>
-        </p:grpSp>
+              </a:solidFill>
+              <a:prstDash val="solid"/>
+            </a:ln>
+          </p:spPr>
+          <p:style>
+            <a:lnRef idx="2">
+              <a:schemeClr val="accent1">
+                <a:shade val="50000"/>
+              </a:schemeClr>
+            </a:lnRef>
+            <a:fillRef idx="1">
+              <a:schemeClr val="accent1"/>
+            </a:fillRef>
+            <a:effectRef idx="0">
+              <a:schemeClr val="accent1"/>
+            </a:effectRef>
+            <a:fontRef idx="minor">
+              <a:schemeClr val="lt1"/>
+            </a:fontRef>
+          </p:style>
+          <p:txBody>
+            <a:bodyPr rtlCol="0" anchor="ctr"/>
+            <a:p>
+              <a:pPr algn="ctr"/>
+              <a:endParaRPr lang="zh-CN" altLang="en-US"/>
+            </a:p>
+          </p:txBody>
+        </p:sp>
       </p:grpSp>
+      <p:sp>
+        <p:nvSpPr>
+          <p:cNvPr id="31" name="等腰三角形 30"/>
+          <p:cNvSpPr/>
+          <p:nvPr/>
+        </p:nvSpPr>
+        <p:spPr>
+          <a:xfrm>
+            <a:off x="863614" y="7421237"/>
+            <a:ext cx="425457" cy="425457"/>
+          </a:xfrm>
+          <a:prstGeom prst="triangle">
+            <a:avLst/>
+          </a:prstGeom>
+          <a:solidFill>
+            <a:schemeClr val="accent1"/>
+          </a:solidFill>
+          <a:ln w="12700" cmpd="sng">
+            <a:solidFill>
+              <a:schemeClr val="accent1">
+                <a:shade val="50000"/>
+              </a:schemeClr>
+            </a:solidFill>
+            <a:prstDash val="solid"/>
+          </a:ln>
+        </p:spPr>
+        <p:style>
+          <a:lnRef idx="2">
+            <a:schemeClr val="accent1">
+              <a:shade val="50000"/>
+            </a:schemeClr>
+          </a:lnRef>
+          <a:fillRef idx="1">
+            <a:schemeClr val="accent1"/>
+          </a:fillRef>
+          <a:effectRef idx="0">
+            <a:schemeClr val="accent1"/>
+          </a:effectRef>
+          <a:fontRef idx="minor">
+            <a:schemeClr val="lt1"/>
+          </a:fontRef>
+        </p:style>
+        <p:txBody>
+          <a:bodyPr rtlCol="0" anchor="ctr"/>
+          <a:p>
+            <a:pPr algn="ctr"/>
+            <a:endParaRPr lang="zh-CN" altLang="en-US"/>
+          </a:p>
+        </p:txBody>
+      </p:sp>
+      <p:sp>
+        <p:nvSpPr>
+          <p:cNvPr id="32" name="椭圆 31"/>
+          <p:cNvSpPr/>
+          <p:nvPr/>
+        </p:nvSpPr>
+        <p:spPr>
+          <a:xfrm>
+            <a:off x="863614" y="7132943"/>
+            <a:ext cx="442602" cy="442602"/>
+          </a:xfrm>
+          <a:prstGeom prst="ellipse">
+            <a:avLst/>
+          </a:prstGeom>
+          <a:solidFill>
+            <a:schemeClr val="accent1"/>
+          </a:solidFill>
+          <a:ln w="12700" cmpd="sng">
+            <a:solidFill>
+              <a:schemeClr val="accent1">
+                <a:shade val="50000"/>
+              </a:schemeClr>
+            </a:solidFill>
+            <a:prstDash val="solid"/>
+          </a:ln>
+        </p:spPr>
+        <p:style>
+          <a:lnRef idx="2">
+            <a:schemeClr val="accent1">
+              <a:shade val="50000"/>
+            </a:schemeClr>
+          </a:lnRef>
+          <a:fillRef idx="1">
+            <a:schemeClr val="accent1"/>
+          </a:fillRef>
+          <a:effectRef idx="0">
+            <a:schemeClr val="accent1"/>
+          </a:effectRef>
+          <a:fontRef idx="minor">
+            <a:schemeClr val="lt1"/>
+          </a:fontRef>
+        </p:style>
+        <p:txBody>
+          <a:bodyPr rtlCol="0" anchor="ctr"/>
+          <a:p>
+            <a:pPr algn="ctr"/>
+            <a:endParaRPr lang="zh-CN" altLang="en-US"/>
+          </a:p>
+        </p:txBody>
+      </p:sp>
+      <p:cxnSp>
+        <p:nvCxnSpPr>
+          <p:cNvPr id="33" name="直接箭头连接符 32"/>
+          <p:cNvCxnSpPr/>
+          <p:nvPr/>
+        </p:nvCxnSpPr>
+        <p:spPr>
+          <a:xfrm rot="16200000">
+            <a:off x="1743738" y="7195809"/>
+            <a:ext cx="0" cy="604530"/>
+          </a:xfrm>
+          <a:prstGeom prst="straightConnector1">
+            <a:avLst/>
+          </a:prstGeom>
+          <a:ln>
+            <a:solidFill>
+              <a:schemeClr val="tx1"/>
+            </a:solidFill>
+            <a:tailEnd type="triangle"/>
+          </a:ln>
+        </p:spPr>
+        <p:style>
+          <a:lnRef idx="1">
+            <a:schemeClr val="accent1"/>
+          </a:lnRef>
+          <a:fillRef idx="0">
+            <a:schemeClr val="accent1"/>
+          </a:fillRef>
+          <a:effectRef idx="0">
+            <a:schemeClr val="accent1"/>
+          </a:effectRef>
+          <a:fontRef idx="minor">
+            <a:schemeClr val="tx1"/>
+          </a:fontRef>
+        </p:style>
+      </p:cxnSp>
       <p:grpSp>
         <p:nvGrpSpPr>
-          <p:cNvPr id="43" name="组合 42"/>
+          <p:cNvPr id="40" name="组合 39"/>
           <p:cNvGrpSpPr/>
           <p:nvPr/>
         </p:nvGrpSpPr>
         <p:grpSpPr>
           <a:xfrm rot="16200000">
-            <a:off x="2969895" y="3884930"/>
-            <a:ext cx="446405" cy="2751455"/>
-            <a:chOff x="5123" y="592"/>
-            <a:chExt cx="703" cy="4333"/>
+            <a:off x="2557821" y="6793847"/>
+            <a:ext cx="434347" cy="1408453"/>
+            <a:chOff x="5123" y="2707"/>
+            <a:chExt cx="684" cy="2218"/>
           </a:xfrm>
         </p:grpSpPr>
-        <p:grpSp>
-          <p:nvGrpSpPr>
-            <p:cNvPr id="30" name="组合 29"/>
-            <p:cNvGrpSpPr/>
+        <p:sp>
+          <p:nvSpPr>
+            <p:cNvPr id="34" name="矩形 33"/>
+            <p:cNvSpPr/>
             <p:nvPr/>
-          </p:nvGrpSpPr>
-          <p:grpSpPr>
+          </p:nvSpPr>
+          <p:spPr>
             <a:xfrm>
-              <a:off x="5130" y="592"/>
-              <a:ext cx="696" cy="1124"/>
-              <a:chOff x="2755" y="2520"/>
-              <a:chExt cx="696" cy="1124"/>
+              <a:off x="5123" y="2707"/>
+              <a:ext cx="684" cy="2218"/>
             </a:xfrm>
-          </p:grpSpPr>
-          <p:sp>
-            <p:nvSpPr>
-              <p:cNvPr id="31" name="等腰三角形 30"/>
-              <p:cNvSpPr/>
-              <p:nvPr/>
-            </p:nvSpPr>
-            <p:spPr>
-              <a:xfrm>
-                <a:off x="2755" y="2974"/>
-                <a:ext cx="670" cy="670"/>
-              </a:xfrm>
-              <a:prstGeom prst="triangle">
-                <a:avLst/>
-              </a:prstGeom>
+            <a:prstGeom prst="rect">
+              <a:avLst/>
+            </a:prstGeom>
+            <a:noFill/>
+            <a:ln w="12700" cmpd="sng">
               <a:solidFill>
-                <a:schemeClr val="tx1"/>
-              </a:solidFill>
-              <a:ln w="12700" cmpd="sng">
-                <a:solidFill>
-                  <a:schemeClr val="accent1">
-                    <a:shade val="50000"/>
-                  </a:schemeClr>
-                </a:solidFill>
-                <a:prstDash val="solid"/>
-              </a:ln>
-            </p:spPr>
-            <p:style>
-              <a:lnRef idx="2">
                 <a:schemeClr val="accent1">
                   <a:shade val="50000"/>
                 </a:schemeClr>
-              </a:lnRef>
-              <a:fillRef idx="1">
-                <a:schemeClr val="accent1"/>
-              </a:fillRef>
-              <a:effectRef idx="0">
-                <a:schemeClr val="accent1"/>
-              </a:effectRef>
-              <a:fontRef idx="minor">
-                <a:schemeClr val="lt1"/>
-              </a:fontRef>
-            </p:style>
-            <p:txBody>
-              <a:bodyPr rtlCol="0" anchor="ctr"/>
-              <a:p>
-                <a:pPr algn="ctr"/>
-                <a:endParaRPr lang="zh-CN" altLang="en-US"/>
-              </a:p>
-            </p:txBody>
-          </p:sp>
-          <p:sp>
-            <p:nvSpPr>
-              <p:cNvPr id="32" name="椭圆 31"/>
-              <p:cNvSpPr/>
-              <p:nvPr/>
-            </p:nvSpPr>
-            <p:spPr>
-              <a:xfrm>
-                <a:off x="2755" y="2520"/>
-                <a:ext cx="697" cy="697"/>
-              </a:xfrm>
-              <a:prstGeom prst="ellipse">
-                <a:avLst/>
-              </a:prstGeom>
+              </a:solidFill>
+              <a:prstDash val="solid"/>
+            </a:ln>
+          </p:spPr>
+          <p:style>
+            <a:lnRef idx="2">
+              <a:schemeClr val="accent1">
+                <a:shade val="50000"/>
+              </a:schemeClr>
+            </a:lnRef>
+            <a:fillRef idx="1">
+              <a:schemeClr val="accent1"/>
+            </a:fillRef>
+            <a:effectRef idx="0">
+              <a:schemeClr val="accent1"/>
+            </a:effectRef>
+            <a:fontRef idx="minor">
+              <a:schemeClr val="lt1"/>
+            </a:fontRef>
+          </p:style>
+          <p:txBody>
+            <a:bodyPr rtlCol="0" anchor="ctr"/>
+            <a:p>
+              <a:pPr algn="ctr"/>
+              <a:endParaRPr lang="zh-CN" altLang="en-US"/>
+            </a:p>
+          </p:txBody>
+        </p:sp>
+        <p:sp>
+          <p:nvSpPr>
+            <p:cNvPr id="35" name="椭圆 34"/>
+            <p:cNvSpPr/>
+            <p:nvPr/>
+          </p:nvSpPr>
+          <p:spPr>
+            <a:xfrm>
+              <a:off x="5166" y="2747"/>
+              <a:ext cx="598" cy="598"/>
+            </a:xfrm>
+            <a:prstGeom prst="ellipse">
+              <a:avLst/>
+            </a:prstGeom>
+            <a:solidFill>
+              <a:schemeClr val="bg1"/>
+            </a:solidFill>
+            <a:ln w="12700" cmpd="sng">
               <a:solidFill>
-                <a:schemeClr val="tx1"/>
-              </a:solidFill>
-              <a:ln w="12700" cmpd="sng">
-                <a:solidFill>
-                  <a:schemeClr val="accent1">
-                    <a:shade val="50000"/>
-                  </a:schemeClr>
-                </a:solidFill>
-                <a:prstDash val="solid"/>
-              </a:ln>
-            </p:spPr>
-            <p:style>
-              <a:lnRef idx="2">
                 <a:schemeClr val="accent1">
                   <a:shade val="50000"/>
                 </a:schemeClr>
-              </a:lnRef>
-              <a:fillRef idx="1">
-                <a:schemeClr val="accent1"/>
-              </a:fillRef>
-              <a:effectRef idx="0">
-                <a:schemeClr val="accent1"/>
-              </a:effectRef>
-              <a:fontRef idx="minor">
-                <a:schemeClr val="lt1"/>
-              </a:fontRef>
-            </p:style>
-            <p:txBody>
-              <a:bodyPr rtlCol="0" anchor="ctr"/>
-              <a:p>
-                <a:pPr algn="ctr"/>
-                <a:endParaRPr lang="zh-CN" altLang="en-US"/>
-              </a:p>
-            </p:txBody>
-          </p:sp>
-        </p:grpSp>
-        <p:cxnSp>
-          <p:nvCxnSpPr>
-            <p:cNvPr id="33" name="直接箭头连接符 32"/>
-            <p:cNvCxnSpPr/>
-            <p:nvPr/>
-          </p:nvCxnSpPr>
-          <p:spPr>
-            <a:xfrm>
-              <a:off x="5465" y="1716"/>
-              <a:ext cx="0" cy="952"/>
-            </a:xfrm>
-            <a:prstGeom prst="straightConnector1">
-              <a:avLst/>
-            </a:prstGeom>
-            <a:ln>
-              <a:solidFill>
-                <a:schemeClr val="tx1"/>
               </a:solidFill>
-              <a:tailEnd type="triangle"/>
+              <a:prstDash val="solid"/>
             </a:ln>
           </p:spPr>
           <p:style>
-            <a:lnRef idx="1">
-              <a:schemeClr val="accent1"/>
+            <a:lnRef idx="2">
+              <a:schemeClr val="accent1">
+                <a:shade val="50000"/>
+              </a:schemeClr>
             </a:lnRef>
-            <a:fillRef idx="0">
+            <a:fillRef idx="1">
               <a:schemeClr val="accent1"/>
             </a:fillRef>
             <a:effectRef idx="0">
               <a:schemeClr val="accent1"/>
             </a:effectRef>
             <a:fontRef idx="minor">
-              <a:schemeClr val="tx1"/>
+              <a:schemeClr val="lt1"/>
             </a:fontRef>
           </p:style>
-        </p:cxnSp>
-        <p:grpSp>
-          <p:nvGrpSpPr>
-            <p:cNvPr id="40" name="组合 39"/>
-            <p:cNvGrpSpPr/>
+          <p:txBody>
+            <a:bodyPr rtlCol="0" anchor="ctr"/>
+            <a:p>
+              <a:pPr algn="ctr"/>
+              <a:endParaRPr lang="zh-CN" altLang="en-US"/>
+            </a:p>
+          </p:txBody>
+        </p:sp>
+        <p:sp>
+          <p:nvSpPr>
+            <p:cNvPr id="36" name="椭圆 35"/>
+            <p:cNvSpPr/>
             <p:nvPr/>
-          </p:nvGrpSpPr>
-          <p:grpSpPr>
+          </p:nvSpPr>
+          <p:spPr>
             <a:xfrm>
-              <a:off x="5123" y="2707"/>
-              <a:ext cx="684" cy="2218"/>
-              <a:chOff x="5123" y="2707"/>
-              <a:chExt cx="684" cy="2218"/>
+              <a:off x="5166" y="3427"/>
+              <a:ext cx="598" cy="598"/>
             </a:xfrm>
-          </p:grpSpPr>
-          <p:sp>
-            <p:nvSpPr>
-              <p:cNvPr id="34" name="矩形 33"/>
-              <p:cNvSpPr/>
-              <p:nvPr/>
-            </p:nvSpPr>
-            <p:spPr>
-              <a:xfrm>
-                <a:off x="5123" y="2707"/>
-                <a:ext cx="684" cy="2218"/>
-              </a:xfrm>
-              <a:prstGeom prst="rect">
-                <a:avLst/>
-              </a:prstGeom>
-              <a:noFill/>
-              <a:ln w="12700" cmpd="sng">
-                <a:solidFill>
-                  <a:schemeClr val="accent1">
-                    <a:shade val="50000"/>
-                  </a:schemeClr>
-                </a:solidFill>
-                <a:prstDash val="solid"/>
-              </a:ln>
-            </p:spPr>
-            <p:style>
-              <a:lnRef idx="2">
+            <a:prstGeom prst="ellipse">
+              <a:avLst/>
+            </a:prstGeom>
+            <a:solidFill>
+              <a:schemeClr val="bg1"/>
+            </a:solidFill>
+            <a:ln w="12700" cmpd="sng">
+              <a:solidFill>
                 <a:schemeClr val="accent1">
                   <a:shade val="50000"/>
                 </a:schemeClr>
-              </a:lnRef>
-              <a:fillRef idx="1">
-                <a:schemeClr val="accent1"/>
-              </a:fillRef>
-              <a:effectRef idx="0">
-                <a:schemeClr val="accent1"/>
-              </a:effectRef>
-              <a:fontRef idx="minor">
-                <a:schemeClr val="lt1"/>
-              </a:fontRef>
-            </p:style>
-            <p:txBody>
-              <a:bodyPr rtlCol="0" anchor="ctr"/>
-              <a:p>
-                <a:pPr algn="ctr"/>
-                <a:endParaRPr lang="zh-CN" altLang="en-US"/>
-              </a:p>
-            </p:txBody>
-          </p:sp>
-          <p:sp>
-            <p:nvSpPr>
-              <p:cNvPr id="35" name="椭圆 34"/>
-              <p:cNvSpPr/>
-              <p:nvPr/>
-            </p:nvSpPr>
-            <p:spPr>
-              <a:xfrm>
-                <a:off x="5166" y="2747"/>
-                <a:ext cx="598" cy="598"/>
-              </a:xfrm>
-              <a:prstGeom prst="ellipse">
-                <a:avLst/>
-              </a:prstGeom>
+              </a:solidFill>
+              <a:prstDash val="solid"/>
+            </a:ln>
+          </p:spPr>
+          <p:style>
+            <a:lnRef idx="2">
+              <a:schemeClr val="accent1">
+                <a:shade val="50000"/>
+              </a:schemeClr>
+            </a:lnRef>
+            <a:fillRef idx="1">
+              <a:schemeClr val="accent1"/>
+            </a:fillRef>
+            <a:effectRef idx="0">
+              <a:schemeClr val="accent1"/>
+            </a:effectRef>
+            <a:fontRef idx="minor">
+              <a:schemeClr val="lt1"/>
+            </a:fontRef>
+          </p:style>
+          <p:txBody>
+            <a:bodyPr rtlCol="0" anchor="ctr"/>
+            <a:p>
+              <a:pPr algn="ctr"/>
+              <a:endParaRPr lang="zh-CN" altLang="en-US"/>
+            </a:p>
+          </p:txBody>
+        </p:sp>
+        <p:sp>
+          <p:nvSpPr>
+            <p:cNvPr id="37" name="椭圆 36"/>
+            <p:cNvSpPr/>
+            <p:nvPr/>
+          </p:nvSpPr>
+          <p:spPr>
+            <a:xfrm>
+              <a:off x="5166" y="4108"/>
+              <a:ext cx="598" cy="598"/>
+            </a:xfrm>
+            <a:prstGeom prst="ellipse">
+              <a:avLst/>
+            </a:prstGeom>
+            <a:solidFill>
+              <a:schemeClr val="bg1"/>
+            </a:solidFill>
+            <a:ln w="12700" cmpd="sng">
               <a:solidFill>
-                <a:schemeClr val="bg1"/>
-              </a:solidFill>
-              <a:ln w="12700" cmpd="sng">
-                <a:solidFill>
-                  <a:schemeClr val="accent1">
-                    <a:shade val="50000"/>
-                  </a:schemeClr>
-                </a:solidFill>
-                <a:prstDash val="solid"/>
-              </a:ln>
-            </p:spPr>
-            <p:style>
-              <a:lnRef idx="2">
                 <a:schemeClr val="accent1">
                   <a:shade val="50000"/>
                 </a:schemeClr>
-              </a:lnRef>
-              <a:fillRef idx="1">
-                <a:schemeClr val="accent1"/>
-              </a:fillRef>
-              <a:effectRef idx="0">
-                <a:schemeClr val="accent1"/>
-              </a:effectRef>
-              <a:fontRef idx="minor">
-                <a:schemeClr val="lt1"/>
-              </a:fontRef>
-            </p:style>
-            <p:txBody>
-              <a:bodyPr rtlCol="0" anchor="ctr"/>
-              <a:p>
-                <a:pPr algn="ctr"/>
-                <a:endParaRPr lang="zh-CN" altLang="en-US"/>
-              </a:p>
-            </p:txBody>
-          </p:sp>
-          <p:sp>
-            <p:nvSpPr>
-              <p:cNvPr id="36" name="椭圆 35"/>
-              <p:cNvSpPr/>
-              <p:nvPr/>
-            </p:nvSpPr>
-            <p:spPr>
-              <a:xfrm>
-                <a:off x="5166" y="3427"/>
-                <a:ext cx="598" cy="598"/>
-              </a:xfrm>
-              <a:prstGeom prst="ellipse">
-                <a:avLst/>
-              </a:prstGeom>
-              <a:solidFill>
-                <a:schemeClr val="bg1"/>
               </a:solidFill>
-              <a:ln w="12700" cmpd="sng">
-                <a:solidFill>
-                  <a:schemeClr val="accent1">
-                    <a:shade val="50000"/>
-                  </a:schemeClr>
-                </a:solidFill>
-                <a:prstDash val="solid"/>
-              </a:ln>
-            </p:spPr>
-            <p:style>
-              <a:lnRef idx="2">
-                <a:schemeClr val="accent1">
-                  <a:shade val="50000"/>
-                </a:schemeClr>
-              </a:lnRef>
-              <a:fillRef idx="1">
-                <a:schemeClr val="accent1"/>
-              </a:fillRef>
-              <a:effectRef idx="0">
-                <a:schemeClr val="accent1"/>
-              </a:effectRef>
-              <a:fontRef idx="minor">
-                <a:schemeClr val="lt1"/>
-              </a:fontRef>
-            </p:style>
-            <p:txBody>
-              <a:bodyPr rtlCol="0" anchor="ctr"/>
-              <a:p>
-                <a:pPr algn="ctr"/>
-                <a:endParaRPr lang="zh-CN" altLang="en-US"/>
-              </a:p>
-            </p:txBody>
-          </p:sp>
-          <p:sp>
-            <p:nvSpPr>
-              <p:cNvPr id="37" name="椭圆 36"/>
-              <p:cNvSpPr/>
-              <p:nvPr/>
-            </p:nvSpPr>
-            <p:spPr>
-              <a:xfrm>
-                <a:off x="5166" y="4108"/>
-                <a:ext cx="598" cy="598"/>
-              </a:xfrm>
-              <a:prstGeom prst="ellipse">
-                <a:avLst/>
-              </a:prstGeom>
-              <a:solidFill>
-                <a:schemeClr val="bg1"/>
-              </a:solidFill>
-              <a:ln w="12700" cmpd="sng">
-                <a:solidFill>
-                  <a:schemeClr val="accent1">
-                    <a:shade val="50000"/>
-                  </a:schemeClr>
-                </a:solidFill>
-                <a:prstDash val="solid"/>
-              </a:ln>
-            </p:spPr>
-            <p:style>
-              <a:lnRef idx="2">
-                <a:schemeClr val="accent1">
-                  <a:shade val="50000"/>
-                </a:schemeClr>
-              </a:lnRef>
-              <a:fillRef idx="1">
-                <a:schemeClr val="accent1"/>
-              </a:fillRef>
-              <a:effectRef idx="0">
-                <a:schemeClr val="accent1"/>
-              </a:effectRef>
-              <a:fontRef idx="minor">
-                <a:schemeClr val="lt1"/>
-              </a:fontRef>
-            </p:style>
-            <p:txBody>
-              <a:bodyPr rtlCol="0" anchor="ctr"/>
-              <a:p>
-                <a:pPr algn="ctr"/>
-                <a:endParaRPr lang="zh-CN" altLang="en-US"/>
-              </a:p>
-            </p:txBody>
-          </p:sp>
-        </p:grpSp>
+              <a:prstDash val="solid"/>
+            </a:ln>
+          </p:spPr>
+          <p:style>
+            <a:lnRef idx="2">
+              <a:schemeClr val="accent1">
+                <a:shade val="50000"/>
+              </a:schemeClr>
+            </a:lnRef>
+            <a:fillRef idx="1">
+              <a:schemeClr val="accent1"/>
+            </a:fillRef>
+            <a:effectRef idx="0">
+              <a:schemeClr val="accent1"/>
+            </a:effectRef>
+            <a:fontRef idx="minor">
+              <a:schemeClr val="lt1"/>
+            </a:fontRef>
+          </p:style>
+          <p:txBody>
+            <a:bodyPr rtlCol="0" anchor="ctr"/>
+            <a:p>
+              <a:pPr algn="ctr"/>
+              <a:endParaRPr lang="zh-CN" altLang="en-US"/>
+            </a:p>
+          </p:txBody>
+        </p:sp>
       </p:grpSp>
       <p:grpSp>
         <p:nvGrpSpPr>
@@ -9462,8 +9396,8 @@
         </p:nvGrpSpPr>
         <p:grpSpPr>
           <a:xfrm rot="0">
-            <a:off x="2972435" y="680720"/>
-            <a:ext cx="441960" cy="713740"/>
+            <a:off x="4610809" y="2788203"/>
+            <a:ext cx="441967" cy="713752"/>
             <a:chOff x="2755" y="2520"/>
             <a:chExt cx="696" cy="1124"/>
           </a:xfrm>
@@ -9585,8 +9519,8 @@
         </p:nvSpPr>
         <p:spPr>
           <a:xfrm rot="16200000">
-            <a:off x="2952115" y="1476375"/>
-            <a:ext cx="434340" cy="1408430"/>
+            <a:off x="1862485" y="3707697"/>
+            <a:ext cx="434347" cy="1408453"/>
           </a:xfrm>
           <a:prstGeom prst="rect">
             <a:avLst/>
@@ -9633,14 +9567,14 @@
         </p:nvSpPr>
         <p:spPr>
           <a:xfrm rot="16200000">
-            <a:off x="2490470" y="1990725"/>
-            <a:ext cx="379730" cy="379730"/>
+            <a:off x="1400833" y="4222056"/>
+            <a:ext cx="379736" cy="379736"/>
           </a:xfrm>
           <a:prstGeom prst="ellipse">
             <a:avLst/>
           </a:prstGeom>
           <a:solidFill>
-            <a:schemeClr val="tx1"/>
+            <a:schemeClr val="accent1"/>
           </a:solidFill>
           <a:ln w="12700" cmpd="sng">
             <a:solidFill>
@@ -9683,14 +9617,14 @@
         </p:nvSpPr>
         <p:spPr>
           <a:xfrm rot="16200000">
-            <a:off x="2922270" y="1990725"/>
-            <a:ext cx="379730" cy="379730"/>
+            <a:off x="1832640" y="4222056"/>
+            <a:ext cx="379736" cy="379736"/>
           </a:xfrm>
           <a:prstGeom prst="ellipse">
             <a:avLst/>
           </a:prstGeom>
           <a:solidFill>
-            <a:schemeClr val="tx1"/>
+            <a:schemeClr val="accent1"/>
           </a:solidFill>
           <a:ln w="12700" cmpd="sng">
             <a:solidFill>
@@ -9733,14 +9667,14 @@
         </p:nvSpPr>
         <p:spPr>
           <a:xfrm rot="16200000">
-            <a:off x="3354705" y="1990725"/>
-            <a:ext cx="379730" cy="379730"/>
+            <a:off x="2265082" y="4222056"/>
+            <a:ext cx="379736" cy="379736"/>
           </a:xfrm>
           <a:prstGeom prst="ellipse">
             <a:avLst/>
           </a:prstGeom>
           <a:solidFill>
-            <a:schemeClr val="tx1"/>
+            <a:schemeClr val="accent1"/>
           </a:solidFill>
           <a:ln w="12700" cmpd="sng">
             <a:solidFill>
@@ -9783,8 +9717,8 @@
         </p:nvSpPr>
         <p:spPr>
           <a:xfrm>
-            <a:off x="8657590" y="1517650"/>
-            <a:ext cx="1721485" cy="368300"/>
+            <a:off x="8657730" y="3488619"/>
+            <a:ext cx="1721513" cy="368300"/>
           </a:xfrm>
           <a:prstGeom prst="rect">
             <a:avLst/>
@@ -9812,14 +9746,14 @@
         </p:nvSpPr>
         <p:spPr>
           <a:xfrm>
-            <a:off x="8998585" y="2107565"/>
-            <a:ext cx="425450" cy="425450"/>
+            <a:off x="8998730" y="4078543"/>
+            <a:ext cx="425457" cy="425457"/>
           </a:xfrm>
           <a:prstGeom prst="triangle">
             <a:avLst/>
           </a:prstGeom>
           <a:solidFill>
-            <a:schemeClr val="tx1"/>
+            <a:schemeClr val="accent1"/>
           </a:solidFill>
           <a:ln w="12700" cmpd="sng">
             <a:solidFill>
@@ -9862,14 +9796,14 @@
         </p:nvSpPr>
         <p:spPr>
           <a:xfrm>
-            <a:off x="9017635" y="2809240"/>
-            <a:ext cx="425450" cy="425450"/>
+            <a:off x="9017780" y="4780230"/>
+            <a:ext cx="425457" cy="425457"/>
           </a:xfrm>
           <a:prstGeom prst="triangle">
             <a:avLst/>
           </a:prstGeom>
           <a:solidFill>
-            <a:schemeClr val="tx1"/>
+            <a:schemeClr val="accent1"/>
           </a:solidFill>
           <a:ln w="12700" cmpd="sng">
             <a:solidFill>
@@ -9912,8 +9846,8 @@
         </p:nvSpPr>
         <p:spPr>
           <a:xfrm>
-            <a:off x="8998585" y="4771390"/>
-            <a:ext cx="425450" cy="425450"/>
+            <a:off x="8998730" y="6742411"/>
+            <a:ext cx="425457" cy="425457"/>
           </a:xfrm>
           <a:prstGeom prst="triangle">
             <a:avLst/>
@@ -9962,8 +9896,8 @@
         </p:nvSpPr>
         <p:spPr>
           <a:xfrm>
-            <a:off x="11754485" y="2035175"/>
-            <a:ext cx="528955" cy="4731385"/>
+            <a:off x="11754675" y="4006152"/>
+            <a:ext cx="528964" cy="4731461"/>
           </a:xfrm>
           <a:prstGeom prst="rect">
             <a:avLst/>
@@ -10010,14 +9944,14 @@
         </p:nvSpPr>
         <p:spPr>
           <a:xfrm>
-            <a:off x="11786235" y="2193290"/>
-            <a:ext cx="425450" cy="425450"/>
+            <a:off x="11786425" y="4164270"/>
+            <a:ext cx="425457" cy="425457"/>
           </a:xfrm>
           <a:prstGeom prst="triangle">
             <a:avLst/>
           </a:prstGeom>
           <a:solidFill>
-            <a:schemeClr val="tx1"/>
+            <a:schemeClr val="accent1"/>
           </a:solidFill>
           <a:ln w="12700" cmpd="sng">
             <a:solidFill>
@@ -10060,14 +9994,14 @@
         </p:nvSpPr>
         <p:spPr>
           <a:xfrm>
-            <a:off x="11805285" y="2894965"/>
-            <a:ext cx="425450" cy="425450"/>
+            <a:off x="11805475" y="4865956"/>
+            <a:ext cx="425457" cy="425457"/>
           </a:xfrm>
           <a:prstGeom prst="triangle">
             <a:avLst/>
           </a:prstGeom>
           <a:solidFill>
-            <a:schemeClr val="tx1"/>
+            <a:schemeClr val="accent1"/>
           </a:solidFill>
           <a:ln w="12700" cmpd="sng">
             <a:solidFill>
@@ -10110,14 +10044,14 @@
         </p:nvSpPr>
         <p:spPr>
           <a:xfrm>
-            <a:off x="11786235" y="4857115"/>
-            <a:ext cx="425450" cy="425450"/>
+            <a:off x="11786425" y="6828138"/>
+            <a:ext cx="425457" cy="425457"/>
           </a:xfrm>
           <a:prstGeom prst="triangle">
             <a:avLst/>
           </a:prstGeom>
           <a:solidFill>
-            <a:schemeClr val="tx1"/>
+            <a:schemeClr val="accent1"/>
           </a:solidFill>
           <a:ln w="12700" cmpd="sng">
             <a:solidFill>
@@ -10160,8 +10094,8 @@
         </p:nvSpPr>
         <p:spPr>
           <a:xfrm>
-            <a:off x="11466195" y="1530985"/>
-            <a:ext cx="1721485" cy="368300"/>
+            <a:off x="11466380" y="3501954"/>
+            <a:ext cx="1721513" cy="368300"/>
           </a:xfrm>
           <a:prstGeom prst="rect">
             <a:avLst/>
@@ -10189,8 +10123,8 @@
         </p:nvSpPr>
         <p:spPr>
           <a:xfrm>
-            <a:off x="5201285" y="3641725"/>
-            <a:ext cx="3384550" cy="833755"/>
+            <a:off x="4675580" y="5660354"/>
+            <a:ext cx="3384605" cy="833768"/>
           </a:xfrm>
           <a:prstGeom prst="rightArrow">
             <a:avLst>
@@ -10242,8 +10176,8 @@
         </p:nvSpPr>
         <p:spPr>
           <a:xfrm>
-            <a:off x="9521825" y="3641725"/>
-            <a:ext cx="1298575" cy="833755"/>
+            <a:off x="9521979" y="5612728"/>
+            <a:ext cx="1298596" cy="833768"/>
           </a:xfrm>
           <a:prstGeom prst="rightArrow">
             <a:avLst>
@@ -10295,8 +10229,8 @@
         </p:nvSpPr>
         <p:spPr>
           <a:xfrm>
-            <a:off x="11034395" y="3614420"/>
-            <a:ext cx="1298575" cy="833755"/>
+            <a:off x="11034573" y="5585423"/>
+            <a:ext cx="1298596" cy="833768"/>
           </a:xfrm>
           <a:prstGeom prst="rightArrow">
             <a:avLst>
@@ -10336,6 +10270,2303 @@
           <a:bodyPr rtlCol="0" anchor="ctr"/>
           <a:p>
             <a:pPr algn="ctr"/>
+            <a:endParaRPr lang="zh-CN" altLang="en-US"/>
+          </a:p>
+        </p:txBody>
+      </p:sp>
+    </p:spTree>
+  </p:cSld>
+  <p:clrMapOvr>
+    <a:masterClrMapping/>
+  </p:clrMapOvr>
+</p:sld>
+</file>
+
+<file path=ppt/slides/slide3.xml><?xml version="1.0" encoding="utf-8"?>
+<p:sld xmlns:a="http://schemas.openxmlformats.org/drawingml/2006/main" xmlns:r="http://schemas.openxmlformats.org/officeDocument/2006/relationships" xmlns:p="http://schemas.openxmlformats.org/presentationml/2006/main">
+  <p:cSld>
+    <p:spTree>
+      <p:nvGrpSpPr>
+        <p:cNvPr id="1" name=""/>
+        <p:cNvGrpSpPr/>
+        <p:nvPr/>
+      </p:nvGrpSpPr>
+      <p:grpSpPr/>
+      <p:sp>
+        <p:nvSpPr>
+          <p:cNvPr id="3" name="矩形 2"/>
+          <p:cNvSpPr/>
+          <p:nvPr/>
+        </p:nvSpPr>
+        <p:spPr>
+          <a:xfrm>
+            <a:off x="5240691" y="693364"/>
+            <a:ext cx="205108" cy="145417"/>
+          </a:xfrm>
+          <a:prstGeom prst="rect">
+            <a:avLst/>
+          </a:prstGeom>
+        </p:spPr>
+        <p:style>
+          <a:lnRef idx="2">
+            <a:schemeClr val="accent1">
+              <a:shade val="50000"/>
+            </a:schemeClr>
+          </a:lnRef>
+          <a:fillRef idx="1">
+            <a:schemeClr val="accent1"/>
+          </a:fillRef>
+          <a:effectRef idx="0">
+            <a:schemeClr val="accent1"/>
+          </a:effectRef>
+          <a:fontRef idx="minor">
+            <a:schemeClr val="lt1"/>
+          </a:fontRef>
+        </p:style>
+        <p:txBody>
+          <a:bodyPr rtlCol="0" anchor="ctr"/>
+          <a:p>
+            <a:pPr algn="ctr"/>
+            <a:endParaRPr lang="zh-CN" altLang="en-US"/>
+          </a:p>
+        </p:txBody>
+      </p:sp>
+      <p:sp>
+        <p:nvSpPr>
+          <p:cNvPr id="5" name="矩形 4"/>
+          <p:cNvSpPr/>
+          <p:nvPr/>
+        </p:nvSpPr>
+        <p:spPr>
+          <a:xfrm rot="16200000">
+            <a:off x="5954491" y="4298892"/>
+            <a:ext cx="746137" cy="3808791"/>
+          </a:xfrm>
+          <a:prstGeom prst="rect">
+            <a:avLst/>
+          </a:prstGeom>
+          <a:noFill/>
+          <a:ln w="12700" cmpd="sng">
+            <a:solidFill>
+              <a:schemeClr val="accent1">
+                <a:shade val="50000"/>
+              </a:schemeClr>
+            </a:solidFill>
+            <a:prstDash val="solid"/>
+          </a:ln>
+        </p:spPr>
+        <p:style>
+          <a:lnRef idx="2">
+            <a:schemeClr val="accent1">
+              <a:shade val="50000"/>
+            </a:schemeClr>
+          </a:lnRef>
+          <a:fillRef idx="1">
+            <a:schemeClr val="accent1"/>
+          </a:fillRef>
+          <a:effectRef idx="0">
+            <a:schemeClr val="accent1"/>
+          </a:effectRef>
+          <a:fontRef idx="minor">
+            <a:schemeClr val="lt1"/>
+          </a:fontRef>
+        </p:style>
+        <p:txBody>
+          <a:bodyPr rtlCol="0" anchor="ctr"/>
+          <a:p>
+            <a:pPr algn="ctr"/>
+            <a:endParaRPr lang="zh-CN" altLang="en-US"/>
+          </a:p>
+        </p:txBody>
+      </p:sp>
+      <p:sp>
+        <p:nvSpPr>
+          <p:cNvPr id="6" name="矩形 5"/>
+          <p:cNvSpPr/>
+          <p:nvPr/>
+        </p:nvSpPr>
+        <p:spPr>
+          <a:xfrm>
+            <a:off x="9400540" y="2176780"/>
+            <a:ext cx="1259840" cy="6145530"/>
+          </a:xfrm>
+          <a:prstGeom prst="rect">
+            <a:avLst/>
+          </a:prstGeom>
+          <a:noFill/>
+          <a:ln w="12700" cmpd="sng">
+            <a:solidFill>
+              <a:schemeClr val="accent1">
+                <a:shade val="50000"/>
+              </a:schemeClr>
+            </a:solidFill>
+            <a:prstDash val="solid"/>
+          </a:ln>
+        </p:spPr>
+        <p:style>
+          <a:lnRef idx="2">
+            <a:schemeClr val="accent1">
+              <a:shade val="50000"/>
+            </a:schemeClr>
+          </a:lnRef>
+          <a:fillRef idx="1">
+            <a:schemeClr val="accent1"/>
+          </a:fillRef>
+          <a:effectRef idx="0">
+            <a:schemeClr val="accent1"/>
+          </a:effectRef>
+          <a:fontRef idx="minor">
+            <a:schemeClr val="lt1"/>
+          </a:fontRef>
+        </p:style>
+        <p:txBody>
+          <a:bodyPr rtlCol="0" anchor="ctr"/>
+          <a:p>
+            <a:pPr algn="ctr"/>
+            <a:endParaRPr lang="zh-CN" altLang="en-US"/>
+          </a:p>
+        </p:txBody>
+      </p:sp>
+      <p:sp>
+        <p:nvSpPr>
+          <p:cNvPr id="8" name="文本框 7"/>
+          <p:cNvSpPr txBox="1"/>
+          <p:nvPr/>
+        </p:nvSpPr>
+        <p:spPr>
+          <a:xfrm>
+            <a:off x="5746794" y="580333"/>
+            <a:ext cx="1721513" cy="368300"/>
+          </a:xfrm>
+          <a:prstGeom prst="rect">
+            <a:avLst/>
+          </a:prstGeom>
+          <a:noFill/>
+        </p:spPr>
+        <p:txBody>
+          <a:bodyPr wrap="square" rtlCol="0">
+            <a:spAutoFit/>
+          </a:bodyPr>
+          <a:p>
+            <a:r>
+              <a:rPr lang="zh-CN" altLang="en-US"/>
+              <a:t>被抽查的作业</a:t>
+            </a:r>
+            <a:endParaRPr lang="zh-CN" altLang="en-US"/>
+          </a:p>
+        </p:txBody>
+      </p:sp>
+      <p:grpSp>
+        <p:nvGrpSpPr>
+          <p:cNvPr id="16" name="组合 15"/>
+          <p:cNvGrpSpPr/>
+          <p:nvPr/>
+        </p:nvGrpSpPr>
+        <p:grpSpPr>
+          <a:xfrm rot="0">
+            <a:off x="5039441" y="3148253"/>
+            <a:ext cx="441967" cy="713752"/>
+            <a:chOff x="2755" y="2520"/>
+            <a:chExt cx="696" cy="1124"/>
+          </a:xfrm>
+        </p:grpSpPr>
+        <p:sp>
+          <p:nvSpPr>
+            <p:cNvPr id="15" name="等腰三角形 14"/>
+            <p:cNvSpPr/>
+            <p:nvPr/>
+          </p:nvSpPr>
+          <p:spPr>
+            <a:xfrm>
+              <a:off x="2755" y="2974"/>
+              <a:ext cx="670" cy="670"/>
+            </a:xfrm>
+            <a:prstGeom prst="triangle">
+              <a:avLst/>
+            </a:prstGeom>
+            <a:solidFill>
+              <a:schemeClr val="accent1"/>
+            </a:solidFill>
+            <a:ln w="12700" cmpd="sng">
+              <a:solidFill>
+                <a:schemeClr val="accent1">
+                  <a:shade val="50000"/>
+                </a:schemeClr>
+              </a:solidFill>
+              <a:prstDash val="solid"/>
+            </a:ln>
+          </p:spPr>
+          <p:style>
+            <a:lnRef idx="2">
+              <a:schemeClr val="accent1">
+                <a:shade val="50000"/>
+              </a:schemeClr>
+            </a:lnRef>
+            <a:fillRef idx="1">
+              <a:schemeClr val="accent1"/>
+            </a:fillRef>
+            <a:effectRef idx="0">
+              <a:schemeClr val="accent1"/>
+            </a:effectRef>
+            <a:fontRef idx="minor">
+              <a:schemeClr val="lt1"/>
+            </a:fontRef>
+          </p:style>
+          <p:txBody>
+            <a:bodyPr rtlCol="0" anchor="ctr"/>
+            <a:p>
+              <a:pPr algn="ctr"/>
+              <a:endParaRPr lang="zh-CN" altLang="en-US"/>
+            </a:p>
+          </p:txBody>
+        </p:sp>
+        <p:sp>
+          <p:nvSpPr>
+            <p:cNvPr id="14" name="椭圆 13"/>
+            <p:cNvSpPr/>
+            <p:nvPr/>
+          </p:nvSpPr>
+          <p:spPr>
+            <a:xfrm>
+              <a:off x="2755" y="2520"/>
+              <a:ext cx="697" cy="697"/>
+            </a:xfrm>
+            <a:prstGeom prst="ellipse">
+              <a:avLst/>
+            </a:prstGeom>
+            <a:solidFill>
+              <a:schemeClr val="accent1"/>
+            </a:solidFill>
+            <a:ln w="12700" cmpd="sng">
+              <a:solidFill>
+                <a:schemeClr val="accent1">
+                  <a:shade val="50000"/>
+                </a:schemeClr>
+              </a:solidFill>
+              <a:prstDash val="solid"/>
+            </a:ln>
+          </p:spPr>
+          <p:style>
+            <a:lnRef idx="2">
+              <a:schemeClr val="accent1">
+                <a:shade val="50000"/>
+              </a:schemeClr>
+            </a:lnRef>
+            <a:fillRef idx="1">
+              <a:schemeClr val="accent1"/>
+            </a:fillRef>
+            <a:effectRef idx="0">
+              <a:schemeClr val="accent1"/>
+            </a:effectRef>
+            <a:fontRef idx="minor">
+              <a:schemeClr val="lt1"/>
+            </a:fontRef>
+          </p:style>
+          <p:txBody>
+            <a:bodyPr rtlCol="0" anchor="ctr"/>
+            <a:p>
+              <a:pPr algn="ctr"/>
+              <a:endParaRPr lang="zh-CN" altLang="en-US"/>
+            </a:p>
+          </p:txBody>
+        </p:sp>
+      </p:grpSp>
+      <p:cxnSp>
+        <p:nvCxnSpPr>
+          <p:cNvPr id="17" name="直接箭头连接符 16"/>
+          <p:cNvCxnSpPr/>
+          <p:nvPr/>
+        </p:nvCxnSpPr>
+        <p:spPr>
+          <a:xfrm rot="16200000">
+            <a:off x="5919565" y="3211119"/>
+            <a:ext cx="0" cy="604530"/>
+          </a:xfrm>
+          <a:prstGeom prst="straightConnector1">
+            <a:avLst/>
+          </a:prstGeom>
+          <a:ln>
+            <a:solidFill>
+              <a:schemeClr val="tx1"/>
+            </a:solidFill>
+            <a:tailEnd type="triangle"/>
+          </a:ln>
+        </p:spPr>
+        <p:style>
+          <a:lnRef idx="1">
+            <a:schemeClr val="accent1"/>
+          </a:lnRef>
+          <a:fillRef idx="0">
+            <a:schemeClr val="accent1"/>
+          </a:fillRef>
+          <a:effectRef idx="0">
+            <a:schemeClr val="accent1"/>
+          </a:effectRef>
+          <a:fontRef idx="minor">
+            <a:schemeClr val="tx1"/>
+          </a:fontRef>
+        </p:style>
+      </p:cxnSp>
+      <p:grpSp>
+        <p:nvGrpSpPr>
+          <p:cNvPr id="38" name="组合 37"/>
+          <p:cNvGrpSpPr/>
+          <p:nvPr/>
+        </p:nvGrpSpPr>
+        <p:grpSpPr>
+          <a:xfrm rot="16200000">
+            <a:off x="6733649" y="2809158"/>
+            <a:ext cx="434347" cy="1408453"/>
+            <a:chOff x="2294" y="2707"/>
+            <a:chExt cx="684" cy="2218"/>
+          </a:xfrm>
+        </p:grpSpPr>
+        <p:sp>
+          <p:nvSpPr>
+            <p:cNvPr id="18" name="矩形 17"/>
+            <p:cNvSpPr/>
+            <p:nvPr/>
+          </p:nvSpPr>
+          <p:spPr>
+            <a:xfrm>
+              <a:off x="2294" y="2707"/>
+              <a:ext cx="684" cy="2218"/>
+            </a:xfrm>
+            <a:prstGeom prst="rect">
+              <a:avLst/>
+            </a:prstGeom>
+            <a:noFill/>
+            <a:ln w="12700" cmpd="sng">
+              <a:solidFill>
+                <a:schemeClr val="accent1">
+                  <a:shade val="50000"/>
+                </a:schemeClr>
+              </a:solidFill>
+              <a:prstDash val="solid"/>
+            </a:ln>
+          </p:spPr>
+          <p:style>
+            <a:lnRef idx="2">
+              <a:schemeClr val="accent1">
+                <a:shade val="50000"/>
+              </a:schemeClr>
+            </a:lnRef>
+            <a:fillRef idx="1">
+              <a:schemeClr val="accent1"/>
+            </a:fillRef>
+            <a:effectRef idx="0">
+              <a:schemeClr val="accent1"/>
+            </a:effectRef>
+            <a:fontRef idx="minor">
+              <a:schemeClr val="lt1"/>
+            </a:fontRef>
+          </p:style>
+          <p:txBody>
+            <a:bodyPr rtlCol="0" anchor="ctr"/>
+            <a:p>
+              <a:pPr algn="ctr"/>
+              <a:endParaRPr lang="zh-CN" altLang="en-US"/>
+            </a:p>
+          </p:txBody>
+        </p:sp>
+        <p:sp>
+          <p:nvSpPr>
+            <p:cNvPr id="19" name="椭圆 18"/>
+            <p:cNvSpPr/>
+            <p:nvPr/>
+          </p:nvSpPr>
+          <p:spPr>
+            <a:xfrm>
+              <a:off x="2337" y="2747"/>
+              <a:ext cx="598" cy="598"/>
+            </a:xfrm>
+            <a:prstGeom prst="ellipse">
+              <a:avLst/>
+            </a:prstGeom>
+            <a:solidFill>
+              <a:schemeClr val="accent1"/>
+            </a:solidFill>
+            <a:ln w="12700" cmpd="sng">
+              <a:solidFill>
+                <a:schemeClr val="accent1">
+                  <a:shade val="50000"/>
+                </a:schemeClr>
+              </a:solidFill>
+              <a:prstDash val="solid"/>
+            </a:ln>
+          </p:spPr>
+          <p:style>
+            <a:lnRef idx="2">
+              <a:schemeClr val="accent1">
+                <a:shade val="50000"/>
+              </a:schemeClr>
+            </a:lnRef>
+            <a:fillRef idx="1">
+              <a:schemeClr val="accent1"/>
+            </a:fillRef>
+            <a:effectRef idx="0">
+              <a:schemeClr val="accent1"/>
+            </a:effectRef>
+            <a:fontRef idx="minor">
+              <a:schemeClr val="lt1"/>
+            </a:fontRef>
+          </p:style>
+          <p:txBody>
+            <a:bodyPr rtlCol="0" anchor="ctr"/>
+            <a:p>
+              <a:pPr algn="ctr"/>
+              <a:endParaRPr lang="zh-CN" altLang="en-US"/>
+            </a:p>
+          </p:txBody>
+        </p:sp>
+        <p:sp>
+          <p:nvSpPr>
+            <p:cNvPr id="20" name="椭圆 19"/>
+            <p:cNvSpPr/>
+            <p:nvPr/>
+          </p:nvSpPr>
+          <p:spPr>
+            <a:xfrm>
+              <a:off x="2337" y="3427"/>
+              <a:ext cx="598" cy="598"/>
+            </a:xfrm>
+            <a:prstGeom prst="ellipse">
+              <a:avLst/>
+            </a:prstGeom>
+            <a:solidFill>
+              <a:schemeClr val="bg1"/>
+            </a:solidFill>
+            <a:ln w="12700" cmpd="sng">
+              <a:solidFill>
+                <a:schemeClr val="accent1">
+                  <a:shade val="50000"/>
+                </a:schemeClr>
+              </a:solidFill>
+              <a:prstDash val="solid"/>
+            </a:ln>
+          </p:spPr>
+          <p:style>
+            <a:lnRef idx="2">
+              <a:schemeClr val="accent1">
+                <a:shade val="50000"/>
+              </a:schemeClr>
+            </a:lnRef>
+            <a:fillRef idx="1">
+              <a:schemeClr val="accent1"/>
+            </a:fillRef>
+            <a:effectRef idx="0">
+              <a:schemeClr val="accent1"/>
+            </a:effectRef>
+            <a:fontRef idx="minor">
+              <a:schemeClr val="lt1"/>
+            </a:fontRef>
+          </p:style>
+          <p:txBody>
+            <a:bodyPr rtlCol="0" anchor="ctr"/>
+            <a:p>
+              <a:pPr algn="ctr"/>
+              <a:endParaRPr lang="zh-CN" altLang="en-US"/>
+            </a:p>
+          </p:txBody>
+        </p:sp>
+        <p:sp>
+          <p:nvSpPr>
+            <p:cNvPr id="21" name="椭圆 20"/>
+            <p:cNvSpPr/>
+            <p:nvPr/>
+          </p:nvSpPr>
+          <p:spPr>
+            <a:xfrm>
+              <a:off x="2337" y="4108"/>
+              <a:ext cx="598" cy="598"/>
+            </a:xfrm>
+            <a:prstGeom prst="ellipse">
+              <a:avLst/>
+            </a:prstGeom>
+            <a:solidFill>
+              <a:schemeClr val="bg1"/>
+            </a:solidFill>
+            <a:ln w="12700" cmpd="sng">
+              <a:solidFill>
+                <a:schemeClr val="accent1">
+                  <a:shade val="50000"/>
+                </a:schemeClr>
+              </a:solidFill>
+              <a:prstDash val="solid"/>
+            </a:ln>
+          </p:spPr>
+          <p:style>
+            <a:lnRef idx="2">
+              <a:schemeClr val="accent1">
+                <a:shade val="50000"/>
+              </a:schemeClr>
+            </a:lnRef>
+            <a:fillRef idx="1">
+              <a:schemeClr val="accent1"/>
+            </a:fillRef>
+            <a:effectRef idx="0">
+              <a:schemeClr val="accent1"/>
+            </a:effectRef>
+            <a:fontRef idx="minor">
+              <a:schemeClr val="lt1"/>
+            </a:fontRef>
+          </p:style>
+          <p:txBody>
+            <a:bodyPr rtlCol="0" anchor="ctr"/>
+            <a:p>
+              <a:pPr algn="ctr"/>
+              <a:endParaRPr lang="zh-CN" altLang="en-US"/>
+            </a:p>
+          </p:txBody>
+        </p:sp>
+      </p:grpSp>
+      <p:grpSp>
+        <p:nvGrpSpPr>
+          <p:cNvPr id="22" name="组合 21"/>
+          <p:cNvGrpSpPr/>
+          <p:nvPr/>
+        </p:nvGrpSpPr>
+        <p:grpSpPr>
+          <a:xfrm rot="0">
+            <a:off x="5039441" y="2226854"/>
+            <a:ext cx="441967" cy="713752"/>
+            <a:chOff x="2755" y="2520"/>
+            <a:chExt cx="696" cy="1124"/>
+          </a:xfrm>
+        </p:grpSpPr>
+        <p:sp>
+          <p:nvSpPr>
+            <p:cNvPr id="23" name="等腰三角形 22"/>
+            <p:cNvSpPr/>
+            <p:nvPr/>
+          </p:nvSpPr>
+          <p:spPr>
+            <a:xfrm>
+              <a:off x="2755" y="2974"/>
+              <a:ext cx="670" cy="670"/>
+            </a:xfrm>
+            <a:prstGeom prst="triangle">
+              <a:avLst/>
+            </a:prstGeom>
+            <a:solidFill>
+              <a:schemeClr val="accent1"/>
+            </a:solidFill>
+            <a:ln w="12700" cmpd="sng">
+              <a:solidFill>
+                <a:schemeClr val="accent1">
+                  <a:shade val="50000"/>
+                </a:schemeClr>
+              </a:solidFill>
+              <a:prstDash val="solid"/>
+            </a:ln>
+          </p:spPr>
+          <p:style>
+            <a:lnRef idx="2">
+              <a:schemeClr val="accent1">
+                <a:shade val="50000"/>
+              </a:schemeClr>
+            </a:lnRef>
+            <a:fillRef idx="1">
+              <a:schemeClr val="accent1"/>
+            </a:fillRef>
+            <a:effectRef idx="0">
+              <a:schemeClr val="accent1"/>
+            </a:effectRef>
+            <a:fontRef idx="minor">
+              <a:schemeClr val="lt1"/>
+            </a:fontRef>
+          </p:style>
+          <p:txBody>
+            <a:bodyPr rtlCol="0" anchor="ctr"/>
+            <a:p>
+              <a:pPr algn="ctr"/>
+              <a:endParaRPr lang="zh-CN" altLang="en-US"/>
+            </a:p>
+          </p:txBody>
+        </p:sp>
+        <p:sp>
+          <p:nvSpPr>
+            <p:cNvPr id="24" name="椭圆 23"/>
+            <p:cNvSpPr/>
+            <p:nvPr/>
+          </p:nvSpPr>
+          <p:spPr>
+            <a:xfrm>
+              <a:off x="2755" y="2520"/>
+              <a:ext cx="697" cy="697"/>
+            </a:xfrm>
+            <a:prstGeom prst="ellipse">
+              <a:avLst/>
+            </a:prstGeom>
+            <a:solidFill>
+              <a:schemeClr val="accent1"/>
+            </a:solidFill>
+            <a:ln w="12700" cmpd="sng">
+              <a:solidFill>
+                <a:schemeClr val="accent1">
+                  <a:shade val="50000"/>
+                </a:schemeClr>
+              </a:solidFill>
+              <a:prstDash val="solid"/>
+            </a:ln>
+          </p:spPr>
+          <p:style>
+            <a:lnRef idx="2">
+              <a:schemeClr val="accent1">
+                <a:shade val="50000"/>
+              </a:schemeClr>
+            </a:lnRef>
+            <a:fillRef idx="1">
+              <a:schemeClr val="accent1"/>
+            </a:fillRef>
+            <a:effectRef idx="0">
+              <a:schemeClr val="accent1"/>
+            </a:effectRef>
+            <a:fontRef idx="minor">
+              <a:schemeClr val="lt1"/>
+            </a:fontRef>
+          </p:style>
+          <p:txBody>
+            <a:bodyPr rtlCol="0" anchor="ctr"/>
+            <a:p>
+              <a:pPr algn="ctr"/>
+              <a:endParaRPr lang="zh-CN" altLang="en-US"/>
+            </a:p>
+          </p:txBody>
+        </p:sp>
+      </p:grpSp>
+      <p:cxnSp>
+        <p:nvCxnSpPr>
+          <p:cNvPr id="25" name="直接箭头连接符 24"/>
+          <p:cNvCxnSpPr/>
+          <p:nvPr/>
+        </p:nvCxnSpPr>
+        <p:spPr>
+          <a:xfrm rot="16200000">
+            <a:off x="5919565" y="2289720"/>
+            <a:ext cx="0" cy="604530"/>
+          </a:xfrm>
+          <a:prstGeom prst="straightConnector1">
+            <a:avLst/>
+          </a:prstGeom>
+          <a:ln>
+            <a:solidFill>
+              <a:schemeClr val="tx1"/>
+            </a:solidFill>
+            <a:tailEnd type="triangle"/>
+          </a:ln>
+        </p:spPr>
+        <p:style>
+          <a:lnRef idx="1">
+            <a:schemeClr val="accent1"/>
+          </a:lnRef>
+          <a:fillRef idx="0">
+            <a:schemeClr val="accent1"/>
+          </a:fillRef>
+          <a:effectRef idx="0">
+            <a:schemeClr val="accent1"/>
+          </a:effectRef>
+          <a:fontRef idx="minor">
+            <a:schemeClr val="tx1"/>
+          </a:fontRef>
+        </p:style>
+      </p:cxnSp>
+      <p:grpSp>
+        <p:nvGrpSpPr>
+          <p:cNvPr id="71" name="组合 70"/>
+          <p:cNvGrpSpPr/>
+          <p:nvPr/>
+        </p:nvGrpSpPr>
+        <p:grpSpPr>
+          <a:xfrm rot="0">
+            <a:off x="6246596" y="2374811"/>
+            <a:ext cx="1408453" cy="434347"/>
+            <a:chOff x="3169" y="4139"/>
+            <a:chExt cx="2218" cy="684"/>
+          </a:xfrm>
+        </p:grpSpPr>
+        <p:sp>
+          <p:nvSpPr>
+            <p:cNvPr id="26" name="矩形 25"/>
+            <p:cNvSpPr/>
+            <p:nvPr/>
+          </p:nvSpPr>
+          <p:spPr>
+            <a:xfrm rot="16200000">
+              <a:off x="3936" y="3372"/>
+              <a:ext cx="684" cy="2218"/>
+            </a:xfrm>
+            <a:prstGeom prst="rect">
+              <a:avLst/>
+            </a:prstGeom>
+            <a:noFill/>
+            <a:ln w="12700" cmpd="sng">
+              <a:solidFill>
+                <a:schemeClr val="accent1">
+                  <a:shade val="50000"/>
+                </a:schemeClr>
+              </a:solidFill>
+              <a:prstDash val="solid"/>
+            </a:ln>
+          </p:spPr>
+          <p:style>
+            <a:lnRef idx="2">
+              <a:schemeClr val="accent1">
+                <a:shade val="50000"/>
+              </a:schemeClr>
+            </a:lnRef>
+            <a:fillRef idx="1">
+              <a:schemeClr val="accent1"/>
+            </a:fillRef>
+            <a:effectRef idx="0">
+              <a:schemeClr val="accent1"/>
+            </a:effectRef>
+            <a:fontRef idx="minor">
+              <a:schemeClr val="lt1"/>
+            </a:fontRef>
+          </p:style>
+          <p:txBody>
+            <a:bodyPr rtlCol="0" anchor="ctr"/>
+            <a:p>
+              <a:pPr algn="ctr"/>
+              <a:endParaRPr lang="zh-CN" altLang="en-US"/>
+            </a:p>
+          </p:txBody>
+        </p:sp>
+        <p:sp>
+          <p:nvSpPr>
+            <p:cNvPr id="27" name="椭圆 26"/>
+            <p:cNvSpPr/>
+            <p:nvPr/>
+          </p:nvSpPr>
+          <p:spPr>
+            <a:xfrm rot="16200000">
+              <a:off x="3209" y="4182"/>
+              <a:ext cx="598" cy="598"/>
+            </a:xfrm>
+            <a:prstGeom prst="ellipse">
+              <a:avLst/>
+            </a:prstGeom>
+            <a:solidFill>
+              <a:schemeClr val="accent1"/>
+            </a:solidFill>
+            <a:ln w="12700" cmpd="sng">
+              <a:solidFill>
+                <a:schemeClr val="accent1">
+                  <a:shade val="50000"/>
+                </a:schemeClr>
+              </a:solidFill>
+              <a:prstDash val="solid"/>
+            </a:ln>
+          </p:spPr>
+          <p:style>
+            <a:lnRef idx="2">
+              <a:schemeClr val="accent1">
+                <a:shade val="50000"/>
+              </a:schemeClr>
+            </a:lnRef>
+            <a:fillRef idx="1">
+              <a:schemeClr val="accent1"/>
+            </a:fillRef>
+            <a:effectRef idx="0">
+              <a:schemeClr val="accent1"/>
+            </a:effectRef>
+            <a:fontRef idx="minor">
+              <a:schemeClr val="lt1"/>
+            </a:fontRef>
+          </p:style>
+          <p:txBody>
+            <a:bodyPr rtlCol="0" anchor="ctr"/>
+            <a:p>
+              <a:pPr algn="ctr"/>
+              <a:endParaRPr lang="zh-CN" altLang="en-US"/>
+            </a:p>
+          </p:txBody>
+        </p:sp>
+        <p:sp>
+          <p:nvSpPr>
+            <p:cNvPr id="28" name="椭圆 27"/>
+            <p:cNvSpPr/>
+            <p:nvPr/>
+          </p:nvSpPr>
+          <p:spPr>
+            <a:xfrm rot="16200000">
+              <a:off x="3889" y="4182"/>
+              <a:ext cx="598" cy="598"/>
+            </a:xfrm>
+            <a:prstGeom prst="ellipse">
+              <a:avLst/>
+            </a:prstGeom>
+            <a:solidFill>
+              <a:schemeClr val="accent1"/>
+            </a:solidFill>
+            <a:ln w="12700" cmpd="sng">
+              <a:solidFill>
+                <a:schemeClr val="accent1">
+                  <a:shade val="50000"/>
+                </a:schemeClr>
+              </a:solidFill>
+              <a:prstDash val="solid"/>
+            </a:ln>
+          </p:spPr>
+          <p:style>
+            <a:lnRef idx="2">
+              <a:schemeClr val="accent1">
+                <a:shade val="50000"/>
+              </a:schemeClr>
+            </a:lnRef>
+            <a:fillRef idx="1">
+              <a:schemeClr val="accent1"/>
+            </a:fillRef>
+            <a:effectRef idx="0">
+              <a:schemeClr val="accent1"/>
+            </a:effectRef>
+            <a:fontRef idx="minor">
+              <a:schemeClr val="lt1"/>
+            </a:fontRef>
+          </p:style>
+          <p:txBody>
+            <a:bodyPr rtlCol="0" anchor="ctr"/>
+            <a:p>
+              <a:pPr algn="ctr"/>
+              <a:endParaRPr lang="zh-CN" altLang="en-US"/>
+            </a:p>
+          </p:txBody>
+        </p:sp>
+        <p:sp>
+          <p:nvSpPr>
+            <p:cNvPr id="29" name="椭圆 28"/>
+            <p:cNvSpPr/>
+            <p:nvPr/>
+          </p:nvSpPr>
+          <p:spPr>
+            <a:xfrm rot="16200000">
+              <a:off x="4570" y="4182"/>
+              <a:ext cx="598" cy="598"/>
+            </a:xfrm>
+            <a:prstGeom prst="ellipse">
+              <a:avLst/>
+            </a:prstGeom>
+            <a:solidFill>
+              <a:schemeClr val="bg1"/>
+            </a:solidFill>
+            <a:ln w="12700" cmpd="sng">
+              <a:solidFill>
+                <a:schemeClr val="accent1">
+                  <a:shade val="50000"/>
+                </a:schemeClr>
+              </a:solidFill>
+              <a:prstDash val="solid"/>
+            </a:ln>
+          </p:spPr>
+          <p:style>
+            <a:lnRef idx="2">
+              <a:schemeClr val="accent1">
+                <a:shade val="50000"/>
+              </a:schemeClr>
+            </a:lnRef>
+            <a:fillRef idx="1">
+              <a:schemeClr val="accent1"/>
+            </a:fillRef>
+            <a:effectRef idx="0">
+              <a:schemeClr val="accent1"/>
+            </a:effectRef>
+            <a:fontRef idx="minor">
+              <a:schemeClr val="lt1"/>
+            </a:fontRef>
+          </p:style>
+          <p:txBody>
+            <a:bodyPr rtlCol="0" anchor="ctr"/>
+            <a:p>
+              <a:pPr algn="ctr"/>
+              <a:endParaRPr lang="zh-CN" altLang="en-US"/>
+            </a:p>
+          </p:txBody>
+        </p:sp>
+      </p:grpSp>
+      <p:sp>
+        <p:nvSpPr>
+          <p:cNvPr id="31" name="等腰三角形 30"/>
+          <p:cNvSpPr/>
+          <p:nvPr/>
+        </p:nvSpPr>
+        <p:spPr>
+          <a:xfrm>
+            <a:off x="5039441" y="4357313"/>
+            <a:ext cx="425457" cy="425457"/>
+          </a:xfrm>
+          <a:prstGeom prst="triangle">
+            <a:avLst/>
+          </a:prstGeom>
+          <a:solidFill>
+            <a:schemeClr val="accent1"/>
+          </a:solidFill>
+          <a:ln w="12700" cmpd="sng">
+            <a:solidFill>
+              <a:schemeClr val="accent1">
+                <a:shade val="50000"/>
+              </a:schemeClr>
+            </a:solidFill>
+            <a:prstDash val="solid"/>
+          </a:ln>
+        </p:spPr>
+        <p:style>
+          <a:lnRef idx="2">
+            <a:schemeClr val="accent1">
+              <a:shade val="50000"/>
+            </a:schemeClr>
+          </a:lnRef>
+          <a:fillRef idx="1">
+            <a:schemeClr val="accent1"/>
+          </a:fillRef>
+          <a:effectRef idx="0">
+            <a:schemeClr val="accent1"/>
+          </a:effectRef>
+          <a:fontRef idx="minor">
+            <a:schemeClr val="lt1"/>
+          </a:fontRef>
+        </p:style>
+        <p:txBody>
+          <a:bodyPr rtlCol="0" anchor="ctr"/>
+          <a:p>
+            <a:pPr algn="ctr"/>
+            <a:endParaRPr lang="zh-CN" altLang="en-US"/>
+          </a:p>
+        </p:txBody>
+      </p:sp>
+      <p:sp>
+        <p:nvSpPr>
+          <p:cNvPr id="32" name="椭圆 31"/>
+          <p:cNvSpPr/>
+          <p:nvPr/>
+        </p:nvSpPr>
+        <p:spPr>
+          <a:xfrm>
+            <a:off x="5039441" y="4069018"/>
+            <a:ext cx="442602" cy="442602"/>
+          </a:xfrm>
+          <a:prstGeom prst="ellipse">
+            <a:avLst/>
+          </a:prstGeom>
+          <a:solidFill>
+            <a:schemeClr val="accent1"/>
+          </a:solidFill>
+          <a:ln w="12700" cmpd="sng">
+            <a:solidFill>
+              <a:schemeClr val="accent1">
+                <a:shade val="50000"/>
+              </a:schemeClr>
+            </a:solidFill>
+            <a:prstDash val="solid"/>
+          </a:ln>
+        </p:spPr>
+        <p:style>
+          <a:lnRef idx="2">
+            <a:schemeClr val="accent1">
+              <a:shade val="50000"/>
+            </a:schemeClr>
+          </a:lnRef>
+          <a:fillRef idx="1">
+            <a:schemeClr val="accent1"/>
+          </a:fillRef>
+          <a:effectRef idx="0">
+            <a:schemeClr val="accent1"/>
+          </a:effectRef>
+          <a:fontRef idx="minor">
+            <a:schemeClr val="lt1"/>
+          </a:fontRef>
+        </p:style>
+        <p:txBody>
+          <a:bodyPr rtlCol="0" anchor="ctr"/>
+          <a:p>
+            <a:pPr algn="ctr"/>
+            <a:endParaRPr lang="zh-CN" altLang="en-US"/>
+          </a:p>
+        </p:txBody>
+      </p:sp>
+      <p:cxnSp>
+        <p:nvCxnSpPr>
+          <p:cNvPr id="33" name="直接箭头连接符 32"/>
+          <p:cNvCxnSpPr/>
+          <p:nvPr/>
+        </p:nvCxnSpPr>
+        <p:spPr>
+          <a:xfrm rot="16200000">
+            <a:off x="5919565" y="4131884"/>
+            <a:ext cx="0" cy="604530"/>
+          </a:xfrm>
+          <a:prstGeom prst="straightConnector1">
+            <a:avLst/>
+          </a:prstGeom>
+          <a:ln>
+            <a:solidFill>
+              <a:schemeClr val="tx1"/>
+            </a:solidFill>
+            <a:tailEnd type="triangle"/>
+          </a:ln>
+        </p:spPr>
+        <p:style>
+          <a:lnRef idx="1">
+            <a:schemeClr val="accent1"/>
+          </a:lnRef>
+          <a:fillRef idx="0">
+            <a:schemeClr val="accent1"/>
+          </a:fillRef>
+          <a:effectRef idx="0">
+            <a:schemeClr val="accent1"/>
+          </a:effectRef>
+          <a:fontRef idx="minor">
+            <a:schemeClr val="tx1"/>
+          </a:fontRef>
+        </p:style>
+      </p:cxnSp>
+      <p:grpSp>
+        <p:nvGrpSpPr>
+          <p:cNvPr id="40" name="组合 39"/>
+          <p:cNvGrpSpPr/>
+          <p:nvPr/>
+        </p:nvGrpSpPr>
+        <p:grpSpPr>
+          <a:xfrm rot="16200000">
+            <a:off x="6733649" y="3729923"/>
+            <a:ext cx="434347" cy="1408453"/>
+            <a:chOff x="5123" y="2707"/>
+            <a:chExt cx="684" cy="2218"/>
+          </a:xfrm>
+        </p:grpSpPr>
+        <p:sp>
+          <p:nvSpPr>
+            <p:cNvPr id="34" name="矩形 33"/>
+            <p:cNvSpPr/>
+            <p:nvPr/>
+          </p:nvSpPr>
+          <p:spPr>
+            <a:xfrm>
+              <a:off x="5123" y="2707"/>
+              <a:ext cx="684" cy="2218"/>
+            </a:xfrm>
+            <a:prstGeom prst="rect">
+              <a:avLst/>
+            </a:prstGeom>
+            <a:noFill/>
+            <a:ln w="12700" cmpd="sng">
+              <a:solidFill>
+                <a:schemeClr val="accent1">
+                  <a:shade val="50000"/>
+                </a:schemeClr>
+              </a:solidFill>
+              <a:prstDash val="solid"/>
+            </a:ln>
+          </p:spPr>
+          <p:style>
+            <a:lnRef idx="2">
+              <a:schemeClr val="accent1">
+                <a:shade val="50000"/>
+              </a:schemeClr>
+            </a:lnRef>
+            <a:fillRef idx="1">
+              <a:schemeClr val="accent1"/>
+            </a:fillRef>
+            <a:effectRef idx="0">
+              <a:schemeClr val="accent1"/>
+            </a:effectRef>
+            <a:fontRef idx="minor">
+              <a:schemeClr val="lt1"/>
+            </a:fontRef>
+          </p:style>
+          <p:txBody>
+            <a:bodyPr rtlCol="0" anchor="ctr"/>
+            <a:p>
+              <a:pPr algn="ctr"/>
+              <a:endParaRPr lang="zh-CN" altLang="en-US"/>
+            </a:p>
+          </p:txBody>
+        </p:sp>
+        <p:sp>
+          <p:nvSpPr>
+            <p:cNvPr id="35" name="椭圆 34"/>
+            <p:cNvSpPr/>
+            <p:nvPr/>
+          </p:nvSpPr>
+          <p:spPr>
+            <a:xfrm>
+              <a:off x="5166" y="2747"/>
+              <a:ext cx="598" cy="598"/>
+            </a:xfrm>
+            <a:prstGeom prst="ellipse">
+              <a:avLst/>
+            </a:prstGeom>
+            <a:solidFill>
+              <a:schemeClr val="bg1"/>
+            </a:solidFill>
+            <a:ln w="12700" cmpd="sng">
+              <a:solidFill>
+                <a:schemeClr val="accent1">
+                  <a:shade val="50000"/>
+                </a:schemeClr>
+              </a:solidFill>
+              <a:prstDash val="solid"/>
+            </a:ln>
+          </p:spPr>
+          <p:style>
+            <a:lnRef idx="2">
+              <a:schemeClr val="accent1">
+                <a:shade val="50000"/>
+              </a:schemeClr>
+            </a:lnRef>
+            <a:fillRef idx="1">
+              <a:schemeClr val="accent1"/>
+            </a:fillRef>
+            <a:effectRef idx="0">
+              <a:schemeClr val="accent1"/>
+            </a:effectRef>
+            <a:fontRef idx="minor">
+              <a:schemeClr val="lt1"/>
+            </a:fontRef>
+          </p:style>
+          <p:txBody>
+            <a:bodyPr rtlCol="0" anchor="ctr"/>
+            <a:p>
+              <a:pPr algn="ctr"/>
+              <a:endParaRPr lang="zh-CN" altLang="en-US"/>
+            </a:p>
+          </p:txBody>
+        </p:sp>
+        <p:sp>
+          <p:nvSpPr>
+            <p:cNvPr id="36" name="椭圆 35"/>
+            <p:cNvSpPr/>
+            <p:nvPr/>
+          </p:nvSpPr>
+          <p:spPr>
+            <a:xfrm>
+              <a:off x="5166" y="3427"/>
+              <a:ext cx="598" cy="598"/>
+            </a:xfrm>
+            <a:prstGeom prst="ellipse">
+              <a:avLst/>
+            </a:prstGeom>
+            <a:solidFill>
+              <a:schemeClr val="bg1"/>
+            </a:solidFill>
+            <a:ln w="12700" cmpd="sng">
+              <a:solidFill>
+                <a:schemeClr val="accent1">
+                  <a:shade val="50000"/>
+                </a:schemeClr>
+              </a:solidFill>
+              <a:prstDash val="solid"/>
+            </a:ln>
+          </p:spPr>
+          <p:style>
+            <a:lnRef idx="2">
+              <a:schemeClr val="accent1">
+                <a:shade val="50000"/>
+              </a:schemeClr>
+            </a:lnRef>
+            <a:fillRef idx="1">
+              <a:schemeClr val="accent1"/>
+            </a:fillRef>
+            <a:effectRef idx="0">
+              <a:schemeClr val="accent1"/>
+            </a:effectRef>
+            <a:fontRef idx="minor">
+              <a:schemeClr val="lt1"/>
+            </a:fontRef>
+          </p:style>
+          <p:txBody>
+            <a:bodyPr rtlCol="0" anchor="ctr"/>
+            <a:p>
+              <a:pPr algn="ctr"/>
+              <a:endParaRPr lang="zh-CN" altLang="en-US"/>
+            </a:p>
+          </p:txBody>
+        </p:sp>
+        <p:sp>
+          <p:nvSpPr>
+            <p:cNvPr id="37" name="椭圆 36"/>
+            <p:cNvSpPr/>
+            <p:nvPr/>
+          </p:nvSpPr>
+          <p:spPr>
+            <a:xfrm>
+              <a:off x="5166" y="4108"/>
+              <a:ext cx="598" cy="598"/>
+            </a:xfrm>
+            <a:prstGeom prst="ellipse">
+              <a:avLst/>
+            </a:prstGeom>
+            <a:solidFill>
+              <a:schemeClr val="bg1"/>
+            </a:solidFill>
+            <a:ln w="12700" cmpd="sng">
+              <a:solidFill>
+                <a:schemeClr val="accent1">
+                  <a:shade val="50000"/>
+                </a:schemeClr>
+              </a:solidFill>
+              <a:prstDash val="solid"/>
+            </a:ln>
+          </p:spPr>
+          <p:style>
+            <a:lnRef idx="2">
+              <a:schemeClr val="accent1">
+                <a:shade val="50000"/>
+              </a:schemeClr>
+            </a:lnRef>
+            <a:fillRef idx="1">
+              <a:schemeClr val="accent1"/>
+            </a:fillRef>
+            <a:effectRef idx="0">
+              <a:schemeClr val="accent1"/>
+            </a:effectRef>
+            <a:fontRef idx="minor">
+              <a:schemeClr val="lt1"/>
+            </a:fontRef>
+          </p:style>
+          <p:txBody>
+            <a:bodyPr rtlCol="0" anchor="ctr"/>
+            <a:p>
+              <a:pPr algn="ctr"/>
+              <a:endParaRPr lang="zh-CN" altLang="en-US"/>
+            </a:p>
+          </p:txBody>
+        </p:sp>
+      </p:grpSp>
+      <p:grpSp>
+        <p:nvGrpSpPr>
+          <p:cNvPr id="53" name="组合 52"/>
+          <p:cNvGrpSpPr/>
+          <p:nvPr/>
+        </p:nvGrpSpPr>
+        <p:grpSpPr>
+          <a:xfrm rot="0">
+            <a:off x="5121309" y="761946"/>
+            <a:ext cx="441967" cy="713752"/>
+            <a:chOff x="2755" y="2520"/>
+            <a:chExt cx="696" cy="1124"/>
+          </a:xfrm>
+        </p:grpSpPr>
+        <p:sp>
+          <p:nvSpPr>
+            <p:cNvPr id="54" name="等腰三角形 53"/>
+            <p:cNvSpPr/>
+            <p:nvPr/>
+          </p:nvSpPr>
+          <p:spPr>
+            <a:xfrm>
+              <a:off x="2755" y="2974"/>
+              <a:ext cx="670" cy="670"/>
+            </a:xfrm>
+            <a:prstGeom prst="triangle">
+              <a:avLst/>
+            </a:prstGeom>
+            <a:solidFill>
+              <a:schemeClr val="tx1"/>
+            </a:solidFill>
+            <a:ln w="12700" cmpd="sng">
+              <a:solidFill>
+                <a:schemeClr val="accent1">
+                  <a:shade val="50000"/>
+                </a:schemeClr>
+              </a:solidFill>
+              <a:prstDash val="solid"/>
+            </a:ln>
+          </p:spPr>
+          <p:style>
+            <a:lnRef idx="2">
+              <a:schemeClr val="accent1">
+                <a:shade val="50000"/>
+              </a:schemeClr>
+            </a:lnRef>
+            <a:fillRef idx="1">
+              <a:schemeClr val="accent1"/>
+            </a:fillRef>
+            <a:effectRef idx="0">
+              <a:schemeClr val="accent1"/>
+            </a:effectRef>
+            <a:fontRef idx="minor">
+              <a:schemeClr val="lt1"/>
+            </a:fontRef>
+          </p:style>
+          <p:txBody>
+            <a:bodyPr rtlCol="0" anchor="ctr"/>
+            <a:p>
+              <a:pPr algn="ctr"/>
+              <a:endParaRPr lang="zh-CN" altLang="en-US"/>
+            </a:p>
+          </p:txBody>
+        </p:sp>
+        <p:sp>
+          <p:nvSpPr>
+            <p:cNvPr id="55" name="椭圆 54"/>
+            <p:cNvSpPr/>
+            <p:nvPr/>
+          </p:nvSpPr>
+          <p:spPr>
+            <a:xfrm>
+              <a:off x="2755" y="2520"/>
+              <a:ext cx="697" cy="697"/>
+            </a:xfrm>
+            <a:prstGeom prst="ellipse">
+              <a:avLst/>
+            </a:prstGeom>
+            <a:gradFill>
+              <a:gsLst>
+                <a:gs pos="0">
+                  <a:srgbClr val="E30000"/>
+                </a:gs>
+                <a:gs pos="100000">
+                  <a:srgbClr val="760303"/>
+                </a:gs>
+              </a:gsLst>
+              <a:lin ang="5400000" scaled="0"/>
+            </a:gradFill>
+            <a:ln w="12700" cmpd="sng">
+              <a:solidFill>
+                <a:schemeClr val="accent1">
+                  <a:shade val="50000"/>
+                </a:schemeClr>
+              </a:solidFill>
+              <a:prstDash val="solid"/>
+            </a:ln>
+          </p:spPr>
+          <p:style>
+            <a:lnRef idx="2">
+              <a:schemeClr val="accent1">
+                <a:shade val="50000"/>
+              </a:schemeClr>
+            </a:lnRef>
+            <a:fillRef idx="1">
+              <a:schemeClr val="accent1"/>
+            </a:fillRef>
+            <a:effectRef idx="0">
+              <a:schemeClr val="accent1"/>
+            </a:effectRef>
+            <a:fontRef idx="minor">
+              <a:schemeClr val="lt1"/>
+            </a:fontRef>
+          </p:style>
+          <p:txBody>
+            <a:bodyPr rtlCol="0" anchor="ctr"/>
+            <a:p>
+              <a:pPr algn="ctr"/>
+              <a:endParaRPr lang="zh-CN" altLang="en-US"/>
+            </a:p>
+          </p:txBody>
+        </p:sp>
+      </p:grpSp>
+      <p:sp>
+        <p:nvSpPr>
+          <p:cNvPr id="67" name="矩形 66"/>
+          <p:cNvSpPr/>
+          <p:nvPr/>
+        </p:nvSpPr>
+        <p:spPr>
+          <a:xfrm rot="16200000">
+            <a:off x="6305603" y="461586"/>
+            <a:ext cx="434347" cy="1408453"/>
+          </a:xfrm>
+          <a:prstGeom prst="rect">
+            <a:avLst/>
+          </a:prstGeom>
+          <a:noFill/>
+          <a:ln w="12700" cmpd="sng">
+            <a:solidFill>
+              <a:schemeClr val="accent1">
+                <a:shade val="50000"/>
+              </a:schemeClr>
+            </a:solidFill>
+            <a:prstDash val="solid"/>
+          </a:ln>
+        </p:spPr>
+        <p:style>
+          <a:lnRef idx="2">
+            <a:schemeClr val="accent1">
+              <a:shade val="50000"/>
+            </a:schemeClr>
+          </a:lnRef>
+          <a:fillRef idx="1">
+            <a:schemeClr val="accent1"/>
+          </a:fillRef>
+          <a:effectRef idx="0">
+            <a:schemeClr val="accent1"/>
+          </a:effectRef>
+          <a:fontRef idx="minor">
+            <a:schemeClr val="lt1"/>
+          </a:fontRef>
+        </p:style>
+        <p:txBody>
+          <a:bodyPr rtlCol="0" anchor="ctr"/>
+          <a:p>
+            <a:pPr algn="ctr"/>
+            <a:endParaRPr lang="zh-CN" altLang="en-US"/>
+          </a:p>
+        </p:txBody>
+      </p:sp>
+      <p:sp>
+        <p:nvSpPr>
+          <p:cNvPr id="68" name="椭圆 67"/>
+          <p:cNvSpPr/>
+          <p:nvPr/>
+        </p:nvSpPr>
+        <p:spPr>
+          <a:xfrm rot="16200000">
+            <a:off x="5843951" y="975944"/>
+            <a:ext cx="379736" cy="379736"/>
+          </a:xfrm>
+          <a:prstGeom prst="ellipse">
+            <a:avLst/>
+          </a:prstGeom>
+          <a:solidFill>
+            <a:schemeClr val="accent1"/>
+          </a:solidFill>
+          <a:ln w="12700" cmpd="sng">
+            <a:solidFill>
+              <a:schemeClr val="accent1">
+                <a:shade val="50000"/>
+              </a:schemeClr>
+            </a:solidFill>
+            <a:prstDash val="solid"/>
+          </a:ln>
+        </p:spPr>
+        <p:style>
+          <a:lnRef idx="2">
+            <a:schemeClr val="accent1">
+              <a:shade val="50000"/>
+            </a:schemeClr>
+          </a:lnRef>
+          <a:fillRef idx="1">
+            <a:schemeClr val="accent1"/>
+          </a:fillRef>
+          <a:effectRef idx="0">
+            <a:schemeClr val="accent1"/>
+          </a:effectRef>
+          <a:fontRef idx="minor">
+            <a:schemeClr val="lt1"/>
+          </a:fontRef>
+        </p:style>
+        <p:txBody>
+          <a:bodyPr rtlCol="0" anchor="ctr"/>
+          <a:p>
+            <a:pPr algn="ctr"/>
+            <a:endParaRPr lang="zh-CN" altLang="en-US"/>
+          </a:p>
+        </p:txBody>
+      </p:sp>
+      <p:sp>
+        <p:nvSpPr>
+          <p:cNvPr id="69" name="椭圆 68"/>
+          <p:cNvSpPr/>
+          <p:nvPr/>
+        </p:nvSpPr>
+        <p:spPr>
+          <a:xfrm rot="16200000">
+            <a:off x="6275758" y="975944"/>
+            <a:ext cx="379736" cy="379736"/>
+          </a:xfrm>
+          <a:prstGeom prst="ellipse">
+            <a:avLst/>
+          </a:prstGeom>
+          <a:solidFill>
+            <a:schemeClr val="accent1"/>
+          </a:solidFill>
+          <a:ln w="12700" cmpd="sng">
+            <a:solidFill>
+              <a:schemeClr val="accent1">
+                <a:shade val="50000"/>
+              </a:schemeClr>
+            </a:solidFill>
+            <a:prstDash val="solid"/>
+          </a:ln>
+        </p:spPr>
+        <p:style>
+          <a:lnRef idx="2">
+            <a:schemeClr val="accent1">
+              <a:shade val="50000"/>
+            </a:schemeClr>
+          </a:lnRef>
+          <a:fillRef idx="1">
+            <a:schemeClr val="accent1"/>
+          </a:fillRef>
+          <a:effectRef idx="0">
+            <a:schemeClr val="accent1"/>
+          </a:effectRef>
+          <a:fontRef idx="minor">
+            <a:schemeClr val="lt1"/>
+          </a:fontRef>
+        </p:style>
+        <p:txBody>
+          <a:bodyPr rtlCol="0" anchor="ctr"/>
+          <a:p>
+            <a:pPr algn="ctr"/>
+            <a:endParaRPr lang="zh-CN" altLang="en-US"/>
+          </a:p>
+        </p:txBody>
+      </p:sp>
+      <p:sp>
+        <p:nvSpPr>
+          <p:cNvPr id="70" name="椭圆 69"/>
+          <p:cNvSpPr/>
+          <p:nvPr/>
+        </p:nvSpPr>
+        <p:spPr>
+          <a:xfrm rot="16200000">
+            <a:off x="6708200" y="975944"/>
+            <a:ext cx="379736" cy="379736"/>
+          </a:xfrm>
+          <a:prstGeom prst="ellipse">
+            <a:avLst/>
+          </a:prstGeom>
+          <a:solidFill>
+            <a:schemeClr val="accent1"/>
+          </a:solidFill>
+          <a:ln w="12700" cmpd="sng">
+            <a:solidFill>
+              <a:schemeClr val="accent1">
+                <a:shade val="50000"/>
+              </a:schemeClr>
+            </a:solidFill>
+            <a:prstDash val="solid"/>
+          </a:ln>
+        </p:spPr>
+        <p:style>
+          <a:lnRef idx="2">
+            <a:schemeClr val="accent1">
+              <a:shade val="50000"/>
+            </a:schemeClr>
+          </a:lnRef>
+          <a:fillRef idx="1">
+            <a:schemeClr val="accent1"/>
+          </a:fillRef>
+          <a:effectRef idx="0">
+            <a:schemeClr val="accent1"/>
+          </a:effectRef>
+          <a:fontRef idx="minor">
+            <a:schemeClr val="lt1"/>
+          </a:fontRef>
+        </p:style>
+        <p:txBody>
+          <a:bodyPr rtlCol="0" anchor="ctr"/>
+          <a:p>
+            <a:pPr algn="ctr"/>
+            <a:endParaRPr lang="zh-CN" altLang="en-US"/>
+          </a:p>
+        </p:txBody>
+      </p:sp>
+      <p:sp>
+        <p:nvSpPr>
+          <p:cNvPr id="73" name="文本框 72"/>
+          <p:cNvSpPr txBox="1"/>
+          <p:nvPr/>
+        </p:nvSpPr>
+        <p:spPr>
+          <a:xfrm>
+            <a:off x="9476894" y="1204500"/>
+            <a:ext cx="1721513" cy="368300"/>
+          </a:xfrm>
+          <a:prstGeom prst="rect">
+            <a:avLst/>
+          </a:prstGeom>
+          <a:noFill/>
+        </p:spPr>
+        <p:txBody>
+          <a:bodyPr wrap="square" rtlCol="0">
+            <a:spAutoFit/>
+          </a:bodyPr>
+          <a:p>
+            <a:r>
+              <a:rPr lang="zh-CN" altLang="en-US"/>
+              <a:t>评价能力</a:t>
+            </a:r>
+            <a:endParaRPr lang="zh-CN" altLang="en-US"/>
+          </a:p>
+        </p:txBody>
+      </p:sp>
+      <p:sp>
+        <p:nvSpPr>
+          <p:cNvPr id="79" name="等腰三角形 78"/>
+          <p:cNvSpPr/>
+          <p:nvPr/>
+        </p:nvSpPr>
+        <p:spPr>
+          <a:xfrm>
+            <a:off x="9628660" y="4061398"/>
+            <a:ext cx="804558" cy="804558"/>
+          </a:xfrm>
+          <a:prstGeom prst="triangle">
+            <a:avLst/>
+          </a:prstGeom>
+          <a:solidFill>
+            <a:schemeClr val="accent1"/>
+          </a:solidFill>
+          <a:ln w="12700" cmpd="sng">
+            <a:solidFill>
+              <a:schemeClr val="accent1">
+                <a:shade val="50000"/>
+              </a:schemeClr>
+            </a:solidFill>
+            <a:prstDash val="solid"/>
+          </a:ln>
+        </p:spPr>
+        <p:style>
+          <a:lnRef idx="2">
+            <a:schemeClr val="accent1">
+              <a:shade val="50000"/>
+            </a:schemeClr>
+          </a:lnRef>
+          <a:fillRef idx="1">
+            <a:schemeClr val="accent1"/>
+          </a:fillRef>
+          <a:effectRef idx="0">
+            <a:schemeClr val="accent1"/>
+          </a:effectRef>
+          <a:fontRef idx="minor">
+            <a:schemeClr val="lt1"/>
+          </a:fontRef>
+        </p:style>
+        <p:txBody>
+          <a:bodyPr rtlCol="0" anchor="ctr"/>
+          <a:p>
+            <a:pPr algn="ctr"/>
+            <a:endParaRPr lang="zh-CN" altLang="en-US"/>
+          </a:p>
+        </p:txBody>
+      </p:sp>
+      <p:sp>
+        <p:nvSpPr>
+          <p:cNvPr id="81" name="等腰三角形 80"/>
+          <p:cNvSpPr/>
+          <p:nvPr/>
+        </p:nvSpPr>
+        <p:spPr>
+          <a:xfrm>
+            <a:off x="9610245" y="2875199"/>
+            <a:ext cx="840754" cy="840754"/>
+          </a:xfrm>
+          <a:prstGeom prst="triangle">
+            <a:avLst/>
+          </a:prstGeom>
+          <a:solidFill>
+            <a:schemeClr val="accent1"/>
+          </a:solidFill>
+          <a:ln w="12700" cmpd="sng">
+            <a:solidFill>
+              <a:schemeClr val="accent1">
+                <a:shade val="50000"/>
+              </a:schemeClr>
+            </a:solidFill>
+            <a:prstDash val="solid"/>
+          </a:ln>
+        </p:spPr>
+        <p:style>
+          <a:lnRef idx="2">
+            <a:schemeClr val="accent1">
+              <a:shade val="50000"/>
+            </a:schemeClr>
+          </a:lnRef>
+          <a:fillRef idx="1">
+            <a:schemeClr val="accent1"/>
+          </a:fillRef>
+          <a:effectRef idx="0">
+            <a:schemeClr val="accent1"/>
+          </a:effectRef>
+          <a:fontRef idx="minor">
+            <a:schemeClr val="lt1"/>
+          </a:fontRef>
+        </p:style>
+        <p:txBody>
+          <a:bodyPr rtlCol="0" anchor="ctr"/>
+          <a:p>
+            <a:pPr algn="ctr"/>
+            <a:endParaRPr lang="zh-CN" altLang="en-US"/>
+          </a:p>
+        </p:txBody>
+      </p:sp>
+      <p:sp>
+        <p:nvSpPr>
+          <p:cNvPr id="82" name="等腰三角形 81"/>
+          <p:cNvSpPr/>
+          <p:nvPr/>
+        </p:nvSpPr>
+        <p:spPr>
+          <a:xfrm>
+            <a:off x="9657236" y="7144373"/>
+            <a:ext cx="775983" cy="775983"/>
+          </a:xfrm>
+          <a:prstGeom prst="triangle">
+            <a:avLst/>
+          </a:prstGeom>
+          <a:solidFill>
+            <a:schemeClr val="bg1"/>
+          </a:solidFill>
+          <a:ln w="12700" cmpd="sng">
+            <a:solidFill>
+              <a:schemeClr val="accent1">
+                <a:shade val="50000"/>
+              </a:schemeClr>
+            </a:solidFill>
+            <a:prstDash val="solid"/>
+          </a:ln>
+        </p:spPr>
+        <p:style>
+          <a:lnRef idx="2">
+            <a:schemeClr val="accent1">
+              <a:shade val="50000"/>
+            </a:schemeClr>
+          </a:lnRef>
+          <a:fillRef idx="1">
+            <a:schemeClr val="accent1"/>
+          </a:fillRef>
+          <a:effectRef idx="0">
+            <a:schemeClr val="accent1"/>
+          </a:effectRef>
+          <a:fontRef idx="minor">
+            <a:schemeClr val="lt1"/>
+          </a:fontRef>
+        </p:style>
+        <p:txBody>
+          <a:bodyPr rtlCol="0" anchor="ctr"/>
+          <a:p>
+            <a:pPr algn="ctr"/>
+            <a:endParaRPr lang="zh-CN" altLang="en-US"/>
+          </a:p>
+        </p:txBody>
+      </p:sp>
+      <p:sp>
+        <p:nvSpPr>
+          <p:cNvPr id="88" name="右箭头 87"/>
+          <p:cNvSpPr/>
+          <p:nvPr/>
+        </p:nvSpPr>
+        <p:spPr>
+          <a:xfrm rot="5400000">
+            <a:off x="5976081" y="5141551"/>
+            <a:ext cx="703591" cy="516898"/>
+          </a:xfrm>
+          <a:prstGeom prst="rightArrow">
+            <a:avLst>
+              <a:gd name="adj1" fmla="val 50000"/>
+              <a:gd name="adj2" fmla="val 56511"/>
+            </a:avLst>
+          </a:prstGeom>
+          <a:solidFill>
+            <a:schemeClr val="bg1"/>
+          </a:solidFill>
+          <a:ln w="12700" cmpd="sng">
+            <a:solidFill>
+              <a:schemeClr val="accent1">
+                <a:shade val="50000"/>
+              </a:schemeClr>
+            </a:solidFill>
+            <a:prstDash val="solid"/>
+          </a:ln>
+        </p:spPr>
+        <p:style>
+          <a:lnRef idx="2">
+            <a:schemeClr val="accent1">
+              <a:shade val="50000"/>
+            </a:schemeClr>
+          </a:lnRef>
+          <a:fillRef idx="1">
+            <a:schemeClr val="accent1"/>
+          </a:fillRef>
+          <a:effectRef idx="0">
+            <a:schemeClr val="accent1"/>
+          </a:effectRef>
+          <a:fontRef idx="minor">
+            <a:schemeClr val="lt1"/>
+          </a:fontRef>
+        </p:style>
+        <p:txBody>
+          <a:bodyPr rtlCol="0" anchor="ctr"/>
+          <a:p>
+            <a:pPr algn="ctr"/>
+            <a:endParaRPr lang="zh-CN" altLang="en-US"/>
+          </a:p>
+        </p:txBody>
+      </p:sp>
+      <p:sp>
+        <p:nvSpPr>
+          <p:cNvPr id="4" name="菱形 3"/>
+          <p:cNvSpPr/>
+          <p:nvPr/>
+        </p:nvSpPr>
+        <p:spPr>
+          <a:xfrm>
+            <a:off x="4996212" y="457141"/>
+            <a:ext cx="693431" cy="304805"/>
+          </a:xfrm>
+          <a:prstGeom prst="diamond">
+            <a:avLst/>
+          </a:prstGeom>
+        </p:spPr>
+        <p:style>
+          <a:lnRef idx="2">
+            <a:schemeClr val="accent1">
+              <a:shade val="50000"/>
+            </a:schemeClr>
+          </a:lnRef>
+          <a:fillRef idx="1">
+            <a:schemeClr val="accent1"/>
+          </a:fillRef>
+          <a:effectRef idx="0">
+            <a:schemeClr val="accent1"/>
+          </a:effectRef>
+          <a:fontRef idx="minor">
+            <a:schemeClr val="lt1"/>
+          </a:fontRef>
+        </p:style>
+        <p:txBody>
+          <a:bodyPr rtlCol="0" anchor="ctr"/>
+          <a:p>
+            <a:pPr algn="ctr"/>
+            <a:endParaRPr lang="zh-CN" altLang="en-US"/>
+          </a:p>
+        </p:txBody>
+      </p:sp>
+      <p:sp>
+        <p:nvSpPr>
+          <p:cNvPr id="7" name="右箭头 6"/>
+          <p:cNvSpPr/>
+          <p:nvPr/>
+        </p:nvSpPr>
+        <p:spPr>
+          <a:xfrm rot="5400000">
+            <a:off x="5976081" y="6830043"/>
+            <a:ext cx="703591" cy="516898"/>
+          </a:xfrm>
+          <a:prstGeom prst="rightArrow">
+            <a:avLst>
+              <a:gd name="adj1" fmla="val 50000"/>
+              <a:gd name="adj2" fmla="val 56511"/>
+            </a:avLst>
+          </a:prstGeom>
+          <a:solidFill>
+            <a:schemeClr val="bg1"/>
+          </a:solidFill>
+          <a:ln w="12700" cmpd="sng">
+            <a:solidFill>
+              <a:schemeClr val="accent1">
+                <a:shade val="50000"/>
+              </a:schemeClr>
+            </a:solidFill>
+            <a:prstDash val="solid"/>
+          </a:ln>
+        </p:spPr>
+        <p:style>
+          <a:lnRef idx="2">
+            <a:schemeClr val="accent1">
+              <a:shade val="50000"/>
+            </a:schemeClr>
+          </a:lnRef>
+          <a:fillRef idx="1">
+            <a:schemeClr val="accent1"/>
+          </a:fillRef>
+          <a:effectRef idx="0">
+            <a:schemeClr val="accent1"/>
+          </a:effectRef>
+          <a:fontRef idx="minor">
+            <a:schemeClr val="lt1"/>
+          </a:fontRef>
+        </p:style>
+        <p:txBody>
+          <a:bodyPr rtlCol="0" anchor="ctr"/>
+          <a:p>
+            <a:pPr algn="ctr"/>
+            <a:endParaRPr lang="zh-CN" altLang="en-US"/>
+          </a:p>
+        </p:txBody>
+      </p:sp>
+      <p:sp>
+        <p:nvSpPr>
+          <p:cNvPr id="9" name="矩形 8"/>
+          <p:cNvSpPr/>
+          <p:nvPr/>
+        </p:nvSpPr>
+        <p:spPr>
+          <a:xfrm rot="16200000">
+            <a:off x="5954491" y="6043900"/>
+            <a:ext cx="746137" cy="3808791"/>
+          </a:xfrm>
+          <a:prstGeom prst="rect">
+            <a:avLst/>
+          </a:prstGeom>
+          <a:noFill/>
+          <a:ln w="12700" cmpd="sng">
+            <a:solidFill>
+              <a:schemeClr val="accent1">
+                <a:shade val="50000"/>
+              </a:schemeClr>
+            </a:solidFill>
+            <a:prstDash val="solid"/>
+          </a:ln>
+        </p:spPr>
+        <p:style>
+          <a:lnRef idx="2">
+            <a:schemeClr val="accent1">
+              <a:shade val="50000"/>
+            </a:schemeClr>
+          </a:lnRef>
+          <a:fillRef idx="1">
+            <a:schemeClr val="accent1"/>
+          </a:fillRef>
+          <a:effectRef idx="0">
+            <a:schemeClr val="accent1"/>
+          </a:effectRef>
+          <a:fontRef idx="minor">
+            <a:schemeClr val="lt1"/>
+          </a:fontRef>
+        </p:style>
+        <p:txBody>
+          <a:bodyPr rtlCol="0" anchor="ctr"/>
+          <a:p>
+            <a:pPr algn="ctr"/>
+            <a:endParaRPr lang="zh-CN" altLang="en-US"/>
+          </a:p>
+        </p:txBody>
+      </p:sp>
+      <p:sp>
+        <p:nvSpPr>
+          <p:cNvPr id="10" name="矩形 9"/>
+          <p:cNvSpPr/>
+          <p:nvPr/>
+        </p:nvSpPr>
+        <p:spPr>
+          <a:xfrm rot="16200000">
+            <a:off x="4991180" y="1608989"/>
+            <a:ext cx="2673393" cy="3808791"/>
+          </a:xfrm>
+          <a:prstGeom prst="rect">
+            <a:avLst/>
+          </a:prstGeom>
+          <a:noFill/>
+          <a:ln w="12700" cmpd="sng">
+            <a:solidFill>
+              <a:schemeClr val="accent1">
+                <a:shade val="50000"/>
+              </a:schemeClr>
+            </a:solidFill>
+            <a:prstDash val="solid"/>
+          </a:ln>
+        </p:spPr>
+        <p:style>
+          <a:lnRef idx="2">
+            <a:schemeClr val="accent1">
+              <a:shade val="50000"/>
+            </a:schemeClr>
+          </a:lnRef>
+          <a:fillRef idx="1">
+            <a:schemeClr val="accent1"/>
+          </a:fillRef>
+          <a:effectRef idx="0">
+            <a:schemeClr val="accent1"/>
+          </a:effectRef>
+          <a:fontRef idx="minor">
+            <a:schemeClr val="lt1"/>
+          </a:fontRef>
+        </p:style>
+        <p:txBody>
+          <a:bodyPr rtlCol="0" anchor="ctr"/>
+          <a:p>
+            <a:pPr algn="ctr"/>
+            <a:endParaRPr lang="zh-CN" altLang="en-US"/>
+          </a:p>
+        </p:txBody>
+      </p:sp>
+      <p:sp>
+        <p:nvSpPr>
+          <p:cNvPr id="11" name="矩形 10"/>
+          <p:cNvSpPr/>
+          <p:nvPr/>
+        </p:nvSpPr>
+        <p:spPr>
+          <a:xfrm rot="16200000">
+            <a:off x="5702300" y="-964565"/>
+            <a:ext cx="1251585" cy="3808730"/>
+          </a:xfrm>
+          <a:prstGeom prst="rect">
+            <a:avLst/>
+          </a:prstGeom>
+          <a:noFill/>
+          <a:ln w="12700" cmpd="sng">
+            <a:solidFill>
+              <a:schemeClr val="accent1">
+                <a:shade val="50000"/>
+              </a:schemeClr>
+            </a:solidFill>
+            <a:prstDash val="solid"/>
+          </a:ln>
+        </p:spPr>
+        <p:style>
+          <a:lnRef idx="2">
+            <a:schemeClr val="accent1">
+              <a:shade val="50000"/>
+            </a:schemeClr>
+          </a:lnRef>
+          <a:fillRef idx="1">
+            <a:schemeClr val="accent1"/>
+          </a:fillRef>
+          <a:effectRef idx="0">
+            <a:schemeClr val="accent1"/>
+          </a:effectRef>
+          <a:fontRef idx="minor">
+            <a:schemeClr val="lt1"/>
+          </a:fontRef>
+        </p:style>
+        <p:txBody>
+          <a:bodyPr rtlCol="0" anchor="ctr"/>
+          <a:p>
+            <a:pPr algn="ctr"/>
+            <a:endParaRPr lang="zh-CN" altLang="en-US"/>
+          </a:p>
+        </p:txBody>
+      </p:sp>
+      <p:sp>
+        <p:nvSpPr>
+          <p:cNvPr id="12" name="文本框 11"/>
+          <p:cNvSpPr txBox="1"/>
+          <p:nvPr/>
+        </p:nvSpPr>
+        <p:spPr>
+          <a:xfrm>
+            <a:off x="4660265" y="6019165"/>
+            <a:ext cx="3241675" cy="368300"/>
+          </a:xfrm>
+          <a:prstGeom prst="rect">
+            <a:avLst/>
+          </a:prstGeom>
+          <a:noFill/>
+        </p:spPr>
+        <p:txBody>
+          <a:bodyPr wrap="square" rtlCol="0">
+            <a:spAutoFit/>
+          </a:bodyPr>
+          <a:p>
+            <a:pPr algn="ctr"/>
+            <a:r>
+              <a:rPr lang="zh-CN" altLang="en-US"/>
+              <a:t>汇总得分</a:t>
+            </a:r>
+            <a:endParaRPr lang="zh-CN" altLang="en-US"/>
+          </a:p>
+        </p:txBody>
+      </p:sp>
+      <p:sp>
+        <p:nvSpPr>
+          <p:cNvPr id="13" name="文本框 12"/>
+          <p:cNvSpPr txBox="1"/>
+          <p:nvPr/>
+        </p:nvSpPr>
+        <p:spPr>
+          <a:xfrm>
+            <a:off x="4707890" y="7764145"/>
+            <a:ext cx="3241675" cy="368300"/>
+          </a:xfrm>
+          <a:prstGeom prst="rect">
+            <a:avLst/>
+          </a:prstGeom>
+          <a:noFill/>
+        </p:spPr>
+        <p:txBody>
+          <a:bodyPr wrap="square" rtlCol="0">
+            <a:spAutoFit/>
+          </a:bodyPr>
+          <a:p>
+            <a:pPr algn="ctr"/>
+            <a:r>
+              <a:rPr lang="zh-CN" altLang="en-US"/>
+              <a:t>计算可靠性</a:t>
+            </a:r>
+            <a:endParaRPr lang="zh-CN" altLang="en-US"/>
+          </a:p>
+        </p:txBody>
+      </p:sp>
+      <p:sp>
+        <p:nvSpPr>
+          <p:cNvPr id="30" name="右箭头 29"/>
+          <p:cNvSpPr/>
+          <p:nvPr/>
+        </p:nvSpPr>
+        <p:spPr>
+          <a:xfrm>
+            <a:off x="8476076" y="3390856"/>
+            <a:ext cx="703591" cy="516898"/>
+          </a:xfrm>
+          <a:prstGeom prst="rightArrow">
+            <a:avLst>
+              <a:gd name="adj1" fmla="val 50000"/>
+              <a:gd name="adj2" fmla="val 56511"/>
+            </a:avLst>
+          </a:prstGeom>
+          <a:solidFill>
+            <a:schemeClr val="bg1"/>
+          </a:solidFill>
+          <a:ln w="12700" cmpd="sng">
+            <a:solidFill>
+              <a:schemeClr val="accent1">
+                <a:shade val="50000"/>
+              </a:schemeClr>
+            </a:solidFill>
+            <a:prstDash val="solid"/>
+          </a:ln>
+        </p:spPr>
+        <p:style>
+          <a:lnRef idx="2">
+            <a:schemeClr val="accent1">
+              <a:shade val="50000"/>
+            </a:schemeClr>
+          </a:lnRef>
+          <a:fillRef idx="1">
+            <a:schemeClr val="accent1"/>
+          </a:fillRef>
+          <a:effectRef idx="0">
+            <a:schemeClr val="accent1"/>
+          </a:effectRef>
+          <a:fontRef idx="minor">
+            <a:schemeClr val="lt1"/>
+          </a:fontRef>
+        </p:style>
+        <p:txBody>
+          <a:bodyPr rtlCol="0" anchor="ctr"/>
+          <a:p>
+            <a:pPr algn="ctr"/>
+            <a:endParaRPr lang="zh-CN" altLang="en-US"/>
+          </a:p>
+        </p:txBody>
+      </p:sp>
+      <p:sp>
+        <p:nvSpPr>
+          <p:cNvPr id="39" name="右箭头 38"/>
+          <p:cNvSpPr/>
+          <p:nvPr/>
+        </p:nvSpPr>
+        <p:spPr>
+          <a:xfrm>
+            <a:off x="8491951" y="7615511"/>
+            <a:ext cx="703591" cy="516898"/>
+          </a:xfrm>
+          <a:prstGeom prst="rightArrow">
+            <a:avLst>
+              <a:gd name="adj1" fmla="val 50000"/>
+              <a:gd name="adj2" fmla="val 56511"/>
+            </a:avLst>
+          </a:prstGeom>
+          <a:solidFill>
+            <a:schemeClr val="bg1"/>
+          </a:solidFill>
+          <a:ln w="12700" cmpd="sng">
+            <a:solidFill>
+              <a:schemeClr val="accent1">
+                <a:shade val="50000"/>
+              </a:schemeClr>
+            </a:solidFill>
+            <a:prstDash val="solid"/>
+          </a:ln>
+        </p:spPr>
+        <p:style>
+          <a:lnRef idx="2">
+            <a:schemeClr val="accent1">
+              <a:shade val="50000"/>
+            </a:schemeClr>
+          </a:lnRef>
+          <a:fillRef idx="1">
+            <a:schemeClr val="accent1"/>
+          </a:fillRef>
+          <a:effectRef idx="0">
+            <a:schemeClr val="accent1"/>
+          </a:effectRef>
+          <a:fontRef idx="minor">
+            <a:schemeClr val="lt1"/>
+          </a:fontRef>
+        </p:style>
+        <p:txBody>
+          <a:bodyPr rtlCol="0" anchor="ctr"/>
+          <a:p>
+            <a:pPr algn="ctr"/>
+            <a:endParaRPr lang="zh-CN" altLang="en-US"/>
+          </a:p>
+        </p:txBody>
+      </p:sp>
+      <p:sp>
+        <p:nvSpPr>
+          <p:cNvPr id="41" name="右箭头 40"/>
+          <p:cNvSpPr/>
+          <p:nvPr/>
+        </p:nvSpPr>
+        <p:spPr>
+          <a:xfrm rot="10800000">
+            <a:off x="8423371" y="5944826"/>
+            <a:ext cx="703591" cy="516898"/>
+          </a:xfrm>
+          <a:prstGeom prst="rightArrow">
+            <a:avLst>
+              <a:gd name="adj1" fmla="val 50000"/>
+              <a:gd name="adj2" fmla="val 56511"/>
+            </a:avLst>
+          </a:prstGeom>
+          <a:solidFill>
+            <a:schemeClr val="bg1"/>
+          </a:solidFill>
+          <a:ln w="12700" cmpd="sng">
+            <a:solidFill>
+              <a:schemeClr val="accent1">
+                <a:shade val="50000"/>
+              </a:schemeClr>
+            </a:solidFill>
+            <a:prstDash val="solid"/>
+          </a:ln>
+        </p:spPr>
+        <p:style>
+          <a:lnRef idx="2">
+            <a:schemeClr val="accent1">
+              <a:shade val="50000"/>
+            </a:schemeClr>
+          </a:lnRef>
+          <a:fillRef idx="1">
+            <a:schemeClr val="accent1"/>
+          </a:fillRef>
+          <a:effectRef idx="0">
+            <a:schemeClr val="accent1"/>
+          </a:effectRef>
+          <a:fontRef idx="minor">
+            <a:schemeClr val="lt1"/>
+          </a:fontRef>
+        </p:style>
+        <p:txBody>
+          <a:bodyPr rtlCol="0" anchor="ctr"/>
+          <a:p>
+            <a:pPr algn="ctr"/>
+            <a:endParaRPr lang="zh-CN" altLang="en-US"/>
+          </a:p>
+        </p:txBody>
+      </p:sp>
+      <p:sp>
+        <p:nvSpPr>
+          <p:cNvPr id="42" name="文本框 41"/>
+          <p:cNvSpPr txBox="1"/>
+          <p:nvPr/>
+        </p:nvSpPr>
+        <p:spPr>
+          <a:xfrm>
+            <a:off x="4840605" y="1729105"/>
+            <a:ext cx="3241675" cy="368300"/>
+          </a:xfrm>
+          <a:prstGeom prst="rect">
+            <a:avLst/>
+          </a:prstGeom>
+          <a:noFill/>
+        </p:spPr>
+        <p:txBody>
+          <a:bodyPr wrap="square" rtlCol="0">
+            <a:spAutoFit/>
+          </a:bodyPr>
+          <a:p>
+            <a:pPr algn="ctr"/>
+            <a:r>
+              <a:rPr lang="zh-CN" altLang="en-US"/>
+              <a:t>评审阶段</a:t>
+            </a:r>
             <a:endParaRPr lang="zh-CN" altLang="en-US"/>
           </a:p>
         </p:txBody>

--- a/paper/相关图.pptx
+++ b/paper/相关图.pptx
@@ -20224,8 +20224,8 @@
         </p:nvSpPr>
         <p:spPr>
           <a:xfrm>
-            <a:off x="4637405" y="3481705"/>
-            <a:ext cx="4123690" cy="2878455"/>
+            <a:off x="4637405" y="3228340"/>
+            <a:ext cx="4123690" cy="3362960"/>
           </a:xfrm>
           <a:prstGeom prst="rect">
             <a:avLst/>
@@ -20309,7 +20309,7 @@
         </p:nvSpPr>
         <p:spPr>
           <a:xfrm rot="16200000">
-            <a:off x="7046595" y="4662805"/>
+            <a:off x="7045960" y="4770755"/>
             <a:ext cx="750570" cy="2505075"/>
           </a:xfrm>
           <a:prstGeom prst="rect">
@@ -20372,7 +20372,7 @@
         </p:nvSpPr>
         <p:spPr>
           <a:xfrm rot="16200000">
-            <a:off x="7031990" y="3667760"/>
+            <a:off x="7045960" y="3514090"/>
             <a:ext cx="750570" cy="2505075"/>
           </a:xfrm>
           <a:prstGeom prst="rect">
@@ -20698,7 +20698,7 @@
         </p:blipFill>
         <p:spPr>
           <a:xfrm>
-            <a:off x="4723130" y="3657600"/>
+            <a:off x="4759325" y="3467735"/>
             <a:ext cx="647700" cy="647700"/>
           </a:xfrm>
           <a:prstGeom prst="rect">
@@ -20728,7 +20728,7 @@
         </p:blipFill>
         <p:spPr>
           <a:xfrm>
-            <a:off x="4723130" y="4667885"/>
+            <a:off x="4750435" y="4443095"/>
             <a:ext cx="647700" cy="647700"/>
           </a:xfrm>
           <a:prstGeom prst="rect">
@@ -20758,7 +20758,7 @@
         </p:blipFill>
         <p:spPr>
           <a:xfrm>
-            <a:off x="4709160" y="5677535"/>
+            <a:off x="4768215" y="5677535"/>
             <a:ext cx="613410" cy="613410"/>
           </a:xfrm>
           <a:prstGeom prst="rect">
@@ -20774,7 +20774,7 @@
         </p:nvSpPr>
         <p:spPr>
           <a:xfrm rot="16200000">
-            <a:off x="7046595" y="2677795"/>
+            <a:off x="7055485" y="2487930"/>
             <a:ext cx="750570" cy="2505075"/>
           </a:xfrm>
           <a:prstGeom prst="rect">
@@ -20865,11 +20865,18 @@
           <a:p>
             <a:pPr algn="ctr"/>
             <a:r>
+              <a:rPr lang="en-US" altLang="zh-CN" sz="2400" b="1">
+                <a:latin typeface="Calibri" panose="020F0502020204030204" charset="0"/>
+                <a:cs typeface="Calibri" panose="020F0502020204030204" charset="0"/>
+              </a:rPr>
+              <a:t>RPG</a:t>
+            </a:r>
+            <a:r>
               <a:rPr lang="zh-CN" altLang="en-US" sz="2400" b="1">
                 <a:latin typeface="Calibri" panose="020F0502020204030204" charset="0"/>
                 <a:cs typeface="Calibri" panose="020F0502020204030204" charset="0"/>
               </a:rPr>
-              <a:t>计算真实分数</a:t>
+              <a:t>概率模型</a:t>
             </a:r>
             <a:endParaRPr lang="zh-CN" altLang="en-US" sz="2400" b="1">
               <a:latin typeface="Calibri" panose="020F0502020204030204" charset="0"/>
@@ -20918,7 +20925,7 @@
                 <a:latin typeface="Calibri" panose="020F0502020204030204" charset="0"/>
                 <a:cs typeface="Calibri" panose="020F0502020204030204" charset="0"/>
               </a:rPr>
-              <a:t>更新评价能力</a:t>
+              <a:t>真实分数</a:t>
             </a:r>
             <a:endParaRPr lang="zh-CN" altLang="en-US" sz="2400" b="1">
               <a:latin typeface="Calibri" panose="020F0502020204030204" charset="0"/>
@@ -20935,8 +20942,8 @@
         </p:nvSpPr>
         <p:spPr>
           <a:xfrm>
-            <a:off x="10357485" y="1424940"/>
-            <a:ext cx="1757680" cy="7498080"/>
+            <a:off x="10357485" y="3228340"/>
+            <a:ext cx="1757680" cy="5694680"/>
           </a:xfrm>
           <a:prstGeom prst="rect">
             <a:avLst/>
@@ -21028,7 +21035,7 @@
         </p:blipFill>
         <p:spPr>
           <a:xfrm>
-            <a:off x="10486390" y="2576195"/>
+            <a:off x="10547350" y="4596130"/>
             <a:ext cx="647700" cy="647700"/>
           </a:xfrm>
           <a:prstGeom prst="rect">
@@ -21046,7 +21053,7 @@
             </p:nvSpPr>
             <p:spPr>
               <a:xfrm>
-                <a:off x="10610850" y="3122295"/>
+                <a:off x="10671810" y="5142230"/>
                 <a:ext cx="392430" cy="337185"/>
               </a:xfrm>
               <a:prstGeom prst="rect">
@@ -21113,7 +21120,7 @@
             </p:nvSpPr>
             <p:spPr>
               <a:xfrm>
-                <a:off x="10610850" y="3122295"/>
+                <a:off x="10671810" y="5142230"/>
                 <a:ext cx="392430" cy="337185"/>
               </a:xfrm>
               <a:prstGeom prst="rect">
@@ -21182,7 +21189,7 @@
             <p:spPr>
               <a:xfrm>
                 <a:off x="10690860" y="8367395"/>
-                <a:ext cx="389255" cy="337185"/>
+                <a:ext cx="431165" cy="337185"/>
               </a:xfrm>
               <a:prstGeom prst="rect">
                 <a:avLst/>
@@ -21225,7 +21232,7 @@
                               <a:ea typeface="MS Mincho" panose="02020609040205080304" charset="-128"/>
                               <a:cs typeface="Cambria Math" panose="02040503050406030204" charset="0"/>
                             </a:rPr>
-                            <m:t>𝟑</m:t>
+                            <m:t>𝒏</m:t>
                           </m:r>
                         </m:sub>
                       </m:sSub>
@@ -21249,7 +21256,7 @@
             <p:spPr>
               <a:xfrm>
                 <a:off x="10690860" y="8367395"/>
-                <a:ext cx="389255" cy="337185"/>
+                <a:ext cx="431165" cy="337185"/>
               </a:xfrm>
               <a:prstGeom prst="rect">
                 <a:avLst/>
@@ -21298,7 +21305,7 @@
         </p:blipFill>
         <p:spPr>
           <a:xfrm>
-            <a:off x="10485755" y="1592580"/>
+            <a:off x="10546715" y="3612515"/>
             <a:ext cx="647700" cy="647700"/>
           </a:xfrm>
           <a:prstGeom prst="rect">
@@ -21316,7 +21323,7 @@
             </p:nvSpPr>
             <p:spPr>
               <a:xfrm>
-                <a:off x="10610850" y="2109470"/>
+                <a:off x="10671810" y="4129405"/>
                 <a:ext cx="398145" cy="337185"/>
               </a:xfrm>
               <a:prstGeom prst="rect">
@@ -21383,7 +21390,7 @@
             </p:nvSpPr>
             <p:spPr>
               <a:xfrm>
-                <a:off x="10610850" y="2109470"/>
+                <a:off x="10671810" y="4129405"/>
                 <a:ext cx="398145" cy="337185"/>
               </a:xfrm>
               <a:prstGeom prst="rect">
@@ -21427,7 +21434,7 @@
         </p:blipFill>
         <p:spPr>
           <a:xfrm>
-            <a:off x="11442700" y="1722755"/>
+            <a:off x="11503660" y="3742690"/>
             <a:ext cx="374650" cy="372745"/>
           </a:xfrm>
           <a:prstGeom prst="rect">
@@ -21457,7 +21464,7 @@
         </p:blipFill>
         <p:spPr>
           <a:xfrm>
-            <a:off x="11424920" y="2667000"/>
+            <a:off x="11485880" y="4686935"/>
             <a:ext cx="466725" cy="466725"/>
           </a:xfrm>
           <a:prstGeom prst="rect">
@@ -21497,7 +21504,7 @@
         </p:nvSpPr>
         <p:spPr>
           <a:xfrm>
-            <a:off x="10641330" y="3481705"/>
+            <a:off x="10651490" y="6346190"/>
             <a:ext cx="428625" cy="368300"/>
           </a:xfrm>
           <a:prstGeom prst="rect">
@@ -21532,7 +21539,7 @@
         </p:nvSpPr>
         <p:spPr>
           <a:xfrm>
-            <a:off x="11450320" y="3472180"/>
+            <a:off x="11432540" y="6346190"/>
             <a:ext cx="428625" cy="368300"/>
           </a:xfrm>
           <a:prstGeom prst="rect">
@@ -21569,7 +21576,7 @@
             </p:nvSpPr>
             <p:spPr>
               <a:xfrm>
-                <a:off x="11355705" y="2095500"/>
+                <a:off x="11416665" y="4115435"/>
                 <a:ext cx="549275" cy="337185"/>
               </a:xfrm>
               <a:prstGeom prst="rect">
@@ -21603,7 +21610,7 @@
                               <a:latin typeface="Cambria Math" panose="02040503050406030204" charset="0"/>
                               <a:cs typeface="Cambria Math" panose="02040503050406030204" charset="0"/>
                             </a:rPr>
-                            <m:t>𝒂</m:t>
+                            <m:t>𝒓</m:t>
                           </m:r>
                         </m:e>
                         <m:sub>
@@ -21636,7 +21643,7 @@
             </p:nvSpPr>
             <p:spPr>
               <a:xfrm>
-                <a:off x="11355705" y="2095500"/>
+                <a:off x="11416665" y="4115435"/>
                 <a:ext cx="549275" cy="337185"/>
               </a:xfrm>
               <a:prstGeom prst="rect">
@@ -21674,7 +21681,7 @@
             </p:nvSpPr>
             <p:spPr>
               <a:xfrm>
-                <a:off x="11389995" y="3134995"/>
+                <a:off x="11450955" y="5154930"/>
                 <a:ext cx="549275" cy="337185"/>
               </a:xfrm>
               <a:prstGeom prst="rect">
@@ -21708,7 +21715,7 @@
                               <a:latin typeface="Cambria Math" panose="02040503050406030204" charset="0"/>
                               <a:cs typeface="Cambria Math" panose="02040503050406030204" charset="0"/>
                             </a:rPr>
-                            <m:t>𝒂</m:t>
+                            <m:t>𝒓</m:t>
                           </m:r>
                         </m:e>
                         <m:sub>
@@ -21741,7 +21748,7 @@
             </p:nvSpPr>
             <p:spPr>
               <a:xfrm>
-                <a:off x="11389995" y="3134995"/>
+                <a:off x="11450955" y="5154930"/>
                 <a:ext cx="549275" cy="337185"/>
               </a:xfrm>
               <a:prstGeom prst="rect">
@@ -21813,17 +21820,16 @@
                               <a:latin typeface="Cambria Math" panose="02040503050406030204" charset="0"/>
                               <a:cs typeface="Cambria Math" panose="02040503050406030204" charset="0"/>
                             </a:rPr>
-                            <m:t>𝒂</m:t>
+                            <m:t>𝒓</m:t>
                           </m:r>
                         </m:e>
                         <m:sub>
                           <m:r>
                             <a:rPr lang="en-US" altLang="zh-CN" sz="1600" b="1" i="1">
                               <a:latin typeface="Cambria Math" panose="02040503050406030204" charset="0"/>
-                              <a:ea typeface="MS Mincho" panose="02020609040205080304" charset="-128"/>
                               <a:cs typeface="Cambria Math" panose="02040503050406030204" charset="0"/>
                             </a:rPr>
-                            <m:t>𝟑</m:t>
+                            <m:t>𝒏</m:t>
                           </m:r>
                         </m:sub>
                       </m:sSub>
@@ -21882,7 +21888,7 @@
         </p:nvCxnSpPr>
         <p:spPr>
           <a:xfrm flipV="1">
-            <a:off x="11177905" y="1912620"/>
+            <a:off x="11238865" y="3932555"/>
             <a:ext cx="252000" cy="3810"/>
           </a:xfrm>
           <a:prstGeom prst="line">
@@ -21915,7 +21921,7 @@
         </p:nvCxnSpPr>
         <p:spPr>
           <a:xfrm flipV="1">
-            <a:off x="11134090" y="2898775"/>
+            <a:off x="11195050" y="4918710"/>
             <a:ext cx="252000" cy="3810"/>
           </a:xfrm>
           <a:prstGeom prst="line">
@@ -21973,66 +21979,6 @@
           </a:fontRef>
         </p:style>
       </p:cxnSp>
-      <p:pic>
-        <p:nvPicPr>
-          <p:cNvPr id="55" name="图片 54" descr="templates\docerresourceshop\icons\\31393935333132383b31393939333930323bc8d5b3ccbcc6bbae"/>
-          <p:cNvPicPr>
-            <a:picLocks noChangeAspect="1"/>
-          </p:cNvPicPr>
-          <p:nvPr/>
-        </p:nvPicPr>
-        <p:blipFill>
-          <a:blip r:embed="rId22">
-            <a:extLst>
-              <a:ext uri="{96DAC541-7B7A-43D3-8B79-37D633B846F1}">
-                <asvg:svgBlip xmlns:asvg="http://schemas.microsoft.com/office/drawing/2016/SVG/main" r:embed="rId23"/>
-              </a:ext>
-            </a:extLst>
-          </a:blip>
-          <a:stretch>
-            <a:fillRect/>
-          </a:stretch>
-        </p:blipFill>
-        <p:spPr>
-          <a:xfrm>
-            <a:off x="4899025" y="7115810"/>
-            <a:ext cx="499110" cy="499110"/>
-          </a:xfrm>
-          <a:prstGeom prst="rect">
-            <a:avLst/>
-          </a:prstGeom>
-        </p:spPr>
-      </p:pic>
-      <p:pic>
-        <p:nvPicPr>
-          <p:cNvPr id="56" name="图片 55" descr="templates\docerresourceshop\icons\\31393935333132383b31393939333839363bb9a4d7f7bdf8b6c8"/>
-          <p:cNvPicPr>
-            <a:picLocks noChangeAspect="1"/>
-          </p:cNvPicPr>
-          <p:nvPr/>
-        </p:nvPicPr>
-        <p:blipFill>
-          <a:blip r:embed="rId24">
-            <a:extLst>
-              <a:ext uri="{96DAC541-7B7A-43D3-8B79-37D633B846F1}">
-                <asvg:svgBlip xmlns:asvg="http://schemas.microsoft.com/office/drawing/2016/SVG/main" r:embed="rId25"/>
-              </a:ext>
-            </a:extLst>
-          </a:blip>
-          <a:stretch>
-            <a:fillRect/>
-          </a:stretch>
-        </p:blipFill>
-        <p:spPr>
-          <a:xfrm>
-            <a:off x="4899025" y="8343900"/>
-            <a:ext cx="579120" cy="579120"/>
-          </a:xfrm>
-          <a:prstGeom prst="rect">
-            <a:avLst/>
-          </a:prstGeom>
-        </p:spPr>
-      </p:pic>
       <p:sp>
         <p:nvSpPr>
           <p:cNvPr id="57" name="右箭头 56"/>
@@ -22097,8 +22043,8 @@
         </p:nvSpPr>
         <p:spPr>
           <a:xfrm rot="5400000">
-            <a:off x="6335395" y="2547620"/>
-            <a:ext cx="882650" cy="652780"/>
+            <a:off x="5755005" y="2366010"/>
+            <a:ext cx="583565" cy="483235"/>
           </a:xfrm>
           <a:prstGeom prst="rightArrow">
             <a:avLst/>
@@ -22153,7 +22099,7 @@
         </p:nvCxnSpPr>
         <p:spPr>
           <a:xfrm flipV="1">
-            <a:off x="5635625" y="3950335"/>
+            <a:off x="5644515" y="3760470"/>
             <a:ext cx="252000" cy="3810"/>
           </a:xfrm>
           <a:prstGeom prst="line">
@@ -22186,7 +22132,7 @@
         </p:nvCxnSpPr>
         <p:spPr>
           <a:xfrm flipV="1">
-            <a:off x="5635625" y="4989830"/>
+            <a:off x="5635625" y="4769485"/>
             <a:ext cx="252000" cy="3810"/>
           </a:xfrm>
           <a:prstGeom prst="line">
@@ -22252,7 +22198,7 @@
         </p:nvGrpSpPr>
         <p:grpSpPr>
           <a:xfrm>
-            <a:off x="6331585" y="3657600"/>
+            <a:off x="6340475" y="3467735"/>
             <a:ext cx="538480" cy="533400"/>
             <a:chOff x="12849" y="4079"/>
             <a:chExt cx="848" cy="840"/>
@@ -22335,7 +22281,7 @@
         </p:nvGrpSpPr>
         <p:grpSpPr>
           <a:xfrm>
-            <a:off x="7217410" y="3657600"/>
+            <a:off x="7226300" y="3467735"/>
             <a:ext cx="538480" cy="533400"/>
             <a:chOff x="11366" y="5760"/>
             <a:chExt cx="848" cy="840"/>
@@ -22418,7 +22364,7 @@
         </p:nvGrpSpPr>
         <p:grpSpPr>
           <a:xfrm>
-            <a:off x="6317615" y="4663440"/>
+            <a:off x="6331585" y="4509770"/>
             <a:ext cx="538480" cy="533400"/>
             <a:chOff x="12849" y="4079"/>
             <a:chExt cx="848" cy="840"/>
@@ -22523,7 +22469,7 @@
         </p:blipFill>
         <p:spPr>
           <a:xfrm>
-            <a:off x="8081645" y="3657600"/>
+            <a:off x="8090535" y="3467735"/>
             <a:ext cx="408940" cy="513715"/>
           </a:xfrm>
           <a:prstGeom prst="rect">
@@ -22561,7 +22507,7 @@
         </p:blipFill>
         <p:spPr>
           <a:xfrm>
-            <a:off x="7218045" y="4667885"/>
+            <a:off x="7232015" y="4514215"/>
             <a:ext cx="408940" cy="513715"/>
           </a:xfrm>
           <a:prstGeom prst="rect">
@@ -22599,7 +22545,7 @@
         </p:blipFill>
         <p:spPr>
           <a:xfrm>
-            <a:off x="8081645" y="4663440"/>
+            <a:off x="8095615" y="4509770"/>
             <a:ext cx="408940" cy="513715"/>
           </a:xfrm>
           <a:prstGeom prst="rect">
@@ -22637,7 +22583,7 @@
         </p:blipFill>
         <p:spPr>
           <a:xfrm>
-            <a:off x="6331585" y="5677535"/>
+            <a:off x="6330950" y="5785485"/>
             <a:ext cx="408940" cy="513715"/>
           </a:xfrm>
           <a:prstGeom prst="rect">
@@ -22675,7 +22621,7 @@
         </p:blipFill>
         <p:spPr>
           <a:xfrm>
-            <a:off x="7218045" y="5677535"/>
+            <a:off x="7217410" y="5785485"/>
             <a:ext cx="408940" cy="513715"/>
           </a:xfrm>
           <a:prstGeom prst="rect">
@@ -22713,7 +22659,7 @@
         </p:blipFill>
         <p:spPr>
           <a:xfrm>
-            <a:off x="8081645" y="5677535"/>
+            <a:off x="8081010" y="5785485"/>
             <a:ext cx="408940" cy="513715"/>
           </a:xfrm>
           <a:prstGeom prst="rect">
@@ -22729,8 +22675,8 @@
         </p:nvSpPr>
         <p:spPr>
           <a:xfrm rot="5400000">
-            <a:off x="6514465" y="6557010"/>
-            <a:ext cx="564515" cy="464820"/>
+            <a:off x="6618605" y="6617335"/>
+            <a:ext cx="442595" cy="464820"/>
           </a:xfrm>
           <a:prstGeom prst="rightArrow">
             <a:avLst/>
@@ -22978,6 +22924,726 @@
           </a:fontRef>
         </p:style>
       </p:cxnSp>
+      <mc:AlternateContent xmlns:mc="http://schemas.openxmlformats.org/markup-compatibility/2006">
+        <mc:Choice xmlns:a14="http://schemas.microsoft.com/office/drawing/2010/main" Requires="a14">
+          <p:sp>
+            <p:nvSpPr>
+              <p:cNvPr id="128" name="文本框 127"/>
+              <p:cNvSpPr txBox="1"/>
+              <p:nvPr/>
+            </p:nvSpPr>
+            <p:spPr>
+              <a:xfrm>
+                <a:off x="4902200" y="4054475"/>
+                <a:ext cx="398145" cy="337185"/>
+              </a:xfrm>
+              <a:prstGeom prst="rect">
+                <a:avLst/>
+              </a:prstGeom>
+              <a:noFill/>
+            </p:spPr>
+            <p:txBody>
+              <a:bodyPr wrap="none" rtlCol="0" anchor="t">
+                <a:spAutoFit/>
+              </a:bodyPr>
+              <a:p>
+                <a14:m>
+                  <m:oMathPara xmlns:m="http://schemas.openxmlformats.org/officeDocument/2006/math">
+                    <m:oMathParaPr>
+                      <m:jc m:val="centerGroup"/>
+                    </m:oMathParaPr>
+                    <m:oMath xmlns:m="http://schemas.openxmlformats.org/officeDocument/2006/math">
+                      <m:sSub>
+                        <m:sSubPr>
+                          <m:ctrlPr>
+                            <a:rPr lang="en-US" altLang="zh-CN" sz="1600" b="1" i="1">
+                              <a:latin typeface="Cambria Math" panose="02040503050406030204" charset="0"/>
+                              <a:cs typeface="Cambria Math" panose="02040503050406030204" charset="0"/>
+                            </a:rPr>
+                          </m:ctrlPr>
+                        </m:sSubPr>
+                        <m:e>
+                          <m:r>
+                            <a:rPr lang="en-US" altLang="zh-CN" sz="1600" b="1" i="1">
+                              <a:latin typeface="Cambria Math" panose="02040503050406030204" charset="0"/>
+                              <a:cs typeface="Cambria Math" panose="02040503050406030204" charset="0"/>
+                            </a:rPr>
+                            <m:t>𝒔</m:t>
+                          </m:r>
+                        </m:e>
+                        <m:sub>
+                          <m:r>
+                            <a:rPr lang="en-US" altLang="zh-CN" sz="1600" b="1" i="1">
+                              <a:latin typeface="Cambria Math" panose="02040503050406030204" charset="0"/>
+                              <a:ea typeface="MS Mincho" panose="02020609040205080304" charset="-128"/>
+                              <a:cs typeface="Cambria Math" panose="02040503050406030204" charset="0"/>
+                            </a:rPr>
+                            <m:t>𝟏</m:t>
+                          </m:r>
+                        </m:sub>
+                      </m:sSub>
+                    </m:oMath>
+                  </m:oMathPara>
+                </a14:m>
+                <a:endParaRPr lang="zh-CN" altLang="en-US" sz="1600"/>
+              </a:p>
+            </p:txBody>
+          </p:sp>
+        </mc:Choice>
+        <mc:Fallback>
+          <p:sp>
+            <p:nvSpPr>
+              <p:cNvPr id="128" name="文本框 127"/>
+              <p:cNvSpPr txBox="1">
+                <a:spLocks noRot="1" noChangeAspect="1" noMove="1" noResize="1" noEditPoints="1" noAdjustHandles="1" noChangeArrowheads="1" noChangeShapeType="1" noTextEdit="1"/>
+              </p:cNvSpPr>
+              <p:nvPr/>
+            </p:nvSpPr>
+            <p:spPr>
+              <a:xfrm>
+                <a:off x="4902200" y="4054475"/>
+                <a:ext cx="398145" cy="337185"/>
+              </a:xfrm>
+              <a:prstGeom prst="rect">
+                <a:avLst/>
+              </a:prstGeom>
+              <a:blipFill rotWithShape="1">
+                <a:blip r:embed="rId15"/>
+                <a:stretch>
+                  <a:fillRect/>
+                </a:stretch>
+              </a:blipFill>
+            </p:spPr>
+            <p:txBody>
+              <a:bodyPr/>
+              <a:lstStyle/>
+              <a:p>
+                <a:r>
+                  <a:rPr lang="zh-CN" altLang="en-US">
+                    <a:noFill/>
+                  </a:rPr>
+                  <a:t> </a:t>
+                </a:r>
+              </a:p>
+            </p:txBody>
+          </p:sp>
+        </mc:Fallback>
+      </mc:AlternateContent>
+      <mc:AlternateContent xmlns:mc="http://schemas.openxmlformats.org/markup-compatibility/2006">
+        <mc:Choice xmlns:a14="http://schemas.microsoft.com/office/drawing/2010/main" Requires="a14">
+          <p:sp>
+            <p:nvSpPr>
+              <p:cNvPr id="129" name="文本框 128"/>
+              <p:cNvSpPr txBox="1"/>
+              <p:nvPr/>
+            </p:nvSpPr>
+            <p:spPr>
+              <a:xfrm>
+                <a:off x="4902200" y="5090795"/>
+                <a:ext cx="392430" cy="337185"/>
+              </a:xfrm>
+              <a:prstGeom prst="rect">
+                <a:avLst/>
+              </a:prstGeom>
+              <a:noFill/>
+            </p:spPr>
+            <p:txBody>
+              <a:bodyPr wrap="none" rtlCol="0" anchor="t">
+                <a:spAutoFit/>
+              </a:bodyPr>
+              <a:p>
+                <a14:m>
+                  <m:oMathPara xmlns:m="http://schemas.openxmlformats.org/officeDocument/2006/math">
+                    <m:oMathParaPr>
+                      <m:jc m:val="centerGroup"/>
+                    </m:oMathParaPr>
+                    <m:oMath xmlns:m="http://schemas.openxmlformats.org/officeDocument/2006/math">
+                      <m:sSub>
+                        <m:sSubPr>
+                          <m:ctrlPr>
+                            <a:rPr lang="en-US" altLang="zh-CN" sz="1600" b="1" i="1">
+                              <a:latin typeface="Cambria Math" panose="02040503050406030204" charset="0"/>
+                              <a:cs typeface="Cambria Math" panose="02040503050406030204" charset="0"/>
+                            </a:rPr>
+                          </m:ctrlPr>
+                        </m:sSubPr>
+                        <m:e>
+                          <m:r>
+                            <a:rPr lang="en-US" altLang="zh-CN" sz="1600" b="1" i="1">
+                              <a:latin typeface="Cambria Math" panose="02040503050406030204" charset="0"/>
+                              <a:cs typeface="Cambria Math" panose="02040503050406030204" charset="0"/>
+                            </a:rPr>
+                            <m:t>𝒔</m:t>
+                          </m:r>
+                        </m:e>
+                        <m:sub>
+                          <m:r>
+                            <a:rPr lang="en-US" altLang="zh-CN" sz="1600" b="1" i="1">
+                              <a:latin typeface="Cambria Math" panose="02040503050406030204" charset="0"/>
+                              <a:ea typeface="MS Mincho" panose="02020609040205080304" charset="-128"/>
+                              <a:cs typeface="Cambria Math" panose="02040503050406030204" charset="0"/>
+                            </a:rPr>
+                            <m:t>𝟐</m:t>
+                          </m:r>
+                        </m:sub>
+                      </m:sSub>
+                    </m:oMath>
+                  </m:oMathPara>
+                </a14:m>
+                <a:endParaRPr lang="zh-CN" altLang="en-US" sz="1600"/>
+              </a:p>
+            </p:txBody>
+          </p:sp>
+        </mc:Choice>
+        <mc:Fallback>
+          <p:sp>
+            <p:nvSpPr>
+              <p:cNvPr id="129" name="文本框 128"/>
+              <p:cNvSpPr txBox="1">
+                <a:spLocks noRot="1" noChangeAspect="1" noMove="1" noResize="1" noEditPoints="1" noAdjustHandles="1" noChangeArrowheads="1" noChangeShapeType="1" noTextEdit="1"/>
+              </p:cNvSpPr>
+              <p:nvPr/>
+            </p:nvSpPr>
+            <p:spPr>
+              <a:xfrm>
+                <a:off x="4902200" y="5090795"/>
+                <a:ext cx="392430" cy="337185"/>
+              </a:xfrm>
+              <a:prstGeom prst="rect">
+                <a:avLst/>
+              </a:prstGeom>
+              <a:blipFill rotWithShape="1">
+                <a:blip r:embed="rId13"/>
+                <a:stretch>
+                  <a:fillRect/>
+                </a:stretch>
+              </a:blipFill>
+            </p:spPr>
+            <p:txBody>
+              <a:bodyPr/>
+              <a:lstStyle/>
+              <a:p>
+                <a:r>
+                  <a:rPr lang="zh-CN" altLang="en-US">
+                    <a:noFill/>
+                  </a:rPr>
+                  <a:t> </a:t>
+                </a:r>
+              </a:p>
+            </p:txBody>
+          </p:sp>
+        </mc:Fallback>
+      </mc:AlternateContent>
+      <mc:AlternateContent xmlns:mc="http://schemas.openxmlformats.org/markup-compatibility/2006">
+        <mc:Choice xmlns:a14="http://schemas.microsoft.com/office/drawing/2010/main" Requires="a14">
+          <p:sp>
+            <p:nvSpPr>
+              <p:cNvPr id="130" name="文本框 129"/>
+              <p:cNvSpPr txBox="1"/>
+              <p:nvPr/>
+            </p:nvSpPr>
+            <p:spPr>
+              <a:xfrm>
+                <a:off x="4879975" y="6290945"/>
+                <a:ext cx="406400" cy="337185"/>
+              </a:xfrm>
+              <a:prstGeom prst="rect">
+                <a:avLst/>
+              </a:prstGeom>
+              <a:noFill/>
+            </p:spPr>
+            <p:txBody>
+              <a:bodyPr wrap="none" rtlCol="0" anchor="t">
+                <a:spAutoFit/>
+              </a:bodyPr>
+              <a:p>
+                <a14:m>
+                  <m:oMathPara xmlns:m="http://schemas.openxmlformats.org/officeDocument/2006/math">
+                    <m:oMathParaPr>
+                      <m:jc m:val="centerGroup"/>
+                    </m:oMathParaPr>
+                    <m:oMath xmlns:m="http://schemas.openxmlformats.org/officeDocument/2006/math">
+                      <m:sSub>
+                        <m:sSubPr>
+                          <m:ctrlPr>
+                            <a:rPr lang="en-US" altLang="zh-CN" sz="1600" b="1" i="1">
+                              <a:latin typeface="Cambria Math" panose="02040503050406030204" charset="0"/>
+                              <a:cs typeface="Cambria Math" panose="02040503050406030204" charset="0"/>
+                            </a:rPr>
+                          </m:ctrlPr>
+                        </m:sSubPr>
+                        <m:e>
+                          <m:r>
+                            <a:rPr lang="en-US" altLang="zh-CN" sz="1600" b="1" i="1">
+                              <a:latin typeface="Cambria Math" panose="02040503050406030204" charset="0"/>
+                              <a:cs typeface="Cambria Math" panose="02040503050406030204" charset="0"/>
+                            </a:rPr>
+                            <m:t>𝒔</m:t>
+                          </m:r>
+                        </m:e>
+                        <m:sub>
+                          <m:r>
+                            <a:rPr lang="en-US" altLang="zh-CN" sz="1600" b="1" i="1">
+                              <a:latin typeface="Cambria Math" panose="02040503050406030204" charset="0"/>
+                              <a:cs typeface="Cambria Math" panose="02040503050406030204" charset="0"/>
+                            </a:rPr>
+                            <m:t>𝒏</m:t>
+                          </m:r>
+                        </m:sub>
+                      </m:sSub>
+                    </m:oMath>
+                  </m:oMathPara>
+                </a14:m>
+                <a:endParaRPr lang="zh-CN" altLang="en-US" sz="1600"/>
+              </a:p>
+            </p:txBody>
+          </p:sp>
+        </mc:Choice>
+        <mc:Fallback>
+          <p:sp>
+            <p:nvSpPr>
+              <p:cNvPr id="130" name="文本框 129"/>
+              <p:cNvSpPr txBox="1">
+                <a:spLocks noRot="1" noChangeAspect="1" noMove="1" noResize="1" noEditPoints="1" noAdjustHandles="1" noChangeArrowheads="1" noChangeShapeType="1" noTextEdit="1"/>
+              </p:cNvSpPr>
+              <p:nvPr/>
+            </p:nvSpPr>
+            <p:spPr>
+              <a:xfrm>
+                <a:off x="4879975" y="6290945"/>
+                <a:ext cx="406400" cy="337185"/>
+              </a:xfrm>
+              <a:prstGeom prst="rect">
+                <a:avLst/>
+              </a:prstGeom>
+              <a:blipFill rotWithShape="1">
+                <a:blip r:embed="rId22"/>
+                <a:stretch>
+                  <a:fillRect/>
+                </a:stretch>
+              </a:blipFill>
+            </p:spPr>
+            <p:txBody>
+              <a:bodyPr/>
+              <a:lstStyle/>
+              <a:p>
+                <a:r>
+                  <a:rPr lang="zh-CN" altLang="en-US">
+                    <a:noFill/>
+                  </a:rPr>
+                  <a:t> </a:t>
+                </a:r>
+              </a:p>
+            </p:txBody>
+          </p:sp>
+        </mc:Fallback>
+      </mc:AlternateContent>
+      <p:sp>
+        <p:nvSpPr>
+          <p:cNvPr id="133" name="文本框 132"/>
+          <p:cNvSpPr txBox="1"/>
+          <p:nvPr/>
+        </p:nvSpPr>
+        <p:spPr>
+          <a:xfrm>
+            <a:off x="4933950" y="5417185"/>
+            <a:ext cx="428625" cy="368300"/>
+          </a:xfrm>
+          <a:prstGeom prst="rect">
+            <a:avLst/>
+          </a:prstGeom>
+          <a:noFill/>
+        </p:spPr>
+        <p:txBody>
+          <a:bodyPr vert="eaVert" wrap="square" rtlCol="0">
+            <a:spAutoFit/>
+          </a:bodyPr>
+          <a:p>
+            <a:r>
+              <a:rPr lang="en-US" altLang="zh-CN" sz="1600" b="1">
+                <a:latin typeface="Calibri" panose="020F0502020204030204" charset="0"/>
+                <a:cs typeface="Calibri" panose="020F0502020204030204" charset="0"/>
+              </a:rPr>
+              <a:t>...</a:t>
+            </a:r>
+            <a:endParaRPr lang="en-US" altLang="zh-CN" sz="1600" b="1">
+              <a:latin typeface="Calibri" panose="020F0502020204030204" charset="0"/>
+              <a:cs typeface="Calibri" panose="020F0502020204030204" charset="0"/>
+            </a:endParaRPr>
+          </a:p>
+        </p:txBody>
+      </p:sp>
+      <p:sp>
+        <p:nvSpPr>
+          <p:cNvPr id="134" name="文本框 133"/>
+          <p:cNvSpPr txBox="1"/>
+          <p:nvPr/>
+        </p:nvSpPr>
+        <p:spPr>
+          <a:xfrm>
+            <a:off x="4531995" y="848360"/>
+            <a:ext cx="1233170" cy="312420"/>
+          </a:xfrm>
+          <a:prstGeom prst="rect">
+            <a:avLst/>
+          </a:prstGeom>
+          <a:noFill/>
+        </p:spPr>
+        <p:txBody>
+          <a:bodyPr wrap="square" rtlCol="0" anchor="t">
+            <a:spAutoFit/>
+          </a:bodyPr>
+          <a:p>
+            <a:pPr algn="ctr">
+              <a:lnSpc>
+                <a:spcPct val="80000"/>
+              </a:lnSpc>
+            </a:pPr>
+            <a:r>
+              <a:rPr lang="zh-CN" altLang="en-US" b="1">
+                <a:latin typeface="Calibri" panose="020F0502020204030204" charset="0"/>
+                <a:cs typeface="Calibri" panose="020F0502020204030204" charset="0"/>
+                <a:sym typeface="+mn-ea"/>
+              </a:rPr>
+              <a:t>教师抽查</a:t>
+            </a:r>
+            <a:endParaRPr lang="zh-CN" altLang="en-US" b="1">
+              <a:latin typeface="Calibri" panose="020F0502020204030204" charset="0"/>
+              <a:cs typeface="Calibri" panose="020F0502020204030204" charset="0"/>
+              <a:sym typeface="+mn-ea"/>
+            </a:endParaRPr>
+          </a:p>
+        </p:txBody>
+      </p:sp>
+      <p:sp>
+        <p:nvSpPr>
+          <p:cNvPr id="136" name="文本框 135"/>
+          <p:cNvSpPr txBox="1"/>
+          <p:nvPr/>
+        </p:nvSpPr>
+        <p:spPr>
+          <a:xfrm>
+            <a:off x="6193790" y="848360"/>
+            <a:ext cx="2581910" cy="312420"/>
+          </a:xfrm>
+          <a:prstGeom prst="rect">
+            <a:avLst/>
+          </a:prstGeom>
+          <a:noFill/>
+        </p:spPr>
+        <p:txBody>
+          <a:bodyPr wrap="square" rtlCol="0" anchor="t">
+            <a:spAutoFit/>
+          </a:bodyPr>
+          <a:p>
+            <a:pPr algn="ctr">
+              <a:lnSpc>
+                <a:spcPct val="80000"/>
+              </a:lnSpc>
+            </a:pPr>
+            <a:r>
+              <a:rPr lang="zh-CN" altLang="en-US" b="1">
+                <a:latin typeface="Calibri" panose="020F0502020204030204" charset="0"/>
+                <a:cs typeface="Calibri" panose="020F0502020204030204" charset="0"/>
+                <a:sym typeface="+mn-ea"/>
+              </a:rPr>
+              <a:t>有真实分数的作业集合</a:t>
+            </a:r>
+            <a:endParaRPr lang="zh-CN" altLang="en-US" b="1">
+              <a:latin typeface="Calibri" panose="020F0502020204030204" charset="0"/>
+              <a:cs typeface="Calibri" panose="020F0502020204030204" charset="0"/>
+              <a:sym typeface="+mn-ea"/>
+            </a:endParaRPr>
+          </a:p>
+        </p:txBody>
+      </p:sp>
+      <p:sp>
+        <p:nvSpPr>
+          <p:cNvPr id="137" name="文本框 136"/>
+          <p:cNvSpPr txBox="1"/>
+          <p:nvPr/>
+        </p:nvSpPr>
+        <p:spPr>
+          <a:xfrm>
+            <a:off x="10124440" y="2783205"/>
+            <a:ext cx="2224405" cy="312420"/>
+          </a:xfrm>
+          <a:prstGeom prst="rect">
+            <a:avLst/>
+          </a:prstGeom>
+          <a:noFill/>
+        </p:spPr>
+        <p:txBody>
+          <a:bodyPr wrap="square" rtlCol="0" anchor="t">
+            <a:spAutoFit/>
+          </a:bodyPr>
+          <a:p>
+            <a:pPr algn="ctr">
+              <a:lnSpc>
+                <a:spcPct val="80000"/>
+              </a:lnSpc>
+            </a:pPr>
+            <a:r>
+              <a:rPr lang="zh-CN" altLang="en-US" b="1">
+                <a:latin typeface="Calibri" panose="020F0502020204030204" charset="0"/>
+                <a:cs typeface="Calibri" panose="020F0502020204030204" charset="0"/>
+                <a:sym typeface="+mn-ea"/>
+              </a:rPr>
+              <a:t>学生评价能力</a:t>
+            </a:r>
+            <a:endParaRPr lang="zh-CN" altLang="en-US" b="1">
+              <a:latin typeface="Calibri" panose="020F0502020204030204" charset="0"/>
+              <a:cs typeface="Calibri" panose="020F0502020204030204" charset="0"/>
+              <a:sym typeface="+mn-ea"/>
+            </a:endParaRPr>
+          </a:p>
+        </p:txBody>
+      </p:sp>
+      <p:sp>
+        <p:nvSpPr>
+          <p:cNvPr id="140" name="文本框 139"/>
+          <p:cNvSpPr txBox="1"/>
+          <p:nvPr/>
+        </p:nvSpPr>
+        <p:spPr>
+          <a:xfrm>
+            <a:off x="4572000" y="2783205"/>
+            <a:ext cx="1233170" cy="312420"/>
+          </a:xfrm>
+          <a:prstGeom prst="rect">
+            <a:avLst/>
+          </a:prstGeom>
+          <a:noFill/>
+        </p:spPr>
+        <p:txBody>
+          <a:bodyPr wrap="square" rtlCol="0" anchor="t">
+            <a:spAutoFit/>
+          </a:bodyPr>
+          <a:p>
+            <a:pPr algn="ctr">
+              <a:lnSpc>
+                <a:spcPct val="80000"/>
+              </a:lnSpc>
+            </a:pPr>
+            <a:r>
+              <a:rPr lang="zh-CN" altLang="en-US" b="1">
+                <a:latin typeface="Calibri" panose="020F0502020204030204" charset="0"/>
+                <a:cs typeface="Calibri" panose="020F0502020204030204" charset="0"/>
+                <a:sym typeface="+mn-ea"/>
+              </a:rPr>
+              <a:t>学生抽查</a:t>
+            </a:r>
+            <a:endParaRPr lang="zh-CN" altLang="en-US" b="1">
+              <a:latin typeface="Calibri" panose="020F0502020204030204" charset="0"/>
+              <a:cs typeface="Calibri" panose="020F0502020204030204" charset="0"/>
+              <a:sym typeface="+mn-ea"/>
+            </a:endParaRPr>
+          </a:p>
+        </p:txBody>
+      </p:sp>
+      <p:sp>
+        <p:nvSpPr>
+          <p:cNvPr id="141" name="文本框 140"/>
+          <p:cNvSpPr txBox="1"/>
+          <p:nvPr/>
+        </p:nvSpPr>
+        <p:spPr>
+          <a:xfrm>
+            <a:off x="8882380" y="4171315"/>
+            <a:ext cx="1337310" cy="533400"/>
+          </a:xfrm>
+          <a:prstGeom prst="rect">
+            <a:avLst/>
+          </a:prstGeom>
+          <a:noFill/>
+        </p:spPr>
+        <p:txBody>
+          <a:bodyPr wrap="square" rtlCol="0" anchor="t">
+            <a:spAutoFit/>
+          </a:bodyPr>
+          <a:p>
+            <a:pPr algn="ctr">
+              <a:lnSpc>
+                <a:spcPct val="80000"/>
+              </a:lnSpc>
+            </a:pPr>
+            <a:r>
+              <a:rPr lang="zh-CN" altLang="en-US" b="1">
+                <a:latin typeface="Calibri" panose="020F0502020204030204" charset="0"/>
+                <a:cs typeface="Calibri" panose="020F0502020204030204" charset="0"/>
+                <a:sym typeface="+mn-ea"/>
+              </a:rPr>
+              <a:t>更新抽查者的评价能力</a:t>
+            </a:r>
+            <a:endParaRPr lang="zh-CN" altLang="en-US" b="1">
+              <a:latin typeface="Calibri" panose="020F0502020204030204" charset="0"/>
+              <a:cs typeface="Calibri" panose="020F0502020204030204" charset="0"/>
+              <a:sym typeface="+mn-ea"/>
+            </a:endParaRPr>
+          </a:p>
+        </p:txBody>
+      </p:sp>
+      <p:sp>
+        <p:nvSpPr>
+          <p:cNvPr id="143" name="文本框 142"/>
+          <p:cNvSpPr txBox="1"/>
+          <p:nvPr/>
+        </p:nvSpPr>
+        <p:spPr>
+          <a:xfrm>
+            <a:off x="8986520" y="6714490"/>
+            <a:ext cx="1233170" cy="533400"/>
+          </a:xfrm>
+          <a:prstGeom prst="rect">
+            <a:avLst/>
+          </a:prstGeom>
+          <a:noFill/>
+        </p:spPr>
+        <p:txBody>
+          <a:bodyPr wrap="square" rtlCol="0" anchor="t">
+            <a:spAutoFit/>
+          </a:bodyPr>
+          <a:p>
+            <a:pPr algn="ctr">
+              <a:lnSpc>
+                <a:spcPct val="80000"/>
+              </a:lnSpc>
+            </a:pPr>
+            <a:r>
+              <a:rPr lang="zh-CN" altLang="en-US" b="1">
+                <a:latin typeface="Calibri" panose="020F0502020204030204" charset="0"/>
+                <a:cs typeface="Calibri" panose="020F0502020204030204" charset="0"/>
+                <a:sym typeface="+mn-ea"/>
+              </a:rPr>
+              <a:t>引入评价能力</a:t>
+            </a:r>
+            <a:endParaRPr lang="zh-CN" altLang="en-US" b="1">
+              <a:latin typeface="Calibri" panose="020F0502020204030204" charset="0"/>
+              <a:cs typeface="Calibri" panose="020F0502020204030204" charset="0"/>
+              <a:sym typeface="+mn-ea"/>
+            </a:endParaRPr>
+          </a:p>
+        </p:txBody>
+      </p:sp>
+      <p:sp>
+        <p:nvSpPr>
+          <p:cNvPr id="144" name="文本框 143"/>
+          <p:cNvSpPr txBox="1"/>
+          <p:nvPr/>
+        </p:nvSpPr>
+        <p:spPr>
+          <a:xfrm>
+            <a:off x="8882380" y="7969885"/>
+            <a:ext cx="1444625" cy="533400"/>
+          </a:xfrm>
+          <a:prstGeom prst="rect">
+            <a:avLst/>
+          </a:prstGeom>
+          <a:noFill/>
+        </p:spPr>
+        <p:txBody>
+          <a:bodyPr wrap="square" rtlCol="0" anchor="t">
+            <a:spAutoFit/>
+          </a:bodyPr>
+          <a:p>
+            <a:pPr algn="ctr">
+              <a:lnSpc>
+                <a:spcPct val="80000"/>
+              </a:lnSpc>
+            </a:pPr>
+            <a:r>
+              <a:rPr lang="zh-CN" altLang="en-US" b="1">
+                <a:latin typeface="Calibri" panose="020F0502020204030204" charset="0"/>
+                <a:cs typeface="Calibri" panose="020F0502020204030204" charset="0"/>
+                <a:sym typeface="+mn-ea"/>
+              </a:rPr>
+              <a:t>更新未抽查者评价能力</a:t>
+            </a:r>
+            <a:endParaRPr lang="zh-CN" altLang="en-US" b="1">
+              <a:latin typeface="Calibri" panose="020F0502020204030204" charset="0"/>
+              <a:cs typeface="Calibri" panose="020F0502020204030204" charset="0"/>
+              <a:sym typeface="+mn-ea"/>
+            </a:endParaRPr>
+          </a:p>
+        </p:txBody>
+      </p:sp>
+      <p:sp>
+        <p:nvSpPr>
+          <p:cNvPr id="145" name="文本框 144"/>
+          <p:cNvSpPr txBox="1"/>
+          <p:nvPr/>
+        </p:nvSpPr>
+        <p:spPr>
+          <a:xfrm>
+            <a:off x="6607175" y="2783205"/>
+            <a:ext cx="2037080" cy="312420"/>
+          </a:xfrm>
+          <a:prstGeom prst="rect">
+            <a:avLst/>
+          </a:prstGeom>
+          <a:noFill/>
+        </p:spPr>
+        <p:txBody>
+          <a:bodyPr wrap="square" rtlCol="0" anchor="t">
+            <a:spAutoFit/>
+          </a:bodyPr>
+          <a:p>
+            <a:pPr algn="ctr">
+              <a:lnSpc>
+                <a:spcPct val="80000"/>
+              </a:lnSpc>
+            </a:pPr>
+            <a:r>
+              <a:rPr lang="zh-CN" altLang="en-US" b="1">
+                <a:latin typeface="Calibri" panose="020F0502020204030204" charset="0"/>
+                <a:cs typeface="Calibri" panose="020F0502020204030204" charset="0"/>
+                <a:sym typeface="+mn-ea"/>
+              </a:rPr>
+              <a:t>互评的作业列表</a:t>
+            </a:r>
+            <a:endParaRPr lang="zh-CN" altLang="en-US" b="1">
+              <a:latin typeface="Calibri" panose="020F0502020204030204" charset="0"/>
+              <a:cs typeface="Calibri" panose="020F0502020204030204" charset="0"/>
+              <a:sym typeface="+mn-ea"/>
+            </a:endParaRPr>
+          </a:p>
+        </p:txBody>
+      </p:sp>
+      <p:sp>
+        <p:nvSpPr>
+          <p:cNvPr id="148" name="文本框 147"/>
+          <p:cNvSpPr txBox="1"/>
+          <p:nvPr/>
+        </p:nvSpPr>
+        <p:spPr>
+          <a:xfrm>
+            <a:off x="7197725" y="5417185"/>
+            <a:ext cx="428625" cy="368300"/>
+          </a:xfrm>
+          <a:prstGeom prst="rect">
+            <a:avLst/>
+          </a:prstGeom>
+          <a:noFill/>
+        </p:spPr>
+        <p:txBody>
+          <a:bodyPr vert="eaVert" wrap="square" rtlCol="0">
+            <a:spAutoFit/>
+          </a:bodyPr>
+          <a:p>
+            <a:r>
+              <a:rPr lang="en-US" altLang="zh-CN" sz="1600" b="1">
+                <a:latin typeface="Calibri" panose="020F0502020204030204" charset="0"/>
+                <a:cs typeface="Calibri" panose="020F0502020204030204" charset="0"/>
+              </a:rPr>
+              <a:t>...</a:t>
+            </a:r>
+            <a:endParaRPr lang="en-US" altLang="zh-CN" sz="1600" b="1">
+              <a:latin typeface="Calibri" panose="020F0502020204030204" charset="0"/>
+              <a:cs typeface="Calibri" panose="020F0502020204030204" charset="0"/>
+            </a:endParaRPr>
+          </a:p>
+        </p:txBody>
+      </p:sp>
     </p:spTree>
   </p:cSld>
   <p:clrMapOvr>

--- a/paper/相关图.pptx
+++ b/paper/相关图.pptx
@@ -21442,60 +21442,6 @@
           </a:prstGeom>
         </p:spPr>
       </p:pic>
-      <p:pic>
-        <p:nvPicPr>
-          <p:cNvPr id="17" name="图片 16" descr="32303038313137353b32303131373435393bd0c7d0c7"/>
-          <p:cNvPicPr>
-            <a:picLocks noChangeAspect="1"/>
-          </p:cNvPicPr>
-          <p:nvPr/>
-        </p:nvPicPr>
-        <p:blipFill>
-          <a:blip r:embed="rId17">
-            <a:extLst>
-              <a:ext uri="{96DAC541-7B7A-43D3-8B79-37D633B846F1}">
-                <asvg:svgBlip xmlns:asvg="http://schemas.microsoft.com/office/drawing/2016/SVG/main" r:embed="rId18"/>
-              </a:ext>
-            </a:extLst>
-          </a:blip>
-          <a:stretch>
-            <a:fillRect/>
-          </a:stretch>
-        </p:blipFill>
-        <p:spPr>
-          <a:xfrm>
-            <a:off x="11485880" y="4686935"/>
-            <a:ext cx="466725" cy="466725"/>
-          </a:xfrm>
-          <a:prstGeom prst="rect">
-            <a:avLst/>
-          </a:prstGeom>
-        </p:spPr>
-      </p:pic>
-      <p:pic>
-        <p:nvPicPr>
-          <p:cNvPr id="19" name="图片 18"/>
-          <p:cNvPicPr>
-            <a:picLocks noChangeAspect="1"/>
-          </p:cNvPicPr>
-          <p:nvPr/>
-        </p:nvPicPr>
-        <p:blipFill>
-          <a:blip r:embed="rId12"/>
-          <a:stretch>
-            <a:fillRect/>
-          </a:stretch>
-        </p:blipFill>
-        <p:spPr>
-          <a:xfrm>
-            <a:off x="11607800" y="7969885"/>
-            <a:ext cx="201295" cy="335280"/>
-          </a:xfrm>
-          <a:prstGeom prst="rect">
-            <a:avLst/>
-          </a:prstGeom>
-        </p:spPr>
-      </p:pic>
       <p:sp>
         <p:nvSpPr>
           <p:cNvPr id="27" name="文本框 26"/>
@@ -21650,7 +21596,7 @@
                 <a:avLst/>
               </a:prstGeom>
               <a:blipFill rotWithShape="1">
-                <a:blip r:embed="rId19"/>
+                <a:blip r:embed="rId17"/>
                 <a:stretch>
                   <a:fillRect/>
                 </a:stretch>
@@ -21755,7 +21701,7 @@
                 <a:avLst/>
               </a:prstGeom>
               <a:blipFill rotWithShape="1">
-                <a:blip r:embed="rId20"/>
+                <a:blip r:embed="rId18"/>
                 <a:stretch>
                   <a:fillRect/>
                 </a:stretch>
@@ -21859,7 +21805,7 @@
                 <a:avLst/>
               </a:prstGeom>
               <a:blipFill rotWithShape="1">
-                <a:blip r:embed="rId21"/>
+                <a:blip r:embed="rId19"/>
                 <a:stretch>
                   <a:fillRect/>
                 </a:stretch>
@@ -22043,7 +21989,7 @@
         </p:nvSpPr>
         <p:spPr>
           <a:xfrm rot="5400000">
-            <a:off x="5755005" y="2366010"/>
+            <a:off x="6306264" y="2463165"/>
             <a:ext cx="583565" cy="483235"/>
           </a:xfrm>
           <a:prstGeom prst="rightArrow">
@@ -22675,7 +22621,7 @@
         </p:nvSpPr>
         <p:spPr>
           <a:xfrm rot="5400000">
-            <a:off x="6618605" y="6617335"/>
+            <a:off x="6376749" y="6617335"/>
             <a:ext cx="442595" cy="464820"/>
           </a:xfrm>
           <a:prstGeom prst="rightArrow">
@@ -22731,7 +22677,7 @@
         </p:nvSpPr>
         <p:spPr>
           <a:xfrm rot="5400000">
-            <a:off x="6555105" y="7788275"/>
+            <a:off x="6334839" y="7788275"/>
             <a:ext cx="526415" cy="507365"/>
           </a:xfrm>
           <a:prstGeom prst="rightArrow">
@@ -23217,7 +23163,7 @@
                 <a:avLst/>
               </a:prstGeom>
               <a:blipFill rotWithShape="1">
-                <a:blip r:embed="rId22"/>
+                <a:blip r:embed="rId20"/>
                 <a:stretch>
                   <a:fillRect/>
                 </a:stretch>
@@ -23644,6 +23590,62 @@
           </a:p>
         </p:txBody>
       </p:sp>
+      <p:pic>
+        <p:nvPicPr>
+          <p:cNvPr id="5" name="图片 4"/>
+          <p:cNvPicPr>
+            <a:picLocks noChangeAspect="1"/>
+          </p:cNvPicPr>
+          <p:nvPr>
+            <p:custDataLst>
+              <p:tags r:id="rId21"/>
+            </p:custDataLst>
+          </p:nvPr>
+        </p:nvPicPr>
+        <p:blipFill>
+          <a:blip r:embed="rId16"/>
+          <a:stretch>
+            <a:fillRect/>
+          </a:stretch>
+        </p:blipFill>
+        <p:spPr>
+          <a:xfrm>
+            <a:off x="11503660" y="4718050"/>
+            <a:ext cx="374650" cy="372745"/>
+          </a:xfrm>
+          <a:prstGeom prst="rect">
+            <a:avLst/>
+          </a:prstGeom>
+        </p:spPr>
+      </p:pic>
+      <p:pic>
+        <p:nvPicPr>
+          <p:cNvPr id="7" name="图片 6"/>
+          <p:cNvPicPr>
+            <a:picLocks noChangeAspect="1"/>
+          </p:cNvPicPr>
+          <p:nvPr>
+            <p:custDataLst>
+              <p:tags r:id="rId22"/>
+            </p:custDataLst>
+          </p:nvPr>
+        </p:nvPicPr>
+        <p:blipFill>
+          <a:blip r:embed="rId16"/>
+          <a:stretch>
+            <a:fillRect/>
+          </a:stretch>
+        </p:blipFill>
+        <p:spPr>
+          <a:xfrm>
+            <a:off x="11503660" y="7969885"/>
+            <a:ext cx="374650" cy="372745"/>
+          </a:xfrm>
+          <a:prstGeom prst="rect">
+            <a:avLst/>
+          </a:prstGeom>
+        </p:spPr>
+      </p:pic>
     </p:spTree>
   </p:cSld>
   <p:clrMapOvr>
@@ -23654,7 +23656,19 @@
 
 <file path=ppt/tags/tag1.xml><?xml version="1.0" encoding="utf-8"?>
 <p:tagLst xmlns:p="http://schemas.openxmlformats.org/presentationml/2006/main">
-  <p:tag name="COMMONDATA" val="eyJoZGlkIjoiYTQ5NmI0YmEyZWVjYTBlNTJmMTI2OTFlZWQzMjA2MGYifQ=="/>
+  <p:tag name="KSO_WM_BEAUTIFY_FLAG" val=""/>
+</p:tagLst>
+</file>
+
+<file path=ppt/tags/tag2.xml><?xml version="1.0" encoding="utf-8"?>
+<p:tagLst xmlns:p="http://schemas.openxmlformats.org/presentationml/2006/main">
+  <p:tag name="KSO_WM_BEAUTIFY_FLAG" val=""/>
+</p:tagLst>
+</file>
+
+<file path=ppt/tags/tag3.xml><?xml version="1.0" encoding="utf-8"?>
+<p:tagLst xmlns:p="http://schemas.openxmlformats.org/presentationml/2006/main">
+  <p:tag name="COMMONDATA" val="eyJoZGlkIjoiNTQ5NWQ2ZDVhYWVkYjcwYzkxMTljZTQzY2Y1NWQ2OTgifQ=="/>
   <p:tag name="KSO_WPP_MARK_KEY" val="dfa8ae1c-a901-4f9f-b0e6-c05165d6a7d9"/>
 </p:tagLst>
 </file>
